--- a/src/assets/Assets.pptx
+++ b/src/assets/Assets.pptx
@@ -8,6 +8,8 @@
     <p:sldId id="256" r:id="rId2"/>
     <p:sldId id="257" r:id="rId3"/>
     <p:sldId id="258" r:id="rId4"/>
+    <p:sldId id="259" r:id="rId5"/>
+    <p:sldId id="260" r:id="rId6"/>
   </p:sldIdLst>
   <p:sldSz cx="12192000" cy="6858000"/>
   <p:notesSz cx="6858000" cy="9144000"/>
@@ -261,7 +263,7 @@
           <a:p>
             <a:fld id="{AD428951-569D-4BEE-9DDF-471D87F3952B}" type="datetimeFigureOut">
               <a:rPr lang="it-IT" smtClean="0"/>
-              <a:t>10/10/2018</a:t>
+              <a:t>07/11/2018</a:t>
             </a:fld>
             <a:endParaRPr lang="it-IT"/>
           </a:p>
@@ -459,7 +461,7 @@
           <a:p>
             <a:fld id="{AD428951-569D-4BEE-9DDF-471D87F3952B}" type="datetimeFigureOut">
               <a:rPr lang="it-IT" smtClean="0"/>
-              <a:t>10/10/2018</a:t>
+              <a:t>07/11/2018</a:t>
             </a:fld>
             <a:endParaRPr lang="it-IT"/>
           </a:p>
@@ -667,7 +669,7 @@
           <a:p>
             <a:fld id="{AD428951-569D-4BEE-9DDF-471D87F3952B}" type="datetimeFigureOut">
               <a:rPr lang="it-IT" smtClean="0"/>
-              <a:t>10/10/2018</a:t>
+              <a:t>07/11/2018</a:t>
             </a:fld>
             <a:endParaRPr lang="it-IT"/>
           </a:p>
@@ -865,7 +867,7 @@
           <a:p>
             <a:fld id="{AD428951-569D-4BEE-9DDF-471D87F3952B}" type="datetimeFigureOut">
               <a:rPr lang="it-IT" smtClean="0"/>
-              <a:t>10/10/2018</a:t>
+              <a:t>07/11/2018</a:t>
             </a:fld>
             <a:endParaRPr lang="it-IT"/>
           </a:p>
@@ -1140,7 +1142,7 @@
           <a:p>
             <a:fld id="{AD428951-569D-4BEE-9DDF-471D87F3952B}" type="datetimeFigureOut">
               <a:rPr lang="it-IT" smtClean="0"/>
-              <a:t>10/10/2018</a:t>
+              <a:t>07/11/2018</a:t>
             </a:fld>
             <a:endParaRPr lang="it-IT"/>
           </a:p>
@@ -1405,7 +1407,7 @@
           <a:p>
             <a:fld id="{AD428951-569D-4BEE-9DDF-471D87F3952B}" type="datetimeFigureOut">
               <a:rPr lang="it-IT" smtClean="0"/>
-              <a:t>10/10/2018</a:t>
+              <a:t>07/11/2018</a:t>
             </a:fld>
             <a:endParaRPr lang="it-IT"/>
           </a:p>
@@ -1817,7 +1819,7 @@
           <a:p>
             <a:fld id="{AD428951-569D-4BEE-9DDF-471D87F3952B}" type="datetimeFigureOut">
               <a:rPr lang="it-IT" smtClean="0"/>
-              <a:t>10/10/2018</a:t>
+              <a:t>07/11/2018</a:t>
             </a:fld>
             <a:endParaRPr lang="it-IT"/>
           </a:p>
@@ -1958,7 +1960,7 @@
           <a:p>
             <a:fld id="{AD428951-569D-4BEE-9DDF-471D87F3952B}" type="datetimeFigureOut">
               <a:rPr lang="it-IT" smtClean="0"/>
-              <a:t>10/10/2018</a:t>
+              <a:t>07/11/2018</a:t>
             </a:fld>
             <a:endParaRPr lang="it-IT"/>
           </a:p>
@@ -2071,7 +2073,7 @@
           <a:p>
             <a:fld id="{AD428951-569D-4BEE-9DDF-471D87F3952B}" type="datetimeFigureOut">
               <a:rPr lang="it-IT" smtClean="0"/>
-              <a:t>10/10/2018</a:t>
+              <a:t>07/11/2018</a:t>
             </a:fld>
             <a:endParaRPr lang="it-IT"/>
           </a:p>
@@ -2382,7 +2384,7 @@
           <a:p>
             <a:fld id="{AD428951-569D-4BEE-9DDF-471D87F3952B}" type="datetimeFigureOut">
               <a:rPr lang="it-IT" smtClean="0"/>
-              <a:t>10/10/2018</a:t>
+              <a:t>07/11/2018</a:t>
             </a:fld>
             <a:endParaRPr lang="it-IT"/>
           </a:p>
@@ -2670,7 +2672,7 @@
           <a:p>
             <a:fld id="{AD428951-569D-4BEE-9DDF-471D87F3952B}" type="datetimeFigureOut">
               <a:rPr lang="it-IT" smtClean="0"/>
-              <a:t>10/10/2018</a:t>
+              <a:t>07/11/2018</a:t>
             </a:fld>
             <a:endParaRPr lang="it-IT"/>
           </a:p>
@@ -2911,7 +2913,7 @@
           <a:p>
             <a:fld id="{AD428951-569D-4BEE-9DDF-471D87F3952B}" type="datetimeFigureOut">
               <a:rPr lang="it-IT" smtClean="0"/>
-              <a:t>10/10/2018</a:t>
+              <a:t>07/11/2018</a:t>
             </a:fld>
             <a:endParaRPr lang="it-IT"/>
           </a:p>
@@ -4787,6 +4789,2260 @@
 </p:sld>
 </file>
 
+<file path=ppt/slides/slide4.xml><?xml version="1.0" encoding="utf-8"?>
+<p:sld xmlns:a="http://schemas.openxmlformats.org/drawingml/2006/main" xmlns:r="http://schemas.openxmlformats.org/officeDocument/2006/relationships" xmlns:p="http://schemas.openxmlformats.org/presentationml/2006/main">
+  <p:cSld>
+    <p:spTree>
+      <p:nvGrpSpPr>
+        <p:cNvPr id="1" name=""/>
+        <p:cNvGrpSpPr/>
+        <p:nvPr/>
+      </p:nvGrpSpPr>
+      <p:grpSpPr>
+        <a:xfrm>
+          <a:off x="0" y="0"/>
+          <a:ext cx="0" cy="0"/>
+          <a:chOff x="0" y="0"/>
+          <a:chExt cx="0" cy="0"/>
+        </a:xfrm>
+      </p:grpSpPr>
+      <p:grpSp>
+        <p:nvGrpSpPr>
+          <p:cNvPr id="4" name="Gruppo 3">
+            <a:extLst>
+              <a:ext uri="{FF2B5EF4-FFF2-40B4-BE49-F238E27FC236}">
+                <a16:creationId xmlns:a16="http://schemas.microsoft.com/office/drawing/2014/main" id="{8B3338D5-7D89-494C-8291-973DB295F977}"/>
+              </a:ext>
+            </a:extLst>
+          </p:cNvPr>
+          <p:cNvGrpSpPr/>
+          <p:nvPr/>
+        </p:nvGrpSpPr>
+        <p:grpSpPr>
+          <a:xfrm flipH="1">
+            <a:off x="2080823" y="2395214"/>
+            <a:ext cx="1826454" cy="932777"/>
+            <a:chOff x="2080823" y="2395214"/>
+            <a:chExt cx="2083981" cy="1064297"/>
+          </a:xfrm>
+        </p:grpSpPr>
+        <p:cxnSp>
+          <p:nvCxnSpPr>
+            <p:cNvPr id="5" name="Connettore a gomito 4">
+              <a:extLst>
+                <a:ext uri="{FF2B5EF4-FFF2-40B4-BE49-F238E27FC236}">
+                  <a16:creationId xmlns:a16="http://schemas.microsoft.com/office/drawing/2014/main" id="{20FECF45-9275-449A-B486-B1B63CDE7F38}"/>
+                </a:ext>
+              </a:extLst>
+            </p:cNvPr>
+            <p:cNvCxnSpPr>
+              <a:cxnSpLocks/>
+            </p:cNvCxnSpPr>
+            <p:nvPr/>
+          </p:nvCxnSpPr>
+          <p:spPr>
+            <a:xfrm rot="16200000" flipH="1">
+              <a:off x="2618857" y="2898163"/>
+              <a:ext cx="412492" cy="297711"/>
+            </a:xfrm>
+            <a:prstGeom prst="bentConnector3">
+              <a:avLst/>
+            </a:prstGeom>
+            <a:ln/>
+          </p:spPr>
+          <p:style>
+            <a:lnRef idx="1">
+              <a:schemeClr val="dk1"/>
+            </a:lnRef>
+            <a:fillRef idx="0">
+              <a:schemeClr val="dk1"/>
+            </a:fillRef>
+            <a:effectRef idx="0">
+              <a:schemeClr val="dk1"/>
+            </a:effectRef>
+            <a:fontRef idx="minor">
+              <a:schemeClr val="tx1"/>
+            </a:fontRef>
+          </p:style>
+        </p:cxnSp>
+        <p:cxnSp>
+          <p:nvCxnSpPr>
+            <p:cNvPr id="8" name="Connettore a gomito 7">
+              <a:extLst>
+                <a:ext uri="{FF2B5EF4-FFF2-40B4-BE49-F238E27FC236}">
+                  <a16:creationId xmlns:a16="http://schemas.microsoft.com/office/drawing/2014/main" id="{4B278F0D-6231-4344-BA26-BDC44FD5D6E0}"/>
+                </a:ext>
+              </a:extLst>
+            </p:cNvPr>
+            <p:cNvCxnSpPr>
+              <a:cxnSpLocks/>
+            </p:cNvCxnSpPr>
+            <p:nvPr/>
+          </p:nvCxnSpPr>
+          <p:spPr>
+            <a:xfrm rot="16200000" flipH="1">
+              <a:off x="2916568" y="3104409"/>
+              <a:ext cx="412492" cy="297711"/>
+            </a:xfrm>
+            <a:prstGeom prst="bentConnector3">
+              <a:avLst/>
+            </a:prstGeom>
+            <a:ln/>
+          </p:spPr>
+          <p:style>
+            <a:lnRef idx="1">
+              <a:schemeClr val="dk1"/>
+            </a:lnRef>
+            <a:fillRef idx="0">
+              <a:schemeClr val="dk1"/>
+            </a:fillRef>
+            <a:effectRef idx="0">
+              <a:schemeClr val="dk1"/>
+            </a:effectRef>
+            <a:fontRef idx="minor">
+              <a:schemeClr val="tx1"/>
+            </a:fontRef>
+          </p:style>
+        </p:cxnSp>
+        <p:cxnSp>
+          <p:nvCxnSpPr>
+            <p:cNvPr id="9" name="Connettore a gomito 8">
+              <a:extLst>
+                <a:ext uri="{FF2B5EF4-FFF2-40B4-BE49-F238E27FC236}">
+                  <a16:creationId xmlns:a16="http://schemas.microsoft.com/office/drawing/2014/main" id="{0540759E-5E02-4E63-A918-494114C8F250}"/>
+                </a:ext>
+              </a:extLst>
+            </p:cNvPr>
+            <p:cNvCxnSpPr>
+              <a:cxnSpLocks/>
+            </p:cNvCxnSpPr>
+            <p:nvPr/>
+          </p:nvCxnSpPr>
+          <p:spPr>
+            <a:xfrm rot="16200000">
+              <a:off x="3214280" y="3104409"/>
+              <a:ext cx="412492" cy="297711"/>
+            </a:xfrm>
+            <a:prstGeom prst="bentConnector3">
+              <a:avLst/>
+            </a:prstGeom>
+            <a:ln/>
+          </p:spPr>
+          <p:style>
+            <a:lnRef idx="1">
+              <a:schemeClr val="dk1"/>
+            </a:lnRef>
+            <a:fillRef idx="0">
+              <a:schemeClr val="dk1"/>
+            </a:fillRef>
+            <a:effectRef idx="0">
+              <a:schemeClr val="dk1"/>
+            </a:effectRef>
+            <a:fontRef idx="minor">
+              <a:schemeClr val="tx1"/>
+            </a:fontRef>
+          </p:style>
+        </p:cxnSp>
+        <p:cxnSp>
+          <p:nvCxnSpPr>
+            <p:cNvPr id="10" name="Connettore a gomito 9">
+              <a:extLst>
+                <a:ext uri="{FF2B5EF4-FFF2-40B4-BE49-F238E27FC236}">
+                  <a16:creationId xmlns:a16="http://schemas.microsoft.com/office/drawing/2014/main" id="{D9C2FDAE-5C39-426E-85C2-B50B8E362272}"/>
+                </a:ext>
+              </a:extLst>
+            </p:cNvPr>
+            <p:cNvCxnSpPr>
+              <a:cxnSpLocks/>
+            </p:cNvCxnSpPr>
+            <p:nvPr/>
+          </p:nvCxnSpPr>
+          <p:spPr>
+            <a:xfrm rot="16200000">
+              <a:off x="2916568" y="2898163"/>
+              <a:ext cx="412492" cy="297711"/>
+            </a:xfrm>
+            <a:prstGeom prst="bentConnector3">
+              <a:avLst/>
+            </a:prstGeom>
+            <a:ln/>
+          </p:spPr>
+          <p:style>
+            <a:lnRef idx="1">
+              <a:schemeClr val="dk1"/>
+            </a:lnRef>
+            <a:fillRef idx="0">
+              <a:schemeClr val="dk1"/>
+            </a:fillRef>
+            <a:effectRef idx="0">
+              <a:schemeClr val="dk1"/>
+            </a:effectRef>
+            <a:fontRef idx="minor">
+              <a:schemeClr val="tx1"/>
+            </a:fontRef>
+          </p:style>
+        </p:cxnSp>
+        <p:grpSp>
+          <p:nvGrpSpPr>
+            <p:cNvPr id="2" name="Gruppo 1">
+              <a:extLst>
+                <a:ext uri="{FF2B5EF4-FFF2-40B4-BE49-F238E27FC236}">
+                  <a16:creationId xmlns:a16="http://schemas.microsoft.com/office/drawing/2014/main" id="{0F68B524-00ED-474B-942C-336352A5545A}"/>
+                </a:ext>
+              </a:extLst>
+            </p:cNvPr>
+            <p:cNvGrpSpPr/>
+            <p:nvPr/>
+          </p:nvGrpSpPr>
+          <p:grpSpPr>
+            <a:xfrm rot="16200000">
+              <a:off x="2218021" y="2283730"/>
+              <a:ext cx="618738" cy="893134"/>
+              <a:chOff x="2324986" y="2449034"/>
+              <a:chExt cx="1834116" cy="2647503"/>
+            </a:xfrm>
+          </p:grpSpPr>
+          <p:cxnSp>
+            <p:nvCxnSpPr>
+              <p:cNvPr id="6" name="Connettore a gomito 5">
+                <a:extLst>
+                  <a:ext uri="{FF2B5EF4-FFF2-40B4-BE49-F238E27FC236}">
+                    <a16:creationId xmlns:a16="http://schemas.microsoft.com/office/drawing/2014/main" id="{9304BC83-0554-4484-BE6B-C63681ABEBE0}"/>
+                  </a:ext>
+                </a:extLst>
+              </p:cNvPr>
+              <p:cNvCxnSpPr>
+                <a:cxnSpLocks/>
+              </p:cNvCxnSpPr>
+              <p:nvPr/>
+            </p:nvCxnSpPr>
+            <p:spPr>
+              <a:xfrm flipH="1">
+                <a:off x="2936358" y="2449034"/>
+                <a:ext cx="1222744" cy="882501"/>
+              </a:xfrm>
+              <a:prstGeom prst="bentConnector3">
+                <a:avLst/>
+              </a:prstGeom>
+              <a:ln w="28575"/>
+            </p:spPr>
+            <p:style>
+              <a:lnRef idx="1">
+                <a:schemeClr val="accent1"/>
+              </a:lnRef>
+              <a:fillRef idx="0">
+                <a:schemeClr val="accent1"/>
+              </a:fillRef>
+              <a:effectRef idx="0">
+                <a:schemeClr val="accent1"/>
+              </a:effectRef>
+              <a:fontRef idx="minor">
+                <a:schemeClr val="tx1"/>
+              </a:fontRef>
+            </p:style>
+          </p:cxnSp>
+          <p:cxnSp>
+            <p:nvCxnSpPr>
+              <p:cNvPr id="7" name="Connettore a gomito 6">
+                <a:extLst>
+                  <a:ext uri="{FF2B5EF4-FFF2-40B4-BE49-F238E27FC236}">
+                    <a16:creationId xmlns:a16="http://schemas.microsoft.com/office/drawing/2014/main" id="{69A6A12D-98A3-4876-9850-4DE88B9E30E0}"/>
+                  </a:ext>
+                </a:extLst>
+              </p:cNvPr>
+              <p:cNvCxnSpPr>
+                <a:cxnSpLocks/>
+              </p:cNvCxnSpPr>
+              <p:nvPr/>
+            </p:nvCxnSpPr>
+            <p:spPr>
+              <a:xfrm flipH="1">
+                <a:off x="2324986" y="3331535"/>
+                <a:ext cx="1222744" cy="882501"/>
+              </a:xfrm>
+              <a:prstGeom prst="bentConnector3">
+                <a:avLst/>
+              </a:prstGeom>
+              <a:ln/>
+            </p:spPr>
+            <p:style>
+              <a:lnRef idx="1">
+                <a:schemeClr val="dk1"/>
+              </a:lnRef>
+              <a:fillRef idx="0">
+                <a:schemeClr val="dk1"/>
+              </a:fillRef>
+              <a:effectRef idx="0">
+                <a:schemeClr val="dk1"/>
+              </a:effectRef>
+              <a:fontRef idx="minor">
+                <a:schemeClr val="tx1"/>
+              </a:fontRef>
+            </p:style>
+          </p:cxnSp>
+          <p:cxnSp>
+            <p:nvCxnSpPr>
+              <p:cNvPr id="11" name="Connettore a gomito 10">
+                <a:extLst>
+                  <a:ext uri="{FF2B5EF4-FFF2-40B4-BE49-F238E27FC236}">
+                    <a16:creationId xmlns:a16="http://schemas.microsoft.com/office/drawing/2014/main" id="{9854EFD6-7237-4631-96C6-A404B3134DDD}"/>
+                  </a:ext>
+                </a:extLst>
+              </p:cNvPr>
+              <p:cNvCxnSpPr>
+                <a:cxnSpLocks/>
+              </p:cNvCxnSpPr>
+              <p:nvPr/>
+            </p:nvCxnSpPr>
+            <p:spPr>
+              <a:xfrm>
+                <a:off x="2324986" y="4214036"/>
+                <a:ext cx="1222744" cy="882501"/>
+              </a:xfrm>
+              <a:prstGeom prst="bentConnector3">
+                <a:avLst/>
+              </a:prstGeom>
+              <a:ln/>
+            </p:spPr>
+            <p:style>
+              <a:lnRef idx="1">
+                <a:schemeClr val="dk1"/>
+              </a:lnRef>
+              <a:fillRef idx="0">
+                <a:schemeClr val="dk1"/>
+              </a:fillRef>
+              <a:effectRef idx="0">
+                <a:schemeClr val="dk1"/>
+              </a:effectRef>
+              <a:fontRef idx="minor">
+                <a:schemeClr val="tx1"/>
+              </a:fontRef>
+            </p:style>
+          </p:cxnSp>
+          <p:cxnSp>
+            <p:nvCxnSpPr>
+              <p:cNvPr id="12" name="Connettore a gomito 11">
+                <a:extLst>
+                  <a:ext uri="{FF2B5EF4-FFF2-40B4-BE49-F238E27FC236}">
+                    <a16:creationId xmlns:a16="http://schemas.microsoft.com/office/drawing/2014/main" id="{0FC0D5E8-CF47-4E2C-A6D3-6FA57FBA70D2}"/>
+                  </a:ext>
+                </a:extLst>
+              </p:cNvPr>
+              <p:cNvCxnSpPr>
+                <a:cxnSpLocks/>
+              </p:cNvCxnSpPr>
+              <p:nvPr/>
+            </p:nvCxnSpPr>
+            <p:spPr>
+              <a:xfrm>
+                <a:off x="2936358" y="3331534"/>
+                <a:ext cx="1222744" cy="882501"/>
+              </a:xfrm>
+              <a:prstGeom prst="bentConnector3">
+                <a:avLst/>
+              </a:prstGeom>
+              <a:ln w="28575"/>
+            </p:spPr>
+            <p:style>
+              <a:lnRef idx="1">
+                <a:schemeClr val="accent1"/>
+              </a:lnRef>
+              <a:fillRef idx="0">
+                <a:schemeClr val="accent1"/>
+              </a:fillRef>
+              <a:effectRef idx="0">
+                <a:schemeClr val="accent1"/>
+              </a:effectRef>
+              <a:fontRef idx="minor">
+                <a:schemeClr val="tx1"/>
+              </a:fontRef>
+            </p:style>
+          </p:cxnSp>
+        </p:grpSp>
+        <p:cxnSp>
+          <p:nvCxnSpPr>
+            <p:cNvPr id="27" name="Connettore a gomito 26">
+              <a:extLst>
+                <a:ext uri="{FF2B5EF4-FFF2-40B4-BE49-F238E27FC236}">
+                  <a16:creationId xmlns:a16="http://schemas.microsoft.com/office/drawing/2014/main" id="{921A70E2-821B-4405-8A9E-B1E8C3C89551}"/>
+                </a:ext>
+              </a:extLst>
+            </p:cNvPr>
+            <p:cNvCxnSpPr>
+              <a:cxnSpLocks/>
+            </p:cNvCxnSpPr>
+            <p:nvPr/>
+          </p:nvCxnSpPr>
+          <p:spPr>
+            <a:xfrm rot="16200000">
+              <a:off x="3511991" y="2872449"/>
+              <a:ext cx="412492" cy="297711"/>
+            </a:xfrm>
+            <a:prstGeom prst="bentConnector3">
+              <a:avLst/>
+            </a:prstGeom>
+            <a:ln/>
+          </p:spPr>
+          <p:style>
+            <a:lnRef idx="1">
+              <a:schemeClr val="dk1"/>
+            </a:lnRef>
+            <a:fillRef idx="0">
+              <a:schemeClr val="dk1"/>
+            </a:fillRef>
+            <a:effectRef idx="0">
+              <a:schemeClr val="dk1"/>
+            </a:effectRef>
+            <a:fontRef idx="minor">
+              <a:schemeClr val="tx1"/>
+            </a:fontRef>
+          </p:style>
+        </p:cxnSp>
+        <p:cxnSp>
+          <p:nvCxnSpPr>
+            <p:cNvPr id="28" name="Connettore a gomito 27">
+              <a:extLst>
+                <a:ext uri="{FF2B5EF4-FFF2-40B4-BE49-F238E27FC236}">
+                  <a16:creationId xmlns:a16="http://schemas.microsoft.com/office/drawing/2014/main" id="{D4794B60-766C-4E2C-8F65-5A1E5A41C366}"/>
+                </a:ext>
+              </a:extLst>
+            </p:cNvPr>
+            <p:cNvCxnSpPr>
+              <a:cxnSpLocks/>
+            </p:cNvCxnSpPr>
+            <p:nvPr/>
+          </p:nvCxnSpPr>
+          <p:spPr>
+            <a:xfrm rot="16200000" flipH="1">
+              <a:off x="3511992" y="2684564"/>
+              <a:ext cx="412492" cy="297711"/>
+            </a:xfrm>
+            <a:prstGeom prst="bentConnector3">
+              <a:avLst/>
+            </a:prstGeom>
+            <a:ln/>
+          </p:spPr>
+          <p:style>
+            <a:lnRef idx="1">
+              <a:schemeClr val="dk1"/>
+            </a:lnRef>
+            <a:fillRef idx="0">
+              <a:schemeClr val="dk1"/>
+            </a:fillRef>
+            <a:effectRef idx="0">
+              <a:schemeClr val="dk1"/>
+            </a:effectRef>
+            <a:fontRef idx="minor">
+              <a:schemeClr val="tx1"/>
+            </a:fontRef>
+          </p:style>
+        </p:cxnSp>
+        <p:cxnSp>
+          <p:nvCxnSpPr>
+            <p:cNvPr id="29" name="Connettore a gomito 28">
+              <a:extLst>
+                <a:ext uri="{FF2B5EF4-FFF2-40B4-BE49-F238E27FC236}">
+                  <a16:creationId xmlns:a16="http://schemas.microsoft.com/office/drawing/2014/main" id="{1BA6A687-3669-4878-B898-163D0CBBB438}"/>
+                </a:ext>
+              </a:extLst>
+            </p:cNvPr>
+            <p:cNvCxnSpPr>
+              <a:cxnSpLocks/>
+            </p:cNvCxnSpPr>
+            <p:nvPr/>
+          </p:nvCxnSpPr>
+          <p:spPr>
+            <a:xfrm rot="16200000">
+              <a:off x="3809703" y="2684564"/>
+              <a:ext cx="412492" cy="297711"/>
+            </a:xfrm>
+            <a:prstGeom prst="bentConnector3">
+              <a:avLst/>
+            </a:prstGeom>
+            <a:ln/>
+          </p:spPr>
+          <p:style>
+            <a:lnRef idx="1">
+              <a:schemeClr val="dk1"/>
+            </a:lnRef>
+            <a:fillRef idx="0">
+              <a:schemeClr val="dk1"/>
+            </a:fillRef>
+            <a:effectRef idx="0">
+              <a:schemeClr val="dk1"/>
+            </a:effectRef>
+            <a:fontRef idx="minor">
+              <a:schemeClr val="tx1"/>
+            </a:fontRef>
+          </p:style>
+        </p:cxnSp>
+        <p:cxnSp>
+          <p:nvCxnSpPr>
+            <p:cNvPr id="30" name="Connettore a gomito 29">
+              <a:extLst>
+                <a:ext uri="{FF2B5EF4-FFF2-40B4-BE49-F238E27FC236}">
+                  <a16:creationId xmlns:a16="http://schemas.microsoft.com/office/drawing/2014/main" id="{5C08838B-8CC0-44B1-93DB-0A29CAF080E6}"/>
+                </a:ext>
+              </a:extLst>
+            </p:cNvPr>
+            <p:cNvCxnSpPr>
+              <a:cxnSpLocks/>
+            </p:cNvCxnSpPr>
+            <p:nvPr/>
+          </p:nvCxnSpPr>
+          <p:spPr>
+            <a:xfrm rot="16200000" flipH="1">
+              <a:off x="3214280" y="2452604"/>
+              <a:ext cx="412492" cy="297711"/>
+            </a:xfrm>
+            <a:prstGeom prst="bentConnector3">
+              <a:avLst/>
+            </a:prstGeom>
+            <a:ln/>
+          </p:spPr>
+          <p:style>
+            <a:lnRef idx="1">
+              <a:schemeClr val="dk1"/>
+            </a:lnRef>
+            <a:fillRef idx="0">
+              <a:schemeClr val="dk1"/>
+            </a:fillRef>
+            <a:effectRef idx="0">
+              <a:schemeClr val="dk1"/>
+            </a:effectRef>
+            <a:fontRef idx="minor">
+              <a:schemeClr val="tx1"/>
+            </a:fontRef>
+          </p:style>
+        </p:cxnSp>
+        <p:cxnSp>
+          <p:nvCxnSpPr>
+            <p:cNvPr id="31" name="Connettore a gomito 30">
+              <a:extLst>
+                <a:ext uri="{FF2B5EF4-FFF2-40B4-BE49-F238E27FC236}">
+                  <a16:creationId xmlns:a16="http://schemas.microsoft.com/office/drawing/2014/main" id="{153F16B3-0B62-471B-A076-734FB3354CFC}"/>
+                </a:ext>
+              </a:extLst>
+            </p:cNvPr>
+            <p:cNvCxnSpPr>
+              <a:cxnSpLocks/>
+            </p:cNvCxnSpPr>
+            <p:nvPr/>
+          </p:nvCxnSpPr>
+          <p:spPr>
+            <a:xfrm rot="16200000">
+              <a:off x="3511991" y="2452604"/>
+              <a:ext cx="412492" cy="297711"/>
+            </a:xfrm>
+            <a:prstGeom prst="bentConnector3">
+              <a:avLst/>
+            </a:prstGeom>
+            <a:ln/>
+          </p:spPr>
+          <p:style>
+            <a:lnRef idx="1">
+              <a:schemeClr val="dk1"/>
+            </a:lnRef>
+            <a:fillRef idx="0">
+              <a:schemeClr val="dk1"/>
+            </a:fillRef>
+            <a:effectRef idx="0">
+              <a:schemeClr val="dk1"/>
+            </a:effectRef>
+            <a:fontRef idx="minor">
+              <a:schemeClr val="tx1"/>
+            </a:fontRef>
+          </p:style>
+        </p:cxnSp>
+      </p:grpSp>
+      <p:grpSp>
+        <p:nvGrpSpPr>
+          <p:cNvPr id="33" name="Gruppo 32">
+            <a:extLst>
+              <a:ext uri="{FF2B5EF4-FFF2-40B4-BE49-F238E27FC236}">
+                <a16:creationId xmlns:a16="http://schemas.microsoft.com/office/drawing/2014/main" id="{E56CC520-F3FE-4098-9DD6-9DB3D14A6B8C}"/>
+              </a:ext>
+            </a:extLst>
+          </p:cNvPr>
+          <p:cNvGrpSpPr/>
+          <p:nvPr/>
+        </p:nvGrpSpPr>
+        <p:grpSpPr>
+          <a:xfrm flipH="1">
+            <a:off x="4657446" y="2477546"/>
+            <a:ext cx="1826454" cy="932777"/>
+            <a:chOff x="2080823" y="2395214"/>
+            <a:chExt cx="2083981" cy="1064297"/>
+          </a:xfrm>
+        </p:grpSpPr>
+        <p:cxnSp>
+          <p:nvCxnSpPr>
+            <p:cNvPr id="34" name="Connettore a gomito 33">
+              <a:extLst>
+                <a:ext uri="{FF2B5EF4-FFF2-40B4-BE49-F238E27FC236}">
+                  <a16:creationId xmlns:a16="http://schemas.microsoft.com/office/drawing/2014/main" id="{B7ECE95D-44BC-42CE-8244-5EA50F510B8B}"/>
+                </a:ext>
+              </a:extLst>
+            </p:cNvPr>
+            <p:cNvCxnSpPr>
+              <a:cxnSpLocks/>
+            </p:cNvCxnSpPr>
+            <p:nvPr/>
+          </p:nvCxnSpPr>
+          <p:spPr>
+            <a:xfrm rot="16200000" flipH="1">
+              <a:off x="2618857" y="2898163"/>
+              <a:ext cx="412492" cy="297711"/>
+            </a:xfrm>
+            <a:prstGeom prst="bentConnector3">
+              <a:avLst/>
+            </a:prstGeom>
+            <a:ln/>
+          </p:spPr>
+          <p:style>
+            <a:lnRef idx="1">
+              <a:schemeClr val="dk1"/>
+            </a:lnRef>
+            <a:fillRef idx="0">
+              <a:schemeClr val="dk1"/>
+            </a:fillRef>
+            <a:effectRef idx="0">
+              <a:schemeClr val="dk1"/>
+            </a:effectRef>
+            <a:fontRef idx="minor">
+              <a:schemeClr val="tx1"/>
+            </a:fontRef>
+          </p:style>
+        </p:cxnSp>
+        <p:cxnSp>
+          <p:nvCxnSpPr>
+            <p:cNvPr id="35" name="Connettore a gomito 34">
+              <a:extLst>
+                <a:ext uri="{FF2B5EF4-FFF2-40B4-BE49-F238E27FC236}">
+                  <a16:creationId xmlns:a16="http://schemas.microsoft.com/office/drawing/2014/main" id="{A85A6D13-4089-4B48-9C29-0E8664D1F27C}"/>
+                </a:ext>
+              </a:extLst>
+            </p:cNvPr>
+            <p:cNvCxnSpPr>
+              <a:cxnSpLocks/>
+            </p:cNvCxnSpPr>
+            <p:nvPr/>
+          </p:nvCxnSpPr>
+          <p:spPr>
+            <a:xfrm rot="16200000" flipH="1">
+              <a:off x="2916568" y="3104409"/>
+              <a:ext cx="412492" cy="297711"/>
+            </a:xfrm>
+            <a:prstGeom prst="bentConnector3">
+              <a:avLst/>
+            </a:prstGeom>
+            <a:ln/>
+          </p:spPr>
+          <p:style>
+            <a:lnRef idx="1">
+              <a:schemeClr val="dk1"/>
+            </a:lnRef>
+            <a:fillRef idx="0">
+              <a:schemeClr val="dk1"/>
+            </a:fillRef>
+            <a:effectRef idx="0">
+              <a:schemeClr val="dk1"/>
+            </a:effectRef>
+            <a:fontRef idx="minor">
+              <a:schemeClr val="tx1"/>
+            </a:fontRef>
+          </p:style>
+        </p:cxnSp>
+        <p:cxnSp>
+          <p:nvCxnSpPr>
+            <p:cNvPr id="36" name="Connettore a gomito 35">
+              <a:extLst>
+                <a:ext uri="{FF2B5EF4-FFF2-40B4-BE49-F238E27FC236}">
+                  <a16:creationId xmlns:a16="http://schemas.microsoft.com/office/drawing/2014/main" id="{853777AF-2FFD-4343-8A80-ED6F9BC5F6EE}"/>
+                </a:ext>
+              </a:extLst>
+            </p:cNvPr>
+            <p:cNvCxnSpPr>
+              <a:cxnSpLocks/>
+            </p:cNvCxnSpPr>
+            <p:nvPr/>
+          </p:nvCxnSpPr>
+          <p:spPr>
+            <a:xfrm rot="16200000">
+              <a:off x="3214280" y="3104409"/>
+              <a:ext cx="412492" cy="297711"/>
+            </a:xfrm>
+            <a:prstGeom prst="bentConnector3">
+              <a:avLst/>
+            </a:prstGeom>
+            <a:ln/>
+          </p:spPr>
+          <p:style>
+            <a:lnRef idx="1">
+              <a:schemeClr val="dk1"/>
+            </a:lnRef>
+            <a:fillRef idx="0">
+              <a:schemeClr val="dk1"/>
+            </a:fillRef>
+            <a:effectRef idx="0">
+              <a:schemeClr val="dk1"/>
+            </a:effectRef>
+            <a:fontRef idx="minor">
+              <a:schemeClr val="tx1"/>
+            </a:fontRef>
+          </p:style>
+        </p:cxnSp>
+        <p:cxnSp>
+          <p:nvCxnSpPr>
+            <p:cNvPr id="37" name="Connettore a gomito 36">
+              <a:extLst>
+                <a:ext uri="{FF2B5EF4-FFF2-40B4-BE49-F238E27FC236}">
+                  <a16:creationId xmlns:a16="http://schemas.microsoft.com/office/drawing/2014/main" id="{7BC25D10-CF3B-4506-9DCB-FDD2891E81B7}"/>
+                </a:ext>
+              </a:extLst>
+            </p:cNvPr>
+            <p:cNvCxnSpPr>
+              <a:cxnSpLocks/>
+            </p:cNvCxnSpPr>
+            <p:nvPr/>
+          </p:nvCxnSpPr>
+          <p:spPr>
+            <a:xfrm rot="16200000">
+              <a:off x="2916568" y="2898163"/>
+              <a:ext cx="412492" cy="297711"/>
+            </a:xfrm>
+            <a:prstGeom prst="bentConnector3">
+              <a:avLst/>
+            </a:prstGeom>
+            <a:ln/>
+          </p:spPr>
+          <p:style>
+            <a:lnRef idx="1">
+              <a:schemeClr val="dk1"/>
+            </a:lnRef>
+            <a:fillRef idx="0">
+              <a:schemeClr val="dk1"/>
+            </a:fillRef>
+            <a:effectRef idx="0">
+              <a:schemeClr val="dk1"/>
+            </a:effectRef>
+            <a:fontRef idx="minor">
+              <a:schemeClr val="tx1"/>
+            </a:fontRef>
+          </p:style>
+        </p:cxnSp>
+        <p:grpSp>
+          <p:nvGrpSpPr>
+            <p:cNvPr id="38" name="Gruppo 37">
+              <a:extLst>
+                <a:ext uri="{FF2B5EF4-FFF2-40B4-BE49-F238E27FC236}">
+                  <a16:creationId xmlns:a16="http://schemas.microsoft.com/office/drawing/2014/main" id="{9B1DAB63-47B4-4032-B1E3-6B90F1DE1F06}"/>
+                </a:ext>
+              </a:extLst>
+            </p:cNvPr>
+            <p:cNvGrpSpPr/>
+            <p:nvPr/>
+          </p:nvGrpSpPr>
+          <p:grpSpPr>
+            <a:xfrm rot="16200000">
+              <a:off x="2218021" y="2283730"/>
+              <a:ext cx="618738" cy="893134"/>
+              <a:chOff x="2324986" y="2449034"/>
+              <a:chExt cx="1834116" cy="2647503"/>
+            </a:xfrm>
+          </p:grpSpPr>
+          <p:cxnSp>
+            <p:nvCxnSpPr>
+              <p:cNvPr id="44" name="Connettore a gomito 43">
+                <a:extLst>
+                  <a:ext uri="{FF2B5EF4-FFF2-40B4-BE49-F238E27FC236}">
+                    <a16:creationId xmlns:a16="http://schemas.microsoft.com/office/drawing/2014/main" id="{AE9BF937-AAC2-4222-9904-7B95E08A04EA}"/>
+                  </a:ext>
+                </a:extLst>
+              </p:cNvPr>
+              <p:cNvCxnSpPr>
+                <a:cxnSpLocks/>
+              </p:cNvCxnSpPr>
+              <p:nvPr/>
+            </p:nvCxnSpPr>
+            <p:spPr>
+              <a:xfrm flipH="1">
+                <a:off x="2936358" y="2449034"/>
+                <a:ext cx="1222744" cy="882501"/>
+              </a:xfrm>
+              <a:prstGeom prst="bentConnector3">
+                <a:avLst/>
+              </a:prstGeom>
+              <a:ln w="28575"/>
+            </p:spPr>
+            <p:style>
+              <a:lnRef idx="1">
+                <a:schemeClr val="accent2"/>
+              </a:lnRef>
+              <a:fillRef idx="0">
+                <a:schemeClr val="accent2"/>
+              </a:fillRef>
+              <a:effectRef idx="0">
+                <a:schemeClr val="accent2"/>
+              </a:effectRef>
+              <a:fontRef idx="minor">
+                <a:schemeClr val="tx1"/>
+              </a:fontRef>
+            </p:style>
+          </p:cxnSp>
+          <p:cxnSp>
+            <p:nvCxnSpPr>
+              <p:cNvPr id="45" name="Connettore a gomito 44">
+                <a:extLst>
+                  <a:ext uri="{FF2B5EF4-FFF2-40B4-BE49-F238E27FC236}">
+                    <a16:creationId xmlns:a16="http://schemas.microsoft.com/office/drawing/2014/main" id="{E89684F8-74DC-484D-9CC2-255A2940BB13}"/>
+                  </a:ext>
+                </a:extLst>
+              </p:cNvPr>
+              <p:cNvCxnSpPr>
+                <a:cxnSpLocks/>
+              </p:cNvCxnSpPr>
+              <p:nvPr/>
+            </p:nvCxnSpPr>
+            <p:spPr>
+              <a:xfrm flipH="1">
+                <a:off x="2324986" y="3331535"/>
+                <a:ext cx="1222744" cy="882501"/>
+              </a:xfrm>
+              <a:prstGeom prst="bentConnector3">
+                <a:avLst/>
+              </a:prstGeom>
+              <a:ln/>
+            </p:spPr>
+            <p:style>
+              <a:lnRef idx="1">
+                <a:schemeClr val="dk1"/>
+              </a:lnRef>
+              <a:fillRef idx="0">
+                <a:schemeClr val="dk1"/>
+              </a:fillRef>
+              <a:effectRef idx="0">
+                <a:schemeClr val="dk1"/>
+              </a:effectRef>
+              <a:fontRef idx="minor">
+                <a:schemeClr val="tx1"/>
+              </a:fontRef>
+            </p:style>
+          </p:cxnSp>
+          <p:cxnSp>
+            <p:nvCxnSpPr>
+              <p:cNvPr id="46" name="Connettore a gomito 45">
+                <a:extLst>
+                  <a:ext uri="{FF2B5EF4-FFF2-40B4-BE49-F238E27FC236}">
+                    <a16:creationId xmlns:a16="http://schemas.microsoft.com/office/drawing/2014/main" id="{BA82B27C-BED4-400B-81C6-8DC4E3C88F1B}"/>
+                  </a:ext>
+                </a:extLst>
+              </p:cNvPr>
+              <p:cNvCxnSpPr>
+                <a:cxnSpLocks/>
+              </p:cNvCxnSpPr>
+              <p:nvPr/>
+            </p:nvCxnSpPr>
+            <p:spPr>
+              <a:xfrm>
+                <a:off x="2324986" y="4214036"/>
+                <a:ext cx="1222744" cy="882501"/>
+              </a:xfrm>
+              <a:prstGeom prst="bentConnector3">
+                <a:avLst/>
+              </a:prstGeom>
+              <a:ln/>
+            </p:spPr>
+            <p:style>
+              <a:lnRef idx="1">
+                <a:schemeClr val="dk1"/>
+              </a:lnRef>
+              <a:fillRef idx="0">
+                <a:schemeClr val="dk1"/>
+              </a:fillRef>
+              <a:effectRef idx="0">
+                <a:schemeClr val="dk1"/>
+              </a:effectRef>
+              <a:fontRef idx="minor">
+                <a:schemeClr val="tx1"/>
+              </a:fontRef>
+            </p:style>
+          </p:cxnSp>
+          <p:cxnSp>
+            <p:nvCxnSpPr>
+              <p:cNvPr id="47" name="Connettore a gomito 46">
+                <a:extLst>
+                  <a:ext uri="{FF2B5EF4-FFF2-40B4-BE49-F238E27FC236}">
+                    <a16:creationId xmlns:a16="http://schemas.microsoft.com/office/drawing/2014/main" id="{27D45DC8-92C3-49FF-B433-CC8EF7BC60C5}"/>
+                  </a:ext>
+                </a:extLst>
+              </p:cNvPr>
+              <p:cNvCxnSpPr>
+                <a:cxnSpLocks/>
+              </p:cNvCxnSpPr>
+              <p:nvPr/>
+            </p:nvCxnSpPr>
+            <p:spPr>
+              <a:xfrm>
+                <a:off x="2936358" y="3331534"/>
+                <a:ext cx="1222744" cy="882501"/>
+              </a:xfrm>
+              <a:prstGeom prst="bentConnector3">
+                <a:avLst/>
+              </a:prstGeom>
+              <a:ln w="28575"/>
+            </p:spPr>
+            <p:style>
+              <a:lnRef idx="1">
+                <a:schemeClr val="accent2"/>
+              </a:lnRef>
+              <a:fillRef idx="0">
+                <a:schemeClr val="accent2"/>
+              </a:fillRef>
+              <a:effectRef idx="0">
+                <a:schemeClr val="accent2"/>
+              </a:effectRef>
+              <a:fontRef idx="minor">
+                <a:schemeClr val="tx1"/>
+              </a:fontRef>
+            </p:style>
+          </p:cxnSp>
+        </p:grpSp>
+        <p:cxnSp>
+          <p:nvCxnSpPr>
+            <p:cNvPr id="39" name="Connettore a gomito 38">
+              <a:extLst>
+                <a:ext uri="{FF2B5EF4-FFF2-40B4-BE49-F238E27FC236}">
+                  <a16:creationId xmlns:a16="http://schemas.microsoft.com/office/drawing/2014/main" id="{1EE7206F-53B7-415C-9197-F77B6E3B532B}"/>
+                </a:ext>
+              </a:extLst>
+            </p:cNvPr>
+            <p:cNvCxnSpPr>
+              <a:cxnSpLocks/>
+            </p:cNvCxnSpPr>
+            <p:nvPr/>
+          </p:nvCxnSpPr>
+          <p:spPr>
+            <a:xfrm rot="16200000">
+              <a:off x="3511991" y="2872449"/>
+              <a:ext cx="412492" cy="297711"/>
+            </a:xfrm>
+            <a:prstGeom prst="bentConnector3">
+              <a:avLst/>
+            </a:prstGeom>
+            <a:ln/>
+          </p:spPr>
+          <p:style>
+            <a:lnRef idx="1">
+              <a:schemeClr val="dk1"/>
+            </a:lnRef>
+            <a:fillRef idx="0">
+              <a:schemeClr val="dk1"/>
+            </a:fillRef>
+            <a:effectRef idx="0">
+              <a:schemeClr val="dk1"/>
+            </a:effectRef>
+            <a:fontRef idx="minor">
+              <a:schemeClr val="tx1"/>
+            </a:fontRef>
+          </p:style>
+        </p:cxnSp>
+        <p:cxnSp>
+          <p:nvCxnSpPr>
+            <p:cNvPr id="40" name="Connettore a gomito 39">
+              <a:extLst>
+                <a:ext uri="{FF2B5EF4-FFF2-40B4-BE49-F238E27FC236}">
+                  <a16:creationId xmlns:a16="http://schemas.microsoft.com/office/drawing/2014/main" id="{0D8B764B-F79A-46E2-BA89-27A6102CBADD}"/>
+                </a:ext>
+              </a:extLst>
+            </p:cNvPr>
+            <p:cNvCxnSpPr>
+              <a:cxnSpLocks/>
+            </p:cNvCxnSpPr>
+            <p:nvPr/>
+          </p:nvCxnSpPr>
+          <p:spPr>
+            <a:xfrm rot="16200000" flipH="1">
+              <a:off x="3511992" y="2684564"/>
+              <a:ext cx="412492" cy="297711"/>
+            </a:xfrm>
+            <a:prstGeom prst="bentConnector3">
+              <a:avLst/>
+            </a:prstGeom>
+            <a:ln/>
+          </p:spPr>
+          <p:style>
+            <a:lnRef idx="1">
+              <a:schemeClr val="dk1"/>
+            </a:lnRef>
+            <a:fillRef idx="0">
+              <a:schemeClr val="dk1"/>
+            </a:fillRef>
+            <a:effectRef idx="0">
+              <a:schemeClr val="dk1"/>
+            </a:effectRef>
+            <a:fontRef idx="minor">
+              <a:schemeClr val="tx1"/>
+            </a:fontRef>
+          </p:style>
+        </p:cxnSp>
+        <p:cxnSp>
+          <p:nvCxnSpPr>
+            <p:cNvPr id="41" name="Connettore a gomito 40">
+              <a:extLst>
+                <a:ext uri="{FF2B5EF4-FFF2-40B4-BE49-F238E27FC236}">
+                  <a16:creationId xmlns:a16="http://schemas.microsoft.com/office/drawing/2014/main" id="{7BF935AE-18BF-41EF-A65B-45BEAD56EB5C}"/>
+                </a:ext>
+              </a:extLst>
+            </p:cNvPr>
+            <p:cNvCxnSpPr>
+              <a:cxnSpLocks/>
+            </p:cNvCxnSpPr>
+            <p:nvPr/>
+          </p:nvCxnSpPr>
+          <p:spPr>
+            <a:xfrm rot="16200000">
+              <a:off x="3809703" y="2684564"/>
+              <a:ext cx="412492" cy="297711"/>
+            </a:xfrm>
+            <a:prstGeom prst="bentConnector3">
+              <a:avLst/>
+            </a:prstGeom>
+            <a:ln/>
+          </p:spPr>
+          <p:style>
+            <a:lnRef idx="1">
+              <a:schemeClr val="dk1"/>
+            </a:lnRef>
+            <a:fillRef idx="0">
+              <a:schemeClr val="dk1"/>
+            </a:fillRef>
+            <a:effectRef idx="0">
+              <a:schemeClr val="dk1"/>
+            </a:effectRef>
+            <a:fontRef idx="minor">
+              <a:schemeClr val="tx1"/>
+            </a:fontRef>
+          </p:style>
+        </p:cxnSp>
+        <p:cxnSp>
+          <p:nvCxnSpPr>
+            <p:cNvPr id="42" name="Connettore a gomito 41">
+              <a:extLst>
+                <a:ext uri="{FF2B5EF4-FFF2-40B4-BE49-F238E27FC236}">
+                  <a16:creationId xmlns:a16="http://schemas.microsoft.com/office/drawing/2014/main" id="{E3782B7D-3494-4154-95A3-F88E89063349}"/>
+                </a:ext>
+              </a:extLst>
+            </p:cNvPr>
+            <p:cNvCxnSpPr>
+              <a:cxnSpLocks/>
+            </p:cNvCxnSpPr>
+            <p:nvPr/>
+          </p:nvCxnSpPr>
+          <p:spPr>
+            <a:xfrm rot="16200000" flipH="1">
+              <a:off x="3214280" y="2452604"/>
+              <a:ext cx="412492" cy="297711"/>
+            </a:xfrm>
+            <a:prstGeom prst="bentConnector3">
+              <a:avLst/>
+            </a:prstGeom>
+            <a:ln/>
+          </p:spPr>
+          <p:style>
+            <a:lnRef idx="1">
+              <a:schemeClr val="dk1"/>
+            </a:lnRef>
+            <a:fillRef idx="0">
+              <a:schemeClr val="dk1"/>
+            </a:fillRef>
+            <a:effectRef idx="0">
+              <a:schemeClr val="dk1"/>
+            </a:effectRef>
+            <a:fontRef idx="minor">
+              <a:schemeClr val="tx1"/>
+            </a:fontRef>
+          </p:style>
+        </p:cxnSp>
+        <p:cxnSp>
+          <p:nvCxnSpPr>
+            <p:cNvPr id="43" name="Connettore a gomito 42">
+              <a:extLst>
+                <a:ext uri="{FF2B5EF4-FFF2-40B4-BE49-F238E27FC236}">
+                  <a16:creationId xmlns:a16="http://schemas.microsoft.com/office/drawing/2014/main" id="{CBB26C3B-5243-43F0-BDBA-3F5D0012E344}"/>
+                </a:ext>
+              </a:extLst>
+            </p:cNvPr>
+            <p:cNvCxnSpPr>
+              <a:cxnSpLocks/>
+            </p:cNvCxnSpPr>
+            <p:nvPr/>
+          </p:nvCxnSpPr>
+          <p:spPr>
+            <a:xfrm rot="16200000">
+              <a:off x="3511991" y="2452604"/>
+              <a:ext cx="412492" cy="297711"/>
+            </a:xfrm>
+            <a:prstGeom prst="bentConnector3">
+              <a:avLst/>
+            </a:prstGeom>
+            <a:ln/>
+          </p:spPr>
+          <p:style>
+            <a:lnRef idx="1">
+              <a:schemeClr val="dk1"/>
+            </a:lnRef>
+            <a:fillRef idx="0">
+              <a:schemeClr val="dk1"/>
+            </a:fillRef>
+            <a:effectRef idx="0">
+              <a:schemeClr val="dk1"/>
+            </a:effectRef>
+            <a:fontRef idx="minor">
+              <a:schemeClr val="tx1"/>
+            </a:fontRef>
+          </p:style>
+        </p:cxnSp>
+      </p:grpSp>
+      <p:grpSp>
+        <p:nvGrpSpPr>
+          <p:cNvPr id="48" name="Gruppo 47">
+            <a:extLst>
+              <a:ext uri="{FF2B5EF4-FFF2-40B4-BE49-F238E27FC236}">
+                <a16:creationId xmlns:a16="http://schemas.microsoft.com/office/drawing/2014/main" id="{4ACE0472-5A42-476D-B1D3-A7269FAA6EF5}"/>
+              </a:ext>
+            </a:extLst>
+          </p:cNvPr>
+          <p:cNvGrpSpPr/>
+          <p:nvPr/>
+        </p:nvGrpSpPr>
+        <p:grpSpPr>
+          <a:xfrm flipH="1">
+            <a:off x="7494990" y="2477545"/>
+            <a:ext cx="1826454" cy="932777"/>
+            <a:chOff x="2080823" y="2395214"/>
+            <a:chExt cx="2083981" cy="1064297"/>
+          </a:xfrm>
+        </p:grpSpPr>
+        <p:cxnSp>
+          <p:nvCxnSpPr>
+            <p:cNvPr id="49" name="Connettore a gomito 48">
+              <a:extLst>
+                <a:ext uri="{FF2B5EF4-FFF2-40B4-BE49-F238E27FC236}">
+                  <a16:creationId xmlns:a16="http://schemas.microsoft.com/office/drawing/2014/main" id="{AAA5EB97-2586-41DC-A142-B69499FA3BE8}"/>
+                </a:ext>
+              </a:extLst>
+            </p:cNvPr>
+            <p:cNvCxnSpPr>
+              <a:cxnSpLocks/>
+            </p:cNvCxnSpPr>
+            <p:nvPr/>
+          </p:nvCxnSpPr>
+          <p:spPr>
+            <a:xfrm rot="16200000" flipH="1">
+              <a:off x="2618857" y="2898163"/>
+              <a:ext cx="412492" cy="297711"/>
+            </a:xfrm>
+            <a:prstGeom prst="bentConnector3">
+              <a:avLst/>
+            </a:prstGeom>
+            <a:ln/>
+          </p:spPr>
+          <p:style>
+            <a:lnRef idx="1">
+              <a:schemeClr val="dk1"/>
+            </a:lnRef>
+            <a:fillRef idx="0">
+              <a:schemeClr val="dk1"/>
+            </a:fillRef>
+            <a:effectRef idx="0">
+              <a:schemeClr val="dk1"/>
+            </a:effectRef>
+            <a:fontRef idx="minor">
+              <a:schemeClr val="tx1"/>
+            </a:fontRef>
+          </p:style>
+        </p:cxnSp>
+        <p:cxnSp>
+          <p:nvCxnSpPr>
+            <p:cNvPr id="50" name="Connettore a gomito 49">
+              <a:extLst>
+                <a:ext uri="{FF2B5EF4-FFF2-40B4-BE49-F238E27FC236}">
+                  <a16:creationId xmlns:a16="http://schemas.microsoft.com/office/drawing/2014/main" id="{F0377437-76C0-4FBC-BA9A-94B30CF5BFE0}"/>
+                </a:ext>
+              </a:extLst>
+            </p:cNvPr>
+            <p:cNvCxnSpPr>
+              <a:cxnSpLocks/>
+            </p:cNvCxnSpPr>
+            <p:nvPr/>
+          </p:nvCxnSpPr>
+          <p:spPr>
+            <a:xfrm rot="16200000" flipH="1">
+              <a:off x="2916568" y="3104409"/>
+              <a:ext cx="412492" cy="297711"/>
+            </a:xfrm>
+            <a:prstGeom prst="bentConnector3">
+              <a:avLst/>
+            </a:prstGeom>
+            <a:ln/>
+          </p:spPr>
+          <p:style>
+            <a:lnRef idx="1">
+              <a:schemeClr val="dk1"/>
+            </a:lnRef>
+            <a:fillRef idx="0">
+              <a:schemeClr val="dk1"/>
+            </a:fillRef>
+            <a:effectRef idx="0">
+              <a:schemeClr val="dk1"/>
+            </a:effectRef>
+            <a:fontRef idx="minor">
+              <a:schemeClr val="tx1"/>
+            </a:fontRef>
+          </p:style>
+        </p:cxnSp>
+        <p:cxnSp>
+          <p:nvCxnSpPr>
+            <p:cNvPr id="51" name="Connettore a gomito 50">
+              <a:extLst>
+                <a:ext uri="{FF2B5EF4-FFF2-40B4-BE49-F238E27FC236}">
+                  <a16:creationId xmlns:a16="http://schemas.microsoft.com/office/drawing/2014/main" id="{A561BE9B-B05B-427B-AE8C-DB671FB57B6A}"/>
+                </a:ext>
+              </a:extLst>
+            </p:cNvPr>
+            <p:cNvCxnSpPr>
+              <a:cxnSpLocks/>
+            </p:cNvCxnSpPr>
+            <p:nvPr/>
+          </p:nvCxnSpPr>
+          <p:spPr>
+            <a:xfrm rot="16200000">
+              <a:off x="3214280" y="3104409"/>
+              <a:ext cx="412492" cy="297711"/>
+            </a:xfrm>
+            <a:prstGeom prst="bentConnector3">
+              <a:avLst/>
+            </a:prstGeom>
+            <a:ln/>
+          </p:spPr>
+          <p:style>
+            <a:lnRef idx="1">
+              <a:schemeClr val="dk1"/>
+            </a:lnRef>
+            <a:fillRef idx="0">
+              <a:schemeClr val="dk1"/>
+            </a:fillRef>
+            <a:effectRef idx="0">
+              <a:schemeClr val="dk1"/>
+            </a:effectRef>
+            <a:fontRef idx="minor">
+              <a:schemeClr val="tx1"/>
+            </a:fontRef>
+          </p:style>
+        </p:cxnSp>
+        <p:cxnSp>
+          <p:nvCxnSpPr>
+            <p:cNvPr id="52" name="Connettore a gomito 51">
+              <a:extLst>
+                <a:ext uri="{FF2B5EF4-FFF2-40B4-BE49-F238E27FC236}">
+                  <a16:creationId xmlns:a16="http://schemas.microsoft.com/office/drawing/2014/main" id="{CCED8DAA-7523-4AE6-95F3-036776E72F5B}"/>
+                </a:ext>
+              </a:extLst>
+            </p:cNvPr>
+            <p:cNvCxnSpPr>
+              <a:cxnSpLocks/>
+            </p:cNvCxnSpPr>
+            <p:nvPr/>
+          </p:nvCxnSpPr>
+          <p:spPr>
+            <a:xfrm rot="16200000">
+              <a:off x="2916568" y="2898163"/>
+              <a:ext cx="412492" cy="297711"/>
+            </a:xfrm>
+            <a:prstGeom prst="bentConnector3">
+              <a:avLst/>
+            </a:prstGeom>
+            <a:ln/>
+          </p:spPr>
+          <p:style>
+            <a:lnRef idx="1">
+              <a:schemeClr val="dk1"/>
+            </a:lnRef>
+            <a:fillRef idx="0">
+              <a:schemeClr val="dk1"/>
+            </a:fillRef>
+            <a:effectRef idx="0">
+              <a:schemeClr val="dk1"/>
+            </a:effectRef>
+            <a:fontRef idx="minor">
+              <a:schemeClr val="tx1"/>
+            </a:fontRef>
+          </p:style>
+        </p:cxnSp>
+        <p:grpSp>
+          <p:nvGrpSpPr>
+            <p:cNvPr id="53" name="Gruppo 52">
+              <a:extLst>
+                <a:ext uri="{FF2B5EF4-FFF2-40B4-BE49-F238E27FC236}">
+                  <a16:creationId xmlns:a16="http://schemas.microsoft.com/office/drawing/2014/main" id="{0EFA298B-942A-4644-9C22-6E88F614030E}"/>
+                </a:ext>
+              </a:extLst>
+            </p:cNvPr>
+            <p:cNvGrpSpPr/>
+            <p:nvPr/>
+          </p:nvGrpSpPr>
+          <p:grpSpPr>
+            <a:xfrm rot="16200000">
+              <a:off x="2218021" y="2283730"/>
+              <a:ext cx="618738" cy="893134"/>
+              <a:chOff x="2324986" y="2449034"/>
+              <a:chExt cx="1834116" cy="2647503"/>
+            </a:xfrm>
+          </p:grpSpPr>
+          <p:cxnSp>
+            <p:nvCxnSpPr>
+              <p:cNvPr id="59" name="Connettore a gomito 58">
+                <a:extLst>
+                  <a:ext uri="{FF2B5EF4-FFF2-40B4-BE49-F238E27FC236}">
+                    <a16:creationId xmlns:a16="http://schemas.microsoft.com/office/drawing/2014/main" id="{909FED97-FA01-4489-96D4-86A88175B027}"/>
+                  </a:ext>
+                </a:extLst>
+              </p:cNvPr>
+              <p:cNvCxnSpPr>
+                <a:cxnSpLocks/>
+              </p:cNvCxnSpPr>
+              <p:nvPr/>
+            </p:nvCxnSpPr>
+            <p:spPr>
+              <a:xfrm flipH="1">
+                <a:off x="2936358" y="2449034"/>
+                <a:ext cx="1222744" cy="882501"/>
+              </a:xfrm>
+              <a:prstGeom prst="bentConnector3">
+                <a:avLst/>
+              </a:prstGeom>
+              <a:ln w="28575"/>
+            </p:spPr>
+            <p:style>
+              <a:lnRef idx="2">
+                <a:schemeClr val="accent6"/>
+              </a:lnRef>
+              <a:fillRef idx="0">
+                <a:schemeClr val="accent6"/>
+              </a:fillRef>
+              <a:effectRef idx="1">
+                <a:schemeClr val="accent6"/>
+              </a:effectRef>
+              <a:fontRef idx="minor">
+                <a:schemeClr val="tx1"/>
+              </a:fontRef>
+            </p:style>
+          </p:cxnSp>
+          <p:cxnSp>
+            <p:nvCxnSpPr>
+              <p:cNvPr id="60" name="Connettore a gomito 59">
+                <a:extLst>
+                  <a:ext uri="{FF2B5EF4-FFF2-40B4-BE49-F238E27FC236}">
+                    <a16:creationId xmlns:a16="http://schemas.microsoft.com/office/drawing/2014/main" id="{34E7A6CD-01C8-4D5F-A131-89745DC1E703}"/>
+                  </a:ext>
+                </a:extLst>
+              </p:cNvPr>
+              <p:cNvCxnSpPr>
+                <a:cxnSpLocks/>
+              </p:cNvCxnSpPr>
+              <p:nvPr/>
+            </p:nvCxnSpPr>
+            <p:spPr>
+              <a:xfrm flipH="1">
+                <a:off x="2324986" y="3331535"/>
+                <a:ext cx="1222744" cy="882501"/>
+              </a:xfrm>
+              <a:prstGeom prst="bentConnector3">
+                <a:avLst/>
+              </a:prstGeom>
+              <a:ln/>
+            </p:spPr>
+            <p:style>
+              <a:lnRef idx="1">
+                <a:schemeClr val="dk1"/>
+              </a:lnRef>
+              <a:fillRef idx="0">
+                <a:schemeClr val="dk1"/>
+              </a:fillRef>
+              <a:effectRef idx="0">
+                <a:schemeClr val="dk1"/>
+              </a:effectRef>
+              <a:fontRef idx="minor">
+                <a:schemeClr val="tx1"/>
+              </a:fontRef>
+            </p:style>
+          </p:cxnSp>
+          <p:cxnSp>
+            <p:nvCxnSpPr>
+              <p:cNvPr id="61" name="Connettore a gomito 60">
+                <a:extLst>
+                  <a:ext uri="{FF2B5EF4-FFF2-40B4-BE49-F238E27FC236}">
+                    <a16:creationId xmlns:a16="http://schemas.microsoft.com/office/drawing/2014/main" id="{B6045CE7-C98E-4F08-97A6-538C74E9980A}"/>
+                  </a:ext>
+                </a:extLst>
+              </p:cNvPr>
+              <p:cNvCxnSpPr>
+                <a:cxnSpLocks/>
+              </p:cNvCxnSpPr>
+              <p:nvPr/>
+            </p:nvCxnSpPr>
+            <p:spPr>
+              <a:xfrm>
+                <a:off x="2324986" y="4214036"/>
+                <a:ext cx="1222744" cy="882501"/>
+              </a:xfrm>
+              <a:prstGeom prst="bentConnector3">
+                <a:avLst/>
+              </a:prstGeom>
+              <a:ln/>
+            </p:spPr>
+            <p:style>
+              <a:lnRef idx="1">
+                <a:schemeClr val="dk1"/>
+              </a:lnRef>
+              <a:fillRef idx="0">
+                <a:schemeClr val="dk1"/>
+              </a:fillRef>
+              <a:effectRef idx="0">
+                <a:schemeClr val="dk1"/>
+              </a:effectRef>
+              <a:fontRef idx="minor">
+                <a:schemeClr val="tx1"/>
+              </a:fontRef>
+            </p:style>
+          </p:cxnSp>
+          <p:cxnSp>
+            <p:nvCxnSpPr>
+              <p:cNvPr id="62" name="Connettore a gomito 61">
+                <a:extLst>
+                  <a:ext uri="{FF2B5EF4-FFF2-40B4-BE49-F238E27FC236}">
+                    <a16:creationId xmlns:a16="http://schemas.microsoft.com/office/drawing/2014/main" id="{7D1EB34B-8080-4213-A19B-7565AE6490F5}"/>
+                  </a:ext>
+                </a:extLst>
+              </p:cNvPr>
+              <p:cNvCxnSpPr>
+                <a:cxnSpLocks/>
+              </p:cNvCxnSpPr>
+              <p:nvPr/>
+            </p:nvCxnSpPr>
+            <p:spPr>
+              <a:xfrm>
+                <a:off x="2936358" y="3331534"/>
+                <a:ext cx="1222744" cy="882501"/>
+              </a:xfrm>
+              <a:prstGeom prst="bentConnector3">
+                <a:avLst/>
+              </a:prstGeom>
+              <a:ln w="28575"/>
+            </p:spPr>
+            <p:style>
+              <a:lnRef idx="2">
+                <a:schemeClr val="accent6"/>
+              </a:lnRef>
+              <a:fillRef idx="0">
+                <a:schemeClr val="accent6"/>
+              </a:fillRef>
+              <a:effectRef idx="1">
+                <a:schemeClr val="accent6"/>
+              </a:effectRef>
+              <a:fontRef idx="minor">
+                <a:schemeClr val="tx1"/>
+              </a:fontRef>
+            </p:style>
+          </p:cxnSp>
+        </p:grpSp>
+        <p:cxnSp>
+          <p:nvCxnSpPr>
+            <p:cNvPr id="54" name="Connettore a gomito 53">
+              <a:extLst>
+                <a:ext uri="{FF2B5EF4-FFF2-40B4-BE49-F238E27FC236}">
+                  <a16:creationId xmlns:a16="http://schemas.microsoft.com/office/drawing/2014/main" id="{60F5EBEC-9EA4-41FA-8BAA-6A4D5324C77A}"/>
+                </a:ext>
+              </a:extLst>
+            </p:cNvPr>
+            <p:cNvCxnSpPr>
+              <a:cxnSpLocks/>
+            </p:cNvCxnSpPr>
+            <p:nvPr/>
+          </p:nvCxnSpPr>
+          <p:spPr>
+            <a:xfrm rot="16200000">
+              <a:off x="3511991" y="2872449"/>
+              <a:ext cx="412492" cy="297711"/>
+            </a:xfrm>
+            <a:prstGeom prst="bentConnector3">
+              <a:avLst/>
+            </a:prstGeom>
+            <a:ln/>
+          </p:spPr>
+          <p:style>
+            <a:lnRef idx="1">
+              <a:schemeClr val="dk1"/>
+            </a:lnRef>
+            <a:fillRef idx="0">
+              <a:schemeClr val="dk1"/>
+            </a:fillRef>
+            <a:effectRef idx="0">
+              <a:schemeClr val="dk1"/>
+            </a:effectRef>
+            <a:fontRef idx="minor">
+              <a:schemeClr val="tx1"/>
+            </a:fontRef>
+          </p:style>
+        </p:cxnSp>
+        <p:cxnSp>
+          <p:nvCxnSpPr>
+            <p:cNvPr id="55" name="Connettore a gomito 54">
+              <a:extLst>
+                <a:ext uri="{FF2B5EF4-FFF2-40B4-BE49-F238E27FC236}">
+                  <a16:creationId xmlns:a16="http://schemas.microsoft.com/office/drawing/2014/main" id="{96918257-E01D-4004-950E-C75D4EB5C079}"/>
+                </a:ext>
+              </a:extLst>
+            </p:cNvPr>
+            <p:cNvCxnSpPr>
+              <a:cxnSpLocks/>
+            </p:cNvCxnSpPr>
+            <p:nvPr/>
+          </p:nvCxnSpPr>
+          <p:spPr>
+            <a:xfrm rot="16200000" flipH="1">
+              <a:off x="3511992" y="2684564"/>
+              <a:ext cx="412492" cy="297711"/>
+            </a:xfrm>
+            <a:prstGeom prst="bentConnector3">
+              <a:avLst/>
+            </a:prstGeom>
+            <a:ln/>
+          </p:spPr>
+          <p:style>
+            <a:lnRef idx="1">
+              <a:schemeClr val="dk1"/>
+            </a:lnRef>
+            <a:fillRef idx="0">
+              <a:schemeClr val="dk1"/>
+            </a:fillRef>
+            <a:effectRef idx="0">
+              <a:schemeClr val="dk1"/>
+            </a:effectRef>
+            <a:fontRef idx="minor">
+              <a:schemeClr val="tx1"/>
+            </a:fontRef>
+          </p:style>
+        </p:cxnSp>
+        <p:cxnSp>
+          <p:nvCxnSpPr>
+            <p:cNvPr id="56" name="Connettore a gomito 55">
+              <a:extLst>
+                <a:ext uri="{FF2B5EF4-FFF2-40B4-BE49-F238E27FC236}">
+                  <a16:creationId xmlns:a16="http://schemas.microsoft.com/office/drawing/2014/main" id="{66246318-229C-4634-82BB-9E1AE168D0C8}"/>
+                </a:ext>
+              </a:extLst>
+            </p:cNvPr>
+            <p:cNvCxnSpPr>
+              <a:cxnSpLocks/>
+            </p:cNvCxnSpPr>
+            <p:nvPr/>
+          </p:nvCxnSpPr>
+          <p:spPr>
+            <a:xfrm rot="16200000">
+              <a:off x="3809703" y="2684564"/>
+              <a:ext cx="412492" cy="297711"/>
+            </a:xfrm>
+            <a:prstGeom prst="bentConnector3">
+              <a:avLst/>
+            </a:prstGeom>
+            <a:ln/>
+          </p:spPr>
+          <p:style>
+            <a:lnRef idx="1">
+              <a:schemeClr val="dk1"/>
+            </a:lnRef>
+            <a:fillRef idx="0">
+              <a:schemeClr val="dk1"/>
+            </a:fillRef>
+            <a:effectRef idx="0">
+              <a:schemeClr val="dk1"/>
+            </a:effectRef>
+            <a:fontRef idx="minor">
+              <a:schemeClr val="tx1"/>
+            </a:fontRef>
+          </p:style>
+        </p:cxnSp>
+        <p:cxnSp>
+          <p:nvCxnSpPr>
+            <p:cNvPr id="57" name="Connettore a gomito 56">
+              <a:extLst>
+                <a:ext uri="{FF2B5EF4-FFF2-40B4-BE49-F238E27FC236}">
+                  <a16:creationId xmlns:a16="http://schemas.microsoft.com/office/drawing/2014/main" id="{6ADEE5F7-6BDE-417D-BA4B-3BF1098D30F4}"/>
+                </a:ext>
+              </a:extLst>
+            </p:cNvPr>
+            <p:cNvCxnSpPr>
+              <a:cxnSpLocks/>
+            </p:cNvCxnSpPr>
+            <p:nvPr/>
+          </p:nvCxnSpPr>
+          <p:spPr>
+            <a:xfrm rot="16200000" flipH="1">
+              <a:off x="3214280" y="2452604"/>
+              <a:ext cx="412492" cy="297711"/>
+            </a:xfrm>
+            <a:prstGeom prst="bentConnector3">
+              <a:avLst/>
+            </a:prstGeom>
+            <a:ln/>
+          </p:spPr>
+          <p:style>
+            <a:lnRef idx="1">
+              <a:schemeClr val="dk1"/>
+            </a:lnRef>
+            <a:fillRef idx="0">
+              <a:schemeClr val="dk1"/>
+            </a:fillRef>
+            <a:effectRef idx="0">
+              <a:schemeClr val="dk1"/>
+            </a:effectRef>
+            <a:fontRef idx="minor">
+              <a:schemeClr val="tx1"/>
+            </a:fontRef>
+          </p:style>
+        </p:cxnSp>
+        <p:cxnSp>
+          <p:nvCxnSpPr>
+            <p:cNvPr id="58" name="Connettore a gomito 57">
+              <a:extLst>
+                <a:ext uri="{FF2B5EF4-FFF2-40B4-BE49-F238E27FC236}">
+                  <a16:creationId xmlns:a16="http://schemas.microsoft.com/office/drawing/2014/main" id="{E71EA51C-DCEB-49F7-91EB-2DAE41C66C04}"/>
+                </a:ext>
+              </a:extLst>
+            </p:cNvPr>
+            <p:cNvCxnSpPr>
+              <a:cxnSpLocks/>
+            </p:cNvCxnSpPr>
+            <p:nvPr/>
+          </p:nvCxnSpPr>
+          <p:spPr>
+            <a:xfrm rot="16200000">
+              <a:off x="3511991" y="2452604"/>
+              <a:ext cx="412492" cy="297711"/>
+            </a:xfrm>
+            <a:prstGeom prst="bentConnector3">
+              <a:avLst/>
+            </a:prstGeom>
+            <a:ln/>
+          </p:spPr>
+          <p:style>
+            <a:lnRef idx="1">
+              <a:schemeClr val="dk1"/>
+            </a:lnRef>
+            <a:fillRef idx="0">
+              <a:schemeClr val="dk1"/>
+            </a:fillRef>
+            <a:effectRef idx="0">
+              <a:schemeClr val="dk1"/>
+            </a:effectRef>
+            <a:fontRef idx="minor">
+              <a:schemeClr val="tx1"/>
+            </a:fontRef>
+          </p:style>
+        </p:cxnSp>
+      </p:grpSp>
+    </p:spTree>
+    <p:extLst>
+      <p:ext uri="{BB962C8B-B14F-4D97-AF65-F5344CB8AC3E}">
+        <p14:creationId xmlns:p14="http://schemas.microsoft.com/office/powerpoint/2010/main" val="3315428409"/>
+      </p:ext>
+    </p:extLst>
+  </p:cSld>
+  <p:clrMapOvr>
+    <a:masterClrMapping/>
+  </p:clrMapOvr>
+</p:sld>
+</file>
+
+<file path=ppt/slides/slide5.xml><?xml version="1.0" encoding="utf-8"?>
+<p:sld xmlns:a="http://schemas.openxmlformats.org/drawingml/2006/main" xmlns:r="http://schemas.openxmlformats.org/officeDocument/2006/relationships" xmlns:p="http://schemas.openxmlformats.org/presentationml/2006/main">
+  <p:cSld>
+    <p:spTree>
+      <p:nvGrpSpPr>
+        <p:cNvPr id="1" name=""/>
+        <p:cNvGrpSpPr/>
+        <p:nvPr/>
+      </p:nvGrpSpPr>
+      <p:grpSpPr>
+        <a:xfrm>
+          <a:off x="0" y="0"/>
+          <a:ext cx="0" cy="0"/>
+          <a:chOff x="0" y="0"/>
+          <a:chExt cx="0" cy="0"/>
+        </a:xfrm>
+      </p:grpSpPr>
+      <p:grpSp>
+        <p:nvGrpSpPr>
+          <p:cNvPr id="4" name="Gruppo 3">
+            <a:extLst>
+              <a:ext uri="{FF2B5EF4-FFF2-40B4-BE49-F238E27FC236}">
+                <a16:creationId xmlns:a16="http://schemas.microsoft.com/office/drawing/2014/main" id="{09202E6A-94F4-4723-942E-4038738ACB1B}"/>
+              </a:ext>
+            </a:extLst>
+          </p:cNvPr>
+          <p:cNvGrpSpPr/>
+          <p:nvPr/>
+        </p:nvGrpSpPr>
+        <p:grpSpPr>
+          <a:xfrm>
+            <a:off x="2321443" y="2211573"/>
+            <a:ext cx="618738" cy="893134"/>
+            <a:chOff x="2321443" y="2211573"/>
+            <a:chExt cx="618738" cy="893134"/>
+          </a:xfrm>
+        </p:grpSpPr>
+        <p:cxnSp>
+          <p:nvCxnSpPr>
+            <p:cNvPr id="5" name="Connettore a gomito 4">
+              <a:extLst>
+                <a:ext uri="{FF2B5EF4-FFF2-40B4-BE49-F238E27FC236}">
+                  <a16:creationId xmlns:a16="http://schemas.microsoft.com/office/drawing/2014/main" id="{20FECF45-9275-449A-B486-B1B63CDE7F38}"/>
+                </a:ext>
+              </a:extLst>
+            </p:cNvPr>
+            <p:cNvCxnSpPr>
+              <a:cxnSpLocks/>
+            </p:cNvCxnSpPr>
+            <p:nvPr/>
+          </p:nvCxnSpPr>
+          <p:spPr>
+            <a:xfrm flipH="1">
+              <a:off x="2527689" y="2211573"/>
+              <a:ext cx="412492" cy="297711"/>
+            </a:xfrm>
+            <a:prstGeom prst="bentConnector3">
+              <a:avLst/>
+            </a:prstGeom>
+            <a:ln/>
+          </p:spPr>
+          <p:style>
+            <a:lnRef idx="1">
+              <a:schemeClr val="accent6"/>
+            </a:lnRef>
+            <a:fillRef idx="0">
+              <a:schemeClr val="accent6"/>
+            </a:fillRef>
+            <a:effectRef idx="0">
+              <a:schemeClr val="accent6"/>
+            </a:effectRef>
+            <a:fontRef idx="minor">
+              <a:schemeClr val="tx1"/>
+            </a:fontRef>
+          </p:style>
+        </p:cxnSp>
+        <p:cxnSp>
+          <p:nvCxnSpPr>
+            <p:cNvPr id="8" name="Connettore a gomito 7">
+              <a:extLst>
+                <a:ext uri="{FF2B5EF4-FFF2-40B4-BE49-F238E27FC236}">
+                  <a16:creationId xmlns:a16="http://schemas.microsoft.com/office/drawing/2014/main" id="{4B278F0D-6231-4344-BA26-BDC44FD5D6E0}"/>
+                </a:ext>
+              </a:extLst>
+            </p:cNvPr>
+            <p:cNvCxnSpPr>
+              <a:cxnSpLocks/>
+            </p:cNvCxnSpPr>
+            <p:nvPr/>
+          </p:nvCxnSpPr>
+          <p:spPr>
+            <a:xfrm flipH="1">
+              <a:off x="2321443" y="2509284"/>
+              <a:ext cx="412492" cy="297711"/>
+            </a:xfrm>
+            <a:prstGeom prst="bentConnector3">
+              <a:avLst/>
+            </a:prstGeom>
+            <a:ln>
+              <a:solidFill>
+                <a:srgbClr val="FF0000"/>
+              </a:solidFill>
+            </a:ln>
+          </p:spPr>
+          <p:style>
+            <a:lnRef idx="1">
+              <a:schemeClr val="accent1"/>
+            </a:lnRef>
+            <a:fillRef idx="0">
+              <a:schemeClr val="accent1"/>
+            </a:fillRef>
+            <a:effectRef idx="0">
+              <a:schemeClr val="accent1"/>
+            </a:effectRef>
+            <a:fontRef idx="minor">
+              <a:schemeClr val="tx1"/>
+            </a:fontRef>
+          </p:style>
+        </p:cxnSp>
+        <p:cxnSp>
+          <p:nvCxnSpPr>
+            <p:cNvPr id="9" name="Connettore a gomito 8">
+              <a:extLst>
+                <a:ext uri="{FF2B5EF4-FFF2-40B4-BE49-F238E27FC236}">
+                  <a16:creationId xmlns:a16="http://schemas.microsoft.com/office/drawing/2014/main" id="{0540759E-5E02-4E63-A918-494114C8F250}"/>
+                </a:ext>
+              </a:extLst>
+            </p:cNvPr>
+            <p:cNvCxnSpPr>
+              <a:cxnSpLocks/>
+            </p:cNvCxnSpPr>
+            <p:nvPr/>
+          </p:nvCxnSpPr>
+          <p:spPr>
+            <a:xfrm>
+              <a:off x="2321443" y="2806996"/>
+              <a:ext cx="412492" cy="297711"/>
+            </a:xfrm>
+            <a:prstGeom prst="bentConnector3">
+              <a:avLst/>
+            </a:prstGeom>
+            <a:ln>
+              <a:solidFill>
+                <a:srgbClr val="FF0000"/>
+              </a:solidFill>
+            </a:ln>
+          </p:spPr>
+          <p:style>
+            <a:lnRef idx="1">
+              <a:schemeClr val="accent1"/>
+            </a:lnRef>
+            <a:fillRef idx="0">
+              <a:schemeClr val="accent1"/>
+            </a:fillRef>
+            <a:effectRef idx="0">
+              <a:schemeClr val="accent1"/>
+            </a:effectRef>
+            <a:fontRef idx="minor">
+              <a:schemeClr val="tx1"/>
+            </a:fontRef>
+          </p:style>
+        </p:cxnSp>
+        <p:cxnSp>
+          <p:nvCxnSpPr>
+            <p:cNvPr id="10" name="Connettore a gomito 9">
+              <a:extLst>
+                <a:ext uri="{FF2B5EF4-FFF2-40B4-BE49-F238E27FC236}">
+                  <a16:creationId xmlns:a16="http://schemas.microsoft.com/office/drawing/2014/main" id="{D9C2FDAE-5C39-426E-85C2-B50B8E362272}"/>
+                </a:ext>
+              </a:extLst>
+            </p:cNvPr>
+            <p:cNvCxnSpPr>
+              <a:cxnSpLocks/>
+            </p:cNvCxnSpPr>
+            <p:nvPr/>
+          </p:nvCxnSpPr>
+          <p:spPr>
+            <a:xfrm>
+              <a:off x="2527689" y="2509284"/>
+              <a:ext cx="412492" cy="297711"/>
+            </a:xfrm>
+            <a:prstGeom prst="bentConnector3">
+              <a:avLst/>
+            </a:prstGeom>
+            <a:ln/>
+          </p:spPr>
+          <p:style>
+            <a:lnRef idx="1">
+              <a:schemeClr val="accent6"/>
+            </a:lnRef>
+            <a:fillRef idx="0">
+              <a:schemeClr val="accent6"/>
+            </a:fillRef>
+            <a:effectRef idx="0">
+              <a:schemeClr val="accent6"/>
+            </a:effectRef>
+            <a:fontRef idx="minor">
+              <a:schemeClr val="tx1"/>
+            </a:fontRef>
+          </p:style>
+        </p:cxnSp>
+      </p:grpSp>
+      <p:grpSp>
+        <p:nvGrpSpPr>
+          <p:cNvPr id="13" name="Gruppo 12">
+            <a:extLst>
+              <a:ext uri="{FF2B5EF4-FFF2-40B4-BE49-F238E27FC236}">
+                <a16:creationId xmlns:a16="http://schemas.microsoft.com/office/drawing/2014/main" id="{671C989B-0766-4611-B455-48210C67D477}"/>
+              </a:ext>
+            </a:extLst>
+          </p:cNvPr>
+          <p:cNvGrpSpPr/>
+          <p:nvPr/>
+        </p:nvGrpSpPr>
+        <p:grpSpPr>
+          <a:xfrm>
+            <a:off x="4419602" y="2211573"/>
+            <a:ext cx="618738" cy="893134"/>
+            <a:chOff x="4419602" y="2211573"/>
+            <a:chExt cx="618738" cy="893134"/>
+          </a:xfrm>
+        </p:grpSpPr>
+        <p:cxnSp>
+          <p:nvCxnSpPr>
+            <p:cNvPr id="27" name="Connettore a gomito 26">
+              <a:extLst>
+                <a:ext uri="{FF2B5EF4-FFF2-40B4-BE49-F238E27FC236}">
+                  <a16:creationId xmlns:a16="http://schemas.microsoft.com/office/drawing/2014/main" id="{3EAA1545-E3E3-4AD9-9BFC-19F5123E0441}"/>
+                </a:ext>
+              </a:extLst>
+            </p:cNvPr>
+            <p:cNvCxnSpPr>
+              <a:cxnSpLocks/>
+            </p:cNvCxnSpPr>
+            <p:nvPr/>
+          </p:nvCxnSpPr>
+          <p:spPr>
+            <a:xfrm flipH="1">
+              <a:off x="4625848" y="2211573"/>
+              <a:ext cx="412492" cy="297711"/>
+            </a:xfrm>
+            <a:prstGeom prst="bentConnector3">
+              <a:avLst/>
+            </a:prstGeom>
+            <a:ln/>
+          </p:spPr>
+          <p:style>
+            <a:lnRef idx="2">
+              <a:schemeClr val="accent1"/>
+            </a:lnRef>
+            <a:fillRef idx="0">
+              <a:schemeClr val="accent1"/>
+            </a:fillRef>
+            <a:effectRef idx="1">
+              <a:schemeClr val="accent1"/>
+            </a:effectRef>
+            <a:fontRef idx="minor">
+              <a:schemeClr val="tx1"/>
+            </a:fontRef>
+          </p:style>
+        </p:cxnSp>
+        <p:cxnSp>
+          <p:nvCxnSpPr>
+            <p:cNvPr id="28" name="Connettore a gomito 27">
+              <a:extLst>
+                <a:ext uri="{FF2B5EF4-FFF2-40B4-BE49-F238E27FC236}">
+                  <a16:creationId xmlns:a16="http://schemas.microsoft.com/office/drawing/2014/main" id="{E4CD50A3-0C8B-4CF4-88BA-091714A97567}"/>
+                </a:ext>
+              </a:extLst>
+            </p:cNvPr>
+            <p:cNvCxnSpPr>
+              <a:cxnSpLocks/>
+            </p:cNvCxnSpPr>
+            <p:nvPr/>
+          </p:nvCxnSpPr>
+          <p:spPr>
+            <a:xfrm flipH="1">
+              <a:off x="4419602" y="2509284"/>
+              <a:ext cx="412492" cy="297711"/>
+            </a:xfrm>
+            <a:prstGeom prst="bentConnector3">
+              <a:avLst/>
+            </a:prstGeom>
+            <a:ln>
+              <a:solidFill>
+                <a:srgbClr val="FF0000"/>
+              </a:solidFill>
+            </a:ln>
+          </p:spPr>
+          <p:style>
+            <a:lnRef idx="1">
+              <a:schemeClr val="accent1"/>
+            </a:lnRef>
+            <a:fillRef idx="0">
+              <a:schemeClr val="accent1"/>
+            </a:fillRef>
+            <a:effectRef idx="0">
+              <a:schemeClr val="accent1"/>
+            </a:effectRef>
+            <a:fontRef idx="minor">
+              <a:schemeClr val="tx1"/>
+            </a:fontRef>
+          </p:style>
+        </p:cxnSp>
+        <p:cxnSp>
+          <p:nvCxnSpPr>
+            <p:cNvPr id="29" name="Connettore a gomito 28">
+              <a:extLst>
+                <a:ext uri="{FF2B5EF4-FFF2-40B4-BE49-F238E27FC236}">
+                  <a16:creationId xmlns:a16="http://schemas.microsoft.com/office/drawing/2014/main" id="{9E00AF1C-DA3A-43CE-A1D9-AEE189AD7A54}"/>
+                </a:ext>
+              </a:extLst>
+            </p:cNvPr>
+            <p:cNvCxnSpPr>
+              <a:cxnSpLocks/>
+            </p:cNvCxnSpPr>
+            <p:nvPr/>
+          </p:nvCxnSpPr>
+          <p:spPr>
+            <a:xfrm>
+              <a:off x="4419602" y="2806996"/>
+              <a:ext cx="412492" cy="297711"/>
+            </a:xfrm>
+            <a:prstGeom prst="bentConnector3">
+              <a:avLst/>
+            </a:prstGeom>
+            <a:ln>
+              <a:solidFill>
+                <a:srgbClr val="FF0000"/>
+              </a:solidFill>
+            </a:ln>
+          </p:spPr>
+          <p:style>
+            <a:lnRef idx="1">
+              <a:schemeClr val="accent1"/>
+            </a:lnRef>
+            <a:fillRef idx="0">
+              <a:schemeClr val="accent1"/>
+            </a:fillRef>
+            <a:effectRef idx="0">
+              <a:schemeClr val="accent1"/>
+            </a:effectRef>
+            <a:fontRef idx="minor">
+              <a:schemeClr val="tx1"/>
+            </a:fontRef>
+          </p:style>
+        </p:cxnSp>
+        <p:cxnSp>
+          <p:nvCxnSpPr>
+            <p:cNvPr id="30" name="Connettore a gomito 29">
+              <a:extLst>
+                <a:ext uri="{FF2B5EF4-FFF2-40B4-BE49-F238E27FC236}">
+                  <a16:creationId xmlns:a16="http://schemas.microsoft.com/office/drawing/2014/main" id="{42D32862-7BAF-495F-A6BB-3BC4CF9471CE}"/>
+                </a:ext>
+              </a:extLst>
+            </p:cNvPr>
+            <p:cNvCxnSpPr>
+              <a:cxnSpLocks/>
+            </p:cNvCxnSpPr>
+            <p:nvPr/>
+          </p:nvCxnSpPr>
+          <p:spPr>
+            <a:xfrm>
+              <a:off x="4625848" y="2509284"/>
+              <a:ext cx="412492" cy="297711"/>
+            </a:xfrm>
+            <a:prstGeom prst="bentConnector3">
+              <a:avLst/>
+            </a:prstGeom>
+            <a:ln/>
+          </p:spPr>
+          <p:style>
+            <a:lnRef idx="2">
+              <a:schemeClr val="accent1"/>
+            </a:lnRef>
+            <a:fillRef idx="0">
+              <a:schemeClr val="accent1"/>
+            </a:fillRef>
+            <a:effectRef idx="1">
+              <a:schemeClr val="accent1"/>
+            </a:effectRef>
+            <a:fontRef idx="minor">
+              <a:schemeClr val="tx1"/>
+            </a:fontRef>
+          </p:style>
+        </p:cxnSp>
+      </p:grpSp>
+      <p:grpSp>
+        <p:nvGrpSpPr>
+          <p:cNvPr id="15" name="Gruppo 14">
+            <a:extLst>
+              <a:ext uri="{FF2B5EF4-FFF2-40B4-BE49-F238E27FC236}">
+                <a16:creationId xmlns:a16="http://schemas.microsoft.com/office/drawing/2014/main" id="{FEC60DFC-C3F3-4D1B-B1F8-BE23091E2B13}"/>
+              </a:ext>
+            </a:extLst>
+          </p:cNvPr>
+          <p:cNvGrpSpPr/>
+          <p:nvPr/>
+        </p:nvGrpSpPr>
+        <p:grpSpPr>
+          <a:xfrm>
+            <a:off x="6689934" y="2264735"/>
+            <a:ext cx="659987" cy="893134"/>
+            <a:chOff x="6689934" y="2264735"/>
+            <a:chExt cx="659987" cy="893134"/>
+          </a:xfrm>
+        </p:grpSpPr>
+        <p:cxnSp>
+          <p:nvCxnSpPr>
+            <p:cNvPr id="31" name="Connettore a gomito 30">
+              <a:extLst>
+                <a:ext uri="{FF2B5EF4-FFF2-40B4-BE49-F238E27FC236}">
+                  <a16:creationId xmlns:a16="http://schemas.microsoft.com/office/drawing/2014/main" id="{533ED62E-8274-4B7F-9941-8D47A38EC178}"/>
+                </a:ext>
+              </a:extLst>
+            </p:cNvPr>
+            <p:cNvCxnSpPr>
+              <a:cxnSpLocks/>
+            </p:cNvCxnSpPr>
+            <p:nvPr/>
+          </p:nvCxnSpPr>
+          <p:spPr>
+            <a:xfrm flipH="1">
+              <a:off x="6896180" y="2264735"/>
+              <a:ext cx="453741" cy="297711"/>
+            </a:xfrm>
+            <a:prstGeom prst="bentConnector3">
+              <a:avLst/>
+            </a:prstGeom>
+            <a:ln/>
+          </p:spPr>
+          <p:style>
+            <a:lnRef idx="2">
+              <a:schemeClr val="accent1"/>
+            </a:lnRef>
+            <a:fillRef idx="0">
+              <a:schemeClr val="accent1"/>
+            </a:fillRef>
+            <a:effectRef idx="1">
+              <a:schemeClr val="accent1"/>
+            </a:effectRef>
+            <a:fontRef idx="minor">
+              <a:schemeClr val="tx1"/>
+            </a:fontRef>
+          </p:style>
+        </p:cxnSp>
+        <p:cxnSp>
+          <p:nvCxnSpPr>
+            <p:cNvPr id="32" name="Connettore a gomito 31">
+              <a:extLst>
+                <a:ext uri="{FF2B5EF4-FFF2-40B4-BE49-F238E27FC236}">
+                  <a16:creationId xmlns:a16="http://schemas.microsoft.com/office/drawing/2014/main" id="{CD5442C0-E3F7-4C7D-9777-222680F36D80}"/>
+                </a:ext>
+              </a:extLst>
+            </p:cNvPr>
+            <p:cNvCxnSpPr>
+              <a:cxnSpLocks/>
+            </p:cNvCxnSpPr>
+            <p:nvPr/>
+          </p:nvCxnSpPr>
+          <p:spPr>
+            <a:xfrm flipH="1">
+              <a:off x="6689934" y="2562446"/>
+              <a:ext cx="453741" cy="297711"/>
+            </a:xfrm>
+            <a:prstGeom prst="bentConnector3">
+              <a:avLst/>
+            </a:prstGeom>
+            <a:ln/>
+          </p:spPr>
+          <p:style>
+            <a:lnRef idx="1">
+              <a:schemeClr val="accent6"/>
+            </a:lnRef>
+            <a:fillRef idx="0">
+              <a:schemeClr val="accent6"/>
+            </a:fillRef>
+            <a:effectRef idx="0">
+              <a:schemeClr val="accent6"/>
+            </a:effectRef>
+            <a:fontRef idx="minor">
+              <a:schemeClr val="tx1"/>
+            </a:fontRef>
+          </p:style>
+        </p:cxnSp>
+        <p:cxnSp>
+          <p:nvCxnSpPr>
+            <p:cNvPr id="33" name="Connettore a gomito 32">
+              <a:extLst>
+                <a:ext uri="{FF2B5EF4-FFF2-40B4-BE49-F238E27FC236}">
+                  <a16:creationId xmlns:a16="http://schemas.microsoft.com/office/drawing/2014/main" id="{8CA699CF-3100-4A5D-A898-344029F98C86}"/>
+                </a:ext>
+              </a:extLst>
+            </p:cNvPr>
+            <p:cNvCxnSpPr>
+              <a:cxnSpLocks/>
+            </p:cNvCxnSpPr>
+            <p:nvPr/>
+          </p:nvCxnSpPr>
+          <p:spPr>
+            <a:xfrm>
+              <a:off x="6689934" y="2860158"/>
+              <a:ext cx="453741" cy="297711"/>
+            </a:xfrm>
+            <a:prstGeom prst="bentConnector3">
+              <a:avLst/>
+            </a:prstGeom>
+            <a:ln/>
+          </p:spPr>
+          <p:style>
+            <a:lnRef idx="1">
+              <a:schemeClr val="accent6"/>
+            </a:lnRef>
+            <a:fillRef idx="0">
+              <a:schemeClr val="accent6"/>
+            </a:fillRef>
+            <a:effectRef idx="0">
+              <a:schemeClr val="accent6"/>
+            </a:effectRef>
+            <a:fontRef idx="minor">
+              <a:schemeClr val="tx1"/>
+            </a:fontRef>
+          </p:style>
+        </p:cxnSp>
+        <p:cxnSp>
+          <p:nvCxnSpPr>
+            <p:cNvPr id="34" name="Connettore a gomito 33">
+              <a:extLst>
+                <a:ext uri="{FF2B5EF4-FFF2-40B4-BE49-F238E27FC236}">
+                  <a16:creationId xmlns:a16="http://schemas.microsoft.com/office/drawing/2014/main" id="{B78FEB12-CFE7-4311-A094-350D3F5700BC}"/>
+                </a:ext>
+              </a:extLst>
+            </p:cNvPr>
+            <p:cNvCxnSpPr>
+              <a:cxnSpLocks/>
+            </p:cNvCxnSpPr>
+            <p:nvPr/>
+          </p:nvCxnSpPr>
+          <p:spPr>
+            <a:xfrm>
+              <a:off x="6896180" y="2562446"/>
+              <a:ext cx="453741" cy="297711"/>
+            </a:xfrm>
+            <a:prstGeom prst="bentConnector3">
+              <a:avLst/>
+            </a:prstGeom>
+            <a:ln/>
+          </p:spPr>
+          <p:style>
+            <a:lnRef idx="2">
+              <a:schemeClr val="accent1"/>
+            </a:lnRef>
+            <a:fillRef idx="0">
+              <a:schemeClr val="accent1"/>
+            </a:fillRef>
+            <a:effectRef idx="1">
+              <a:schemeClr val="accent1"/>
+            </a:effectRef>
+            <a:fontRef idx="minor">
+              <a:schemeClr val="tx1"/>
+            </a:fontRef>
+          </p:style>
+        </p:cxnSp>
+      </p:grpSp>
+    </p:spTree>
+    <p:extLst>
+      <p:ext uri="{BB962C8B-B14F-4D97-AF65-F5344CB8AC3E}">
+        <p14:creationId xmlns:p14="http://schemas.microsoft.com/office/powerpoint/2010/main" val="2977924206"/>
+      </p:ext>
+    </p:extLst>
+  </p:cSld>
+  <p:clrMapOvr>
+    <a:masterClrMapping/>
+  </p:clrMapOvr>
+</p:sld>
+</file>
+
 <file path=ppt/theme/theme1.xml><?xml version="1.0" encoding="utf-8"?>
 <a:theme xmlns:a="http://schemas.openxmlformats.org/drawingml/2006/main" name="Tema di Office">
   <a:themeElements>

--- a/src/assets/Assets.pptx
+++ b/src/assets/Assets.pptx
@@ -9,7 +9,8 @@
     <p:sldId id="257" r:id="rId3"/>
     <p:sldId id="258" r:id="rId4"/>
     <p:sldId id="259" r:id="rId5"/>
-    <p:sldId id="260" r:id="rId6"/>
+    <p:sldId id="261" r:id="rId6"/>
+    <p:sldId id="260" r:id="rId7"/>
   </p:sldIdLst>
   <p:sldSz cx="12192000" cy="6858000"/>
   <p:notesSz cx="6858000" cy="9144000"/>
@@ -263,7 +264,7 @@
           <a:p>
             <a:fld id="{AD428951-569D-4BEE-9DDF-471D87F3952B}" type="datetimeFigureOut">
               <a:rPr lang="it-IT" smtClean="0"/>
-              <a:t>07/11/2018</a:t>
+              <a:t>29/11/2018</a:t>
             </a:fld>
             <a:endParaRPr lang="it-IT"/>
           </a:p>
@@ -461,7 +462,7 @@
           <a:p>
             <a:fld id="{AD428951-569D-4BEE-9DDF-471D87F3952B}" type="datetimeFigureOut">
               <a:rPr lang="it-IT" smtClean="0"/>
-              <a:t>07/11/2018</a:t>
+              <a:t>29/11/2018</a:t>
             </a:fld>
             <a:endParaRPr lang="it-IT"/>
           </a:p>
@@ -669,7 +670,7 @@
           <a:p>
             <a:fld id="{AD428951-569D-4BEE-9DDF-471D87F3952B}" type="datetimeFigureOut">
               <a:rPr lang="it-IT" smtClean="0"/>
-              <a:t>07/11/2018</a:t>
+              <a:t>29/11/2018</a:t>
             </a:fld>
             <a:endParaRPr lang="it-IT"/>
           </a:p>
@@ -867,7 +868,7 @@
           <a:p>
             <a:fld id="{AD428951-569D-4BEE-9DDF-471D87F3952B}" type="datetimeFigureOut">
               <a:rPr lang="it-IT" smtClean="0"/>
-              <a:t>07/11/2018</a:t>
+              <a:t>29/11/2018</a:t>
             </a:fld>
             <a:endParaRPr lang="it-IT"/>
           </a:p>
@@ -1142,7 +1143,7 @@
           <a:p>
             <a:fld id="{AD428951-569D-4BEE-9DDF-471D87F3952B}" type="datetimeFigureOut">
               <a:rPr lang="it-IT" smtClean="0"/>
-              <a:t>07/11/2018</a:t>
+              <a:t>29/11/2018</a:t>
             </a:fld>
             <a:endParaRPr lang="it-IT"/>
           </a:p>
@@ -1407,7 +1408,7 @@
           <a:p>
             <a:fld id="{AD428951-569D-4BEE-9DDF-471D87F3952B}" type="datetimeFigureOut">
               <a:rPr lang="it-IT" smtClean="0"/>
-              <a:t>07/11/2018</a:t>
+              <a:t>29/11/2018</a:t>
             </a:fld>
             <a:endParaRPr lang="it-IT"/>
           </a:p>
@@ -1819,7 +1820,7 @@
           <a:p>
             <a:fld id="{AD428951-569D-4BEE-9DDF-471D87F3952B}" type="datetimeFigureOut">
               <a:rPr lang="it-IT" smtClean="0"/>
-              <a:t>07/11/2018</a:t>
+              <a:t>29/11/2018</a:t>
             </a:fld>
             <a:endParaRPr lang="it-IT"/>
           </a:p>
@@ -1960,7 +1961,7 @@
           <a:p>
             <a:fld id="{AD428951-569D-4BEE-9DDF-471D87F3952B}" type="datetimeFigureOut">
               <a:rPr lang="it-IT" smtClean="0"/>
-              <a:t>07/11/2018</a:t>
+              <a:t>29/11/2018</a:t>
             </a:fld>
             <a:endParaRPr lang="it-IT"/>
           </a:p>
@@ -2073,7 +2074,7 @@
           <a:p>
             <a:fld id="{AD428951-569D-4BEE-9DDF-471D87F3952B}" type="datetimeFigureOut">
               <a:rPr lang="it-IT" smtClean="0"/>
-              <a:t>07/11/2018</a:t>
+              <a:t>29/11/2018</a:t>
             </a:fld>
             <a:endParaRPr lang="it-IT"/>
           </a:p>
@@ -2384,7 +2385,7 @@
           <a:p>
             <a:fld id="{AD428951-569D-4BEE-9DDF-471D87F3952B}" type="datetimeFigureOut">
               <a:rPr lang="it-IT" smtClean="0"/>
-              <a:t>07/11/2018</a:t>
+              <a:t>29/11/2018</a:t>
             </a:fld>
             <a:endParaRPr lang="it-IT"/>
           </a:p>
@@ -2672,7 +2673,7 @@
           <a:p>
             <a:fld id="{AD428951-569D-4BEE-9DDF-471D87F3952B}" type="datetimeFigureOut">
               <a:rPr lang="it-IT" smtClean="0"/>
-              <a:t>07/11/2018</a:t>
+              <a:t>29/11/2018</a:t>
             </a:fld>
             <a:endParaRPr lang="it-IT"/>
           </a:p>
@@ -2913,7 +2914,7 @@
           <a:p>
             <a:fld id="{AD428951-569D-4BEE-9DDF-471D87F3952B}" type="datetimeFigureOut">
               <a:rPr lang="it-IT" smtClean="0"/>
-              <a:t>07/11/2018</a:t>
+              <a:t>29/11/2018</a:t>
             </a:fld>
             <a:endParaRPr lang="it-IT"/>
           </a:p>
@@ -6485,6 +6486,1788 @@
       </p:grpSpPr>
       <p:grpSp>
         <p:nvGrpSpPr>
+          <p:cNvPr id="14" name="Gruppo 13">
+            <a:extLst>
+              <a:ext uri="{FF2B5EF4-FFF2-40B4-BE49-F238E27FC236}">
+                <a16:creationId xmlns:a16="http://schemas.microsoft.com/office/drawing/2014/main" id="{3628F878-669B-4355-BBAB-9A619970C509}"/>
+              </a:ext>
+            </a:extLst>
+          </p:cNvPr>
+          <p:cNvGrpSpPr/>
+          <p:nvPr/>
+        </p:nvGrpSpPr>
+        <p:grpSpPr>
+          <a:xfrm>
+            <a:off x="2125898" y="1943594"/>
+            <a:ext cx="1914474" cy="1973865"/>
+            <a:chOff x="764931" y="2861599"/>
+            <a:chExt cx="2881424" cy="2970812"/>
+          </a:xfrm>
+        </p:grpSpPr>
+        <p:sp>
+          <p:nvSpPr>
+            <p:cNvPr id="3" name="Rettangolo ad angolo ripiegato 2">
+              <a:extLst>
+                <a:ext uri="{FF2B5EF4-FFF2-40B4-BE49-F238E27FC236}">
+                  <a16:creationId xmlns:a16="http://schemas.microsoft.com/office/drawing/2014/main" id="{88579C6A-963D-4B58-B24E-7D5DBA4F91FB}"/>
+                </a:ext>
+              </a:extLst>
+            </p:cNvPr>
+            <p:cNvSpPr/>
+            <p:nvPr/>
+          </p:nvSpPr>
+          <p:spPr>
+            <a:xfrm rot="10800000">
+              <a:off x="764931" y="2861599"/>
+              <a:ext cx="2881424" cy="2970812"/>
+            </a:xfrm>
+            <a:prstGeom prst="foldedCorner">
+              <a:avLst/>
+            </a:prstGeom>
+            <a:solidFill>
+              <a:schemeClr val="bg1"/>
+            </a:solidFill>
+          </p:spPr>
+          <p:style>
+            <a:lnRef idx="2">
+              <a:schemeClr val="accent1">
+                <a:shade val="50000"/>
+              </a:schemeClr>
+            </a:lnRef>
+            <a:fillRef idx="1">
+              <a:schemeClr val="accent1"/>
+            </a:fillRef>
+            <a:effectRef idx="0">
+              <a:schemeClr val="accent1"/>
+            </a:effectRef>
+            <a:fontRef idx="minor">
+              <a:schemeClr val="lt1"/>
+            </a:fontRef>
+          </p:style>
+          <p:txBody>
+            <a:bodyPr rtlCol="0" anchor="ctr"/>
+            <a:lstStyle/>
+            <a:p>
+              <a:pPr algn="ctr"/>
+              <a:endParaRPr lang="it-IT"/>
+            </a:p>
+          </p:txBody>
+        </p:sp>
+        <p:grpSp>
+          <p:nvGrpSpPr>
+            <p:cNvPr id="4" name="Gruppo 3">
+              <a:extLst>
+                <a:ext uri="{FF2B5EF4-FFF2-40B4-BE49-F238E27FC236}">
+                  <a16:creationId xmlns:a16="http://schemas.microsoft.com/office/drawing/2014/main" id="{8B3338D5-7D89-494C-8291-973DB295F977}"/>
+                </a:ext>
+              </a:extLst>
+            </p:cNvPr>
+            <p:cNvGrpSpPr/>
+            <p:nvPr/>
+          </p:nvGrpSpPr>
+          <p:grpSpPr>
+            <a:xfrm flipH="1">
+              <a:off x="1635935" y="3961661"/>
+              <a:ext cx="1139414" cy="581903"/>
+              <a:chOff x="2080823" y="2395214"/>
+              <a:chExt cx="2083981" cy="1064297"/>
+            </a:xfrm>
+          </p:grpSpPr>
+          <p:cxnSp>
+            <p:nvCxnSpPr>
+              <p:cNvPr id="5" name="Connettore a gomito 4">
+                <a:extLst>
+                  <a:ext uri="{FF2B5EF4-FFF2-40B4-BE49-F238E27FC236}">
+                    <a16:creationId xmlns:a16="http://schemas.microsoft.com/office/drawing/2014/main" id="{20FECF45-9275-449A-B486-B1B63CDE7F38}"/>
+                  </a:ext>
+                </a:extLst>
+              </p:cNvPr>
+              <p:cNvCxnSpPr>
+                <a:cxnSpLocks/>
+              </p:cNvCxnSpPr>
+              <p:nvPr/>
+            </p:nvCxnSpPr>
+            <p:spPr>
+              <a:xfrm rot="16200000" flipH="1">
+                <a:off x="2618857" y="2898163"/>
+                <a:ext cx="412492" cy="297711"/>
+              </a:xfrm>
+              <a:prstGeom prst="bentConnector3">
+                <a:avLst/>
+              </a:prstGeom>
+              <a:ln/>
+            </p:spPr>
+            <p:style>
+              <a:lnRef idx="1">
+                <a:schemeClr val="dk1"/>
+              </a:lnRef>
+              <a:fillRef idx="0">
+                <a:schemeClr val="dk1"/>
+              </a:fillRef>
+              <a:effectRef idx="0">
+                <a:schemeClr val="dk1"/>
+              </a:effectRef>
+              <a:fontRef idx="minor">
+                <a:schemeClr val="tx1"/>
+              </a:fontRef>
+            </p:style>
+          </p:cxnSp>
+          <p:cxnSp>
+            <p:nvCxnSpPr>
+              <p:cNvPr id="8" name="Connettore a gomito 7">
+                <a:extLst>
+                  <a:ext uri="{FF2B5EF4-FFF2-40B4-BE49-F238E27FC236}">
+                    <a16:creationId xmlns:a16="http://schemas.microsoft.com/office/drawing/2014/main" id="{4B278F0D-6231-4344-BA26-BDC44FD5D6E0}"/>
+                  </a:ext>
+                </a:extLst>
+              </p:cNvPr>
+              <p:cNvCxnSpPr>
+                <a:cxnSpLocks/>
+              </p:cNvCxnSpPr>
+              <p:nvPr/>
+            </p:nvCxnSpPr>
+            <p:spPr>
+              <a:xfrm rot="16200000" flipH="1">
+                <a:off x="2916568" y="3104409"/>
+                <a:ext cx="412492" cy="297711"/>
+              </a:xfrm>
+              <a:prstGeom prst="bentConnector3">
+                <a:avLst/>
+              </a:prstGeom>
+              <a:ln/>
+            </p:spPr>
+            <p:style>
+              <a:lnRef idx="1">
+                <a:schemeClr val="dk1"/>
+              </a:lnRef>
+              <a:fillRef idx="0">
+                <a:schemeClr val="dk1"/>
+              </a:fillRef>
+              <a:effectRef idx="0">
+                <a:schemeClr val="dk1"/>
+              </a:effectRef>
+              <a:fontRef idx="minor">
+                <a:schemeClr val="tx1"/>
+              </a:fontRef>
+            </p:style>
+          </p:cxnSp>
+          <p:cxnSp>
+            <p:nvCxnSpPr>
+              <p:cNvPr id="9" name="Connettore a gomito 8">
+                <a:extLst>
+                  <a:ext uri="{FF2B5EF4-FFF2-40B4-BE49-F238E27FC236}">
+                    <a16:creationId xmlns:a16="http://schemas.microsoft.com/office/drawing/2014/main" id="{0540759E-5E02-4E63-A918-494114C8F250}"/>
+                  </a:ext>
+                </a:extLst>
+              </p:cNvPr>
+              <p:cNvCxnSpPr>
+                <a:cxnSpLocks/>
+              </p:cNvCxnSpPr>
+              <p:nvPr/>
+            </p:nvCxnSpPr>
+            <p:spPr>
+              <a:xfrm rot="16200000">
+                <a:off x="3214280" y="3104409"/>
+                <a:ext cx="412492" cy="297711"/>
+              </a:xfrm>
+              <a:prstGeom prst="bentConnector3">
+                <a:avLst/>
+              </a:prstGeom>
+              <a:ln/>
+            </p:spPr>
+            <p:style>
+              <a:lnRef idx="1">
+                <a:schemeClr val="dk1"/>
+              </a:lnRef>
+              <a:fillRef idx="0">
+                <a:schemeClr val="dk1"/>
+              </a:fillRef>
+              <a:effectRef idx="0">
+                <a:schemeClr val="dk1"/>
+              </a:effectRef>
+              <a:fontRef idx="minor">
+                <a:schemeClr val="tx1"/>
+              </a:fontRef>
+            </p:style>
+          </p:cxnSp>
+          <p:cxnSp>
+            <p:nvCxnSpPr>
+              <p:cNvPr id="10" name="Connettore a gomito 9">
+                <a:extLst>
+                  <a:ext uri="{FF2B5EF4-FFF2-40B4-BE49-F238E27FC236}">
+                    <a16:creationId xmlns:a16="http://schemas.microsoft.com/office/drawing/2014/main" id="{D9C2FDAE-5C39-426E-85C2-B50B8E362272}"/>
+                  </a:ext>
+                </a:extLst>
+              </p:cNvPr>
+              <p:cNvCxnSpPr>
+                <a:cxnSpLocks/>
+              </p:cNvCxnSpPr>
+              <p:nvPr/>
+            </p:nvCxnSpPr>
+            <p:spPr>
+              <a:xfrm rot="16200000">
+                <a:off x="2916568" y="2898163"/>
+                <a:ext cx="412492" cy="297711"/>
+              </a:xfrm>
+              <a:prstGeom prst="bentConnector3">
+                <a:avLst/>
+              </a:prstGeom>
+              <a:ln/>
+            </p:spPr>
+            <p:style>
+              <a:lnRef idx="1">
+                <a:schemeClr val="dk1"/>
+              </a:lnRef>
+              <a:fillRef idx="0">
+                <a:schemeClr val="dk1"/>
+              </a:fillRef>
+              <a:effectRef idx="0">
+                <a:schemeClr val="dk1"/>
+              </a:effectRef>
+              <a:fontRef idx="minor">
+                <a:schemeClr val="tx1"/>
+              </a:fontRef>
+            </p:style>
+          </p:cxnSp>
+          <p:grpSp>
+            <p:nvGrpSpPr>
+              <p:cNvPr id="2" name="Gruppo 1">
+                <a:extLst>
+                  <a:ext uri="{FF2B5EF4-FFF2-40B4-BE49-F238E27FC236}">
+                    <a16:creationId xmlns:a16="http://schemas.microsoft.com/office/drawing/2014/main" id="{0F68B524-00ED-474B-942C-336352A5545A}"/>
+                  </a:ext>
+                </a:extLst>
+              </p:cNvPr>
+              <p:cNvGrpSpPr/>
+              <p:nvPr/>
+            </p:nvGrpSpPr>
+            <p:grpSpPr>
+              <a:xfrm rot="16200000">
+                <a:off x="2218021" y="2283730"/>
+                <a:ext cx="618738" cy="893134"/>
+                <a:chOff x="2324986" y="2449034"/>
+                <a:chExt cx="1834116" cy="2647503"/>
+              </a:xfrm>
+            </p:grpSpPr>
+            <p:cxnSp>
+              <p:nvCxnSpPr>
+                <p:cNvPr id="6" name="Connettore a gomito 5">
+                  <a:extLst>
+                    <a:ext uri="{FF2B5EF4-FFF2-40B4-BE49-F238E27FC236}">
+                      <a16:creationId xmlns:a16="http://schemas.microsoft.com/office/drawing/2014/main" id="{9304BC83-0554-4484-BE6B-C63681ABEBE0}"/>
+                    </a:ext>
+                  </a:extLst>
+                </p:cNvPr>
+                <p:cNvCxnSpPr>
+                  <a:cxnSpLocks/>
+                </p:cNvCxnSpPr>
+                <p:nvPr/>
+              </p:nvCxnSpPr>
+              <p:spPr>
+                <a:xfrm flipH="1">
+                  <a:off x="2936358" y="2449034"/>
+                  <a:ext cx="1222744" cy="882501"/>
+                </a:xfrm>
+                <a:prstGeom prst="bentConnector3">
+                  <a:avLst/>
+                </a:prstGeom>
+                <a:ln w="28575"/>
+              </p:spPr>
+              <p:style>
+                <a:lnRef idx="1">
+                  <a:schemeClr val="accent1"/>
+                </a:lnRef>
+                <a:fillRef idx="0">
+                  <a:schemeClr val="accent1"/>
+                </a:fillRef>
+                <a:effectRef idx="0">
+                  <a:schemeClr val="accent1"/>
+                </a:effectRef>
+                <a:fontRef idx="minor">
+                  <a:schemeClr val="tx1"/>
+                </a:fontRef>
+              </p:style>
+            </p:cxnSp>
+            <p:cxnSp>
+              <p:nvCxnSpPr>
+                <p:cNvPr id="7" name="Connettore a gomito 6">
+                  <a:extLst>
+                    <a:ext uri="{FF2B5EF4-FFF2-40B4-BE49-F238E27FC236}">
+                      <a16:creationId xmlns:a16="http://schemas.microsoft.com/office/drawing/2014/main" id="{69A6A12D-98A3-4876-9850-4DE88B9E30E0}"/>
+                    </a:ext>
+                  </a:extLst>
+                </p:cNvPr>
+                <p:cNvCxnSpPr>
+                  <a:cxnSpLocks/>
+                </p:cNvCxnSpPr>
+                <p:nvPr/>
+              </p:nvCxnSpPr>
+              <p:spPr>
+                <a:xfrm flipH="1">
+                  <a:off x="2324986" y="3331535"/>
+                  <a:ext cx="1222744" cy="882501"/>
+                </a:xfrm>
+                <a:prstGeom prst="bentConnector3">
+                  <a:avLst/>
+                </a:prstGeom>
+                <a:ln/>
+              </p:spPr>
+              <p:style>
+                <a:lnRef idx="1">
+                  <a:schemeClr val="accent1"/>
+                </a:lnRef>
+                <a:fillRef idx="0">
+                  <a:schemeClr val="accent1"/>
+                </a:fillRef>
+                <a:effectRef idx="0">
+                  <a:schemeClr val="accent1"/>
+                </a:effectRef>
+                <a:fontRef idx="minor">
+                  <a:schemeClr val="tx1"/>
+                </a:fontRef>
+              </p:style>
+            </p:cxnSp>
+            <p:cxnSp>
+              <p:nvCxnSpPr>
+                <p:cNvPr id="11" name="Connettore a gomito 10">
+                  <a:extLst>
+                    <a:ext uri="{FF2B5EF4-FFF2-40B4-BE49-F238E27FC236}">
+                      <a16:creationId xmlns:a16="http://schemas.microsoft.com/office/drawing/2014/main" id="{9854EFD6-7237-4631-96C6-A404B3134DDD}"/>
+                    </a:ext>
+                  </a:extLst>
+                </p:cNvPr>
+                <p:cNvCxnSpPr>
+                  <a:cxnSpLocks/>
+                </p:cNvCxnSpPr>
+                <p:nvPr/>
+              </p:nvCxnSpPr>
+              <p:spPr>
+                <a:xfrm>
+                  <a:off x="2324986" y="4214036"/>
+                  <a:ext cx="1222744" cy="882501"/>
+                </a:xfrm>
+                <a:prstGeom prst="bentConnector3">
+                  <a:avLst/>
+                </a:prstGeom>
+                <a:ln/>
+              </p:spPr>
+              <p:style>
+                <a:lnRef idx="1">
+                  <a:schemeClr val="accent1"/>
+                </a:lnRef>
+                <a:fillRef idx="0">
+                  <a:schemeClr val="accent1"/>
+                </a:fillRef>
+                <a:effectRef idx="0">
+                  <a:schemeClr val="accent1"/>
+                </a:effectRef>
+                <a:fontRef idx="minor">
+                  <a:schemeClr val="tx1"/>
+                </a:fontRef>
+              </p:style>
+            </p:cxnSp>
+            <p:cxnSp>
+              <p:nvCxnSpPr>
+                <p:cNvPr id="12" name="Connettore a gomito 11">
+                  <a:extLst>
+                    <a:ext uri="{FF2B5EF4-FFF2-40B4-BE49-F238E27FC236}">
+                      <a16:creationId xmlns:a16="http://schemas.microsoft.com/office/drawing/2014/main" id="{0FC0D5E8-CF47-4E2C-A6D3-6FA57FBA70D2}"/>
+                    </a:ext>
+                  </a:extLst>
+                </p:cNvPr>
+                <p:cNvCxnSpPr>
+                  <a:cxnSpLocks/>
+                </p:cNvCxnSpPr>
+                <p:nvPr/>
+              </p:nvCxnSpPr>
+              <p:spPr>
+                <a:xfrm>
+                  <a:off x="2936358" y="3331534"/>
+                  <a:ext cx="1222744" cy="882501"/>
+                </a:xfrm>
+                <a:prstGeom prst="bentConnector3">
+                  <a:avLst/>
+                </a:prstGeom>
+                <a:ln w="28575"/>
+              </p:spPr>
+              <p:style>
+                <a:lnRef idx="1">
+                  <a:schemeClr val="accent1"/>
+                </a:lnRef>
+                <a:fillRef idx="0">
+                  <a:schemeClr val="accent1"/>
+                </a:fillRef>
+                <a:effectRef idx="0">
+                  <a:schemeClr val="accent1"/>
+                </a:effectRef>
+                <a:fontRef idx="minor">
+                  <a:schemeClr val="tx1"/>
+                </a:fontRef>
+              </p:style>
+            </p:cxnSp>
+          </p:grpSp>
+          <p:cxnSp>
+            <p:nvCxnSpPr>
+              <p:cNvPr id="27" name="Connettore a gomito 26">
+                <a:extLst>
+                  <a:ext uri="{FF2B5EF4-FFF2-40B4-BE49-F238E27FC236}">
+                    <a16:creationId xmlns:a16="http://schemas.microsoft.com/office/drawing/2014/main" id="{921A70E2-821B-4405-8A9E-B1E8C3C89551}"/>
+                  </a:ext>
+                </a:extLst>
+              </p:cNvPr>
+              <p:cNvCxnSpPr>
+                <a:cxnSpLocks/>
+              </p:cNvCxnSpPr>
+              <p:nvPr/>
+            </p:nvCxnSpPr>
+            <p:spPr>
+              <a:xfrm rot="16200000">
+                <a:off x="3511991" y="2872449"/>
+                <a:ext cx="412492" cy="297711"/>
+              </a:xfrm>
+              <a:prstGeom prst="bentConnector3">
+                <a:avLst/>
+              </a:prstGeom>
+              <a:ln/>
+            </p:spPr>
+            <p:style>
+              <a:lnRef idx="1">
+                <a:schemeClr val="dk1"/>
+              </a:lnRef>
+              <a:fillRef idx="0">
+                <a:schemeClr val="dk1"/>
+              </a:fillRef>
+              <a:effectRef idx="0">
+                <a:schemeClr val="dk1"/>
+              </a:effectRef>
+              <a:fontRef idx="minor">
+                <a:schemeClr val="tx1"/>
+              </a:fontRef>
+            </p:style>
+          </p:cxnSp>
+          <p:cxnSp>
+            <p:nvCxnSpPr>
+              <p:cNvPr id="28" name="Connettore a gomito 27">
+                <a:extLst>
+                  <a:ext uri="{FF2B5EF4-FFF2-40B4-BE49-F238E27FC236}">
+                    <a16:creationId xmlns:a16="http://schemas.microsoft.com/office/drawing/2014/main" id="{D4794B60-766C-4E2C-8F65-5A1E5A41C366}"/>
+                  </a:ext>
+                </a:extLst>
+              </p:cNvPr>
+              <p:cNvCxnSpPr>
+                <a:cxnSpLocks/>
+              </p:cNvCxnSpPr>
+              <p:nvPr/>
+            </p:nvCxnSpPr>
+            <p:spPr>
+              <a:xfrm rot="16200000" flipH="1">
+                <a:off x="3511992" y="2684564"/>
+                <a:ext cx="412492" cy="297711"/>
+              </a:xfrm>
+              <a:prstGeom prst="bentConnector3">
+                <a:avLst/>
+              </a:prstGeom>
+              <a:ln/>
+            </p:spPr>
+            <p:style>
+              <a:lnRef idx="1">
+                <a:schemeClr val="dk1"/>
+              </a:lnRef>
+              <a:fillRef idx="0">
+                <a:schemeClr val="dk1"/>
+              </a:fillRef>
+              <a:effectRef idx="0">
+                <a:schemeClr val="dk1"/>
+              </a:effectRef>
+              <a:fontRef idx="minor">
+                <a:schemeClr val="tx1"/>
+              </a:fontRef>
+            </p:style>
+          </p:cxnSp>
+          <p:cxnSp>
+            <p:nvCxnSpPr>
+              <p:cNvPr id="29" name="Connettore a gomito 28">
+                <a:extLst>
+                  <a:ext uri="{FF2B5EF4-FFF2-40B4-BE49-F238E27FC236}">
+                    <a16:creationId xmlns:a16="http://schemas.microsoft.com/office/drawing/2014/main" id="{1BA6A687-3669-4878-B898-163D0CBBB438}"/>
+                  </a:ext>
+                </a:extLst>
+              </p:cNvPr>
+              <p:cNvCxnSpPr>
+                <a:cxnSpLocks/>
+              </p:cNvCxnSpPr>
+              <p:nvPr/>
+            </p:nvCxnSpPr>
+            <p:spPr>
+              <a:xfrm rot="16200000">
+                <a:off x="3809703" y="2684564"/>
+                <a:ext cx="412492" cy="297711"/>
+              </a:xfrm>
+              <a:prstGeom prst="bentConnector3">
+                <a:avLst/>
+              </a:prstGeom>
+              <a:ln/>
+            </p:spPr>
+            <p:style>
+              <a:lnRef idx="1">
+                <a:schemeClr val="dk1"/>
+              </a:lnRef>
+              <a:fillRef idx="0">
+                <a:schemeClr val="dk1"/>
+              </a:fillRef>
+              <a:effectRef idx="0">
+                <a:schemeClr val="dk1"/>
+              </a:effectRef>
+              <a:fontRef idx="minor">
+                <a:schemeClr val="tx1"/>
+              </a:fontRef>
+            </p:style>
+          </p:cxnSp>
+          <p:cxnSp>
+            <p:nvCxnSpPr>
+              <p:cNvPr id="30" name="Connettore a gomito 29">
+                <a:extLst>
+                  <a:ext uri="{FF2B5EF4-FFF2-40B4-BE49-F238E27FC236}">
+                    <a16:creationId xmlns:a16="http://schemas.microsoft.com/office/drawing/2014/main" id="{5C08838B-8CC0-44B1-93DB-0A29CAF080E6}"/>
+                  </a:ext>
+                </a:extLst>
+              </p:cNvPr>
+              <p:cNvCxnSpPr>
+                <a:cxnSpLocks/>
+              </p:cNvCxnSpPr>
+              <p:nvPr/>
+            </p:nvCxnSpPr>
+            <p:spPr>
+              <a:xfrm rot="16200000" flipH="1">
+                <a:off x="3214280" y="2452604"/>
+                <a:ext cx="412492" cy="297711"/>
+              </a:xfrm>
+              <a:prstGeom prst="bentConnector3">
+                <a:avLst/>
+              </a:prstGeom>
+              <a:ln/>
+            </p:spPr>
+            <p:style>
+              <a:lnRef idx="1">
+                <a:schemeClr val="dk1"/>
+              </a:lnRef>
+              <a:fillRef idx="0">
+                <a:schemeClr val="dk1"/>
+              </a:fillRef>
+              <a:effectRef idx="0">
+                <a:schemeClr val="dk1"/>
+              </a:effectRef>
+              <a:fontRef idx="minor">
+                <a:schemeClr val="tx1"/>
+              </a:fontRef>
+            </p:style>
+          </p:cxnSp>
+          <p:cxnSp>
+            <p:nvCxnSpPr>
+              <p:cNvPr id="31" name="Connettore a gomito 30">
+                <a:extLst>
+                  <a:ext uri="{FF2B5EF4-FFF2-40B4-BE49-F238E27FC236}">
+                    <a16:creationId xmlns:a16="http://schemas.microsoft.com/office/drawing/2014/main" id="{153F16B3-0B62-471B-A076-734FB3354CFC}"/>
+                  </a:ext>
+                </a:extLst>
+              </p:cNvPr>
+              <p:cNvCxnSpPr>
+                <a:cxnSpLocks/>
+              </p:cNvCxnSpPr>
+              <p:nvPr/>
+            </p:nvCxnSpPr>
+            <p:spPr>
+              <a:xfrm rot="16200000">
+                <a:off x="3511991" y="2452604"/>
+                <a:ext cx="412492" cy="297711"/>
+              </a:xfrm>
+              <a:prstGeom prst="bentConnector3">
+                <a:avLst/>
+              </a:prstGeom>
+              <a:ln/>
+            </p:spPr>
+            <p:style>
+              <a:lnRef idx="1">
+                <a:schemeClr val="dk1"/>
+              </a:lnRef>
+              <a:fillRef idx="0">
+                <a:schemeClr val="dk1"/>
+              </a:fillRef>
+              <a:effectRef idx="0">
+                <a:schemeClr val="dk1"/>
+              </a:effectRef>
+              <a:fontRef idx="minor">
+                <a:schemeClr val="tx1"/>
+              </a:fontRef>
+            </p:style>
+          </p:cxnSp>
+        </p:grpSp>
+        <p:grpSp>
+          <p:nvGrpSpPr>
+            <p:cNvPr id="33" name="Gruppo 32">
+              <a:extLst>
+                <a:ext uri="{FF2B5EF4-FFF2-40B4-BE49-F238E27FC236}">
+                  <a16:creationId xmlns:a16="http://schemas.microsoft.com/office/drawing/2014/main" id="{E56CC520-F3FE-4098-9DD6-9DB3D14A6B8C}"/>
+                </a:ext>
+              </a:extLst>
+            </p:cNvPr>
+            <p:cNvGrpSpPr/>
+            <p:nvPr/>
+          </p:nvGrpSpPr>
+          <p:grpSpPr>
+            <a:xfrm flipH="1">
+              <a:off x="1635935" y="3138048"/>
+              <a:ext cx="1139414" cy="581903"/>
+              <a:chOff x="2080823" y="2395214"/>
+              <a:chExt cx="2083981" cy="1064297"/>
+            </a:xfrm>
+          </p:grpSpPr>
+          <p:cxnSp>
+            <p:nvCxnSpPr>
+              <p:cNvPr id="34" name="Connettore a gomito 33">
+                <a:extLst>
+                  <a:ext uri="{FF2B5EF4-FFF2-40B4-BE49-F238E27FC236}">
+                    <a16:creationId xmlns:a16="http://schemas.microsoft.com/office/drawing/2014/main" id="{B7ECE95D-44BC-42CE-8244-5EA50F510B8B}"/>
+                  </a:ext>
+                </a:extLst>
+              </p:cNvPr>
+              <p:cNvCxnSpPr>
+                <a:cxnSpLocks/>
+              </p:cNvCxnSpPr>
+              <p:nvPr/>
+            </p:nvCxnSpPr>
+            <p:spPr>
+              <a:xfrm rot="16200000" flipH="1">
+                <a:off x="2618857" y="2898163"/>
+                <a:ext cx="412492" cy="297711"/>
+              </a:xfrm>
+              <a:prstGeom prst="bentConnector3">
+                <a:avLst/>
+              </a:prstGeom>
+              <a:ln/>
+            </p:spPr>
+            <p:style>
+              <a:lnRef idx="1">
+                <a:schemeClr val="dk1"/>
+              </a:lnRef>
+              <a:fillRef idx="0">
+                <a:schemeClr val="dk1"/>
+              </a:fillRef>
+              <a:effectRef idx="0">
+                <a:schemeClr val="dk1"/>
+              </a:effectRef>
+              <a:fontRef idx="minor">
+                <a:schemeClr val="tx1"/>
+              </a:fontRef>
+            </p:style>
+          </p:cxnSp>
+          <p:cxnSp>
+            <p:nvCxnSpPr>
+              <p:cNvPr id="35" name="Connettore a gomito 34">
+                <a:extLst>
+                  <a:ext uri="{FF2B5EF4-FFF2-40B4-BE49-F238E27FC236}">
+                    <a16:creationId xmlns:a16="http://schemas.microsoft.com/office/drawing/2014/main" id="{A85A6D13-4089-4B48-9C29-0E8664D1F27C}"/>
+                  </a:ext>
+                </a:extLst>
+              </p:cNvPr>
+              <p:cNvCxnSpPr>
+                <a:cxnSpLocks/>
+              </p:cNvCxnSpPr>
+              <p:nvPr/>
+            </p:nvCxnSpPr>
+            <p:spPr>
+              <a:xfrm rot="16200000" flipH="1">
+                <a:off x="2916568" y="3104409"/>
+                <a:ext cx="412492" cy="297711"/>
+              </a:xfrm>
+              <a:prstGeom prst="bentConnector3">
+                <a:avLst/>
+              </a:prstGeom>
+              <a:ln/>
+            </p:spPr>
+            <p:style>
+              <a:lnRef idx="1">
+                <a:schemeClr val="dk1"/>
+              </a:lnRef>
+              <a:fillRef idx="0">
+                <a:schemeClr val="dk1"/>
+              </a:fillRef>
+              <a:effectRef idx="0">
+                <a:schemeClr val="dk1"/>
+              </a:effectRef>
+              <a:fontRef idx="minor">
+                <a:schemeClr val="tx1"/>
+              </a:fontRef>
+            </p:style>
+          </p:cxnSp>
+          <p:cxnSp>
+            <p:nvCxnSpPr>
+              <p:cNvPr id="36" name="Connettore a gomito 35">
+                <a:extLst>
+                  <a:ext uri="{FF2B5EF4-FFF2-40B4-BE49-F238E27FC236}">
+                    <a16:creationId xmlns:a16="http://schemas.microsoft.com/office/drawing/2014/main" id="{853777AF-2FFD-4343-8A80-ED6F9BC5F6EE}"/>
+                  </a:ext>
+                </a:extLst>
+              </p:cNvPr>
+              <p:cNvCxnSpPr>
+                <a:cxnSpLocks/>
+              </p:cNvCxnSpPr>
+              <p:nvPr/>
+            </p:nvCxnSpPr>
+            <p:spPr>
+              <a:xfrm rot="16200000">
+                <a:off x="3214280" y="3104409"/>
+                <a:ext cx="412492" cy="297711"/>
+              </a:xfrm>
+              <a:prstGeom prst="bentConnector3">
+                <a:avLst/>
+              </a:prstGeom>
+              <a:ln/>
+            </p:spPr>
+            <p:style>
+              <a:lnRef idx="1">
+                <a:schemeClr val="dk1"/>
+              </a:lnRef>
+              <a:fillRef idx="0">
+                <a:schemeClr val="dk1"/>
+              </a:fillRef>
+              <a:effectRef idx="0">
+                <a:schemeClr val="dk1"/>
+              </a:effectRef>
+              <a:fontRef idx="minor">
+                <a:schemeClr val="tx1"/>
+              </a:fontRef>
+            </p:style>
+          </p:cxnSp>
+          <p:cxnSp>
+            <p:nvCxnSpPr>
+              <p:cNvPr id="37" name="Connettore a gomito 36">
+                <a:extLst>
+                  <a:ext uri="{FF2B5EF4-FFF2-40B4-BE49-F238E27FC236}">
+                    <a16:creationId xmlns:a16="http://schemas.microsoft.com/office/drawing/2014/main" id="{7BC25D10-CF3B-4506-9DCB-FDD2891E81B7}"/>
+                  </a:ext>
+                </a:extLst>
+              </p:cNvPr>
+              <p:cNvCxnSpPr>
+                <a:cxnSpLocks/>
+              </p:cNvCxnSpPr>
+              <p:nvPr/>
+            </p:nvCxnSpPr>
+            <p:spPr>
+              <a:xfrm rot="16200000">
+                <a:off x="2916568" y="2898163"/>
+                <a:ext cx="412492" cy="297711"/>
+              </a:xfrm>
+              <a:prstGeom prst="bentConnector3">
+                <a:avLst/>
+              </a:prstGeom>
+              <a:ln/>
+            </p:spPr>
+            <p:style>
+              <a:lnRef idx="1">
+                <a:schemeClr val="dk1"/>
+              </a:lnRef>
+              <a:fillRef idx="0">
+                <a:schemeClr val="dk1"/>
+              </a:fillRef>
+              <a:effectRef idx="0">
+                <a:schemeClr val="dk1"/>
+              </a:effectRef>
+              <a:fontRef idx="minor">
+                <a:schemeClr val="tx1"/>
+              </a:fontRef>
+            </p:style>
+          </p:cxnSp>
+          <p:grpSp>
+            <p:nvGrpSpPr>
+              <p:cNvPr id="38" name="Gruppo 37">
+                <a:extLst>
+                  <a:ext uri="{FF2B5EF4-FFF2-40B4-BE49-F238E27FC236}">
+                    <a16:creationId xmlns:a16="http://schemas.microsoft.com/office/drawing/2014/main" id="{9B1DAB63-47B4-4032-B1E3-6B90F1DE1F06}"/>
+                  </a:ext>
+                </a:extLst>
+              </p:cNvPr>
+              <p:cNvGrpSpPr/>
+              <p:nvPr/>
+            </p:nvGrpSpPr>
+            <p:grpSpPr>
+              <a:xfrm rot="16200000">
+                <a:off x="2218021" y="2283730"/>
+                <a:ext cx="618738" cy="893134"/>
+                <a:chOff x="2324986" y="2449034"/>
+                <a:chExt cx="1834116" cy="2647503"/>
+              </a:xfrm>
+            </p:grpSpPr>
+            <p:cxnSp>
+              <p:nvCxnSpPr>
+                <p:cNvPr id="44" name="Connettore a gomito 43">
+                  <a:extLst>
+                    <a:ext uri="{FF2B5EF4-FFF2-40B4-BE49-F238E27FC236}">
+                      <a16:creationId xmlns:a16="http://schemas.microsoft.com/office/drawing/2014/main" id="{AE9BF937-AAC2-4222-9904-7B95E08A04EA}"/>
+                    </a:ext>
+                  </a:extLst>
+                </p:cNvPr>
+                <p:cNvCxnSpPr>
+                  <a:cxnSpLocks/>
+                </p:cNvCxnSpPr>
+                <p:nvPr/>
+              </p:nvCxnSpPr>
+              <p:spPr>
+                <a:xfrm flipH="1">
+                  <a:off x="2936358" y="2449034"/>
+                  <a:ext cx="1222744" cy="882501"/>
+                </a:xfrm>
+                <a:prstGeom prst="bentConnector3">
+                  <a:avLst/>
+                </a:prstGeom>
+                <a:ln w="28575"/>
+              </p:spPr>
+              <p:style>
+                <a:lnRef idx="1">
+                  <a:schemeClr val="accent2"/>
+                </a:lnRef>
+                <a:fillRef idx="0">
+                  <a:schemeClr val="accent2"/>
+                </a:fillRef>
+                <a:effectRef idx="0">
+                  <a:schemeClr val="accent2"/>
+                </a:effectRef>
+                <a:fontRef idx="minor">
+                  <a:schemeClr val="tx1"/>
+                </a:fontRef>
+              </p:style>
+            </p:cxnSp>
+            <p:cxnSp>
+              <p:nvCxnSpPr>
+                <p:cNvPr id="45" name="Connettore a gomito 44">
+                  <a:extLst>
+                    <a:ext uri="{FF2B5EF4-FFF2-40B4-BE49-F238E27FC236}">
+                      <a16:creationId xmlns:a16="http://schemas.microsoft.com/office/drawing/2014/main" id="{E89684F8-74DC-484D-9CC2-255A2940BB13}"/>
+                    </a:ext>
+                  </a:extLst>
+                </p:cNvPr>
+                <p:cNvCxnSpPr>
+                  <a:cxnSpLocks/>
+                </p:cNvCxnSpPr>
+                <p:nvPr/>
+              </p:nvCxnSpPr>
+              <p:spPr>
+                <a:xfrm flipH="1">
+                  <a:off x="2324986" y="3331535"/>
+                  <a:ext cx="1222744" cy="882501"/>
+                </a:xfrm>
+                <a:prstGeom prst="bentConnector3">
+                  <a:avLst/>
+                </a:prstGeom>
+                <a:ln/>
+              </p:spPr>
+              <p:style>
+                <a:lnRef idx="1">
+                  <a:schemeClr val="dk1"/>
+                </a:lnRef>
+                <a:fillRef idx="0">
+                  <a:schemeClr val="dk1"/>
+                </a:fillRef>
+                <a:effectRef idx="0">
+                  <a:schemeClr val="dk1"/>
+                </a:effectRef>
+                <a:fontRef idx="minor">
+                  <a:schemeClr val="tx1"/>
+                </a:fontRef>
+              </p:style>
+            </p:cxnSp>
+            <p:cxnSp>
+              <p:nvCxnSpPr>
+                <p:cNvPr id="46" name="Connettore a gomito 45">
+                  <a:extLst>
+                    <a:ext uri="{FF2B5EF4-FFF2-40B4-BE49-F238E27FC236}">
+                      <a16:creationId xmlns:a16="http://schemas.microsoft.com/office/drawing/2014/main" id="{BA82B27C-BED4-400B-81C6-8DC4E3C88F1B}"/>
+                    </a:ext>
+                  </a:extLst>
+                </p:cNvPr>
+                <p:cNvCxnSpPr>
+                  <a:cxnSpLocks/>
+                </p:cNvCxnSpPr>
+                <p:nvPr/>
+              </p:nvCxnSpPr>
+              <p:spPr>
+                <a:xfrm>
+                  <a:off x="2324986" y="4214036"/>
+                  <a:ext cx="1222744" cy="882501"/>
+                </a:xfrm>
+                <a:prstGeom prst="bentConnector3">
+                  <a:avLst/>
+                </a:prstGeom>
+                <a:ln/>
+              </p:spPr>
+              <p:style>
+                <a:lnRef idx="1">
+                  <a:schemeClr val="dk1"/>
+                </a:lnRef>
+                <a:fillRef idx="0">
+                  <a:schemeClr val="dk1"/>
+                </a:fillRef>
+                <a:effectRef idx="0">
+                  <a:schemeClr val="dk1"/>
+                </a:effectRef>
+                <a:fontRef idx="minor">
+                  <a:schemeClr val="tx1"/>
+                </a:fontRef>
+              </p:style>
+            </p:cxnSp>
+            <p:cxnSp>
+              <p:nvCxnSpPr>
+                <p:cNvPr id="47" name="Connettore a gomito 46">
+                  <a:extLst>
+                    <a:ext uri="{FF2B5EF4-FFF2-40B4-BE49-F238E27FC236}">
+                      <a16:creationId xmlns:a16="http://schemas.microsoft.com/office/drawing/2014/main" id="{27D45DC8-92C3-49FF-B433-CC8EF7BC60C5}"/>
+                    </a:ext>
+                  </a:extLst>
+                </p:cNvPr>
+                <p:cNvCxnSpPr>
+                  <a:cxnSpLocks/>
+                </p:cNvCxnSpPr>
+                <p:nvPr/>
+              </p:nvCxnSpPr>
+              <p:spPr>
+                <a:xfrm>
+                  <a:off x="2936358" y="3331534"/>
+                  <a:ext cx="1222744" cy="882501"/>
+                </a:xfrm>
+                <a:prstGeom prst="bentConnector3">
+                  <a:avLst/>
+                </a:prstGeom>
+                <a:ln w="28575"/>
+              </p:spPr>
+              <p:style>
+                <a:lnRef idx="1">
+                  <a:schemeClr val="accent2"/>
+                </a:lnRef>
+                <a:fillRef idx="0">
+                  <a:schemeClr val="accent2"/>
+                </a:fillRef>
+                <a:effectRef idx="0">
+                  <a:schemeClr val="accent2"/>
+                </a:effectRef>
+                <a:fontRef idx="minor">
+                  <a:schemeClr val="tx1"/>
+                </a:fontRef>
+              </p:style>
+            </p:cxnSp>
+          </p:grpSp>
+          <p:cxnSp>
+            <p:nvCxnSpPr>
+              <p:cNvPr id="39" name="Connettore a gomito 38">
+                <a:extLst>
+                  <a:ext uri="{FF2B5EF4-FFF2-40B4-BE49-F238E27FC236}">
+                    <a16:creationId xmlns:a16="http://schemas.microsoft.com/office/drawing/2014/main" id="{1EE7206F-53B7-415C-9197-F77B6E3B532B}"/>
+                  </a:ext>
+                </a:extLst>
+              </p:cNvPr>
+              <p:cNvCxnSpPr>
+                <a:cxnSpLocks/>
+              </p:cNvCxnSpPr>
+              <p:nvPr/>
+            </p:nvCxnSpPr>
+            <p:spPr>
+              <a:xfrm rot="16200000">
+                <a:off x="3511991" y="2872449"/>
+                <a:ext cx="412492" cy="297711"/>
+              </a:xfrm>
+              <a:prstGeom prst="bentConnector3">
+                <a:avLst/>
+              </a:prstGeom>
+              <a:ln/>
+            </p:spPr>
+            <p:style>
+              <a:lnRef idx="1">
+                <a:schemeClr val="dk1"/>
+              </a:lnRef>
+              <a:fillRef idx="0">
+                <a:schemeClr val="dk1"/>
+              </a:fillRef>
+              <a:effectRef idx="0">
+                <a:schemeClr val="dk1"/>
+              </a:effectRef>
+              <a:fontRef idx="minor">
+                <a:schemeClr val="tx1"/>
+              </a:fontRef>
+            </p:style>
+          </p:cxnSp>
+          <p:cxnSp>
+            <p:nvCxnSpPr>
+              <p:cNvPr id="40" name="Connettore a gomito 39">
+                <a:extLst>
+                  <a:ext uri="{FF2B5EF4-FFF2-40B4-BE49-F238E27FC236}">
+                    <a16:creationId xmlns:a16="http://schemas.microsoft.com/office/drawing/2014/main" id="{0D8B764B-F79A-46E2-BA89-27A6102CBADD}"/>
+                  </a:ext>
+                </a:extLst>
+              </p:cNvPr>
+              <p:cNvCxnSpPr>
+                <a:cxnSpLocks/>
+              </p:cNvCxnSpPr>
+              <p:nvPr/>
+            </p:nvCxnSpPr>
+            <p:spPr>
+              <a:xfrm rot="16200000" flipH="1">
+                <a:off x="3511992" y="2684564"/>
+                <a:ext cx="412492" cy="297711"/>
+              </a:xfrm>
+              <a:prstGeom prst="bentConnector3">
+                <a:avLst/>
+              </a:prstGeom>
+              <a:ln/>
+            </p:spPr>
+            <p:style>
+              <a:lnRef idx="1">
+                <a:schemeClr val="dk1"/>
+              </a:lnRef>
+              <a:fillRef idx="0">
+                <a:schemeClr val="dk1"/>
+              </a:fillRef>
+              <a:effectRef idx="0">
+                <a:schemeClr val="dk1"/>
+              </a:effectRef>
+              <a:fontRef idx="minor">
+                <a:schemeClr val="tx1"/>
+              </a:fontRef>
+            </p:style>
+          </p:cxnSp>
+          <p:cxnSp>
+            <p:nvCxnSpPr>
+              <p:cNvPr id="41" name="Connettore a gomito 40">
+                <a:extLst>
+                  <a:ext uri="{FF2B5EF4-FFF2-40B4-BE49-F238E27FC236}">
+                    <a16:creationId xmlns:a16="http://schemas.microsoft.com/office/drawing/2014/main" id="{7BF935AE-18BF-41EF-A65B-45BEAD56EB5C}"/>
+                  </a:ext>
+                </a:extLst>
+              </p:cNvPr>
+              <p:cNvCxnSpPr>
+                <a:cxnSpLocks/>
+              </p:cNvCxnSpPr>
+              <p:nvPr/>
+            </p:nvCxnSpPr>
+            <p:spPr>
+              <a:xfrm rot="16200000">
+                <a:off x="3809703" y="2684564"/>
+                <a:ext cx="412492" cy="297711"/>
+              </a:xfrm>
+              <a:prstGeom prst="bentConnector3">
+                <a:avLst/>
+              </a:prstGeom>
+              <a:ln/>
+            </p:spPr>
+            <p:style>
+              <a:lnRef idx="1">
+                <a:schemeClr val="dk1"/>
+              </a:lnRef>
+              <a:fillRef idx="0">
+                <a:schemeClr val="dk1"/>
+              </a:fillRef>
+              <a:effectRef idx="0">
+                <a:schemeClr val="dk1"/>
+              </a:effectRef>
+              <a:fontRef idx="minor">
+                <a:schemeClr val="tx1"/>
+              </a:fontRef>
+            </p:style>
+          </p:cxnSp>
+          <p:cxnSp>
+            <p:nvCxnSpPr>
+              <p:cNvPr id="42" name="Connettore a gomito 41">
+                <a:extLst>
+                  <a:ext uri="{FF2B5EF4-FFF2-40B4-BE49-F238E27FC236}">
+                    <a16:creationId xmlns:a16="http://schemas.microsoft.com/office/drawing/2014/main" id="{E3782B7D-3494-4154-95A3-F88E89063349}"/>
+                  </a:ext>
+                </a:extLst>
+              </p:cNvPr>
+              <p:cNvCxnSpPr>
+                <a:cxnSpLocks/>
+              </p:cNvCxnSpPr>
+              <p:nvPr/>
+            </p:nvCxnSpPr>
+            <p:spPr>
+              <a:xfrm rot="16200000" flipH="1">
+                <a:off x="3214280" y="2452604"/>
+                <a:ext cx="412492" cy="297711"/>
+              </a:xfrm>
+              <a:prstGeom prst="bentConnector3">
+                <a:avLst/>
+              </a:prstGeom>
+              <a:ln/>
+            </p:spPr>
+            <p:style>
+              <a:lnRef idx="1">
+                <a:schemeClr val="dk1"/>
+              </a:lnRef>
+              <a:fillRef idx="0">
+                <a:schemeClr val="dk1"/>
+              </a:fillRef>
+              <a:effectRef idx="0">
+                <a:schemeClr val="dk1"/>
+              </a:effectRef>
+              <a:fontRef idx="minor">
+                <a:schemeClr val="tx1"/>
+              </a:fontRef>
+            </p:style>
+          </p:cxnSp>
+          <p:cxnSp>
+            <p:nvCxnSpPr>
+              <p:cNvPr id="43" name="Connettore a gomito 42">
+                <a:extLst>
+                  <a:ext uri="{FF2B5EF4-FFF2-40B4-BE49-F238E27FC236}">
+                    <a16:creationId xmlns:a16="http://schemas.microsoft.com/office/drawing/2014/main" id="{CBB26C3B-5243-43F0-BDBA-3F5D0012E344}"/>
+                  </a:ext>
+                </a:extLst>
+              </p:cNvPr>
+              <p:cNvCxnSpPr>
+                <a:cxnSpLocks/>
+              </p:cNvCxnSpPr>
+              <p:nvPr/>
+            </p:nvCxnSpPr>
+            <p:spPr>
+              <a:xfrm rot="16200000">
+                <a:off x="3511991" y="2452604"/>
+                <a:ext cx="412492" cy="297711"/>
+              </a:xfrm>
+              <a:prstGeom prst="bentConnector3">
+                <a:avLst/>
+              </a:prstGeom>
+              <a:ln/>
+            </p:spPr>
+            <p:style>
+              <a:lnRef idx="1">
+                <a:schemeClr val="dk1"/>
+              </a:lnRef>
+              <a:fillRef idx="0">
+                <a:schemeClr val="dk1"/>
+              </a:fillRef>
+              <a:effectRef idx="0">
+                <a:schemeClr val="dk1"/>
+              </a:effectRef>
+              <a:fontRef idx="minor">
+                <a:schemeClr val="tx1"/>
+              </a:fontRef>
+            </p:style>
+          </p:cxnSp>
+        </p:grpSp>
+        <p:grpSp>
+          <p:nvGrpSpPr>
+            <p:cNvPr id="48" name="Gruppo 47">
+              <a:extLst>
+                <a:ext uri="{FF2B5EF4-FFF2-40B4-BE49-F238E27FC236}">
+                  <a16:creationId xmlns:a16="http://schemas.microsoft.com/office/drawing/2014/main" id="{4ACE0472-5A42-476D-B1D3-A7269FAA6EF5}"/>
+                </a:ext>
+              </a:extLst>
+            </p:cNvPr>
+            <p:cNvGrpSpPr/>
+            <p:nvPr/>
+          </p:nvGrpSpPr>
+          <p:grpSpPr>
+            <a:xfrm flipH="1">
+              <a:off x="1635934" y="4712288"/>
+              <a:ext cx="1139414" cy="581903"/>
+              <a:chOff x="2080823" y="2395214"/>
+              <a:chExt cx="2083981" cy="1064297"/>
+            </a:xfrm>
+          </p:grpSpPr>
+          <p:cxnSp>
+            <p:nvCxnSpPr>
+              <p:cNvPr id="49" name="Connettore a gomito 48">
+                <a:extLst>
+                  <a:ext uri="{FF2B5EF4-FFF2-40B4-BE49-F238E27FC236}">
+                    <a16:creationId xmlns:a16="http://schemas.microsoft.com/office/drawing/2014/main" id="{AAA5EB97-2586-41DC-A142-B69499FA3BE8}"/>
+                  </a:ext>
+                </a:extLst>
+              </p:cNvPr>
+              <p:cNvCxnSpPr>
+                <a:cxnSpLocks/>
+              </p:cNvCxnSpPr>
+              <p:nvPr/>
+            </p:nvCxnSpPr>
+            <p:spPr>
+              <a:xfrm rot="16200000" flipH="1">
+                <a:off x="2618857" y="2898163"/>
+                <a:ext cx="412492" cy="297711"/>
+              </a:xfrm>
+              <a:prstGeom prst="bentConnector3">
+                <a:avLst/>
+              </a:prstGeom>
+              <a:ln/>
+            </p:spPr>
+            <p:style>
+              <a:lnRef idx="1">
+                <a:schemeClr val="dk1"/>
+              </a:lnRef>
+              <a:fillRef idx="0">
+                <a:schemeClr val="dk1"/>
+              </a:fillRef>
+              <a:effectRef idx="0">
+                <a:schemeClr val="dk1"/>
+              </a:effectRef>
+              <a:fontRef idx="minor">
+                <a:schemeClr val="tx1"/>
+              </a:fontRef>
+            </p:style>
+          </p:cxnSp>
+          <p:cxnSp>
+            <p:nvCxnSpPr>
+              <p:cNvPr id="50" name="Connettore a gomito 49">
+                <a:extLst>
+                  <a:ext uri="{FF2B5EF4-FFF2-40B4-BE49-F238E27FC236}">
+                    <a16:creationId xmlns:a16="http://schemas.microsoft.com/office/drawing/2014/main" id="{F0377437-76C0-4FBC-BA9A-94B30CF5BFE0}"/>
+                  </a:ext>
+                </a:extLst>
+              </p:cNvPr>
+              <p:cNvCxnSpPr>
+                <a:cxnSpLocks/>
+              </p:cNvCxnSpPr>
+              <p:nvPr/>
+            </p:nvCxnSpPr>
+            <p:spPr>
+              <a:xfrm rot="16200000" flipH="1">
+                <a:off x="2916568" y="3104409"/>
+                <a:ext cx="412492" cy="297711"/>
+              </a:xfrm>
+              <a:prstGeom prst="bentConnector3">
+                <a:avLst/>
+              </a:prstGeom>
+              <a:ln/>
+            </p:spPr>
+            <p:style>
+              <a:lnRef idx="1">
+                <a:schemeClr val="dk1"/>
+              </a:lnRef>
+              <a:fillRef idx="0">
+                <a:schemeClr val="dk1"/>
+              </a:fillRef>
+              <a:effectRef idx="0">
+                <a:schemeClr val="dk1"/>
+              </a:effectRef>
+              <a:fontRef idx="minor">
+                <a:schemeClr val="tx1"/>
+              </a:fontRef>
+            </p:style>
+          </p:cxnSp>
+          <p:cxnSp>
+            <p:nvCxnSpPr>
+              <p:cNvPr id="51" name="Connettore a gomito 50">
+                <a:extLst>
+                  <a:ext uri="{FF2B5EF4-FFF2-40B4-BE49-F238E27FC236}">
+                    <a16:creationId xmlns:a16="http://schemas.microsoft.com/office/drawing/2014/main" id="{A561BE9B-B05B-427B-AE8C-DB671FB57B6A}"/>
+                  </a:ext>
+                </a:extLst>
+              </p:cNvPr>
+              <p:cNvCxnSpPr>
+                <a:cxnSpLocks/>
+              </p:cNvCxnSpPr>
+              <p:nvPr/>
+            </p:nvCxnSpPr>
+            <p:spPr>
+              <a:xfrm rot="16200000">
+                <a:off x="3214280" y="3104409"/>
+                <a:ext cx="412492" cy="297711"/>
+              </a:xfrm>
+              <a:prstGeom prst="bentConnector3">
+                <a:avLst/>
+              </a:prstGeom>
+              <a:ln/>
+            </p:spPr>
+            <p:style>
+              <a:lnRef idx="1">
+                <a:schemeClr val="dk1"/>
+              </a:lnRef>
+              <a:fillRef idx="0">
+                <a:schemeClr val="dk1"/>
+              </a:fillRef>
+              <a:effectRef idx="0">
+                <a:schemeClr val="dk1"/>
+              </a:effectRef>
+              <a:fontRef idx="minor">
+                <a:schemeClr val="tx1"/>
+              </a:fontRef>
+            </p:style>
+          </p:cxnSp>
+          <p:cxnSp>
+            <p:nvCxnSpPr>
+              <p:cNvPr id="52" name="Connettore a gomito 51">
+                <a:extLst>
+                  <a:ext uri="{FF2B5EF4-FFF2-40B4-BE49-F238E27FC236}">
+                    <a16:creationId xmlns:a16="http://schemas.microsoft.com/office/drawing/2014/main" id="{CCED8DAA-7523-4AE6-95F3-036776E72F5B}"/>
+                  </a:ext>
+                </a:extLst>
+              </p:cNvPr>
+              <p:cNvCxnSpPr>
+                <a:cxnSpLocks/>
+              </p:cNvCxnSpPr>
+              <p:nvPr/>
+            </p:nvCxnSpPr>
+            <p:spPr>
+              <a:xfrm rot="16200000">
+                <a:off x="2916568" y="2898163"/>
+                <a:ext cx="412492" cy="297711"/>
+              </a:xfrm>
+              <a:prstGeom prst="bentConnector3">
+                <a:avLst/>
+              </a:prstGeom>
+              <a:ln/>
+            </p:spPr>
+            <p:style>
+              <a:lnRef idx="1">
+                <a:schemeClr val="dk1"/>
+              </a:lnRef>
+              <a:fillRef idx="0">
+                <a:schemeClr val="dk1"/>
+              </a:fillRef>
+              <a:effectRef idx="0">
+                <a:schemeClr val="dk1"/>
+              </a:effectRef>
+              <a:fontRef idx="minor">
+                <a:schemeClr val="tx1"/>
+              </a:fontRef>
+            </p:style>
+          </p:cxnSp>
+          <p:grpSp>
+            <p:nvGrpSpPr>
+              <p:cNvPr id="53" name="Gruppo 52">
+                <a:extLst>
+                  <a:ext uri="{FF2B5EF4-FFF2-40B4-BE49-F238E27FC236}">
+                    <a16:creationId xmlns:a16="http://schemas.microsoft.com/office/drawing/2014/main" id="{0EFA298B-942A-4644-9C22-6E88F614030E}"/>
+                  </a:ext>
+                </a:extLst>
+              </p:cNvPr>
+              <p:cNvGrpSpPr/>
+              <p:nvPr/>
+            </p:nvGrpSpPr>
+            <p:grpSpPr>
+              <a:xfrm rot="16200000">
+                <a:off x="2218021" y="2283730"/>
+                <a:ext cx="618738" cy="893134"/>
+                <a:chOff x="2324986" y="2449034"/>
+                <a:chExt cx="1834116" cy="2647503"/>
+              </a:xfrm>
+            </p:grpSpPr>
+            <p:cxnSp>
+              <p:nvCxnSpPr>
+                <p:cNvPr id="59" name="Connettore a gomito 58">
+                  <a:extLst>
+                    <a:ext uri="{FF2B5EF4-FFF2-40B4-BE49-F238E27FC236}">
+                      <a16:creationId xmlns:a16="http://schemas.microsoft.com/office/drawing/2014/main" id="{909FED97-FA01-4489-96D4-86A88175B027}"/>
+                    </a:ext>
+                  </a:extLst>
+                </p:cNvPr>
+                <p:cNvCxnSpPr>
+                  <a:cxnSpLocks/>
+                </p:cNvCxnSpPr>
+                <p:nvPr/>
+              </p:nvCxnSpPr>
+              <p:spPr>
+                <a:xfrm flipH="1">
+                  <a:off x="2936358" y="2449034"/>
+                  <a:ext cx="1222744" cy="882501"/>
+                </a:xfrm>
+                <a:prstGeom prst="bentConnector3">
+                  <a:avLst/>
+                </a:prstGeom>
+                <a:ln w="28575"/>
+              </p:spPr>
+              <p:style>
+                <a:lnRef idx="2">
+                  <a:schemeClr val="accent6"/>
+                </a:lnRef>
+                <a:fillRef idx="0">
+                  <a:schemeClr val="accent6"/>
+                </a:fillRef>
+                <a:effectRef idx="1">
+                  <a:schemeClr val="accent6"/>
+                </a:effectRef>
+                <a:fontRef idx="minor">
+                  <a:schemeClr val="tx1"/>
+                </a:fontRef>
+              </p:style>
+            </p:cxnSp>
+            <p:cxnSp>
+              <p:nvCxnSpPr>
+                <p:cNvPr id="60" name="Connettore a gomito 59">
+                  <a:extLst>
+                    <a:ext uri="{FF2B5EF4-FFF2-40B4-BE49-F238E27FC236}">
+                      <a16:creationId xmlns:a16="http://schemas.microsoft.com/office/drawing/2014/main" id="{34E7A6CD-01C8-4D5F-A131-89745DC1E703}"/>
+                    </a:ext>
+                  </a:extLst>
+                </p:cNvPr>
+                <p:cNvCxnSpPr>
+                  <a:cxnSpLocks/>
+                </p:cNvCxnSpPr>
+                <p:nvPr/>
+              </p:nvCxnSpPr>
+              <p:spPr>
+                <a:xfrm flipH="1">
+                  <a:off x="2324986" y="3331535"/>
+                  <a:ext cx="1222744" cy="882501"/>
+                </a:xfrm>
+                <a:prstGeom prst="bentConnector3">
+                  <a:avLst/>
+                </a:prstGeom>
+                <a:ln/>
+              </p:spPr>
+              <p:style>
+                <a:lnRef idx="1">
+                  <a:schemeClr val="dk1"/>
+                </a:lnRef>
+                <a:fillRef idx="0">
+                  <a:schemeClr val="dk1"/>
+                </a:fillRef>
+                <a:effectRef idx="0">
+                  <a:schemeClr val="dk1"/>
+                </a:effectRef>
+                <a:fontRef idx="minor">
+                  <a:schemeClr val="tx1"/>
+                </a:fontRef>
+              </p:style>
+            </p:cxnSp>
+            <p:cxnSp>
+              <p:nvCxnSpPr>
+                <p:cNvPr id="61" name="Connettore a gomito 60">
+                  <a:extLst>
+                    <a:ext uri="{FF2B5EF4-FFF2-40B4-BE49-F238E27FC236}">
+                      <a16:creationId xmlns:a16="http://schemas.microsoft.com/office/drawing/2014/main" id="{B6045CE7-C98E-4F08-97A6-538C74E9980A}"/>
+                    </a:ext>
+                  </a:extLst>
+                </p:cNvPr>
+                <p:cNvCxnSpPr>
+                  <a:cxnSpLocks/>
+                </p:cNvCxnSpPr>
+                <p:nvPr/>
+              </p:nvCxnSpPr>
+              <p:spPr>
+                <a:xfrm>
+                  <a:off x="2324986" y="4214036"/>
+                  <a:ext cx="1222744" cy="882501"/>
+                </a:xfrm>
+                <a:prstGeom prst="bentConnector3">
+                  <a:avLst/>
+                </a:prstGeom>
+                <a:ln/>
+              </p:spPr>
+              <p:style>
+                <a:lnRef idx="1">
+                  <a:schemeClr val="dk1"/>
+                </a:lnRef>
+                <a:fillRef idx="0">
+                  <a:schemeClr val="dk1"/>
+                </a:fillRef>
+                <a:effectRef idx="0">
+                  <a:schemeClr val="dk1"/>
+                </a:effectRef>
+                <a:fontRef idx="minor">
+                  <a:schemeClr val="tx1"/>
+                </a:fontRef>
+              </p:style>
+            </p:cxnSp>
+            <p:cxnSp>
+              <p:nvCxnSpPr>
+                <p:cNvPr id="62" name="Connettore a gomito 61">
+                  <a:extLst>
+                    <a:ext uri="{FF2B5EF4-FFF2-40B4-BE49-F238E27FC236}">
+                      <a16:creationId xmlns:a16="http://schemas.microsoft.com/office/drawing/2014/main" id="{7D1EB34B-8080-4213-A19B-7565AE6490F5}"/>
+                    </a:ext>
+                  </a:extLst>
+                </p:cNvPr>
+                <p:cNvCxnSpPr>
+                  <a:cxnSpLocks/>
+                </p:cNvCxnSpPr>
+                <p:nvPr/>
+              </p:nvCxnSpPr>
+              <p:spPr>
+                <a:xfrm>
+                  <a:off x="2936358" y="3331534"/>
+                  <a:ext cx="1222744" cy="882501"/>
+                </a:xfrm>
+                <a:prstGeom prst="bentConnector3">
+                  <a:avLst/>
+                </a:prstGeom>
+                <a:ln w="28575"/>
+              </p:spPr>
+              <p:style>
+                <a:lnRef idx="2">
+                  <a:schemeClr val="accent6"/>
+                </a:lnRef>
+                <a:fillRef idx="0">
+                  <a:schemeClr val="accent6"/>
+                </a:fillRef>
+                <a:effectRef idx="1">
+                  <a:schemeClr val="accent6"/>
+                </a:effectRef>
+                <a:fontRef idx="minor">
+                  <a:schemeClr val="tx1"/>
+                </a:fontRef>
+              </p:style>
+            </p:cxnSp>
+          </p:grpSp>
+          <p:cxnSp>
+            <p:nvCxnSpPr>
+              <p:cNvPr id="54" name="Connettore a gomito 53">
+                <a:extLst>
+                  <a:ext uri="{FF2B5EF4-FFF2-40B4-BE49-F238E27FC236}">
+                    <a16:creationId xmlns:a16="http://schemas.microsoft.com/office/drawing/2014/main" id="{60F5EBEC-9EA4-41FA-8BAA-6A4D5324C77A}"/>
+                  </a:ext>
+                </a:extLst>
+              </p:cNvPr>
+              <p:cNvCxnSpPr>
+                <a:cxnSpLocks/>
+              </p:cNvCxnSpPr>
+              <p:nvPr/>
+            </p:nvCxnSpPr>
+            <p:spPr>
+              <a:xfrm rot="16200000">
+                <a:off x="3511991" y="2872449"/>
+                <a:ext cx="412492" cy="297711"/>
+              </a:xfrm>
+              <a:prstGeom prst="bentConnector3">
+                <a:avLst/>
+              </a:prstGeom>
+              <a:ln/>
+            </p:spPr>
+            <p:style>
+              <a:lnRef idx="1">
+                <a:schemeClr val="dk1"/>
+              </a:lnRef>
+              <a:fillRef idx="0">
+                <a:schemeClr val="dk1"/>
+              </a:fillRef>
+              <a:effectRef idx="0">
+                <a:schemeClr val="dk1"/>
+              </a:effectRef>
+              <a:fontRef idx="minor">
+                <a:schemeClr val="tx1"/>
+              </a:fontRef>
+            </p:style>
+          </p:cxnSp>
+          <p:cxnSp>
+            <p:nvCxnSpPr>
+              <p:cNvPr id="55" name="Connettore a gomito 54">
+                <a:extLst>
+                  <a:ext uri="{FF2B5EF4-FFF2-40B4-BE49-F238E27FC236}">
+                    <a16:creationId xmlns:a16="http://schemas.microsoft.com/office/drawing/2014/main" id="{96918257-E01D-4004-950E-C75D4EB5C079}"/>
+                  </a:ext>
+                </a:extLst>
+              </p:cNvPr>
+              <p:cNvCxnSpPr>
+                <a:cxnSpLocks/>
+              </p:cNvCxnSpPr>
+              <p:nvPr/>
+            </p:nvCxnSpPr>
+            <p:spPr>
+              <a:xfrm rot="16200000" flipH="1">
+                <a:off x="3511992" y="2684564"/>
+                <a:ext cx="412492" cy="297711"/>
+              </a:xfrm>
+              <a:prstGeom prst="bentConnector3">
+                <a:avLst/>
+              </a:prstGeom>
+              <a:ln/>
+            </p:spPr>
+            <p:style>
+              <a:lnRef idx="1">
+                <a:schemeClr val="dk1"/>
+              </a:lnRef>
+              <a:fillRef idx="0">
+                <a:schemeClr val="dk1"/>
+              </a:fillRef>
+              <a:effectRef idx="0">
+                <a:schemeClr val="dk1"/>
+              </a:effectRef>
+              <a:fontRef idx="minor">
+                <a:schemeClr val="tx1"/>
+              </a:fontRef>
+            </p:style>
+          </p:cxnSp>
+          <p:cxnSp>
+            <p:nvCxnSpPr>
+              <p:cNvPr id="56" name="Connettore a gomito 55">
+                <a:extLst>
+                  <a:ext uri="{FF2B5EF4-FFF2-40B4-BE49-F238E27FC236}">
+                    <a16:creationId xmlns:a16="http://schemas.microsoft.com/office/drawing/2014/main" id="{66246318-229C-4634-82BB-9E1AE168D0C8}"/>
+                  </a:ext>
+                </a:extLst>
+              </p:cNvPr>
+              <p:cNvCxnSpPr>
+                <a:cxnSpLocks/>
+              </p:cNvCxnSpPr>
+              <p:nvPr/>
+            </p:nvCxnSpPr>
+            <p:spPr>
+              <a:xfrm rot="16200000">
+                <a:off x="3809703" y="2684564"/>
+                <a:ext cx="412492" cy="297711"/>
+              </a:xfrm>
+              <a:prstGeom prst="bentConnector3">
+                <a:avLst/>
+              </a:prstGeom>
+              <a:ln w="28575"/>
+            </p:spPr>
+            <p:style>
+              <a:lnRef idx="1">
+                <a:schemeClr val="accent1"/>
+              </a:lnRef>
+              <a:fillRef idx="0">
+                <a:schemeClr val="accent1"/>
+              </a:fillRef>
+              <a:effectRef idx="0">
+                <a:schemeClr val="accent1"/>
+              </a:effectRef>
+              <a:fontRef idx="minor">
+                <a:schemeClr val="tx1"/>
+              </a:fontRef>
+            </p:style>
+          </p:cxnSp>
+          <p:cxnSp>
+            <p:nvCxnSpPr>
+              <p:cNvPr id="57" name="Connettore a gomito 56">
+                <a:extLst>
+                  <a:ext uri="{FF2B5EF4-FFF2-40B4-BE49-F238E27FC236}">
+                    <a16:creationId xmlns:a16="http://schemas.microsoft.com/office/drawing/2014/main" id="{6ADEE5F7-6BDE-417D-BA4B-3BF1098D30F4}"/>
+                  </a:ext>
+                </a:extLst>
+              </p:cNvPr>
+              <p:cNvCxnSpPr>
+                <a:cxnSpLocks/>
+              </p:cNvCxnSpPr>
+              <p:nvPr/>
+            </p:nvCxnSpPr>
+            <p:spPr>
+              <a:xfrm rot="16200000" flipH="1">
+                <a:off x="3214280" y="2452604"/>
+                <a:ext cx="412492" cy="297711"/>
+              </a:xfrm>
+              <a:prstGeom prst="bentConnector3">
+                <a:avLst/>
+              </a:prstGeom>
+              <a:ln/>
+            </p:spPr>
+            <p:style>
+              <a:lnRef idx="1">
+                <a:schemeClr val="dk1"/>
+              </a:lnRef>
+              <a:fillRef idx="0">
+                <a:schemeClr val="dk1"/>
+              </a:fillRef>
+              <a:effectRef idx="0">
+                <a:schemeClr val="dk1"/>
+              </a:effectRef>
+              <a:fontRef idx="minor">
+                <a:schemeClr val="tx1"/>
+              </a:fontRef>
+            </p:style>
+          </p:cxnSp>
+          <p:cxnSp>
+            <p:nvCxnSpPr>
+              <p:cNvPr id="58" name="Connettore a gomito 57">
+                <a:extLst>
+                  <a:ext uri="{FF2B5EF4-FFF2-40B4-BE49-F238E27FC236}">
+                    <a16:creationId xmlns:a16="http://schemas.microsoft.com/office/drawing/2014/main" id="{E71EA51C-DCEB-49F7-91EB-2DAE41C66C04}"/>
+                  </a:ext>
+                </a:extLst>
+              </p:cNvPr>
+              <p:cNvCxnSpPr>
+                <a:cxnSpLocks/>
+              </p:cNvCxnSpPr>
+              <p:nvPr/>
+            </p:nvCxnSpPr>
+            <p:spPr>
+              <a:xfrm rot="16200000">
+                <a:off x="3511991" y="2452604"/>
+                <a:ext cx="412492" cy="297711"/>
+              </a:xfrm>
+              <a:prstGeom prst="bentConnector3">
+                <a:avLst/>
+              </a:prstGeom>
+              <a:ln/>
+            </p:spPr>
+            <p:style>
+              <a:lnRef idx="1">
+                <a:schemeClr val="dk1"/>
+              </a:lnRef>
+              <a:fillRef idx="0">
+                <a:schemeClr val="dk1"/>
+              </a:fillRef>
+              <a:effectRef idx="0">
+                <a:schemeClr val="dk1"/>
+              </a:effectRef>
+              <a:fontRef idx="minor">
+                <a:schemeClr val="tx1"/>
+              </a:fontRef>
+            </p:style>
+          </p:cxnSp>
+        </p:grpSp>
+        <p:sp>
+          <p:nvSpPr>
+            <p:cNvPr id="13" name="CasellaDiTesto 12">
+              <a:extLst>
+                <a:ext uri="{FF2B5EF4-FFF2-40B4-BE49-F238E27FC236}">
+                  <a16:creationId xmlns:a16="http://schemas.microsoft.com/office/drawing/2014/main" id="{53256134-904B-4BC2-9D46-EAC90AAFA997}"/>
+                </a:ext>
+              </a:extLst>
+            </p:cNvPr>
+            <p:cNvSpPr txBox="1"/>
+            <p:nvPr/>
+          </p:nvSpPr>
+          <p:spPr>
+            <a:xfrm>
+              <a:off x="1943663" y="5308848"/>
+              <a:ext cx="343364" cy="369332"/>
+            </a:xfrm>
+            <a:prstGeom prst="rect">
+              <a:avLst/>
+            </a:prstGeom>
+            <a:noFill/>
+          </p:spPr>
+          <p:txBody>
+            <a:bodyPr wrap="none" rtlCol="0">
+              <a:spAutoFit/>
+            </a:bodyPr>
+            <a:lstStyle/>
+            <a:p>
+              <a:r>
+                <a:rPr lang="it-IT" dirty="0"/>
+                <a:t>…</a:t>
+              </a:r>
+            </a:p>
+          </p:txBody>
+        </p:sp>
+      </p:grpSp>
+    </p:spTree>
+    <p:extLst>
+      <p:ext uri="{BB962C8B-B14F-4D97-AF65-F5344CB8AC3E}">
+        <p14:creationId xmlns:p14="http://schemas.microsoft.com/office/powerpoint/2010/main" val="3077713884"/>
+      </p:ext>
+    </p:extLst>
+  </p:cSld>
+  <p:clrMapOvr>
+    <a:masterClrMapping/>
+  </p:clrMapOvr>
+</p:sld>
+</file>
+
+<file path=ppt/slides/slide6.xml><?xml version="1.0" encoding="utf-8"?>
+<p:sld xmlns:a="http://schemas.openxmlformats.org/drawingml/2006/main" xmlns:r="http://schemas.openxmlformats.org/officeDocument/2006/relationships" xmlns:p="http://schemas.openxmlformats.org/presentationml/2006/main">
+  <p:cSld>
+    <p:spTree>
+      <p:nvGrpSpPr>
+        <p:cNvPr id="1" name=""/>
+        <p:cNvGrpSpPr/>
+        <p:nvPr/>
+      </p:nvGrpSpPr>
+      <p:grpSpPr>
+        <a:xfrm>
+          <a:off x="0" y="0"/>
+          <a:ext cx="0" cy="0"/>
+          <a:chOff x="0" y="0"/>
+          <a:chExt cx="0" cy="0"/>
+        </a:xfrm>
+      </p:grpSpPr>
+      <p:grpSp>
+        <p:nvGrpSpPr>
           <p:cNvPr id="4" name="Gruppo 3">
             <a:extLst>
               <a:ext uri="{FF2B5EF4-FFF2-40B4-BE49-F238E27FC236}">

--- a/src/assets/Assets.pptx
+++ b/src/assets/Assets.pptx
@@ -11,6 +11,7 @@
     <p:sldId id="259" r:id="rId5"/>
     <p:sldId id="261" r:id="rId6"/>
     <p:sldId id="260" r:id="rId7"/>
+    <p:sldId id="262" r:id="rId8"/>
   </p:sldIdLst>
   <p:sldSz cx="12192000" cy="6858000"/>
   <p:notesSz cx="6858000" cy="9144000"/>
@@ -111,7 +112,7 @@
   </p:defaultTextStyle>
   <p:extLst>
     <p:ext uri="{EFAFB233-063F-42B5-8137-9DF3F51BA10A}">
-      <p15:sldGuideLst xmlns:p15="http://schemas.microsoft.com/office/powerpoint/2012/main"/>
+      <p15:sldGuideLst xmlns:p15="http://schemas.microsoft.com/office/powerpoint/2012/main" xmlns=""/>
     </p:ext>
   </p:extLst>
 </p:presentation>
@@ -139,7 +140,7 @@
           <p:cNvPr id="2" name="Titolo 1">
             <a:extLst>
               <a:ext uri="{FF2B5EF4-FFF2-40B4-BE49-F238E27FC236}">
-                <a16:creationId xmlns:a16="http://schemas.microsoft.com/office/drawing/2014/main" id="{FB5F6A53-8FD6-4DF9-8DAB-54024F3BADD9}"/>
+                <a16:creationId xmlns:a16="http://schemas.microsoft.com/office/drawing/2014/main" xmlns="" id="{FB5F6A53-8FD6-4DF9-8DAB-54024F3BADD9}"/>
               </a:ext>
             </a:extLst>
           </p:cNvPr>
@@ -176,7 +177,7 @@
           <p:cNvPr id="3" name="Sottotitolo 2">
             <a:extLst>
               <a:ext uri="{FF2B5EF4-FFF2-40B4-BE49-F238E27FC236}">
-                <a16:creationId xmlns:a16="http://schemas.microsoft.com/office/drawing/2014/main" id="{F751E584-DA29-401D-B347-860543F39D59}"/>
+                <a16:creationId xmlns:a16="http://schemas.microsoft.com/office/drawing/2014/main" xmlns="" id="{F751E584-DA29-401D-B347-860543F39D59}"/>
               </a:ext>
             </a:extLst>
           </p:cNvPr>
@@ -246,7 +247,7 @@
           <p:cNvPr id="4" name="Segnaposto data 3">
             <a:extLst>
               <a:ext uri="{FF2B5EF4-FFF2-40B4-BE49-F238E27FC236}">
-                <a16:creationId xmlns:a16="http://schemas.microsoft.com/office/drawing/2014/main" id="{A3C05A86-71F1-45D1-BD2E-5A96DA72BC10}"/>
+                <a16:creationId xmlns:a16="http://schemas.microsoft.com/office/drawing/2014/main" xmlns="" id="{A3C05A86-71F1-45D1-BD2E-5A96DA72BC10}"/>
               </a:ext>
             </a:extLst>
           </p:cNvPr>
@@ -264,7 +265,7 @@
           <a:p>
             <a:fld id="{AD428951-569D-4BEE-9DDF-471D87F3952B}" type="datetimeFigureOut">
               <a:rPr lang="it-IT" smtClean="0"/>
-              <a:t>29/11/2018</a:t>
+              <a:t>28/12/2018</a:t>
             </a:fld>
             <a:endParaRPr lang="it-IT"/>
           </a:p>
@@ -275,7 +276,7 @@
           <p:cNvPr id="5" name="Segnaposto piè di pagina 4">
             <a:extLst>
               <a:ext uri="{FF2B5EF4-FFF2-40B4-BE49-F238E27FC236}">
-                <a16:creationId xmlns:a16="http://schemas.microsoft.com/office/drawing/2014/main" id="{DCBBE7EC-2CDA-472F-B313-CCDEC72A97D0}"/>
+                <a16:creationId xmlns:a16="http://schemas.microsoft.com/office/drawing/2014/main" xmlns="" id="{DCBBE7EC-2CDA-472F-B313-CCDEC72A97D0}"/>
               </a:ext>
             </a:extLst>
           </p:cNvPr>
@@ -300,7 +301,7 @@
           <p:cNvPr id="6" name="Segnaposto numero diapositiva 5">
             <a:extLst>
               <a:ext uri="{FF2B5EF4-FFF2-40B4-BE49-F238E27FC236}">
-                <a16:creationId xmlns:a16="http://schemas.microsoft.com/office/drawing/2014/main" id="{6BF3074D-CE09-4ED4-A118-1924FA76F007}"/>
+                <a16:creationId xmlns:a16="http://schemas.microsoft.com/office/drawing/2014/main" xmlns="" id="{6BF3074D-CE09-4ED4-A118-1924FA76F007}"/>
               </a:ext>
             </a:extLst>
           </p:cNvPr>
@@ -318,7 +319,7 @@
           <a:p>
             <a:fld id="{DE11110C-3587-43B6-A566-38D45AF93580}" type="slidenum">
               <a:rPr lang="it-IT" smtClean="0"/>
-              <a:t>‹N›</a:t>
+              <a:t>‹N°›</a:t>
             </a:fld>
             <a:endParaRPr lang="it-IT"/>
           </a:p>
@@ -359,7 +360,7 @@
           <p:cNvPr id="2" name="Titolo 1">
             <a:extLst>
               <a:ext uri="{FF2B5EF4-FFF2-40B4-BE49-F238E27FC236}">
-                <a16:creationId xmlns:a16="http://schemas.microsoft.com/office/drawing/2014/main" id="{00B0084A-A5BA-4DA0-AFB7-42A387274FA7}"/>
+                <a16:creationId xmlns:a16="http://schemas.microsoft.com/office/drawing/2014/main" xmlns="" id="{00B0084A-A5BA-4DA0-AFB7-42A387274FA7}"/>
               </a:ext>
             </a:extLst>
           </p:cNvPr>
@@ -387,7 +388,7 @@
           <p:cNvPr id="3" name="Segnaposto testo verticale 2">
             <a:extLst>
               <a:ext uri="{FF2B5EF4-FFF2-40B4-BE49-F238E27FC236}">
-                <a16:creationId xmlns:a16="http://schemas.microsoft.com/office/drawing/2014/main" id="{11FB8270-93C2-48B4-AB6E-54F88A00AD92}"/>
+                <a16:creationId xmlns:a16="http://schemas.microsoft.com/office/drawing/2014/main" xmlns="" id="{11FB8270-93C2-48B4-AB6E-54F88A00AD92}"/>
               </a:ext>
             </a:extLst>
           </p:cNvPr>
@@ -444,7 +445,7 @@
           <p:cNvPr id="4" name="Segnaposto data 3">
             <a:extLst>
               <a:ext uri="{FF2B5EF4-FFF2-40B4-BE49-F238E27FC236}">
-                <a16:creationId xmlns:a16="http://schemas.microsoft.com/office/drawing/2014/main" id="{F5B82700-FA24-476C-9C88-FCB39FB4E426}"/>
+                <a16:creationId xmlns:a16="http://schemas.microsoft.com/office/drawing/2014/main" xmlns="" id="{F5B82700-FA24-476C-9C88-FCB39FB4E426}"/>
               </a:ext>
             </a:extLst>
           </p:cNvPr>
@@ -462,7 +463,7 @@
           <a:p>
             <a:fld id="{AD428951-569D-4BEE-9DDF-471D87F3952B}" type="datetimeFigureOut">
               <a:rPr lang="it-IT" smtClean="0"/>
-              <a:t>29/11/2018</a:t>
+              <a:t>28/12/2018</a:t>
             </a:fld>
             <a:endParaRPr lang="it-IT"/>
           </a:p>
@@ -473,7 +474,7 @@
           <p:cNvPr id="5" name="Segnaposto piè di pagina 4">
             <a:extLst>
               <a:ext uri="{FF2B5EF4-FFF2-40B4-BE49-F238E27FC236}">
-                <a16:creationId xmlns:a16="http://schemas.microsoft.com/office/drawing/2014/main" id="{463FAF6D-C547-4B4C-A2E4-90F83C4F0219}"/>
+                <a16:creationId xmlns:a16="http://schemas.microsoft.com/office/drawing/2014/main" xmlns="" id="{463FAF6D-C547-4B4C-A2E4-90F83C4F0219}"/>
               </a:ext>
             </a:extLst>
           </p:cNvPr>
@@ -498,7 +499,7 @@
           <p:cNvPr id="6" name="Segnaposto numero diapositiva 5">
             <a:extLst>
               <a:ext uri="{FF2B5EF4-FFF2-40B4-BE49-F238E27FC236}">
-                <a16:creationId xmlns:a16="http://schemas.microsoft.com/office/drawing/2014/main" id="{7A015216-DD28-4DFE-A372-9C3EA1E860CA}"/>
+                <a16:creationId xmlns:a16="http://schemas.microsoft.com/office/drawing/2014/main" xmlns="" id="{7A015216-DD28-4DFE-A372-9C3EA1E860CA}"/>
               </a:ext>
             </a:extLst>
           </p:cNvPr>
@@ -516,7 +517,7 @@
           <a:p>
             <a:fld id="{DE11110C-3587-43B6-A566-38D45AF93580}" type="slidenum">
               <a:rPr lang="it-IT" smtClean="0"/>
-              <a:t>‹N›</a:t>
+              <a:t>‹N°›</a:t>
             </a:fld>
             <a:endParaRPr lang="it-IT"/>
           </a:p>
@@ -557,7 +558,7 @@
           <p:cNvPr id="2" name="Titolo verticale 1">
             <a:extLst>
               <a:ext uri="{FF2B5EF4-FFF2-40B4-BE49-F238E27FC236}">
-                <a16:creationId xmlns:a16="http://schemas.microsoft.com/office/drawing/2014/main" id="{18443BF9-D1E9-49CA-A03A-308E1681C86C}"/>
+                <a16:creationId xmlns:a16="http://schemas.microsoft.com/office/drawing/2014/main" xmlns="" id="{18443BF9-D1E9-49CA-A03A-308E1681C86C}"/>
               </a:ext>
             </a:extLst>
           </p:cNvPr>
@@ -590,7 +591,7 @@
           <p:cNvPr id="3" name="Segnaposto testo verticale 2">
             <a:extLst>
               <a:ext uri="{FF2B5EF4-FFF2-40B4-BE49-F238E27FC236}">
-                <a16:creationId xmlns:a16="http://schemas.microsoft.com/office/drawing/2014/main" id="{5C81E14B-AB2F-48FF-A63E-4622488258FD}"/>
+                <a16:creationId xmlns:a16="http://schemas.microsoft.com/office/drawing/2014/main" xmlns="" id="{5C81E14B-AB2F-48FF-A63E-4622488258FD}"/>
               </a:ext>
             </a:extLst>
           </p:cNvPr>
@@ -652,7 +653,7 @@
           <p:cNvPr id="4" name="Segnaposto data 3">
             <a:extLst>
               <a:ext uri="{FF2B5EF4-FFF2-40B4-BE49-F238E27FC236}">
-                <a16:creationId xmlns:a16="http://schemas.microsoft.com/office/drawing/2014/main" id="{36852A0A-3090-4C68-A265-E55B9D620BB5}"/>
+                <a16:creationId xmlns:a16="http://schemas.microsoft.com/office/drawing/2014/main" xmlns="" id="{36852A0A-3090-4C68-A265-E55B9D620BB5}"/>
               </a:ext>
             </a:extLst>
           </p:cNvPr>
@@ -670,7 +671,7 @@
           <a:p>
             <a:fld id="{AD428951-569D-4BEE-9DDF-471D87F3952B}" type="datetimeFigureOut">
               <a:rPr lang="it-IT" smtClean="0"/>
-              <a:t>29/11/2018</a:t>
+              <a:t>28/12/2018</a:t>
             </a:fld>
             <a:endParaRPr lang="it-IT"/>
           </a:p>
@@ -681,7 +682,7 @@
           <p:cNvPr id="5" name="Segnaposto piè di pagina 4">
             <a:extLst>
               <a:ext uri="{FF2B5EF4-FFF2-40B4-BE49-F238E27FC236}">
-                <a16:creationId xmlns:a16="http://schemas.microsoft.com/office/drawing/2014/main" id="{BCBA7277-CF5F-469F-8B9E-AB7067370EC9}"/>
+                <a16:creationId xmlns:a16="http://schemas.microsoft.com/office/drawing/2014/main" xmlns="" id="{BCBA7277-CF5F-469F-8B9E-AB7067370EC9}"/>
               </a:ext>
             </a:extLst>
           </p:cNvPr>
@@ -706,7 +707,7 @@
           <p:cNvPr id="6" name="Segnaposto numero diapositiva 5">
             <a:extLst>
               <a:ext uri="{FF2B5EF4-FFF2-40B4-BE49-F238E27FC236}">
-                <a16:creationId xmlns:a16="http://schemas.microsoft.com/office/drawing/2014/main" id="{4531E5A3-9F58-4820-A78B-42A8F065932F}"/>
+                <a16:creationId xmlns:a16="http://schemas.microsoft.com/office/drawing/2014/main" xmlns="" id="{4531E5A3-9F58-4820-A78B-42A8F065932F}"/>
               </a:ext>
             </a:extLst>
           </p:cNvPr>
@@ -724,7 +725,7 @@
           <a:p>
             <a:fld id="{DE11110C-3587-43B6-A566-38D45AF93580}" type="slidenum">
               <a:rPr lang="it-IT" smtClean="0"/>
-              <a:t>‹N›</a:t>
+              <a:t>‹N°›</a:t>
             </a:fld>
             <a:endParaRPr lang="it-IT"/>
           </a:p>
@@ -765,7 +766,7 @@
           <p:cNvPr id="2" name="Titolo 1">
             <a:extLst>
               <a:ext uri="{FF2B5EF4-FFF2-40B4-BE49-F238E27FC236}">
-                <a16:creationId xmlns:a16="http://schemas.microsoft.com/office/drawing/2014/main" id="{37483881-A07C-4D00-98F2-E014F1D1F5AE}"/>
+                <a16:creationId xmlns:a16="http://schemas.microsoft.com/office/drawing/2014/main" xmlns="" id="{37483881-A07C-4D00-98F2-E014F1D1F5AE}"/>
               </a:ext>
             </a:extLst>
           </p:cNvPr>
@@ -793,7 +794,7 @@
           <p:cNvPr id="3" name="Segnaposto contenuto 2">
             <a:extLst>
               <a:ext uri="{FF2B5EF4-FFF2-40B4-BE49-F238E27FC236}">
-                <a16:creationId xmlns:a16="http://schemas.microsoft.com/office/drawing/2014/main" id="{9F06F14F-1425-417B-AD89-9A0BEDD3936D}"/>
+                <a16:creationId xmlns:a16="http://schemas.microsoft.com/office/drawing/2014/main" xmlns="" id="{9F06F14F-1425-417B-AD89-9A0BEDD3936D}"/>
               </a:ext>
             </a:extLst>
           </p:cNvPr>
@@ -850,7 +851,7 @@
           <p:cNvPr id="4" name="Segnaposto data 3">
             <a:extLst>
               <a:ext uri="{FF2B5EF4-FFF2-40B4-BE49-F238E27FC236}">
-                <a16:creationId xmlns:a16="http://schemas.microsoft.com/office/drawing/2014/main" id="{001D294E-6F3E-45DD-92A8-F5C931A5620F}"/>
+                <a16:creationId xmlns:a16="http://schemas.microsoft.com/office/drawing/2014/main" xmlns="" id="{001D294E-6F3E-45DD-92A8-F5C931A5620F}"/>
               </a:ext>
             </a:extLst>
           </p:cNvPr>
@@ -868,7 +869,7 @@
           <a:p>
             <a:fld id="{AD428951-569D-4BEE-9DDF-471D87F3952B}" type="datetimeFigureOut">
               <a:rPr lang="it-IT" smtClean="0"/>
-              <a:t>29/11/2018</a:t>
+              <a:t>28/12/2018</a:t>
             </a:fld>
             <a:endParaRPr lang="it-IT"/>
           </a:p>
@@ -879,7 +880,7 @@
           <p:cNvPr id="5" name="Segnaposto piè di pagina 4">
             <a:extLst>
               <a:ext uri="{FF2B5EF4-FFF2-40B4-BE49-F238E27FC236}">
-                <a16:creationId xmlns:a16="http://schemas.microsoft.com/office/drawing/2014/main" id="{D7ECE0AC-AACF-44CE-95DF-495660574930}"/>
+                <a16:creationId xmlns:a16="http://schemas.microsoft.com/office/drawing/2014/main" xmlns="" id="{D7ECE0AC-AACF-44CE-95DF-495660574930}"/>
               </a:ext>
             </a:extLst>
           </p:cNvPr>
@@ -904,7 +905,7 @@
           <p:cNvPr id="6" name="Segnaposto numero diapositiva 5">
             <a:extLst>
               <a:ext uri="{FF2B5EF4-FFF2-40B4-BE49-F238E27FC236}">
-                <a16:creationId xmlns:a16="http://schemas.microsoft.com/office/drawing/2014/main" id="{20C71458-4526-40FC-98B0-874ACE51CAC5}"/>
+                <a16:creationId xmlns:a16="http://schemas.microsoft.com/office/drawing/2014/main" xmlns="" id="{20C71458-4526-40FC-98B0-874ACE51CAC5}"/>
               </a:ext>
             </a:extLst>
           </p:cNvPr>
@@ -922,7 +923,7 @@
           <a:p>
             <a:fld id="{DE11110C-3587-43B6-A566-38D45AF93580}" type="slidenum">
               <a:rPr lang="it-IT" smtClean="0"/>
-              <a:t>‹N›</a:t>
+              <a:t>‹N°›</a:t>
             </a:fld>
             <a:endParaRPr lang="it-IT"/>
           </a:p>
@@ -963,7 +964,7 @@
           <p:cNvPr id="2" name="Titolo 1">
             <a:extLst>
               <a:ext uri="{FF2B5EF4-FFF2-40B4-BE49-F238E27FC236}">
-                <a16:creationId xmlns:a16="http://schemas.microsoft.com/office/drawing/2014/main" id="{FABD8012-558A-474A-BB6F-901CF3682346}"/>
+                <a16:creationId xmlns:a16="http://schemas.microsoft.com/office/drawing/2014/main" xmlns="" id="{FABD8012-558A-474A-BB6F-901CF3682346}"/>
               </a:ext>
             </a:extLst>
           </p:cNvPr>
@@ -1000,7 +1001,7 @@
           <p:cNvPr id="3" name="Segnaposto testo 2">
             <a:extLst>
               <a:ext uri="{FF2B5EF4-FFF2-40B4-BE49-F238E27FC236}">
-                <a16:creationId xmlns:a16="http://schemas.microsoft.com/office/drawing/2014/main" id="{6A39F018-8AAB-421D-8B89-3E9A8C3B66F8}"/>
+                <a16:creationId xmlns:a16="http://schemas.microsoft.com/office/drawing/2014/main" xmlns="" id="{6A39F018-8AAB-421D-8B89-3E9A8C3B66F8}"/>
               </a:ext>
             </a:extLst>
           </p:cNvPr>
@@ -1125,7 +1126,7 @@
           <p:cNvPr id="4" name="Segnaposto data 3">
             <a:extLst>
               <a:ext uri="{FF2B5EF4-FFF2-40B4-BE49-F238E27FC236}">
-                <a16:creationId xmlns:a16="http://schemas.microsoft.com/office/drawing/2014/main" id="{053FC4D3-9224-452E-AE74-1ED360BE60C3}"/>
+                <a16:creationId xmlns:a16="http://schemas.microsoft.com/office/drawing/2014/main" xmlns="" id="{053FC4D3-9224-452E-AE74-1ED360BE60C3}"/>
               </a:ext>
             </a:extLst>
           </p:cNvPr>
@@ -1143,7 +1144,7 @@
           <a:p>
             <a:fld id="{AD428951-569D-4BEE-9DDF-471D87F3952B}" type="datetimeFigureOut">
               <a:rPr lang="it-IT" smtClean="0"/>
-              <a:t>29/11/2018</a:t>
+              <a:t>28/12/2018</a:t>
             </a:fld>
             <a:endParaRPr lang="it-IT"/>
           </a:p>
@@ -1154,7 +1155,7 @@
           <p:cNvPr id="5" name="Segnaposto piè di pagina 4">
             <a:extLst>
               <a:ext uri="{FF2B5EF4-FFF2-40B4-BE49-F238E27FC236}">
-                <a16:creationId xmlns:a16="http://schemas.microsoft.com/office/drawing/2014/main" id="{761B69FC-7E5F-4C92-8C60-DD0699BA6D82}"/>
+                <a16:creationId xmlns:a16="http://schemas.microsoft.com/office/drawing/2014/main" xmlns="" id="{761B69FC-7E5F-4C92-8C60-DD0699BA6D82}"/>
               </a:ext>
             </a:extLst>
           </p:cNvPr>
@@ -1179,7 +1180,7 @@
           <p:cNvPr id="6" name="Segnaposto numero diapositiva 5">
             <a:extLst>
               <a:ext uri="{FF2B5EF4-FFF2-40B4-BE49-F238E27FC236}">
-                <a16:creationId xmlns:a16="http://schemas.microsoft.com/office/drawing/2014/main" id="{6C2D04D5-6963-4E76-8FF2-C6C4C68D62FA}"/>
+                <a16:creationId xmlns:a16="http://schemas.microsoft.com/office/drawing/2014/main" xmlns="" id="{6C2D04D5-6963-4E76-8FF2-C6C4C68D62FA}"/>
               </a:ext>
             </a:extLst>
           </p:cNvPr>
@@ -1197,7 +1198,7 @@
           <a:p>
             <a:fld id="{DE11110C-3587-43B6-A566-38D45AF93580}" type="slidenum">
               <a:rPr lang="it-IT" smtClean="0"/>
-              <a:t>‹N›</a:t>
+              <a:t>‹N°›</a:t>
             </a:fld>
             <a:endParaRPr lang="it-IT"/>
           </a:p>
@@ -1238,7 +1239,7 @@
           <p:cNvPr id="2" name="Titolo 1">
             <a:extLst>
               <a:ext uri="{FF2B5EF4-FFF2-40B4-BE49-F238E27FC236}">
-                <a16:creationId xmlns:a16="http://schemas.microsoft.com/office/drawing/2014/main" id="{741F3A13-FECC-446F-9C5E-66DF4CD693D3}"/>
+                <a16:creationId xmlns:a16="http://schemas.microsoft.com/office/drawing/2014/main" xmlns="" id="{741F3A13-FECC-446F-9C5E-66DF4CD693D3}"/>
               </a:ext>
             </a:extLst>
           </p:cNvPr>
@@ -1266,7 +1267,7 @@
           <p:cNvPr id="3" name="Segnaposto contenuto 2">
             <a:extLst>
               <a:ext uri="{FF2B5EF4-FFF2-40B4-BE49-F238E27FC236}">
-                <a16:creationId xmlns:a16="http://schemas.microsoft.com/office/drawing/2014/main" id="{8D4D0611-1A04-451F-AA5A-F6FBA3761D7C}"/>
+                <a16:creationId xmlns:a16="http://schemas.microsoft.com/office/drawing/2014/main" xmlns="" id="{8D4D0611-1A04-451F-AA5A-F6FBA3761D7C}"/>
               </a:ext>
             </a:extLst>
           </p:cNvPr>
@@ -1328,7 +1329,7 @@
           <p:cNvPr id="4" name="Segnaposto contenuto 3">
             <a:extLst>
               <a:ext uri="{FF2B5EF4-FFF2-40B4-BE49-F238E27FC236}">
-                <a16:creationId xmlns:a16="http://schemas.microsoft.com/office/drawing/2014/main" id="{05C0BD36-D206-4B70-9B0A-BD5431D52DEA}"/>
+                <a16:creationId xmlns:a16="http://schemas.microsoft.com/office/drawing/2014/main" xmlns="" id="{05C0BD36-D206-4B70-9B0A-BD5431D52DEA}"/>
               </a:ext>
             </a:extLst>
           </p:cNvPr>
@@ -1390,7 +1391,7 @@
           <p:cNvPr id="5" name="Segnaposto data 4">
             <a:extLst>
               <a:ext uri="{FF2B5EF4-FFF2-40B4-BE49-F238E27FC236}">
-                <a16:creationId xmlns:a16="http://schemas.microsoft.com/office/drawing/2014/main" id="{2A47094D-E521-445D-A288-A118BB1B08CE}"/>
+                <a16:creationId xmlns:a16="http://schemas.microsoft.com/office/drawing/2014/main" xmlns="" id="{2A47094D-E521-445D-A288-A118BB1B08CE}"/>
               </a:ext>
             </a:extLst>
           </p:cNvPr>
@@ -1408,7 +1409,7 @@
           <a:p>
             <a:fld id="{AD428951-569D-4BEE-9DDF-471D87F3952B}" type="datetimeFigureOut">
               <a:rPr lang="it-IT" smtClean="0"/>
-              <a:t>29/11/2018</a:t>
+              <a:t>28/12/2018</a:t>
             </a:fld>
             <a:endParaRPr lang="it-IT"/>
           </a:p>
@@ -1419,7 +1420,7 @@
           <p:cNvPr id="6" name="Segnaposto piè di pagina 5">
             <a:extLst>
               <a:ext uri="{FF2B5EF4-FFF2-40B4-BE49-F238E27FC236}">
-                <a16:creationId xmlns:a16="http://schemas.microsoft.com/office/drawing/2014/main" id="{9DC4D153-45E8-4087-B876-AF9BF332047B}"/>
+                <a16:creationId xmlns:a16="http://schemas.microsoft.com/office/drawing/2014/main" xmlns="" id="{9DC4D153-45E8-4087-B876-AF9BF332047B}"/>
               </a:ext>
             </a:extLst>
           </p:cNvPr>
@@ -1444,7 +1445,7 @@
           <p:cNvPr id="7" name="Segnaposto numero diapositiva 6">
             <a:extLst>
               <a:ext uri="{FF2B5EF4-FFF2-40B4-BE49-F238E27FC236}">
-                <a16:creationId xmlns:a16="http://schemas.microsoft.com/office/drawing/2014/main" id="{F2575311-1B01-4799-9873-A971169BC5D5}"/>
+                <a16:creationId xmlns:a16="http://schemas.microsoft.com/office/drawing/2014/main" xmlns="" id="{F2575311-1B01-4799-9873-A971169BC5D5}"/>
               </a:ext>
             </a:extLst>
           </p:cNvPr>
@@ -1462,7 +1463,7 @@
           <a:p>
             <a:fld id="{DE11110C-3587-43B6-A566-38D45AF93580}" type="slidenum">
               <a:rPr lang="it-IT" smtClean="0"/>
-              <a:t>‹N›</a:t>
+              <a:t>‹N°›</a:t>
             </a:fld>
             <a:endParaRPr lang="it-IT"/>
           </a:p>
@@ -1503,7 +1504,7 @@
           <p:cNvPr id="2" name="Titolo 1">
             <a:extLst>
               <a:ext uri="{FF2B5EF4-FFF2-40B4-BE49-F238E27FC236}">
-                <a16:creationId xmlns:a16="http://schemas.microsoft.com/office/drawing/2014/main" id="{250DEBD9-577E-4389-8D9A-EEDD9F107E29}"/>
+                <a16:creationId xmlns:a16="http://schemas.microsoft.com/office/drawing/2014/main" xmlns="" id="{250DEBD9-577E-4389-8D9A-EEDD9F107E29}"/>
               </a:ext>
             </a:extLst>
           </p:cNvPr>
@@ -1536,7 +1537,7 @@
           <p:cNvPr id="3" name="Segnaposto testo 2">
             <a:extLst>
               <a:ext uri="{FF2B5EF4-FFF2-40B4-BE49-F238E27FC236}">
-                <a16:creationId xmlns:a16="http://schemas.microsoft.com/office/drawing/2014/main" id="{9A7593E0-A190-4F18-AA2D-6B90BF4A2027}"/>
+                <a16:creationId xmlns:a16="http://schemas.microsoft.com/office/drawing/2014/main" xmlns="" id="{9A7593E0-A190-4F18-AA2D-6B90BF4A2027}"/>
               </a:ext>
             </a:extLst>
           </p:cNvPr>
@@ -1607,7 +1608,7 @@
           <p:cNvPr id="4" name="Segnaposto contenuto 3">
             <a:extLst>
               <a:ext uri="{FF2B5EF4-FFF2-40B4-BE49-F238E27FC236}">
-                <a16:creationId xmlns:a16="http://schemas.microsoft.com/office/drawing/2014/main" id="{AF4F2641-2625-46A8-B57F-FC0DF2E53DD5}"/>
+                <a16:creationId xmlns:a16="http://schemas.microsoft.com/office/drawing/2014/main" xmlns="" id="{AF4F2641-2625-46A8-B57F-FC0DF2E53DD5}"/>
               </a:ext>
             </a:extLst>
           </p:cNvPr>
@@ -1669,7 +1670,7 @@
           <p:cNvPr id="5" name="Segnaposto testo 4">
             <a:extLst>
               <a:ext uri="{FF2B5EF4-FFF2-40B4-BE49-F238E27FC236}">
-                <a16:creationId xmlns:a16="http://schemas.microsoft.com/office/drawing/2014/main" id="{E91DA8CF-585C-4C54-890D-542DE22C9CB1}"/>
+                <a16:creationId xmlns:a16="http://schemas.microsoft.com/office/drawing/2014/main" xmlns="" id="{E91DA8CF-585C-4C54-890D-542DE22C9CB1}"/>
               </a:ext>
             </a:extLst>
           </p:cNvPr>
@@ -1740,7 +1741,7 @@
           <p:cNvPr id="6" name="Segnaposto contenuto 5">
             <a:extLst>
               <a:ext uri="{FF2B5EF4-FFF2-40B4-BE49-F238E27FC236}">
-                <a16:creationId xmlns:a16="http://schemas.microsoft.com/office/drawing/2014/main" id="{C206CD57-2CBB-4555-994B-DF4CF3AC6321}"/>
+                <a16:creationId xmlns:a16="http://schemas.microsoft.com/office/drawing/2014/main" xmlns="" id="{C206CD57-2CBB-4555-994B-DF4CF3AC6321}"/>
               </a:ext>
             </a:extLst>
           </p:cNvPr>
@@ -1802,7 +1803,7 @@
           <p:cNvPr id="7" name="Segnaposto data 6">
             <a:extLst>
               <a:ext uri="{FF2B5EF4-FFF2-40B4-BE49-F238E27FC236}">
-                <a16:creationId xmlns:a16="http://schemas.microsoft.com/office/drawing/2014/main" id="{44B54446-696C-46DE-9556-7A89AF4ACB08}"/>
+                <a16:creationId xmlns:a16="http://schemas.microsoft.com/office/drawing/2014/main" xmlns="" id="{44B54446-696C-46DE-9556-7A89AF4ACB08}"/>
               </a:ext>
             </a:extLst>
           </p:cNvPr>
@@ -1820,7 +1821,7 @@
           <a:p>
             <a:fld id="{AD428951-569D-4BEE-9DDF-471D87F3952B}" type="datetimeFigureOut">
               <a:rPr lang="it-IT" smtClean="0"/>
-              <a:t>29/11/2018</a:t>
+              <a:t>28/12/2018</a:t>
             </a:fld>
             <a:endParaRPr lang="it-IT"/>
           </a:p>
@@ -1831,7 +1832,7 @@
           <p:cNvPr id="8" name="Segnaposto piè di pagina 7">
             <a:extLst>
               <a:ext uri="{FF2B5EF4-FFF2-40B4-BE49-F238E27FC236}">
-                <a16:creationId xmlns:a16="http://schemas.microsoft.com/office/drawing/2014/main" id="{F7766CC0-F156-4CAF-BDBA-4D2975A66D56}"/>
+                <a16:creationId xmlns:a16="http://schemas.microsoft.com/office/drawing/2014/main" xmlns="" id="{F7766CC0-F156-4CAF-BDBA-4D2975A66D56}"/>
               </a:ext>
             </a:extLst>
           </p:cNvPr>
@@ -1856,7 +1857,7 @@
           <p:cNvPr id="9" name="Segnaposto numero diapositiva 8">
             <a:extLst>
               <a:ext uri="{FF2B5EF4-FFF2-40B4-BE49-F238E27FC236}">
-                <a16:creationId xmlns:a16="http://schemas.microsoft.com/office/drawing/2014/main" id="{E824FB7E-AC69-4214-B8A1-0345545DC38B}"/>
+                <a16:creationId xmlns:a16="http://schemas.microsoft.com/office/drawing/2014/main" xmlns="" id="{E824FB7E-AC69-4214-B8A1-0345545DC38B}"/>
               </a:ext>
             </a:extLst>
           </p:cNvPr>
@@ -1874,7 +1875,7 @@
           <a:p>
             <a:fld id="{DE11110C-3587-43B6-A566-38D45AF93580}" type="slidenum">
               <a:rPr lang="it-IT" smtClean="0"/>
-              <a:t>‹N›</a:t>
+              <a:t>‹N°›</a:t>
             </a:fld>
             <a:endParaRPr lang="it-IT"/>
           </a:p>
@@ -1915,7 +1916,7 @@
           <p:cNvPr id="2" name="Titolo 1">
             <a:extLst>
               <a:ext uri="{FF2B5EF4-FFF2-40B4-BE49-F238E27FC236}">
-                <a16:creationId xmlns:a16="http://schemas.microsoft.com/office/drawing/2014/main" id="{9A462FBF-BA04-4A8C-826D-F55DA9684F7E}"/>
+                <a16:creationId xmlns:a16="http://schemas.microsoft.com/office/drawing/2014/main" xmlns="" id="{9A462FBF-BA04-4A8C-826D-F55DA9684F7E}"/>
               </a:ext>
             </a:extLst>
           </p:cNvPr>
@@ -1943,7 +1944,7 @@
           <p:cNvPr id="3" name="Segnaposto data 2">
             <a:extLst>
               <a:ext uri="{FF2B5EF4-FFF2-40B4-BE49-F238E27FC236}">
-                <a16:creationId xmlns:a16="http://schemas.microsoft.com/office/drawing/2014/main" id="{B67E4CD1-D9AF-424A-BAD5-4777DC5E64EC}"/>
+                <a16:creationId xmlns:a16="http://schemas.microsoft.com/office/drawing/2014/main" xmlns="" id="{B67E4CD1-D9AF-424A-BAD5-4777DC5E64EC}"/>
               </a:ext>
             </a:extLst>
           </p:cNvPr>
@@ -1961,7 +1962,7 @@
           <a:p>
             <a:fld id="{AD428951-569D-4BEE-9DDF-471D87F3952B}" type="datetimeFigureOut">
               <a:rPr lang="it-IT" smtClean="0"/>
-              <a:t>29/11/2018</a:t>
+              <a:t>28/12/2018</a:t>
             </a:fld>
             <a:endParaRPr lang="it-IT"/>
           </a:p>
@@ -1972,7 +1973,7 @@
           <p:cNvPr id="4" name="Segnaposto piè di pagina 3">
             <a:extLst>
               <a:ext uri="{FF2B5EF4-FFF2-40B4-BE49-F238E27FC236}">
-                <a16:creationId xmlns:a16="http://schemas.microsoft.com/office/drawing/2014/main" id="{59DC11D4-EBC8-4006-9541-E14FBE6D8284}"/>
+                <a16:creationId xmlns:a16="http://schemas.microsoft.com/office/drawing/2014/main" xmlns="" id="{59DC11D4-EBC8-4006-9541-E14FBE6D8284}"/>
               </a:ext>
             </a:extLst>
           </p:cNvPr>
@@ -1997,7 +1998,7 @@
           <p:cNvPr id="5" name="Segnaposto numero diapositiva 4">
             <a:extLst>
               <a:ext uri="{FF2B5EF4-FFF2-40B4-BE49-F238E27FC236}">
-                <a16:creationId xmlns:a16="http://schemas.microsoft.com/office/drawing/2014/main" id="{3BB0B4D2-FF01-48A2-82C8-82430674A742}"/>
+                <a16:creationId xmlns:a16="http://schemas.microsoft.com/office/drawing/2014/main" xmlns="" id="{3BB0B4D2-FF01-48A2-82C8-82430674A742}"/>
               </a:ext>
             </a:extLst>
           </p:cNvPr>
@@ -2015,7 +2016,7 @@
           <a:p>
             <a:fld id="{DE11110C-3587-43B6-A566-38D45AF93580}" type="slidenum">
               <a:rPr lang="it-IT" smtClean="0"/>
-              <a:t>‹N›</a:t>
+              <a:t>‹N°›</a:t>
             </a:fld>
             <a:endParaRPr lang="it-IT"/>
           </a:p>
@@ -2056,7 +2057,7 @@
           <p:cNvPr id="2" name="Segnaposto data 1">
             <a:extLst>
               <a:ext uri="{FF2B5EF4-FFF2-40B4-BE49-F238E27FC236}">
-                <a16:creationId xmlns:a16="http://schemas.microsoft.com/office/drawing/2014/main" id="{FE3C15AF-E349-42E6-A5BB-5D261BCA200C}"/>
+                <a16:creationId xmlns:a16="http://schemas.microsoft.com/office/drawing/2014/main" xmlns="" id="{FE3C15AF-E349-42E6-A5BB-5D261BCA200C}"/>
               </a:ext>
             </a:extLst>
           </p:cNvPr>
@@ -2074,7 +2075,7 @@
           <a:p>
             <a:fld id="{AD428951-569D-4BEE-9DDF-471D87F3952B}" type="datetimeFigureOut">
               <a:rPr lang="it-IT" smtClean="0"/>
-              <a:t>29/11/2018</a:t>
+              <a:t>28/12/2018</a:t>
             </a:fld>
             <a:endParaRPr lang="it-IT"/>
           </a:p>
@@ -2085,7 +2086,7 @@
           <p:cNvPr id="3" name="Segnaposto piè di pagina 2">
             <a:extLst>
               <a:ext uri="{FF2B5EF4-FFF2-40B4-BE49-F238E27FC236}">
-                <a16:creationId xmlns:a16="http://schemas.microsoft.com/office/drawing/2014/main" id="{4C87FA6D-96E8-4A91-BA39-57152DF92C6D}"/>
+                <a16:creationId xmlns:a16="http://schemas.microsoft.com/office/drawing/2014/main" xmlns="" id="{4C87FA6D-96E8-4A91-BA39-57152DF92C6D}"/>
               </a:ext>
             </a:extLst>
           </p:cNvPr>
@@ -2110,7 +2111,7 @@
           <p:cNvPr id="4" name="Segnaposto numero diapositiva 3">
             <a:extLst>
               <a:ext uri="{FF2B5EF4-FFF2-40B4-BE49-F238E27FC236}">
-                <a16:creationId xmlns:a16="http://schemas.microsoft.com/office/drawing/2014/main" id="{E537D7F0-ED03-4935-AB51-6D25FD3B69DD}"/>
+                <a16:creationId xmlns:a16="http://schemas.microsoft.com/office/drawing/2014/main" xmlns="" id="{E537D7F0-ED03-4935-AB51-6D25FD3B69DD}"/>
               </a:ext>
             </a:extLst>
           </p:cNvPr>
@@ -2128,7 +2129,7 @@
           <a:p>
             <a:fld id="{DE11110C-3587-43B6-A566-38D45AF93580}" type="slidenum">
               <a:rPr lang="it-IT" smtClean="0"/>
-              <a:t>‹N›</a:t>
+              <a:t>‹N°›</a:t>
             </a:fld>
             <a:endParaRPr lang="it-IT"/>
           </a:p>
@@ -2169,7 +2170,7 @@
           <p:cNvPr id="2" name="Titolo 1">
             <a:extLst>
               <a:ext uri="{FF2B5EF4-FFF2-40B4-BE49-F238E27FC236}">
-                <a16:creationId xmlns:a16="http://schemas.microsoft.com/office/drawing/2014/main" id="{285A17A7-4095-4E07-BA83-D4FBA95A71B6}"/>
+                <a16:creationId xmlns:a16="http://schemas.microsoft.com/office/drawing/2014/main" xmlns="" id="{285A17A7-4095-4E07-BA83-D4FBA95A71B6}"/>
               </a:ext>
             </a:extLst>
           </p:cNvPr>
@@ -2206,7 +2207,7 @@
           <p:cNvPr id="3" name="Segnaposto contenuto 2">
             <a:extLst>
               <a:ext uri="{FF2B5EF4-FFF2-40B4-BE49-F238E27FC236}">
-                <a16:creationId xmlns:a16="http://schemas.microsoft.com/office/drawing/2014/main" id="{2ABE800C-9458-4C53-8D38-2B6C3EDE0E93}"/>
+                <a16:creationId xmlns:a16="http://schemas.microsoft.com/office/drawing/2014/main" xmlns="" id="{2ABE800C-9458-4C53-8D38-2B6C3EDE0E93}"/>
               </a:ext>
             </a:extLst>
           </p:cNvPr>
@@ -2296,7 +2297,7 @@
           <p:cNvPr id="4" name="Segnaposto testo 3">
             <a:extLst>
               <a:ext uri="{FF2B5EF4-FFF2-40B4-BE49-F238E27FC236}">
-                <a16:creationId xmlns:a16="http://schemas.microsoft.com/office/drawing/2014/main" id="{85A61BCF-DF19-4EC0-A678-947015AB4BF6}"/>
+                <a16:creationId xmlns:a16="http://schemas.microsoft.com/office/drawing/2014/main" xmlns="" id="{85A61BCF-DF19-4EC0-A678-947015AB4BF6}"/>
               </a:ext>
             </a:extLst>
           </p:cNvPr>
@@ -2367,7 +2368,7 @@
           <p:cNvPr id="5" name="Segnaposto data 4">
             <a:extLst>
               <a:ext uri="{FF2B5EF4-FFF2-40B4-BE49-F238E27FC236}">
-                <a16:creationId xmlns:a16="http://schemas.microsoft.com/office/drawing/2014/main" id="{98FAB380-C50E-427B-B611-636550EDB1F5}"/>
+                <a16:creationId xmlns:a16="http://schemas.microsoft.com/office/drawing/2014/main" xmlns="" id="{98FAB380-C50E-427B-B611-636550EDB1F5}"/>
               </a:ext>
             </a:extLst>
           </p:cNvPr>
@@ -2385,7 +2386,7 @@
           <a:p>
             <a:fld id="{AD428951-569D-4BEE-9DDF-471D87F3952B}" type="datetimeFigureOut">
               <a:rPr lang="it-IT" smtClean="0"/>
-              <a:t>29/11/2018</a:t>
+              <a:t>28/12/2018</a:t>
             </a:fld>
             <a:endParaRPr lang="it-IT"/>
           </a:p>
@@ -2396,7 +2397,7 @@
           <p:cNvPr id="6" name="Segnaposto piè di pagina 5">
             <a:extLst>
               <a:ext uri="{FF2B5EF4-FFF2-40B4-BE49-F238E27FC236}">
-                <a16:creationId xmlns:a16="http://schemas.microsoft.com/office/drawing/2014/main" id="{1742C12A-C712-45D8-8F50-0C9B576D92C2}"/>
+                <a16:creationId xmlns:a16="http://schemas.microsoft.com/office/drawing/2014/main" xmlns="" id="{1742C12A-C712-45D8-8F50-0C9B576D92C2}"/>
               </a:ext>
             </a:extLst>
           </p:cNvPr>
@@ -2421,7 +2422,7 @@
           <p:cNvPr id="7" name="Segnaposto numero diapositiva 6">
             <a:extLst>
               <a:ext uri="{FF2B5EF4-FFF2-40B4-BE49-F238E27FC236}">
-                <a16:creationId xmlns:a16="http://schemas.microsoft.com/office/drawing/2014/main" id="{87F6A0D8-0D70-407B-85CB-B754ABB7AE66}"/>
+                <a16:creationId xmlns:a16="http://schemas.microsoft.com/office/drawing/2014/main" xmlns="" id="{87F6A0D8-0D70-407B-85CB-B754ABB7AE66}"/>
               </a:ext>
             </a:extLst>
           </p:cNvPr>
@@ -2439,7 +2440,7 @@
           <a:p>
             <a:fld id="{DE11110C-3587-43B6-A566-38D45AF93580}" type="slidenum">
               <a:rPr lang="it-IT" smtClean="0"/>
-              <a:t>‹N›</a:t>
+              <a:t>‹N°›</a:t>
             </a:fld>
             <a:endParaRPr lang="it-IT"/>
           </a:p>
@@ -2480,7 +2481,7 @@
           <p:cNvPr id="2" name="Titolo 1">
             <a:extLst>
               <a:ext uri="{FF2B5EF4-FFF2-40B4-BE49-F238E27FC236}">
-                <a16:creationId xmlns:a16="http://schemas.microsoft.com/office/drawing/2014/main" id="{24C68998-E686-4DB2-A5FA-F71627134837}"/>
+                <a16:creationId xmlns:a16="http://schemas.microsoft.com/office/drawing/2014/main" xmlns="" id="{24C68998-E686-4DB2-A5FA-F71627134837}"/>
               </a:ext>
             </a:extLst>
           </p:cNvPr>
@@ -2517,7 +2518,7 @@
           <p:cNvPr id="3" name="Segnaposto immagine 2">
             <a:extLst>
               <a:ext uri="{FF2B5EF4-FFF2-40B4-BE49-F238E27FC236}">
-                <a16:creationId xmlns:a16="http://schemas.microsoft.com/office/drawing/2014/main" id="{BEFB183C-8A51-46FA-A7BD-1B7AD9938D58}"/>
+                <a16:creationId xmlns:a16="http://schemas.microsoft.com/office/drawing/2014/main" xmlns="" id="{BEFB183C-8A51-46FA-A7BD-1B7AD9938D58}"/>
               </a:ext>
             </a:extLst>
           </p:cNvPr>
@@ -2584,7 +2585,7 @@
           <p:cNvPr id="4" name="Segnaposto testo 3">
             <a:extLst>
               <a:ext uri="{FF2B5EF4-FFF2-40B4-BE49-F238E27FC236}">
-                <a16:creationId xmlns:a16="http://schemas.microsoft.com/office/drawing/2014/main" id="{E5F006A9-35B4-42C3-8F74-2D3CD768C6E9}"/>
+                <a16:creationId xmlns:a16="http://schemas.microsoft.com/office/drawing/2014/main" xmlns="" id="{E5F006A9-35B4-42C3-8F74-2D3CD768C6E9}"/>
               </a:ext>
             </a:extLst>
           </p:cNvPr>
@@ -2655,7 +2656,7 @@
           <p:cNvPr id="5" name="Segnaposto data 4">
             <a:extLst>
               <a:ext uri="{FF2B5EF4-FFF2-40B4-BE49-F238E27FC236}">
-                <a16:creationId xmlns:a16="http://schemas.microsoft.com/office/drawing/2014/main" id="{C86745B4-92D1-4709-AD1B-0D9F41CE9B8F}"/>
+                <a16:creationId xmlns:a16="http://schemas.microsoft.com/office/drawing/2014/main" xmlns="" id="{C86745B4-92D1-4709-AD1B-0D9F41CE9B8F}"/>
               </a:ext>
             </a:extLst>
           </p:cNvPr>
@@ -2673,7 +2674,7 @@
           <a:p>
             <a:fld id="{AD428951-569D-4BEE-9DDF-471D87F3952B}" type="datetimeFigureOut">
               <a:rPr lang="it-IT" smtClean="0"/>
-              <a:t>29/11/2018</a:t>
+              <a:t>28/12/2018</a:t>
             </a:fld>
             <a:endParaRPr lang="it-IT"/>
           </a:p>
@@ -2684,7 +2685,7 @@
           <p:cNvPr id="6" name="Segnaposto piè di pagina 5">
             <a:extLst>
               <a:ext uri="{FF2B5EF4-FFF2-40B4-BE49-F238E27FC236}">
-                <a16:creationId xmlns:a16="http://schemas.microsoft.com/office/drawing/2014/main" id="{10F8C05B-94E2-404F-996A-43658F622830}"/>
+                <a16:creationId xmlns:a16="http://schemas.microsoft.com/office/drawing/2014/main" xmlns="" id="{10F8C05B-94E2-404F-996A-43658F622830}"/>
               </a:ext>
             </a:extLst>
           </p:cNvPr>
@@ -2709,7 +2710,7 @@
           <p:cNvPr id="7" name="Segnaposto numero diapositiva 6">
             <a:extLst>
               <a:ext uri="{FF2B5EF4-FFF2-40B4-BE49-F238E27FC236}">
-                <a16:creationId xmlns:a16="http://schemas.microsoft.com/office/drawing/2014/main" id="{C3858615-497A-4708-B3D3-034789886009}"/>
+                <a16:creationId xmlns:a16="http://schemas.microsoft.com/office/drawing/2014/main" xmlns="" id="{C3858615-497A-4708-B3D3-034789886009}"/>
               </a:ext>
             </a:extLst>
           </p:cNvPr>
@@ -2727,7 +2728,7 @@
           <a:p>
             <a:fld id="{DE11110C-3587-43B6-A566-38D45AF93580}" type="slidenum">
               <a:rPr lang="it-IT" smtClean="0"/>
-              <a:t>‹N›</a:t>
+              <a:t>‹N°›</a:t>
             </a:fld>
             <a:endParaRPr lang="it-IT"/>
           </a:p>
@@ -2773,7 +2774,7 @@
           <p:cNvPr id="2" name="Segnaposto titolo 1">
             <a:extLst>
               <a:ext uri="{FF2B5EF4-FFF2-40B4-BE49-F238E27FC236}">
-                <a16:creationId xmlns:a16="http://schemas.microsoft.com/office/drawing/2014/main" id="{262A22BB-952D-4829-9A5F-BD0120767A57}"/>
+                <a16:creationId xmlns:a16="http://schemas.microsoft.com/office/drawing/2014/main" xmlns="" id="{262A22BB-952D-4829-9A5F-BD0120767A57}"/>
               </a:ext>
             </a:extLst>
           </p:cNvPr>
@@ -2811,7 +2812,7 @@
           <p:cNvPr id="3" name="Segnaposto testo 2">
             <a:extLst>
               <a:ext uri="{FF2B5EF4-FFF2-40B4-BE49-F238E27FC236}">
-                <a16:creationId xmlns:a16="http://schemas.microsoft.com/office/drawing/2014/main" id="{938480E9-5D33-4737-B423-7703C6D6A4F5}"/>
+                <a16:creationId xmlns:a16="http://schemas.microsoft.com/office/drawing/2014/main" xmlns="" id="{938480E9-5D33-4737-B423-7703C6D6A4F5}"/>
               </a:ext>
             </a:extLst>
           </p:cNvPr>
@@ -2878,7 +2879,7 @@
           <p:cNvPr id="4" name="Segnaposto data 3">
             <a:extLst>
               <a:ext uri="{FF2B5EF4-FFF2-40B4-BE49-F238E27FC236}">
-                <a16:creationId xmlns:a16="http://schemas.microsoft.com/office/drawing/2014/main" id="{2F5F738B-8CD9-4124-850B-F5789D3D728B}"/>
+                <a16:creationId xmlns:a16="http://schemas.microsoft.com/office/drawing/2014/main" xmlns="" id="{2F5F738B-8CD9-4124-850B-F5789D3D728B}"/>
               </a:ext>
             </a:extLst>
           </p:cNvPr>
@@ -2914,7 +2915,7 @@
           <a:p>
             <a:fld id="{AD428951-569D-4BEE-9DDF-471D87F3952B}" type="datetimeFigureOut">
               <a:rPr lang="it-IT" smtClean="0"/>
-              <a:t>29/11/2018</a:t>
+              <a:t>28/12/2018</a:t>
             </a:fld>
             <a:endParaRPr lang="it-IT"/>
           </a:p>
@@ -2925,7 +2926,7 @@
           <p:cNvPr id="5" name="Segnaposto piè di pagina 4">
             <a:extLst>
               <a:ext uri="{FF2B5EF4-FFF2-40B4-BE49-F238E27FC236}">
-                <a16:creationId xmlns:a16="http://schemas.microsoft.com/office/drawing/2014/main" id="{4217C472-E61B-47FB-8072-C2A52DDFB408}"/>
+                <a16:creationId xmlns:a16="http://schemas.microsoft.com/office/drawing/2014/main" xmlns="" id="{4217C472-E61B-47FB-8072-C2A52DDFB408}"/>
               </a:ext>
             </a:extLst>
           </p:cNvPr>
@@ -2968,7 +2969,7 @@
           <p:cNvPr id="6" name="Segnaposto numero diapositiva 5">
             <a:extLst>
               <a:ext uri="{FF2B5EF4-FFF2-40B4-BE49-F238E27FC236}">
-                <a16:creationId xmlns:a16="http://schemas.microsoft.com/office/drawing/2014/main" id="{7C2CD27B-34A1-4DCB-B7F2-8C265356D86A}"/>
+                <a16:creationId xmlns:a16="http://schemas.microsoft.com/office/drawing/2014/main" xmlns="" id="{7C2CD27B-34A1-4DCB-B7F2-8C265356D86A}"/>
               </a:ext>
             </a:extLst>
           </p:cNvPr>
@@ -3004,7 +3005,7 @@
           <a:p>
             <a:fld id="{DE11110C-3587-43B6-A566-38D45AF93580}" type="slidenum">
               <a:rPr lang="it-IT" smtClean="0"/>
-              <a:t>‹N›</a:t>
+              <a:t>‹N°›</a:t>
             </a:fld>
             <a:endParaRPr lang="it-IT"/>
           </a:p>
@@ -3331,12 +3332,55 @@
           <a:chExt cx="0" cy="0"/>
         </a:xfrm>
       </p:grpSpPr>
+      <p:sp>
+        <p:nvSpPr>
+          <p:cNvPr id="3" name="Rectangle 2"/>
+          <p:cNvSpPr/>
+          <p:nvPr/>
+        </p:nvSpPr>
+        <p:spPr>
+          <a:xfrm>
+            <a:off x="6338807" y="1503336"/>
+            <a:ext cx="4796725" cy="4734732"/>
+          </a:xfrm>
+          <a:prstGeom prst="rect">
+            <a:avLst/>
+          </a:prstGeom>
+          <a:solidFill>
+            <a:schemeClr val="tx1"/>
+          </a:solidFill>
+        </p:spPr>
+        <p:style>
+          <a:lnRef idx="2">
+            <a:schemeClr val="accent1">
+              <a:shade val="50000"/>
+            </a:schemeClr>
+          </a:lnRef>
+          <a:fillRef idx="1">
+            <a:schemeClr val="accent1"/>
+          </a:fillRef>
+          <a:effectRef idx="0">
+            <a:schemeClr val="accent1"/>
+          </a:effectRef>
+          <a:fontRef idx="minor">
+            <a:schemeClr val="lt1"/>
+          </a:fontRef>
+        </p:style>
+        <p:txBody>
+          <a:bodyPr rtlCol="0" anchor="ctr"/>
+          <a:lstStyle/>
+          <a:p>
+            <a:pPr algn="ctr"/>
+            <a:endParaRPr lang="fr-FR"/>
+          </a:p>
+        </p:txBody>
+      </p:sp>
       <p:grpSp>
         <p:nvGrpSpPr>
           <p:cNvPr id="2" name="Gruppo 1">
             <a:extLst>
               <a:ext uri="{FF2B5EF4-FFF2-40B4-BE49-F238E27FC236}">
-                <a16:creationId xmlns:a16="http://schemas.microsoft.com/office/drawing/2014/main" id="{8BD1A926-0BFB-4E86-AA7F-D203344FD1E2}"/>
+                <a16:creationId xmlns:a16="http://schemas.microsoft.com/office/drawing/2014/main" xmlns="" id="{8BD1A926-0BFB-4E86-AA7F-D203344FD1E2}"/>
               </a:ext>
             </a:extLst>
           </p:cNvPr>
@@ -3345,18 +3389,32 @@
         </p:nvGrpSpPr>
         <p:grpSpPr>
           <a:xfrm>
-            <a:off x="2172586" y="2296634"/>
+            <a:off x="7209535" y="2234641"/>
             <a:ext cx="1834116" cy="2647503"/>
             <a:chOff x="2172586" y="2296634"/>
             <a:chExt cx="1834116" cy="2647503"/>
           </a:xfrm>
+          <a:effectLst>
+            <a:glow rad="228600">
+              <a:schemeClr val="accent5">
+                <a:satMod val="175000"/>
+                <a:alpha val="40000"/>
+              </a:schemeClr>
+            </a:glow>
+            <a:outerShdw blurRad="50800" dist="38100" dir="2700000" algn="tl" rotWithShape="0">
+              <a:prstClr val="black">
+                <a:alpha val="40000"/>
+              </a:prstClr>
+            </a:outerShdw>
+            <a:reflection blurRad="6350" stA="50000" endA="300" endPos="55500" dist="50800" dir="5400000" sy="-100000" algn="bl" rotWithShape="0"/>
+          </a:effectLst>
         </p:grpSpPr>
         <p:cxnSp>
           <p:nvCxnSpPr>
             <p:cNvPr id="5" name="Connettore a gomito 4">
               <a:extLst>
                 <a:ext uri="{FF2B5EF4-FFF2-40B4-BE49-F238E27FC236}">
-                  <a16:creationId xmlns:a16="http://schemas.microsoft.com/office/drawing/2014/main" id="{20FECF45-9275-449A-B486-B1B63CDE7F38}"/>
+                  <a16:creationId xmlns:a16="http://schemas.microsoft.com/office/drawing/2014/main" xmlns="" id="{20FECF45-9275-449A-B486-B1B63CDE7F38}"/>
                 </a:ext>
               </a:extLst>
             </p:cNvPr>
@@ -3373,6 +3431,13 @@
             <a:prstGeom prst="bentConnector3">
               <a:avLst/>
             </a:prstGeom>
+            <a:scene3d>
+              <a:camera prst="orthographicFront"/>
+              <a:lightRig rig="threePt" dir="t"/>
+            </a:scene3d>
+            <a:sp3d>
+              <a:bevelT/>
+            </a:sp3d>
           </p:spPr>
           <p:style>
             <a:lnRef idx="1">
@@ -3394,7 +3459,7 @@
             <p:cNvPr id="8" name="Connettore a gomito 7">
               <a:extLst>
                 <a:ext uri="{FF2B5EF4-FFF2-40B4-BE49-F238E27FC236}">
-                  <a16:creationId xmlns:a16="http://schemas.microsoft.com/office/drawing/2014/main" id="{4B278F0D-6231-4344-BA26-BDC44FD5D6E0}"/>
+                  <a16:creationId xmlns:a16="http://schemas.microsoft.com/office/drawing/2014/main" xmlns="" id="{4B278F0D-6231-4344-BA26-BDC44FD5D6E0}"/>
                 </a:ext>
               </a:extLst>
             </p:cNvPr>
@@ -3411,6 +3476,13 @@
             <a:prstGeom prst="bentConnector3">
               <a:avLst/>
             </a:prstGeom>
+            <a:scene3d>
+              <a:camera prst="orthographicFront"/>
+              <a:lightRig rig="threePt" dir="t"/>
+            </a:scene3d>
+            <a:sp3d>
+              <a:bevelT/>
+            </a:sp3d>
           </p:spPr>
           <p:style>
             <a:lnRef idx="1">
@@ -3432,7 +3504,7 @@
             <p:cNvPr id="9" name="Connettore a gomito 8">
               <a:extLst>
                 <a:ext uri="{FF2B5EF4-FFF2-40B4-BE49-F238E27FC236}">
-                  <a16:creationId xmlns:a16="http://schemas.microsoft.com/office/drawing/2014/main" id="{0540759E-5E02-4E63-A918-494114C8F250}"/>
+                  <a16:creationId xmlns:a16="http://schemas.microsoft.com/office/drawing/2014/main" xmlns="" id="{0540759E-5E02-4E63-A918-494114C8F250}"/>
                 </a:ext>
               </a:extLst>
             </p:cNvPr>
@@ -3449,6 +3521,13 @@
             <a:prstGeom prst="bentConnector3">
               <a:avLst/>
             </a:prstGeom>
+            <a:scene3d>
+              <a:camera prst="orthographicFront"/>
+              <a:lightRig rig="threePt" dir="t"/>
+            </a:scene3d>
+            <a:sp3d>
+              <a:bevelT/>
+            </a:sp3d>
           </p:spPr>
           <p:style>
             <a:lnRef idx="1">
@@ -3470,7 +3549,7 @@
             <p:cNvPr id="10" name="Connettore a gomito 9">
               <a:extLst>
                 <a:ext uri="{FF2B5EF4-FFF2-40B4-BE49-F238E27FC236}">
-                  <a16:creationId xmlns:a16="http://schemas.microsoft.com/office/drawing/2014/main" id="{D9C2FDAE-5C39-426E-85C2-B50B8E362272}"/>
+                  <a16:creationId xmlns:a16="http://schemas.microsoft.com/office/drawing/2014/main" xmlns="" id="{D9C2FDAE-5C39-426E-85C2-B50B8E362272}"/>
                 </a:ext>
               </a:extLst>
             </p:cNvPr>
@@ -3487,6 +3566,13 @@
             <a:prstGeom prst="bentConnector3">
               <a:avLst/>
             </a:prstGeom>
+            <a:scene3d>
+              <a:camera prst="orthographicFront"/>
+              <a:lightRig rig="threePt" dir="t"/>
+            </a:scene3d>
+            <a:sp3d>
+              <a:bevelT/>
+            </a:sp3d>
           </p:spPr>
           <p:style>
             <a:lnRef idx="1">
@@ -3539,7 +3625,7 @@
           <p:cNvPr id="4" name="Gruppo 3">
             <a:extLst>
               <a:ext uri="{FF2B5EF4-FFF2-40B4-BE49-F238E27FC236}">
-                <a16:creationId xmlns:a16="http://schemas.microsoft.com/office/drawing/2014/main" id="{79604170-93AC-47BF-ADDD-E10E3F28043F}"/>
+                <a16:creationId xmlns:a16="http://schemas.microsoft.com/office/drawing/2014/main" xmlns="" id="{79604170-93AC-47BF-ADDD-E10E3F28043F}"/>
               </a:ext>
             </a:extLst>
           </p:cNvPr>
@@ -3559,7 +3645,7 @@
             <p:cNvPr id="5" name="Connettore a gomito 4">
               <a:extLst>
                 <a:ext uri="{FF2B5EF4-FFF2-40B4-BE49-F238E27FC236}">
-                  <a16:creationId xmlns:a16="http://schemas.microsoft.com/office/drawing/2014/main" id="{20FECF45-9275-449A-B486-B1B63CDE7F38}"/>
+                  <a16:creationId xmlns:a16="http://schemas.microsoft.com/office/drawing/2014/main" xmlns="" id="{20FECF45-9275-449A-B486-B1B63CDE7F38}"/>
                 </a:ext>
               </a:extLst>
             </p:cNvPr>
@@ -3597,7 +3683,7 @@
             <p:cNvPr id="8" name="Connettore a gomito 7">
               <a:extLst>
                 <a:ext uri="{FF2B5EF4-FFF2-40B4-BE49-F238E27FC236}">
-                  <a16:creationId xmlns:a16="http://schemas.microsoft.com/office/drawing/2014/main" id="{4B278F0D-6231-4344-BA26-BDC44FD5D6E0}"/>
+                  <a16:creationId xmlns:a16="http://schemas.microsoft.com/office/drawing/2014/main" xmlns="" id="{4B278F0D-6231-4344-BA26-BDC44FD5D6E0}"/>
                 </a:ext>
               </a:extLst>
             </p:cNvPr>
@@ -3635,7 +3721,7 @@
             <p:cNvPr id="9" name="Connettore a gomito 8">
               <a:extLst>
                 <a:ext uri="{FF2B5EF4-FFF2-40B4-BE49-F238E27FC236}">
-                  <a16:creationId xmlns:a16="http://schemas.microsoft.com/office/drawing/2014/main" id="{0540759E-5E02-4E63-A918-494114C8F250}"/>
+                  <a16:creationId xmlns:a16="http://schemas.microsoft.com/office/drawing/2014/main" xmlns="" id="{0540759E-5E02-4E63-A918-494114C8F250}"/>
                 </a:ext>
               </a:extLst>
             </p:cNvPr>
@@ -3673,7 +3759,7 @@
             <p:cNvPr id="10" name="Connettore a gomito 9">
               <a:extLst>
                 <a:ext uri="{FF2B5EF4-FFF2-40B4-BE49-F238E27FC236}">
-                  <a16:creationId xmlns:a16="http://schemas.microsoft.com/office/drawing/2014/main" id="{D9C2FDAE-5C39-426E-85C2-B50B8E362272}"/>
+                  <a16:creationId xmlns:a16="http://schemas.microsoft.com/office/drawing/2014/main" xmlns="" id="{D9C2FDAE-5C39-426E-85C2-B50B8E362272}"/>
                 </a:ext>
               </a:extLst>
             </p:cNvPr>
@@ -3711,7 +3797,7 @@
             <p:cNvPr id="2" name="Gruppo 1">
               <a:extLst>
                 <a:ext uri="{FF2B5EF4-FFF2-40B4-BE49-F238E27FC236}">
-                  <a16:creationId xmlns:a16="http://schemas.microsoft.com/office/drawing/2014/main" id="{0F68B524-00ED-474B-942C-336352A5545A}"/>
+                  <a16:creationId xmlns:a16="http://schemas.microsoft.com/office/drawing/2014/main" xmlns="" id="{0F68B524-00ED-474B-942C-336352A5545A}"/>
                 </a:ext>
               </a:extLst>
             </p:cNvPr>
@@ -3731,7 +3817,7 @@
               <p:cNvPr id="6" name="Connettore a gomito 5">
                 <a:extLst>
                   <a:ext uri="{FF2B5EF4-FFF2-40B4-BE49-F238E27FC236}">
-                    <a16:creationId xmlns:a16="http://schemas.microsoft.com/office/drawing/2014/main" id="{9304BC83-0554-4484-BE6B-C63681ABEBE0}"/>
+                    <a16:creationId xmlns:a16="http://schemas.microsoft.com/office/drawing/2014/main" xmlns="" id="{9304BC83-0554-4484-BE6B-C63681ABEBE0}"/>
                   </a:ext>
                 </a:extLst>
               </p:cNvPr>
@@ -3769,7 +3855,7 @@
               <p:cNvPr id="7" name="Connettore a gomito 6">
                 <a:extLst>
                   <a:ext uri="{FF2B5EF4-FFF2-40B4-BE49-F238E27FC236}">
-                    <a16:creationId xmlns:a16="http://schemas.microsoft.com/office/drawing/2014/main" id="{69A6A12D-98A3-4876-9850-4DE88B9E30E0}"/>
+                    <a16:creationId xmlns:a16="http://schemas.microsoft.com/office/drawing/2014/main" xmlns="" id="{69A6A12D-98A3-4876-9850-4DE88B9E30E0}"/>
                   </a:ext>
                 </a:extLst>
               </p:cNvPr>
@@ -3807,7 +3893,7 @@
               <p:cNvPr id="11" name="Connettore a gomito 10">
                 <a:extLst>
                   <a:ext uri="{FF2B5EF4-FFF2-40B4-BE49-F238E27FC236}">
-                    <a16:creationId xmlns:a16="http://schemas.microsoft.com/office/drawing/2014/main" id="{9854EFD6-7237-4631-96C6-A404B3134DDD}"/>
+                    <a16:creationId xmlns:a16="http://schemas.microsoft.com/office/drawing/2014/main" xmlns="" id="{9854EFD6-7237-4631-96C6-A404B3134DDD}"/>
                   </a:ext>
                 </a:extLst>
               </p:cNvPr>
@@ -3845,7 +3931,7 @@
               <p:cNvPr id="12" name="Connettore a gomito 11">
                 <a:extLst>
                   <a:ext uri="{FF2B5EF4-FFF2-40B4-BE49-F238E27FC236}">
-                    <a16:creationId xmlns:a16="http://schemas.microsoft.com/office/drawing/2014/main" id="{0FC0D5E8-CF47-4E2C-A6D3-6FA57FBA70D2}"/>
+                    <a16:creationId xmlns:a16="http://schemas.microsoft.com/office/drawing/2014/main" xmlns="" id="{0FC0D5E8-CF47-4E2C-A6D3-6FA57FBA70D2}"/>
                   </a:ext>
                 </a:extLst>
               </p:cNvPr>
@@ -3884,7 +3970,7 @@
             <p:cNvPr id="3" name="CasellaDiTesto 2">
               <a:extLst>
                 <a:ext uri="{FF2B5EF4-FFF2-40B4-BE49-F238E27FC236}">
-                  <a16:creationId xmlns:a16="http://schemas.microsoft.com/office/drawing/2014/main" id="{0B825DE2-D1D4-42E4-93F9-9CFA5781C95C}"/>
+                  <a16:creationId xmlns:a16="http://schemas.microsoft.com/office/drawing/2014/main" xmlns="" id="{0B825DE2-D1D4-42E4-93F9-9CFA5781C95C}"/>
                 </a:ext>
               </a:extLst>
             </p:cNvPr>
@@ -3950,7 +4036,7 @@
           <p:cNvPr id="14" name="Gruppo 13">
             <a:extLst>
               <a:ext uri="{FF2B5EF4-FFF2-40B4-BE49-F238E27FC236}">
-                <a16:creationId xmlns:a16="http://schemas.microsoft.com/office/drawing/2014/main" id="{8C8E628D-C84C-4C34-ABEC-E9AA72636F96}"/>
+                <a16:creationId xmlns:a16="http://schemas.microsoft.com/office/drawing/2014/main" xmlns="" id="{8C8E628D-C84C-4C34-ABEC-E9AA72636F96}"/>
               </a:ext>
             </a:extLst>
           </p:cNvPr>
@@ -3970,7 +4056,7 @@
             <p:cNvPr id="5" name="Connettore a gomito 4">
               <a:extLst>
                 <a:ext uri="{FF2B5EF4-FFF2-40B4-BE49-F238E27FC236}">
-                  <a16:creationId xmlns:a16="http://schemas.microsoft.com/office/drawing/2014/main" id="{20FECF45-9275-449A-B486-B1B63CDE7F38}"/>
+                  <a16:creationId xmlns:a16="http://schemas.microsoft.com/office/drawing/2014/main" xmlns="" id="{20FECF45-9275-449A-B486-B1B63CDE7F38}"/>
                 </a:ext>
               </a:extLst>
             </p:cNvPr>
@@ -4013,7 +4099,7 @@
             <p:cNvPr id="8" name="Connettore a gomito 7">
               <a:extLst>
                 <a:ext uri="{FF2B5EF4-FFF2-40B4-BE49-F238E27FC236}">
-                  <a16:creationId xmlns:a16="http://schemas.microsoft.com/office/drawing/2014/main" id="{4B278F0D-6231-4344-BA26-BDC44FD5D6E0}"/>
+                  <a16:creationId xmlns:a16="http://schemas.microsoft.com/office/drawing/2014/main" xmlns="" id="{4B278F0D-6231-4344-BA26-BDC44FD5D6E0}"/>
                 </a:ext>
               </a:extLst>
             </p:cNvPr>
@@ -4056,7 +4142,7 @@
             <p:cNvPr id="9" name="Connettore a gomito 8">
               <a:extLst>
                 <a:ext uri="{FF2B5EF4-FFF2-40B4-BE49-F238E27FC236}">
-                  <a16:creationId xmlns:a16="http://schemas.microsoft.com/office/drawing/2014/main" id="{0540759E-5E02-4E63-A918-494114C8F250}"/>
+                  <a16:creationId xmlns:a16="http://schemas.microsoft.com/office/drawing/2014/main" xmlns="" id="{0540759E-5E02-4E63-A918-494114C8F250}"/>
                 </a:ext>
               </a:extLst>
             </p:cNvPr>
@@ -4099,7 +4185,7 @@
             <p:cNvPr id="10" name="Connettore a gomito 9">
               <a:extLst>
                 <a:ext uri="{FF2B5EF4-FFF2-40B4-BE49-F238E27FC236}">
-                  <a16:creationId xmlns:a16="http://schemas.microsoft.com/office/drawing/2014/main" id="{D9C2FDAE-5C39-426E-85C2-B50B8E362272}"/>
+                  <a16:creationId xmlns:a16="http://schemas.microsoft.com/office/drawing/2014/main" xmlns="" id="{D9C2FDAE-5C39-426E-85C2-B50B8E362272}"/>
                 </a:ext>
               </a:extLst>
             </p:cNvPr>
@@ -4142,7 +4228,7 @@
             <p:cNvPr id="2" name="Gruppo 1">
               <a:extLst>
                 <a:ext uri="{FF2B5EF4-FFF2-40B4-BE49-F238E27FC236}">
-                  <a16:creationId xmlns:a16="http://schemas.microsoft.com/office/drawing/2014/main" id="{0F68B524-00ED-474B-942C-336352A5545A}"/>
+                  <a16:creationId xmlns:a16="http://schemas.microsoft.com/office/drawing/2014/main" xmlns="" id="{0F68B524-00ED-474B-942C-336352A5545A}"/>
                 </a:ext>
               </a:extLst>
             </p:cNvPr>
@@ -4162,7 +4248,7 @@
               <p:cNvPr id="6" name="Connettore a gomito 5">
                 <a:extLst>
                   <a:ext uri="{FF2B5EF4-FFF2-40B4-BE49-F238E27FC236}">
-                    <a16:creationId xmlns:a16="http://schemas.microsoft.com/office/drawing/2014/main" id="{9304BC83-0554-4484-BE6B-C63681ABEBE0}"/>
+                    <a16:creationId xmlns:a16="http://schemas.microsoft.com/office/drawing/2014/main" xmlns="" id="{9304BC83-0554-4484-BE6B-C63681ABEBE0}"/>
                   </a:ext>
                 </a:extLst>
               </p:cNvPr>
@@ -4200,7 +4286,7 @@
               <p:cNvPr id="7" name="Connettore a gomito 6">
                 <a:extLst>
                   <a:ext uri="{FF2B5EF4-FFF2-40B4-BE49-F238E27FC236}">
-                    <a16:creationId xmlns:a16="http://schemas.microsoft.com/office/drawing/2014/main" id="{69A6A12D-98A3-4876-9850-4DE88B9E30E0}"/>
+                    <a16:creationId xmlns:a16="http://schemas.microsoft.com/office/drawing/2014/main" xmlns="" id="{69A6A12D-98A3-4876-9850-4DE88B9E30E0}"/>
                   </a:ext>
                 </a:extLst>
               </p:cNvPr>
@@ -4243,7 +4329,7 @@
               <p:cNvPr id="11" name="Connettore a gomito 10">
                 <a:extLst>
                   <a:ext uri="{FF2B5EF4-FFF2-40B4-BE49-F238E27FC236}">
-                    <a16:creationId xmlns:a16="http://schemas.microsoft.com/office/drawing/2014/main" id="{9854EFD6-7237-4631-96C6-A404B3134DDD}"/>
+                    <a16:creationId xmlns:a16="http://schemas.microsoft.com/office/drawing/2014/main" xmlns="" id="{9854EFD6-7237-4631-96C6-A404B3134DDD}"/>
                   </a:ext>
                 </a:extLst>
               </p:cNvPr>
@@ -4286,7 +4372,7 @@
               <p:cNvPr id="12" name="Connettore a gomito 11">
                 <a:extLst>
                   <a:ext uri="{FF2B5EF4-FFF2-40B4-BE49-F238E27FC236}">
-                    <a16:creationId xmlns:a16="http://schemas.microsoft.com/office/drawing/2014/main" id="{0FC0D5E8-CF47-4E2C-A6D3-6FA57FBA70D2}"/>
+                    <a16:creationId xmlns:a16="http://schemas.microsoft.com/office/drawing/2014/main" xmlns="" id="{0FC0D5E8-CF47-4E2C-A6D3-6FA57FBA70D2}"/>
                   </a:ext>
                 </a:extLst>
               </p:cNvPr>
@@ -4330,7 +4416,7 @@
             <p:cNvPr id="3" name="CasellaDiTesto 2">
               <a:extLst>
                 <a:ext uri="{FF2B5EF4-FFF2-40B4-BE49-F238E27FC236}">
-                  <a16:creationId xmlns:a16="http://schemas.microsoft.com/office/drawing/2014/main" id="{0B825DE2-D1D4-42E4-93F9-9CFA5781C95C}"/>
+                  <a16:creationId xmlns:a16="http://schemas.microsoft.com/office/drawing/2014/main" xmlns="" id="{0B825DE2-D1D4-42E4-93F9-9CFA5781C95C}"/>
                 </a:ext>
               </a:extLst>
             </p:cNvPr>
@@ -4366,7 +4452,7 @@
           <p:cNvPr id="26" name="Gruppo 25">
             <a:extLst>
               <a:ext uri="{FF2B5EF4-FFF2-40B4-BE49-F238E27FC236}">
-                <a16:creationId xmlns:a16="http://schemas.microsoft.com/office/drawing/2014/main" id="{87474210-3F30-483D-8B7B-9111EED4B0FA}"/>
+                <a16:creationId xmlns:a16="http://schemas.microsoft.com/office/drawing/2014/main" xmlns="" id="{87474210-3F30-483D-8B7B-9111EED4B0FA}"/>
               </a:ext>
             </a:extLst>
           </p:cNvPr>
@@ -4386,7 +4472,7 @@
             <p:cNvPr id="16" name="Connettore a gomito 15">
               <a:extLst>
                 <a:ext uri="{FF2B5EF4-FFF2-40B4-BE49-F238E27FC236}">
-                  <a16:creationId xmlns:a16="http://schemas.microsoft.com/office/drawing/2014/main" id="{02420CA1-EE36-46A2-9C64-4FCCBC05BF21}"/>
+                  <a16:creationId xmlns:a16="http://schemas.microsoft.com/office/drawing/2014/main" xmlns="" id="{02420CA1-EE36-46A2-9C64-4FCCBC05BF21}"/>
                 </a:ext>
               </a:extLst>
             </p:cNvPr>
@@ -4429,7 +4515,7 @@
             <p:cNvPr id="17" name="Connettore a gomito 16">
               <a:extLst>
                 <a:ext uri="{FF2B5EF4-FFF2-40B4-BE49-F238E27FC236}">
-                  <a16:creationId xmlns:a16="http://schemas.microsoft.com/office/drawing/2014/main" id="{D08A67CB-7B98-4D2A-9EF8-CB7A0A3C7F2B}"/>
+                  <a16:creationId xmlns:a16="http://schemas.microsoft.com/office/drawing/2014/main" xmlns="" id="{D08A67CB-7B98-4D2A-9EF8-CB7A0A3C7F2B}"/>
                 </a:ext>
               </a:extLst>
             </p:cNvPr>
@@ -4472,7 +4558,7 @@
             <p:cNvPr id="18" name="Connettore a gomito 17">
               <a:extLst>
                 <a:ext uri="{FF2B5EF4-FFF2-40B4-BE49-F238E27FC236}">
-                  <a16:creationId xmlns:a16="http://schemas.microsoft.com/office/drawing/2014/main" id="{3019A14D-3770-41CB-8DD1-BE3978314BF0}"/>
+                  <a16:creationId xmlns:a16="http://schemas.microsoft.com/office/drawing/2014/main" xmlns="" id="{3019A14D-3770-41CB-8DD1-BE3978314BF0}"/>
                 </a:ext>
               </a:extLst>
             </p:cNvPr>
@@ -4515,7 +4601,7 @@
             <p:cNvPr id="19" name="Connettore a gomito 18">
               <a:extLst>
                 <a:ext uri="{FF2B5EF4-FFF2-40B4-BE49-F238E27FC236}">
-                  <a16:creationId xmlns:a16="http://schemas.microsoft.com/office/drawing/2014/main" id="{B627859E-0743-436B-9BC5-86FA33C7DC4A}"/>
+                  <a16:creationId xmlns:a16="http://schemas.microsoft.com/office/drawing/2014/main" xmlns="" id="{B627859E-0743-436B-9BC5-86FA33C7DC4A}"/>
                 </a:ext>
               </a:extLst>
             </p:cNvPr>
@@ -4558,7 +4644,7 @@
             <p:cNvPr id="20" name="Gruppo 19">
               <a:extLst>
                 <a:ext uri="{FF2B5EF4-FFF2-40B4-BE49-F238E27FC236}">
-                  <a16:creationId xmlns:a16="http://schemas.microsoft.com/office/drawing/2014/main" id="{C46443AD-CE0C-46DD-85DE-A8F174499F8D}"/>
+                  <a16:creationId xmlns:a16="http://schemas.microsoft.com/office/drawing/2014/main" xmlns="" id="{C46443AD-CE0C-46DD-85DE-A8F174499F8D}"/>
                 </a:ext>
               </a:extLst>
             </p:cNvPr>
@@ -4578,7 +4664,7 @@
               <p:cNvPr id="22" name="Connettore a gomito 21">
                 <a:extLst>
                   <a:ext uri="{FF2B5EF4-FFF2-40B4-BE49-F238E27FC236}">
-                    <a16:creationId xmlns:a16="http://schemas.microsoft.com/office/drawing/2014/main" id="{AD9E7CEC-7A32-41E4-BF29-AEB0B6B56364}"/>
+                    <a16:creationId xmlns:a16="http://schemas.microsoft.com/office/drawing/2014/main" xmlns="" id="{AD9E7CEC-7A32-41E4-BF29-AEB0B6B56364}"/>
                   </a:ext>
                 </a:extLst>
               </p:cNvPr>
@@ -4616,7 +4702,7 @@
               <p:cNvPr id="23" name="Connettore a gomito 22">
                 <a:extLst>
                   <a:ext uri="{FF2B5EF4-FFF2-40B4-BE49-F238E27FC236}">
-                    <a16:creationId xmlns:a16="http://schemas.microsoft.com/office/drawing/2014/main" id="{8CE1A063-1976-40A0-B79B-0D7B1C71D81A}"/>
+                    <a16:creationId xmlns:a16="http://schemas.microsoft.com/office/drawing/2014/main" xmlns="" id="{8CE1A063-1976-40A0-B79B-0D7B1C71D81A}"/>
                   </a:ext>
                 </a:extLst>
               </p:cNvPr>
@@ -4659,7 +4745,7 @@
               <p:cNvPr id="24" name="Connettore a gomito 23">
                 <a:extLst>
                   <a:ext uri="{FF2B5EF4-FFF2-40B4-BE49-F238E27FC236}">
-                    <a16:creationId xmlns:a16="http://schemas.microsoft.com/office/drawing/2014/main" id="{AB1B7D72-0010-4EDC-A667-1036A1E41C74}"/>
+                    <a16:creationId xmlns:a16="http://schemas.microsoft.com/office/drawing/2014/main" xmlns="" id="{AB1B7D72-0010-4EDC-A667-1036A1E41C74}"/>
                   </a:ext>
                 </a:extLst>
               </p:cNvPr>
@@ -4702,7 +4788,7 @@
               <p:cNvPr id="25" name="Connettore a gomito 24">
                 <a:extLst>
                   <a:ext uri="{FF2B5EF4-FFF2-40B4-BE49-F238E27FC236}">
-                    <a16:creationId xmlns:a16="http://schemas.microsoft.com/office/drawing/2014/main" id="{4B1FCC50-D0B0-4E50-9D9F-9B1C5556D776}"/>
+                    <a16:creationId xmlns:a16="http://schemas.microsoft.com/office/drawing/2014/main" xmlns="" id="{4B1FCC50-D0B0-4E50-9D9F-9B1C5556D776}"/>
                   </a:ext>
                 </a:extLst>
               </p:cNvPr>
@@ -4746,7 +4832,7 @@
             <p:cNvPr id="21" name="CasellaDiTesto 20">
               <a:extLst>
                 <a:ext uri="{FF2B5EF4-FFF2-40B4-BE49-F238E27FC236}">
-                  <a16:creationId xmlns:a16="http://schemas.microsoft.com/office/drawing/2014/main" id="{9ABEE8A1-067D-4905-B2D4-F209D2623F87}"/>
+                  <a16:creationId xmlns:a16="http://schemas.microsoft.com/office/drawing/2014/main" xmlns="" id="{9ABEE8A1-067D-4905-B2D4-F209D2623F87}"/>
                 </a:ext>
               </a:extLst>
             </p:cNvPr>
@@ -4812,7 +4898,7 @@
           <p:cNvPr id="4" name="Gruppo 3">
             <a:extLst>
               <a:ext uri="{FF2B5EF4-FFF2-40B4-BE49-F238E27FC236}">
-                <a16:creationId xmlns:a16="http://schemas.microsoft.com/office/drawing/2014/main" id="{8B3338D5-7D89-494C-8291-973DB295F977}"/>
+                <a16:creationId xmlns:a16="http://schemas.microsoft.com/office/drawing/2014/main" xmlns="" id="{8B3338D5-7D89-494C-8291-973DB295F977}"/>
               </a:ext>
             </a:extLst>
           </p:cNvPr>
@@ -4832,7 +4918,7 @@
             <p:cNvPr id="5" name="Connettore a gomito 4">
               <a:extLst>
                 <a:ext uri="{FF2B5EF4-FFF2-40B4-BE49-F238E27FC236}">
-                  <a16:creationId xmlns:a16="http://schemas.microsoft.com/office/drawing/2014/main" id="{20FECF45-9275-449A-B486-B1B63CDE7F38}"/>
+                  <a16:creationId xmlns:a16="http://schemas.microsoft.com/office/drawing/2014/main" xmlns="" id="{20FECF45-9275-449A-B486-B1B63CDE7F38}"/>
                 </a:ext>
               </a:extLst>
             </p:cNvPr>
@@ -4871,7 +4957,7 @@
             <p:cNvPr id="8" name="Connettore a gomito 7">
               <a:extLst>
                 <a:ext uri="{FF2B5EF4-FFF2-40B4-BE49-F238E27FC236}">
-                  <a16:creationId xmlns:a16="http://schemas.microsoft.com/office/drawing/2014/main" id="{4B278F0D-6231-4344-BA26-BDC44FD5D6E0}"/>
+                  <a16:creationId xmlns:a16="http://schemas.microsoft.com/office/drawing/2014/main" xmlns="" id="{4B278F0D-6231-4344-BA26-BDC44FD5D6E0}"/>
                 </a:ext>
               </a:extLst>
             </p:cNvPr>
@@ -4910,7 +4996,7 @@
             <p:cNvPr id="9" name="Connettore a gomito 8">
               <a:extLst>
                 <a:ext uri="{FF2B5EF4-FFF2-40B4-BE49-F238E27FC236}">
-                  <a16:creationId xmlns:a16="http://schemas.microsoft.com/office/drawing/2014/main" id="{0540759E-5E02-4E63-A918-494114C8F250}"/>
+                  <a16:creationId xmlns:a16="http://schemas.microsoft.com/office/drawing/2014/main" xmlns="" id="{0540759E-5E02-4E63-A918-494114C8F250}"/>
                 </a:ext>
               </a:extLst>
             </p:cNvPr>
@@ -4949,7 +5035,7 @@
             <p:cNvPr id="10" name="Connettore a gomito 9">
               <a:extLst>
                 <a:ext uri="{FF2B5EF4-FFF2-40B4-BE49-F238E27FC236}">
-                  <a16:creationId xmlns:a16="http://schemas.microsoft.com/office/drawing/2014/main" id="{D9C2FDAE-5C39-426E-85C2-B50B8E362272}"/>
+                  <a16:creationId xmlns:a16="http://schemas.microsoft.com/office/drawing/2014/main" xmlns="" id="{D9C2FDAE-5C39-426E-85C2-B50B8E362272}"/>
                 </a:ext>
               </a:extLst>
             </p:cNvPr>
@@ -4988,7 +5074,7 @@
             <p:cNvPr id="2" name="Gruppo 1">
               <a:extLst>
                 <a:ext uri="{FF2B5EF4-FFF2-40B4-BE49-F238E27FC236}">
-                  <a16:creationId xmlns:a16="http://schemas.microsoft.com/office/drawing/2014/main" id="{0F68B524-00ED-474B-942C-336352A5545A}"/>
+                  <a16:creationId xmlns:a16="http://schemas.microsoft.com/office/drawing/2014/main" xmlns="" id="{0F68B524-00ED-474B-942C-336352A5545A}"/>
                 </a:ext>
               </a:extLst>
             </p:cNvPr>
@@ -5008,7 +5094,7 @@
               <p:cNvPr id="6" name="Connettore a gomito 5">
                 <a:extLst>
                   <a:ext uri="{FF2B5EF4-FFF2-40B4-BE49-F238E27FC236}">
-                    <a16:creationId xmlns:a16="http://schemas.microsoft.com/office/drawing/2014/main" id="{9304BC83-0554-4484-BE6B-C63681ABEBE0}"/>
+                    <a16:creationId xmlns:a16="http://schemas.microsoft.com/office/drawing/2014/main" xmlns="" id="{9304BC83-0554-4484-BE6B-C63681ABEBE0}"/>
                   </a:ext>
                 </a:extLst>
               </p:cNvPr>
@@ -5047,7 +5133,7 @@
               <p:cNvPr id="7" name="Connettore a gomito 6">
                 <a:extLst>
                   <a:ext uri="{FF2B5EF4-FFF2-40B4-BE49-F238E27FC236}">
-                    <a16:creationId xmlns:a16="http://schemas.microsoft.com/office/drawing/2014/main" id="{69A6A12D-98A3-4876-9850-4DE88B9E30E0}"/>
+                    <a16:creationId xmlns:a16="http://schemas.microsoft.com/office/drawing/2014/main" xmlns="" id="{69A6A12D-98A3-4876-9850-4DE88B9E30E0}"/>
                   </a:ext>
                 </a:extLst>
               </p:cNvPr>
@@ -5086,7 +5172,7 @@
               <p:cNvPr id="11" name="Connettore a gomito 10">
                 <a:extLst>
                   <a:ext uri="{FF2B5EF4-FFF2-40B4-BE49-F238E27FC236}">
-                    <a16:creationId xmlns:a16="http://schemas.microsoft.com/office/drawing/2014/main" id="{9854EFD6-7237-4631-96C6-A404B3134DDD}"/>
+                    <a16:creationId xmlns:a16="http://schemas.microsoft.com/office/drawing/2014/main" xmlns="" id="{9854EFD6-7237-4631-96C6-A404B3134DDD}"/>
                   </a:ext>
                 </a:extLst>
               </p:cNvPr>
@@ -5125,7 +5211,7 @@
               <p:cNvPr id="12" name="Connettore a gomito 11">
                 <a:extLst>
                   <a:ext uri="{FF2B5EF4-FFF2-40B4-BE49-F238E27FC236}">
-                    <a16:creationId xmlns:a16="http://schemas.microsoft.com/office/drawing/2014/main" id="{0FC0D5E8-CF47-4E2C-A6D3-6FA57FBA70D2}"/>
+                    <a16:creationId xmlns:a16="http://schemas.microsoft.com/office/drawing/2014/main" xmlns="" id="{0FC0D5E8-CF47-4E2C-A6D3-6FA57FBA70D2}"/>
                   </a:ext>
                 </a:extLst>
               </p:cNvPr>
@@ -5165,7 +5251,7 @@
             <p:cNvPr id="27" name="Connettore a gomito 26">
               <a:extLst>
                 <a:ext uri="{FF2B5EF4-FFF2-40B4-BE49-F238E27FC236}">
-                  <a16:creationId xmlns:a16="http://schemas.microsoft.com/office/drawing/2014/main" id="{921A70E2-821B-4405-8A9E-B1E8C3C89551}"/>
+                  <a16:creationId xmlns:a16="http://schemas.microsoft.com/office/drawing/2014/main" xmlns="" id="{921A70E2-821B-4405-8A9E-B1E8C3C89551}"/>
                 </a:ext>
               </a:extLst>
             </p:cNvPr>
@@ -5204,7 +5290,7 @@
             <p:cNvPr id="28" name="Connettore a gomito 27">
               <a:extLst>
                 <a:ext uri="{FF2B5EF4-FFF2-40B4-BE49-F238E27FC236}">
-                  <a16:creationId xmlns:a16="http://schemas.microsoft.com/office/drawing/2014/main" id="{D4794B60-766C-4E2C-8F65-5A1E5A41C366}"/>
+                  <a16:creationId xmlns:a16="http://schemas.microsoft.com/office/drawing/2014/main" xmlns="" id="{D4794B60-766C-4E2C-8F65-5A1E5A41C366}"/>
                 </a:ext>
               </a:extLst>
             </p:cNvPr>
@@ -5243,7 +5329,7 @@
             <p:cNvPr id="29" name="Connettore a gomito 28">
               <a:extLst>
                 <a:ext uri="{FF2B5EF4-FFF2-40B4-BE49-F238E27FC236}">
-                  <a16:creationId xmlns:a16="http://schemas.microsoft.com/office/drawing/2014/main" id="{1BA6A687-3669-4878-B898-163D0CBBB438}"/>
+                  <a16:creationId xmlns:a16="http://schemas.microsoft.com/office/drawing/2014/main" xmlns="" id="{1BA6A687-3669-4878-B898-163D0CBBB438}"/>
                 </a:ext>
               </a:extLst>
             </p:cNvPr>
@@ -5282,7 +5368,7 @@
             <p:cNvPr id="30" name="Connettore a gomito 29">
               <a:extLst>
                 <a:ext uri="{FF2B5EF4-FFF2-40B4-BE49-F238E27FC236}">
-                  <a16:creationId xmlns:a16="http://schemas.microsoft.com/office/drawing/2014/main" id="{5C08838B-8CC0-44B1-93DB-0A29CAF080E6}"/>
+                  <a16:creationId xmlns:a16="http://schemas.microsoft.com/office/drawing/2014/main" xmlns="" id="{5C08838B-8CC0-44B1-93DB-0A29CAF080E6}"/>
                 </a:ext>
               </a:extLst>
             </p:cNvPr>
@@ -5321,7 +5407,7 @@
             <p:cNvPr id="31" name="Connettore a gomito 30">
               <a:extLst>
                 <a:ext uri="{FF2B5EF4-FFF2-40B4-BE49-F238E27FC236}">
-                  <a16:creationId xmlns:a16="http://schemas.microsoft.com/office/drawing/2014/main" id="{153F16B3-0B62-471B-A076-734FB3354CFC}"/>
+                  <a16:creationId xmlns:a16="http://schemas.microsoft.com/office/drawing/2014/main" xmlns="" id="{153F16B3-0B62-471B-A076-734FB3354CFC}"/>
                 </a:ext>
               </a:extLst>
             </p:cNvPr>
@@ -5361,7 +5447,7 @@
           <p:cNvPr id="33" name="Gruppo 32">
             <a:extLst>
               <a:ext uri="{FF2B5EF4-FFF2-40B4-BE49-F238E27FC236}">
-                <a16:creationId xmlns:a16="http://schemas.microsoft.com/office/drawing/2014/main" id="{E56CC520-F3FE-4098-9DD6-9DB3D14A6B8C}"/>
+                <a16:creationId xmlns:a16="http://schemas.microsoft.com/office/drawing/2014/main" xmlns="" id="{E56CC520-F3FE-4098-9DD6-9DB3D14A6B8C}"/>
               </a:ext>
             </a:extLst>
           </p:cNvPr>
@@ -5381,7 +5467,7 @@
             <p:cNvPr id="34" name="Connettore a gomito 33">
               <a:extLst>
                 <a:ext uri="{FF2B5EF4-FFF2-40B4-BE49-F238E27FC236}">
-                  <a16:creationId xmlns:a16="http://schemas.microsoft.com/office/drawing/2014/main" id="{B7ECE95D-44BC-42CE-8244-5EA50F510B8B}"/>
+                  <a16:creationId xmlns:a16="http://schemas.microsoft.com/office/drawing/2014/main" xmlns="" id="{B7ECE95D-44BC-42CE-8244-5EA50F510B8B}"/>
                 </a:ext>
               </a:extLst>
             </p:cNvPr>
@@ -5420,7 +5506,7 @@
             <p:cNvPr id="35" name="Connettore a gomito 34">
               <a:extLst>
                 <a:ext uri="{FF2B5EF4-FFF2-40B4-BE49-F238E27FC236}">
-                  <a16:creationId xmlns:a16="http://schemas.microsoft.com/office/drawing/2014/main" id="{A85A6D13-4089-4B48-9C29-0E8664D1F27C}"/>
+                  <a16:creationId xmlns:a16="http://schemas.microsoft.com/office/drawing/2014/main" xmlns="" id="{A85A6D13-4089-4B48-9C29-0E8664D1F27C}"/>
                 </a:ext>
               </a:extLst>
             </p:cNvPr>
@@ -5459,7 +5545,7 @@
             <p:cNvPr id="36" name="Connettore a gomito 35">
               <a:extLst>
                 <a:ext uri="{FF2B5EF4-FFF2-40B4-BE49-F238E27FC236}">
-                  <a16:creationId xmlns:a16="http://schemas.microsoft.com/office/drawing/2014/main" id="{853777AF-2FFD-4343-8A80-ED6F9BC5F6EE}"/>
+                  <a16:creationId xmlns:a16="http://schemas.microsoft.com/office/drawing/2014/main" xmlns="" id="{853777AF-2FFD-4343-8A80-ED6F9BC5F6EE}"/>
                 </a:ext>
               </a:extLst>
             </p:cNvPr>
@@ -5498,7 +5584,7 @@
             <p:cNvPr id="37" name="Connettore a gomito 36">
               <a:extLst>
                 <a:ext uri="{FF2B5EF4-FFF2-40B4-BE49-F238E27FC236}">
-                  <a16:creationId xmlns:a16="http://schemas.microsoft.com/office/drawing/2014/main" id="{7BC25D10-CF3B-4506-9DCB-FDD2891E81B7}"/>
+                  <a16:creationId xmlns:a16="http://schemas.microsoft.com/office/drawing/2014/main" xmlns="" id="{7BC25D10-CF3B-4506-9DCB-FDD2891E81B7}"/>
                 </a:ext>
               </a:extLst>
             </p:cNvPr>
@@ -5537,7 +5623,7 @@
             <p:cNvPr id="38" name="Gruppo 37">
               <a:extLst>
                 <a:ext uri="{FF2B5EF4-FFF2-40B4-BE49-F238E27FC236}">
-                  <a16:creationId xmlns:a16="http://schemas.microsoft.com/office/drawing/2014/main" id="{9B1DAB63-47B4-4032-B1E3-6B90F1DE1F06}"/>
+                  <a16:creationId xmlns:a16="http://schemas.microsoft.com/office/drawing/2014/main" xmlns="" id="{9B1DAB63-47B4-4032-B1E3-6B90F1DE1F06}"/>
                 </a:ext>
               </a:extLst>
             </p:cNvPr>
@@ -5557,7 +5643,7 @@
               <p:cNvPr id="44" name="Connettore a gomito 43">
                 <a:extLst>
                   <a:ext uri="{FF2B5EF4-FFF2-40B4-BE49-F238E27FC236}">
-                    <a16:creationId xmlns:a16="http://schemas.microsoft.com/office/drawing/2014/main" id="{AE9BF937-AAC2-4222-9904-7B95E08A04EA}"/>
+                    <a16:creationId xmlns:a16="http://schemas.microsoft.com/office/drawing/2014/main" xmlns="" id="{AE9BF937-AAC2-4222-9904-7B95E08A04EA}"/>
                   </a:ext>
                 </a:extLst>
               </p:cNvPr>
@@ -5596,7 +5682,7 @@
               <p:cNvPr id="45" name="Connettore a gomito 44">
                 <a:extLst>
                   <a:ext uri="{FF2B5EF4-FFF2-40B4-BE49-F238E27FC236}">
-                    <a16:creationId xmlns:a16="http://schemas.microsoft.com/office/drawing/2014/main" id="{E89684F8-74DC-484D-9CC2-255A2940BB13}"/>
+                    <a16:creationId xmlns:a16="http://schemas.microsoft.com/office/drawing/2014/main" xmlns="" id="{E89684F8-74DC-484D-9CC2-255A2940BB13}"/>
                   </a:ext>
                 </a:extLst>
               </p:cNvPr>
@@ -5635,7 +5721,7 @@
               <p:cNvPr id="46" name="Connettore a gomito 45">
                 <a:extLst>
                   <a:ext uri="{FF2B5EF4-FFF2-40B4-BE49-F238E27FC236}">
-                    <a16:creationId xmlns:a16="http://schemas.microsoft.com/office/drawing/2014/main" id="{BA82B27C-BED4-400B-81C6-8DC4E3C88F1B}"/>
+                    <a16:creationId xmlns:a16="http://schemas.microsoft.com/office/drawing/2014/main" xmlns="" id="{BA82B27C-BED4-400B-81C6-8DC4E3C88F1B}"/>
                   </a:ext>
                 </a:extLst>
               </p:cNvPr>
@@ -5674,7 +5760,7 @@
               <p:cNvPr id="47" name="Connettore a gomito 46">
                 <a:extLst>
                   <a:ext uri="{FF2B5EF4-FFF2-40B4-BE49-F238E27FC236}">
-                    <a16:creationId xmlns:a16="http://schemas.microsoft.com/office/drawing/2014/main" id="{27D45DC8-92C3-49FF-B433-CC8EF7BC60C5}"/>
+                    <a16:creationId xmlns:a16="http://schemas.microsoft.com/office/drawing/2014/main" xmlns="" id="{27D45DC8-92C3-49FF-B433-CC8EF7BC60C5}"/>
                   </a:ext>
                 </a:extLst>
               </p:cNvPr>
@@ -5714,7 +5800,7 @@
             <p:cNvPr id="39" name="Connettore a gomito 38">
               <a:extLst>
                 <a:ext uri="{FF2B5EF4-FFF2-40B4-BE49-F238E27FC236}">
-                  <a16:creationId xmlns:a16="http://schemas.microsoft.com/office/drawing/2014/main" id="{1EE7206F-53B7-415C-9197-F77B6E3B532B}"/>
+                  <a16:creationId xmlns:a16="http://schemas.microsoft.com/office/drawing/2014/main" xmlns="" id="{1EE7206F-53B7-415C-9197-F77B6E3B532B}"/>
                 </a:ext>
               </a:extLst>
             </p:cNvPr>
@@ -5753,7 +5839,7 @@
             <p:cNvPr id="40" name="Connettore a gomito 39">
               <a:extLst>
                 <a:ext uri="{FF2B5EF4-FFF2-40B4-BE49-F238E27FC236}">
-                  <a16:creationId xmlns:a16="http://schemas.microsoft.com/office/drawing/2014/main" id="{0D8B764B-F79A-46E2-BA89-27A6102CBADD}"/>
+                  <a16:creationId xmlns:a16="http://schemas.microsoft.com/office/drawing/2014/main" xmlns="" id="{0D8B764B-F79A-46E2-BA89-27A6102CBADD}"/>
                 </a:ext>
               </a:extLst>
             </p:cNvPr>
@@ -5792,7 +5878,7 @@
             <p:cNvPr id="41" name="Connettore a gomito 40">
               <a:extLst>
                 <a:ext uri="{FF2B5EF4-FFF2-40B4-BE49-F238E27FC236}">
-                  <a16:creationId xmlns:a16="http://schemas.microsoft.com/office/drawing/2014/main" id="{7BF935AE-18BF-41EF-A65B-45BEAD56EB5C}"/>
+                  <a16:creationId xmlns:a16="http://schemas.microsoft.com/office/drawing/2014/main" xmlns="" id="{7BF935AE-18BF-41EF-A65B-45BEAD56EB5C}"/>
                 </a:ext>
               </a:extLst>
             </p:cNvPr>
@@ -5831,7 +5917,7 @@
             <p:cNvPr id="42" name="Connettore a gomito 41">
               <a:extLst>
                 <a:ext uri="{FF2B5EF4-FFF2-40B4-BE49-F238E27FC236}">
-                  <a16:creationId xmlns:a16="http://schemas.microsoft.com/office/drawing/2014/main" id="{E3782B7D-3494-4154-95A3-F88E89063349}"/>
+                  <a16:creationId xmlns:a16="http://schemas.microsoft.com/office/drawing/2014/main" xmlns="" id="{E3782B7D-3494-4154-95A3-F88E89063349}"/>
                 </a:ext>
               </a:extLst>
             </p:cNvPr>
@@ -5870,7 +5956,7 @@
             <p:cNvPr id="43" name="Connettore a gomito 42">
               <a:extLst>
                 <a:ext uri="{FF2B5EF4-FFF2-40B4-BE49-F238E27FC236}">
-                  <a16:creationId xmlns:a16="http://schemas.microsoft.com/office/drawing/2014/main" id="{CBB26C3B-5243-43F0-BDBA-3F5D0012E344}"/>
+                  <a16:creationId xmlns:a16="http://schemas.microsoft.com/office/drawing/2014/main" xmlns="" id="{CBB26C3B-5243-43F0-BDBA-3F5D0012E344}"/>
                 </a:ext>
               </a:extLst>
             </p:cNvPr>
@@ -5910,7 +5996,7 @@
           <p:cNvPr id="48" name="Gruppo 47">
             <a:extLst>
               <a:ext uri="{FF2B5EF4-FFF2-40B4-BE49-F238E27FC236}">
-                <a16:creationId xmlns:a16="http://schemas.microsoft.com/office/drawing/2014/main" id="{4ACE0472-5A42-476D-B1D3-A7269FAA6EF5}"/>
+                <a16:creationId xmlns:a16="http://schemas.microsoft.com/office/drawing/2014/main" xmlns="" id="{4ACE0472-5A42-476D-B1D3-A7269FAA6EF5}"/>
               </a:ext>
             </a:extLst>
           </p:cNvPr>
@@ -5930,7 +6016,7 @@
             <p:cNvPr id="49" name="Connettore a gomito 48">
               <a:extLst>
                 <a:ext uri="{FF2B5EF4-FFF2-40B4-BE49-F238E27FC236}">
-                  <a16:creationId xmlns:a16="http://schemas.microsoft.com/office/drawing/2014/main" id="{AAA5EB97-2586-41DC-A142-B69499FA3BE8}"/>
+                  <a16:creationId xmlns:a16="http://schemas.microsoft.com/office/drawing/2014/main" xmlns="" id="{AAA5EB97-2586-41DC-A142-B69499FA3BE8}"/>
                 </a:ext>
               </a:extLst>
             </p:cNvPr>
@@ -5969,7 +6055,7 @@
             <p:cNvPr id="50" name="Connettore a gomito 49">
               <a:extLst>
                 <a:ext uri="{FF2B5EF4-FFF2-40B4-BE49-F238E27FC236}">
-                  <a16:creationId xmlns:a16="http://schemas.microsoft.com/office/drawing/2014/main" id="{F0377437-76C0-4FBC-BA9A-94B30CF5BFE0}"/>
+                  <a16:creationId xmlns:a16="http://schemas.microsoft.com/office/drawing/2014/main" xmlns="" id="{F0377437-76C0-4FBC-BA9A-94B30CF5BFE0}"/>
                 </a:ext>
               </a:extLst>
             </p:cNvPr>
@@ -6008,7 +6094,7 @@
             <p:cNvPr id="51" name="Connettore a gomito 50">
               <a:extLst>
                 <a:ext uri="{FF2B5EF4-FFF2-40B4-BE49-F238E27FC236}">
-                  <a16:creationId xmlns:a16="http://schemas.microsoft.com/office/drawing/2014/main" id="{A561BE9B-B05B-427B-AE8C-DB671FB57B6A}"/>
+                  <a16:creationId xmlns:a16="http://schemas.microsoft.com/office/drawing/2014/main" xmlns="" id="{A561BE9B-B05B-427B-AE8C-DB671FB57B6A}"/>
                 </a:ext>
               </a:extLst>
             </p:cNvPr>
@@ -6047,7 +6133,7 @@
             <p:cNvPr id="52" name="Connettore a gomito 51">
               <a:extLst>
                 <a:ext uri="{FF2B5EF4-FFF2-40B4-BE49-F238E27FC236}">
-                  <a16:creationId xmlns:a16="http://schemas.microsoft.com/office/drawing/2014/main" id="{CCED8DAA-7523-4AE6-95F3-036776E72F5B}"/>
+                  <a16:creationId xmlns:a16="http://schemas.microsoft.com/office/drawing/2014/main" xmlns="" id="{CCED8DAA-7523-4AE6-95F3-036776E72F5B}"/>
                 </a:ext>
               </a:extLst>
             </p:cNvPr>
@@ -6086,7 +6172,7 @@
             <p:cNvPr id="53" name="Gruppo 52">
               <a:extLst>
                 <a:ext uri="{FF2B5EF4-FFF2-40B4-BE49-F238E27FC236}">
-                  <a16:creationId xmlns:a16="http://schemas.microsoft.com/office/drawing/2014/main" id="{0EFA298B-942A-4644-9C22-6E88F614030E}"/>
+                  <a16:creationId xmlns:a16="http://schemas.microsoft.com/office/drawing/2014/main" xmlns="" id="{0EFA298B-942A-4644-9C22-6E88F614030E}"/>
                 </a:ext>
               </a:extLst>
             </p:cNvPr>
@@ -6106,7 +6192,7 @@
               <p:cNvPr id="59" name="Connettore a gomito 58">
                 <a:extLst>
                   <a:ext uri="{FF2B5EF4-FFF2-40B4-BE49-F238E27FC236}">
-                    <a16:creationId xmlns:a16="http://schemas.microsoft.com/office/drawing/2014/main" id="{909FED97-FA01-4489-96D4-86A88175B027}"/>
+                    <a16:creationId xmlns:a16="http://schemas.microsoft.com/office/drawing/2014/main" xmlns="" id="{909FED97-FA01-4489-96D4-86A88175B027}"/>
                   </a:ext>
                 </a:extLst>
               </p:cNvPr>
@@ -6145,7 +6231,7 @@
               <p:cNvPr id="60" name="Connettore a gomito 59">
                 <a:extLst>
                   <a:ext uri="{FF2B5EF4-FFF2-40B4-BE49-F238E27FC236}">
-                    <a16:creationId xmlns:a16="http://schemas.microsoft.com/office/drawing/2014/main" id="{34E7A6CD-01C8-4D5F-A131-89745DC1E703}"/>
+                    <a16:creationId xmlns:a16="http://schemas.microsoft.com/office/drawing/2014/main" xmlns="" id="{34E7A6CD-01C8-4D5F-A131-89745DC1E703}"/>
                   </a:ext>
                 </a:extLst>
               </p:cNvPr>
@@ -6184,7 +6270,7 @@
               <p:cNvPr id="61" name="Connettore a gomito 60">
                 <a:extLst>
                   <a:ext uri="{FF2B5EF4-FFF2-40B4-BE49-F238E27FC236}">
-                    <a16:creationId xmlns:a16="http://schemas.microsoft.com/office/drawing/2014/main" id="{B6045CE7-C98E-4F08-97A6-538C74E9980A}"/>
+                    <a16:creationId xmlns:a16="http://schemas.microsoft.com/office/drawing/2014/main" xmlns="" id="{B6045CE7-C98E-4F08-97A6-538C74E9980A}"/>
                   </a:ext>
                 </a:extLst>
               </p:cNvPr>
@@ -6223,7 +6309,7 @@
               <p:cNvPr id="62" name="Connettore a gomito 61">
                 <a:extLst>
                   <a:ext uri="{FF2B5EF4-FFF2-40B4-BE49-F238E27FC236}">
-                    <a16:creationId xmlns:a16="http://schemas.microsoft.com/office/drawing/2014/main" id="{7D1EB34B-8080-4213-A19B-7565AE6490F5}"/>
+                    <a16:creationId xmlns:a16="http://schemas.microsoft.com/office/drawing/2014/main" xmlns="" id="{7D1EB34B-8080-4213-A19B-7565AE6490F5}"/>
                   </a:ext>
                 </a:extLst>
               </p:cNvPr>
@@ -6263,7 +6349,7 @@
             <p:cNvPr id="54" name="Connettore a gomito 53">
               <a:extLst>
                 <a:ext uri="{FF2B5EF4-FFF2-40B4-BE49-F238E27FC236}">
-                  <a16:creationId xmlns:a16="http://schemas.microsoft.com/office/drawing/2014/main" id="{60F5EBEC-9EA4-41FA-8BAA-6A4D5324C77A}"/>
+                  <a16:creationId xmlns:a16="http://schemas.microsoft.com/office/drawing/2014/main" xmlns="" id="{60F5EBEC-9EA4-41FA-8BAA-6A4D5324C77A}"/>
                 </a:ext>
               </a:extLst>
             </p:cNvPr>
@@ -6302,7 +6388,7 @@
             <p:cNvPr id="55" name="Connettore a gomito 54">
               <a:extLst>
                 <a:ext uri="{FF2B5EF4-FFF2-40B4-BE49-F238E27FC236}">
-                  <a16:creationId xmlns:a16="http://schemas.microsoft.com/office/drawing/2014/main" id="{96918257-E01D-4004-950E-C75D4EB5C079}"/>
+                  <a16:creationId xmlns:a16="http://schemas.microsoft.com/office/drawing/2014/main" xmlns="" id="{96918257-E01D-4004-950E-C75D4EB5C079}"/>
                 </a:ext>
               </a:extLst>
             </p:cNvPr>
@@ -6341,7 +6427,7 @@
             <p:cNvPr id="56" name="Connettore a gomito 55">
               <a:extLst>
                 <a:ext uri="{FF2B5EF4-FFF2-40B4-BE49-F238E27FC236}">
-                  <a16:creationId xmlns:a16="http://schemas.microsoft.com/office/drawing/2014/main" id="{66246318-229C-4634-82BB-9E1AE168D0C8}"/>
+                  <a16:creationId xmlns:a16="http://schemas.microsoft.com/office/drawing/2014/main" xmlns="" id="{66246318-229C-4634-82BB-9E1AE168D0C8}"/>
                 </a:ext>
               </a:extLst>
             </p:cNvPr>
@@ -6380,7 +6466,7 @@
             <p:cNvPr id="57" name="Connettore a gomito 56">
               <a:extLst>
                 <a:ext uri="{FF2B5EF4-FFF2-40B4-BE49-F238E27FC236}">
-                  <a16:creationId xmlns:a16="http://schemas.microsoft.com/office/drawing/2014/main" id="{6ADEE5F7-6BDE-417D-BA4B-3BF1098D30F4}"/>
+                  <a16:creationId xmlns:a16="http://schemas.microsoft.com/office/drawing/2014/main" xmlns="" id="{6ADEE5F7-6BDE-417D-BA4B-3BF1098D30F4}"/>
                 </a:ext>
               </a:extLst>
             </p:cNvPr>
@@ -6419,7 +6505,7 @@
             <p:cNvPr id="58" name="Connettore a gomito 57">
               <a:extLst>
                 <a:ext uri="{FF2B5EF4-FFF2-40B4-BE49-F238E27FC236}">
-                  <a16:creationId xmlns:a16="http://schemas.microsoft.com/office/drawing/2014/main" id="{E71EA51C-DCEB-49F7-91EB-2DAE41C66C04}"/>
+                  <a16:creationId xmlns:a16="http://schemas.microsoft.com/office/drawing/2014/main" xmlns="" id="{E71EA51C-DCEB-49F7-91EB-2DAE41C66C04}"/>
                 </a:ext>
               </a:extLst>
             </p:cNvPr>
@@ -6484,12 +6570,55 @@
           <a:chExt cx="0" cy="0"/>
         </a:xfrm>
       </p:grpSpPr>
+      <p:sp>
+        <p:nvSpPr>
+          <p:cNvPr id="63" name="Rectangle 62"/>
+          <p:cNvSpPr/>
+          <p:nvPr/>
+        </p:nvSpPr>
+        <p:spPr>
+          <a:xfrm>
+            <a:off x="6338807" y="1503336"/>
+            <a:ext cx="4796725" cy="4734732"/>
+          </a:xfrm>
+          <a:prstGeom prst="rect">
+            <a:avLst/>
+          </a:prstGeom>
+          <a:solidFill>
+            <a:schemeClr val="tx1"/>
+          </a:solidFill>
+        </p:spPr>
+        <p:style>
+          <a:lnRef idx="2">
+            <a:schemeClr val="accent1">
+              <a:shade val="50000"/>
+            </a:schemeClr>
+          </a:lnRef>
+          <a:fillRef idx="1">
+            <a:schemeClr val="accent1"/>
+          </a:fillRef>
+          <a:effectRef idx="0">
+            <a:schemeClr val="accent1"/>
+          </a:effectRef>
+          <a:fontRef idx="minor">
+            <a:schemeClr val="lt1"/>
+          </a:fontRef>
+        </p:style>
+        <p:txBody>
+          <a:bodyPr rtlCol="0" anchor="ctr"/>
+          <a:lstStyle/>
+          <a:p>
+            <a:pPr algn="ctr"/>
+            <a:endParaRPr lang="fr-FR"/>
+          </a:p>
+        </p:txBody>
+      </p:sp>
       <p:grpSp>
         <p:nvGrpSpPr>
           <p:cNvPr id="14" name="Gruppo 13">
             <a:extLst>
               <a:ext uri="{FF2B5EF4-FFF2-40B4-BE49-F238E27FC236}">
-                <a16:creationId xmlns:a16="http://schemas.microsoft.com/office/drawing/2014/main" id="{3628F878-669B-4355-BBAB-9A619970C509}"/>
+                <a16:creationId xmlns:a16="http://schemas.microsoft.com/office/drawing/2014/main" xmlns="" id="{3628F878-669B-4355-BBAB-9A619970C509}"/>
               </a:ext>
             </a:extLst>
           </p:cNvPr>
@@ -6498,18 +6627,27 @@
         </p:nvGrpSpPr>
         <p:grpSpPr>
           <a:xfrm>
-            <a:off x="2125898" y="1943594"/>
+            <a:off x="7779932" y="2883769"/>
             <a:ext cx="1914474" cy="1973865"/>
             <a:chOff x="764931" y="2861599"/>
             <a:chExt cx="2881424" cy="2970812"/>
           </a:xfrm>
+          <a:effectLst>
+            <a:glow rad="228600">
+              <a:schemeClr val="accent1">
+                <a:satMod val="175000"/>
+                <a:alpha val="40000"/>
+              </a:schemeClr>
+            </a:glow>
+            <a:reflection blurRad="6350" stA="50000" endA="275" endPos="40000" dist="101600" dir="5400000" sy="-100000" algn="bl" rotWithShape="0"/>
+          </a:effectLst>
         </p:grpSpPr>
         <p:sp>
           <p:nvSpPr>
             <p:cNvPr id="3" name="Rettangolo ad angolo ripiegato 2">
               <a:extLst>
                 <a:ext uri="{FF2B5EF4-FFF2-40B4-BE49-F238E27FC236}">
-                  <a16:creationId xmlns:a16="http://schemas.microsoft.com/office/drawing/2014/main" id="{88579C6A-963D-4B58-B24E-7D5DBA4F91FB}"/>
+                  <a16:creationId xmlns:a16="http://schemas.microsoft.com/office/drawing/2014/main" xmlns="" id="{88579C6A-963D-4B58-B24E-7D5DBA4F91FB}"/>
                 </a:ext>
               </a:extLst>
             </p:cNvPr>
@@ -6558,7 +6696,7 @@
             <p:cNvPr id="4" name="Gruppo 3">
               <a:extLst>
                 <a:ext uri="{FF2B5EF4-FFF2-40B4-BE49-F238E27FC236}">
-                  <a16:creationId xmlns:a16="http://schemas.microsoft.com/office/drawing/2014/main" id="{8B3338D5-7D89-494C-8291-973DB295F977}"/>
+                  <a16:creationId xmlns:a16="http://schemas.microsoft.com/office/drawing/2014/main" xmlns="" id="{8B3338D5-7D89-494C-8291-973DB295F977}"/>
                 </a:ext>
               </a:extLst>
             </p:cNvPr>
@@ -6578,7 +6716,7 @@
               <p:cNvPr id="5" name="Connettore a gomito 4">
                 <a:extLst>
                   <a:ext uri="{FF2B5EF4-FFF2-40B4-BE49-F238E27FC236}">
-                    <a16:creationId xmlns:a16="http://schemas.microsoft.com/office/drawing/2014/main" id="{20FECF45-9275-449A-B486-B1B63CDE7F38}"/>
+                    <a16:creationId xmlns:a16="http://schemas.microsoft.com/office/drawing/2014/main" xmlns="" id="{20FECF45-9275-449A-B486-B1B63CDE7F38}"/>
                   </a:ext>
                 </a:extLst>
               </p:cNvPr>
@@ -6617,7 +6755,7 @@
               <p:cNvPr id="8" name="Connettore a gomito 7">
                 <a:extLst>
                   <a:ext uri="{FF2B5EF4-FFF2-40B4-BE49-F238E27FC236}">
-                    <a16:creationId xmlns:a16="http://schemas.microsoft.com/office/drawing/2014/main" id="{4B278F0D-6231-4344-BA26-BDC44FD5D6E0}"/>
+                    <a16:creationId xmlns:a16="http://schemas.microsoft.com/office/drawing/2014/main" xmlns="" id="{4B278F0D-6231-4344-BA26-BDC44FD5D6E0}"/>
                   </a:ext>
                 </a:extLst>
               </p:cNvPr>
@@ -6656,7 +6794,7 @@
               <p:cNvPr id="9" name="Connettore a gomito 8">
                 <a:extLst>
                   <a:ext uri="{FF2B5EF4-FFF2-40B4-BE49-F238E27FC236}">
-                    <a16:creationId xmlns:a16="http://schemas.microsoft.com/office/drawing/2014/main" id="{0540759E-5E02-4E63-A918-494114C8F250}"/>
+                    <a16:creationId xmlns:a16="http://schemas.microsoft.com/office/drawing/2014/main" xmlns="" id="{0540759E-5E02-4E63-A918-494114C8F250}"/>
                   </a:ext>
                 </a:extLst>
               </p:cNvPr>
@@ -6695,7 +6833,7 @@
               <p:cNvPr id="10" name="Connettore a gomito 9">
                 <a:extLst>
                   <a:ext uri="{FF2B5EF4-FFF2-40B4-BE49-F238E27FC236}">
-                    <a16:creationId xmlns:a16="http://schemas.microsoft.com/office/drawing/2014/main" id="{D9C2FDAE-5C39-426E-85C2-B50B8E362272}"/>
+                    <a16:creationId xmlns:a16="http://schemas.microsoft.com/office/drawing/2014/main" xmlns="" id="{D9C2FDAE-5C39-426E-85C2-B50B8E362272}"/>
                   </a:ext>
                 </a:extLst>
               </p:cNvPr>
@@ -6734,7 +6872,7 @@
               <p:cNvPr id="2" name="Gruppo 1">
                 <a:extLst>
                   <a:ext uri="{FF2B5EF4-FFF2-40B4-BE49-F238E27FC236}">
-                    <a16:creationId xmlns:a16="http://schemas.microsoft.com/office/drawing/2014/main" id="{0F68B524-00ED-474B-942C-336352A5545A}"/>
+                    <a16:creationId xmlns:a16="http://schemas.microsoft.com/office/drawing/2014/main" xmlns="" id="{0F68B524-00ED-474B-942C-336352A5545A}"/>
                   </a:ext>
                 </a:extLst>
               </p:cNvPr>
@@ -6754,7 +6892,7 @@
                 <p:cNvPr id="6" name="Connettore a gomito 5">
                   <a:extLst>
                     <a:ext uri="{FF2B5EF4-FFF2-40B4-BE49-F238E27FC236}">
-                      <a16:creationId xmlns:a16="http://schemas.microsoft.com/office/drawing/2014/main" id="{9304BC83-0554-4484-BE6B-C63681ABEBE0}"/>
+                      <a16:creationId xmlns:a16="http://schemas.microsoft.com/office/drawing/2014/main" xmlns="" id="{9304BC83-0554-4484-BE6B-C63681ABEBE0}"/>
                     </a:ext>
                   </a:extLst>
                 </p:cNvPr>
@@ -6793,7 +6931,7 @@
                 <p:cNvPr id="7" name="Connettore a gomito 6">
                   <a:extLst>
                     <a:ext uri="{FF2B5EF4-FFF2-40B4-BE49-F238E27FC236}">
-                      <a16:creationId xmlns:a16="http://schemas.microsoft.com/office/drawing/2014/main" id="{69A6A12D-98A3-4876-9850-4DE88B9E30E0}"/>
+                      <a16:creationId xmlns:a16="http://schemas.microsoft.com/office/drawing/2014/main" xmlns="" id="{69A6A12D-98A3-4876-9850-4DE88B9E30E0}"/>
                     </a:ext>
                   </a:extLst>
                 </p:cNvPr>
@@ -6832,7 +6970,7 @@
                 <p:cNvPr id="11" name="Connettore a gomito 10">
                   <a:extLst>
                     <a:ext uri="{FF2B5EF4-FFF2-40B4-BE49-F238E27FC236}">
-                      <a16:creationId xmlns:a16="http://schemas.microsoft.com/office/drawing/2014/main" id="{9854EFD6-7237-4631-96C6-A404B3134DDD}"/>
+                      <a16:creationId xmlns:a16="http://schemas.microsoft.com/office/drawing/2014/main" xmlns="" id="{9854EFD6-7237-4631-96C6-A404B3134DDD}"/>
                     </a:ext>
                   </a:extLst>
                 </p:cNvPr>
@@ -6871,7 +7009,7 @@
                 <p:cNvPr id="12" name="Connettore a gomito 11">
                   <a:extLst>
                     <a:ext uri="{FF2B5EF4-FFF2-40B4-BE49-F238E27FC236}">
-                      <a16:creationId xmlns:a16="http://schemas.microsoft.com/office/drawing/2014/main" id="{0FC0D5E8-CF47-4E2C-A6D3-6FA57FBA70D2}"/>
+                      <a16:creationId xmlns:a16="http://schemas.microsoft.com/office/drawing/2014/main" xmlns="" id="{0FC0D5E8-CF47-4E2C-A6D3-6FA57FBA70D2}"/>
                     </a:ext>
                   </a:extLst>
                 </p:cNvPr>
@@ -6911,7 +7049,7 @@
               <p:cNvPr id="27" name="Connettore a gomito 26">
                 <a:extLst>
                   <a:ext uri="{FF2B5EF4-FFF2-40B4-BE49-F238E27FC236}">
-                    <a16:creationId xmlns:a16="http://schemas.microsoft.com/office/drawing/2014/main" id="{921A70E2-821B-4405-8A9E-B1E8C3C89551}"/>
+                    <a16:creationId xmlns:a16="http://schemas.microsoft.com/office/drawing/2014/main" xmlns="" id="{921A70E2-821B-4405-8A9E-B1E8C3C89551}"/>
                   </a:ext>
                 </a:extLst>
               </p:cNvPr>
@@ -6950,7 +7088,7 @@
               <p:cNvPr id="28" name="Connettore a gomito 27">
                 <a:extLst>
                   <a:ext uri="{FF2B5EF4-FFF2-40B4-BE49-F238E27FC236}">
-                    <a16:creationId xmlns:a16="http://schemas.microsoft.com/office/drawing/2014/main" id="{D4794B60-766C-4E2C-8F65-5A1E5A41C366}"/>
+                    <a16:creationId xmlns:a16="http://schemas.microsoft.com/office/drawing/2014/main" xmlns="" id="{D4794B60-766C-4E2C-8F65-5A1E5A41C366}"/>
                   </a:ext>
                 </a:extLst>
               </p:cNvPr>
@@ -6989,7 +7127,7 @@
               <p:cNvPr id="29" name="Connettore a gomito 28">
                 <a:extLst>
                   <a:ext uri="{FF2B5EF4-FFF2-40B4-BE49-F238E27FC236}">
-                    <a16:creationId xmlns:a16="http://schemas.microsoft.com/office/drawing/2014/main" id="{1BA6A687-3669-4878-B898-163D0CBBB438}"/>
+                    <a16:creationId xmlns:a16="http://schemas.microsoft.com/office/drawing/2014/main" xmlns="" id="{1BA6A687-3669-4878-B898-163D0CBBB438}"/>
                   </a:ext>
                 </a:extLst>
               </p:cNvPr>
@@ -7028,7 +7166,7 @@
               <p:cNvPr id="30" name="Connettore a gomito 29">
                 <a:extLst>
                   <a:ext uri="{FF2B5EF4-FFF2-40B4-BE49-F238E27FC236}">
-                    <a16:creationId xmlns:a16="http://schemas.microsoft.com/office/drawing/2014/main" id="{5C08838B-8CC0-44B1-93DB-0A29CAF080E6}"/>
+                    <a16:creationId xmlns:a16="http://schemas.microsoft.com/office/drawing/2014/main" xmlns="" id="{5C08838B-8CC0-44B1-93DB-0A29CAF080E6}"/>
                   </a:ext>
                 </a:extLst>
               </p:cNvPr>
@@ -7067,7 +7205,7 @@
               <p:cNvPr id="31" name="Connettore a gomito 30">
                 <a:extLst>
                   <a:ext uri="{FF2B5EF4-FFF2-40B4-BE49-F238E27FC236}">
-                    <a16:creationId xmlns:a16="http://schemas.microsoft.com/office/drawing/2014/main" id="{153F16B3-0B62-471B-A076-734FB3354CFC}"/>
+                    <a16:creationId xmlns:a16="http://schemas.microsoft.com/office/drawing/2014/main" xmlns="" id="{153F16B3-0B62-471B-A076-734FB3354CFC}"/>
                   </a:ext>
                 </a:extLst>
               </p:cNvPr>
@@ -7107,7 +7245,7 @@
             <p:cNvPr id="33" name="Gruppo 32">
               <a:extLst>
                 <a:ext uri="{FF2B5EF4-FFF2-40B4-BE49-F238E27FC236}">
-                  <a16:creationId xmlns:a16="http://schemas.microsoft.com/office/drawing/2014/main" id="{E56CC520-F3FE-4098-9DD6-9DB3D14A6B8C}"/>
+                  <a16:creationId xmlns:a16="http://schemas.microsoft.com/office/drawing/2014/main" xmlns="" id="{E56CC520-F3FE-4098-9DD6-9DB3D14A6B8C}"/>
                 </a:ext>
               </a:extLst>
             </p:cNvPr>
@@ -7127,7 +7265,7 @@
               <p:cNvPr id="34" name="Connettore a gomito 33">
                 <a:extLst>
                   <a:ext uri="{FF2B5EF4-FFF2-40B4-BE49-F238E27FC236}">
-                    <a16:creationId xmlns:a16="http://schemas.microsoft.com/office/drawing/2014/main" id="{B7ECE95D-44BC-42CE-8244-5EA50F510B8B}"/>
+                    <a16:creationId xmlns:a16="http://schemas.microsoft.com/office/drawing/2014/main" xmlns="" id="{B7ECE95D-44BC-42CE-8244-5EA50F510B8B}"/>
                   </a:ext>
                 </a:extLst>
               </p:cNvPr>
@@ -7166,7 +7304,7 @@
               <p:cNvPr id="35" name="Connettore a gomito 34">
                 <a:extLst>
                   <a:ext uri="{FF2B5EF4-FFF2-40B4-BE49-F238E27FC236}">
-                    <a16:creationId xmlns:a16="http://schemas.microsoft.com/office/drawing/2014/main" id="{A85A6D13-4089-4B48-9C29-0E8664D1F27C}"/>
+                    <a16:creationId xmlns:a16="http://schemas.microsoft.com/office/drawing/2014/main" xmlns="" id="{A85A6D13-4089-4B48-9C29-0E8664D1F27C}"/>
                   </a:ext>
                 </a:extLst>
               </p:cNvPr>
@@ -7205,7 +7343,7 @@
               <p:cNvPr id="36" name="Connettore a gomito 35">
                 <a:extLst>
                   <a:ext uri="{FF2B5EF4-FFF2-40B4-BE49-F238E27FC236}">
-                    <a16:creationId xmlns:a16="http://schemas.microsoft.com/office/drawing/2014/main" id="{853777AF-2FFD-4343-8A80-ED6F9BC5F6EE}"/>
+                    <a16:creationId xmlns:a16="http://schemas.microsoft.com/office/drawing/2014/main" xmlns="" id="{853777AF-2FFD-4343-8A80-ED6F9BC5F6EE}"/>
                   </a:ext>
                 </a:extLst>
               </p:cNvPr>
@@ -7244,7 +7382,7 @@
               <p:cNvPr id="37" name="Connettore a gomito 36">
                 <a:extLst>
                   <a:ext uri="{FF2B5EF4-FFF2-40B4-BE49-F238E27FC236}">
-                    <a16:creationId xmlns:a16="http://schemas.microsoft.com/office/drawing/2014/main" id="{7BC25D10-CF3B-4506-9DCB-FDD2891E81B7}"/>
+                    <a16:creationId xmlns:a16="http://schemas.microsoft.com/office/drawing/2014/main" xmlns="" id="{7BC25D10-CF3B-4506-9DCB-FDD2891E81B7}"/>
                   </a:ext>
                 </a:extLst>
               </p:cNvPr>
@@ -7283,7 +7421,7 @@
               <p:cNvPr id="38" name="Gruppo 37">
                 <a:extLst>
                   <a:ext uri="{FF2B5EF4-FFF2-40B4-BE49-F238E27FC236}">
-                    <a16:creationId xmlns:a16="http://schemas.microsoft.com/office/drawing/2014/main" id="{9B1DAB63-47B4-4032-B1E3-6B90F1DE1F06}"/>
+                    <a16:creationId xmlns:a16="http://schemas.microsoft.com/office/drawing/2014/main" xmlns="" id="{9B1DAB63-47B4-4032-B1E3-6B90F1DE1F06}"/>
                   </a:ext>
                 </a:extLst>
               </p:cNvPr>
@@ -7303,7 +7441,7 @@
                 <p:cNvPr id="44" name="Connettore a gomito 43">
                   <a:extLst>
                     <a:ext uri="{FF2B5EF4-FFF2-40B4-BE49-F238E27FC236}">
-                      <a16:creationId xmlns:a16="http://schemas.microsoft.com/office/drawing/2014/main" id="{AE9BF937-AAC2-4222-9904-7B95E08A04EA}"/>
+                      <a16:creationId xmlns:a16="http://schemas.microsoft.com/office/drawing/2014/main" xmlns="" id="{AE9BF937-AAC2-4222-9904-7B95E08A04EA}"/>
                     </a:ext>
                   </a:extLst>
                 </p:cNvPr>
@@ -7342,7 +7480,7 @@
                 <p:cNvPr id="45" name="Connettore a gomito 44">
                   <a:extLst>
                     <a:ext uri="{FF2B5EF4-FFF2-40B4-BE49-F238E27FC236}">
-                      <a16:creationId xmlns:a16="http://schemas.microsoft.com/office/drawing/2014/main" id="{E89684F8-74DC-484D-9CC2-255A2940BB13}"/>
+                      <a16:creationId xmlns:a16="http://schemas.microsoft.com/office/drawing/2014/main" xmlns="" id="{E89684F8-74DC-484D-9CC2-255A2940BB13}"/>
                     </a:ext>
                   </a:extLst>
                 </p:cNvPr>
@@ -7381,7 +7519,7 @@
                 <p:cNvPr id="46" name="Connettore a gomito 45">
                   <a:extLst>
                     <a:ext uri="{FF2B5EF4-FFF2-40B4-BE49-F238E27FC236}">
-                      <a16:creationId xmlns:a16="http://schemas.microsoft.com/office/drawing/2014/main" id="{BA82B27C-BED4-400B-81C6-8DC4E3C88F1B}"/>
+                      <a16:creationId xmlns:a16="http://schemas.microsoft.com/office/drawing/2014/main" xmlns="" id="{BA82B27C-BED4-400B-81C6-8DC4E3C88F1B}"/>
                     </a:ext>
                   </a:extLst>
                 </p:cNvPr>
@@ -7420,7 +7558,7 @@
                 <p:cNvPr id="47" name="Connettore a gomito 46">
                   <a:extLst>
                     <a:ext uri="{FF2B5EF4-FFF2-40B4-BE49-F238E27FC236}">
-                      <a16:creationId xmlns:a16="http://schemas.microsoft.com/office/drawing/2014/main" id="{27D45DC8-92C3-49FF-B433-CC8EF7BC60C5}"/>
+                      <a16:creationId xmlns:a16="http://schemas.microsoft.com/office/drawing/2014/main" xmlns="" id="{27D45DC8-92C3-49FF-B433-CC8EF7BC60C5}"/>
                     </a:ext>
                   </a:extLst>
                 </p:cNvPr>
@@ -7460,7 +7598,7 @@
               <p:cNvPr id="39" name="Connettore a gomito 38">
                 <a:extLst>
                   <a:ext uri="{FF2B5EF4-FFF2-40B4-BE49-F238E27FC236}">
-                    <a16:creationId xmlns:a16="http://schemas.microsoft.com/office/drawing/2014/main" id="{1EE7206F-53B7-415C-9197-F77B6E3B532B}"/>
+                    <a16:creationId xmlns:a16="http://schemas.microsoft.com/office/drawing/2014/main" xmlns="" id="{1EE7206F-53B7-415C-9197-F77B6E3B532B}"/>
                   </a:ext>
                 </a:extLst>
               </p:cNvPr>
@@ -7499,7 +7637,7 @@
               <p:cNvPr id="40" name="Connettore a gomito 39">
                 <a:extLst>
                   <a:ext uri="{FF2B5EF4-FFF2-40B4-BE49-F238E27FC236}">
-                    <a16:creationId xmlns:a16="http://schemas.microsoft.com/office/drawing/2014/main" id="{0D8B764B-F79A-46E2-BA89-27A6102CBADD}"/>
+                    <a16:creationId xmlns:a16="http://schemas.microsoft.com/office/drawing/2014/main" xmlns="" id="{0D8B764B-F79A-46E2-BA89-27A6102CBADD}"/>
                   </a:ext>
                 </a:extLst>
               </p:cNvPr>
@@ -7538,7 +7676,7 @@
               <p:cNvPr id="41" name="Connettore a gomito 40">
                 <a:extLst>
                   <a:ext uri="{FF2B5EF4-FFF2-40B4-BE49-F238E27FC236}">
-                    <a16:creationId xmlns:a16="http://schemas.microsoft.com/office/drawing/2014/main" id="{7BF935AE-18BF-41EF-A65B-45BEAD56EB5C}"/>
+                    <a16:creationId xmlns:a16="http://schemas.microsoft.com/office/drawing/2014/main" xmlns="" id="{7BF935AE-18BF-41EF-A65B-45BEAD56EB5C}"/>
                   </a:ext>
                 </a:extLst>
               </p:cNvPr>
@@ -7577,7 +7715,7 @@
               <p:cNvPr id="42" name="Connettore a gomito 41">
                 <a:extLst>
                   <a:ext uri="{FF2B5EF4-FFF2-40B4-BE49-F238E27FC236}">
-                    <a16:creationId xmlns:a16="http://schemas.microsoft.com/office/drawing/2014/main" id="{E3782B7D-3494-4154-95A3-F88E89063349}"/>
+                    <a16:creationId xmlns:a16="http://schemas.microsoft.com/office/drawing/2014/main" xmlns="" id="{E3782B7D-3494-4154-95A3-F88E89063349}"/>
                   </a:ext>
                 </a:extLst>
               </p:cNvPr>
@@ -7616,7 +7754,7 @@
               <p:cNvPr id="43" name="Connettore a gomito 42">
                 <a:extLst>
                   <a:ext uri="{FF2B5EF4-FFF2-40B4-BE49-F238E27FC236}">
-                    <a16:creationId xmlns:a16="http://schemas.microsoft.com/office/drawing/2014/main" id="{CBB26C3B-5243-43F0-BDBA-3F5D0012E344}"/>
+                    <a16:creationId xmlns:a16="http://schemas.microsoft.com/office/drawing/2014/main" xmlns="" id="{CBB26C3B-5243-43F0-BDBA-3F5D0012E344}"/>
                   </a:ext>
                 </a:extLst>
               </p:cNvPr>
@@ -7656,7 +7794,7 @@
             <p:cNvPr id="48" name="Gruppo 47">
               <a:extLst>
                 <a:ext uri="{FF2B5EF4-FFF2-40B4-BE49-F238E27FC236}">
-                  <a16:creationId xmlns:a16="http://schemas.microsoft.com/office/drawing/2014/main" id="{4ACE0472-5A42-476D-B1D3-A7269FAA6EF5}"/>
+                  <a16:creationId xmlns:a16="http://schemas.microsoft.com/office/drawing/2014/main" xmlns="" id="{4ACE0472-5A42-476D-B1D3-A7269FAA6EF5}"/>
                 </a:ext>
               </a:extLst>
             </p:cNvPr>
@@ -7676,7 +7814,7 @@
               <p:cNvPr id="49" name="Connettore a gomito 48">
                 <a:extLst>
                   <a:ext uri="{FF2B5EF4-FFF2-40B4-BE49-F238E27FC236}">
-                    <a16:creationId xmlns:a16="http://schemas.microsoft.com/office/drawing/2014/main" id="{AAA5EB97-2586-41DC-A142-B69499FA3BE8}"/>
+                    <a16:creationId xmlns:a16="http://schemas.microsoft.com/office/drawing/2014/main" xmlns="" id="{AAA5EB97-2586-41DC-A142-B69499FA3BE8}"/>
                   </a:ext>
                 </a:extLst>
               </p:cNvPr>
@@ -7715,7 +7853,7 @@
               <p:cNvPr id="50" name="Connettore a gomito 49">
                 <a:extLst>
                   <a:ext uri="{FF2B5EF4-FFF2-40B4-BE49-F238E27FC236}">
-                    <a16:creationId xmlns:a16="http://schemas.microsoft.com/office/drawing/2014/main" id="{F0377437-76C0-4FBC-BA9A-94B30CF5BFE0}"/>
+                    <a16:creationId xmlns:a16="http://schemas.microsoft.com/office/drawing/2014/main" xmlns="" id="{F0377437-76C0-4FBC-BA9A-94B30CF5BFE0}"/>
                   </a:ext>
                 </a:extLst>
               </p:cNvPr>
@@ -7754,7 +7892,7 @@
               <p:cNvPr id="51" name="Connettore a gomito 50">
                 <a:extLst>
                   <a:ext uri="{FF2B5EF4-FFF2-40B4-BE49-F238E27FC236}">
-                    <a16:creationId xmlns:a16="http://schemas.microsoft.com/office/drawing/2014/main" id="{A561BE9B-B05B-427B-AE8C-DB671FB57B6A}"/>
+                    <a16:creationId xmlns:a16="http://schemas.microsoft.com/office/drawing/2014/main" xmlns="" id="{A561BE9B-B05B-427B-AE8C-DB671FB57B6A}"/>
                   </a:ext>
                 </a:extLst>
               </p:cNvPr>
@@ -7793,7 +7931,7 @@
               <p:cNvPr id="52" name="Connettore a gomito 51">
                 <a:extLst>
                   <a:ext uri="{FF2B5EF4-FFF2-40B4-BE49-F238E27FC236}">
-                    <a16:creationId xmlns:a16="http://schemas.microsoft.com/office/drawing/2014/main" id="{CCED8DAA-7523-4AE6-95F3-036776E72F5B}"/>
+                    <a16:creationId xmlns:a16="http://schemas.microsoft.com/office/drawing/2014/main" xmlns="" id="{CCED8DAA-7523-4AE6-95F3-036776E72F5B}"/>
                   </a:ext>
                 </a:extLst>
               </p:cNvPr>
@@ -7832,7 +7970,7 @@
               <p:cNvPr id="53" name="Gruppo 52">
                 <a:extLst>
                   <a:ext uri="{FF2B5EF4-FFF2-40B4-BE49-F238E27FC236}">
-                    <a16:creationId xmlns:a16="http://schemas.microsoft.com/office/drawing/2014/main" id="{0EFA298B-942A-4644-9C22-6E88F614030E}"/>
+                    <a16:creationId xmlns:a16="http://schemas.microsoft.com/office/drawing/2014/main" xmlns="" id="{0EFA298B-942A-4644-9C22-6E88F614030E}"/>
                   </a:ext>
                 </a:extLst>
               </p:cNvPr>
@@ -7852,7 +7990,7 @@
                 <p:cNvPr id="59" name="Connettore a gomito 58">
                   <a:extLst>
                     <a:ext uri="{FF2B5EF4-FFF2-40B4-BE49-F238E27FC236}">
-                      <a16:creationId xmlns:a16="http://schemas.microsoft.com/office/drawing/2014/main" id="{909FED97-FA01-4489-96D4-86A88175B027}"/>
+                      <a16:creationId xmlns:a16="http://schemas.microsoft.com/office/drawing/2014/main" xmlns="" id="{909FED97-FA01-4489-96D4-86A88175B027}"/>
                     </a:ext>
                   </a:extLst>
                 </p:cNvPr>
@@ -7891,7 +8029,7 @@
                 <p:cNvPr id="60" name="Connettore a gomito 59">
                   <a:extLst>
                     <a:ext uri="{FF2B5EF4-FFF2-40B4-BE49-F238E27FC236}">
-                      <a16:creationId xmlns:a16="http://schemas.microsoft.com/office/drawing/2014/main" id="{34E7A6CD-01C8-4D5F-A131-89745DC1E703}"/>
+                      <a16:creationId xmlns:a16="http://schemas.microsoft.com/office/drawing/2014/main" xmlns="" id="{34E7A6CD-01C8-4D5F-A131-89745DC1E703}"/>
                     </a:ext>
                   </a:extLst>
                 </p:cNvPr>
@@ -7930,7 +8068,7 @@
                 <p:cNvPr id="61" name="Connettore a gomito 60">
                   <a:extLst>
                     <a:ext uri="{FF2B5EF4-FFF2-40B4-BE49-F238E27FC236}">
-                      <a16:creationId xmlns:a16="http://schemas.microsoft.com/office/drawing/2014/main" id="{B6045CE7-C98E-4F08-97A6-538C74E9980A}"/>
+                      <a16:creationId xmlns:a16="http://schemas.microsoft.com/office/drawing/2014/main" xmlns="" id="{B6045CE7-C98E-4F08-97A6-538C74E9980A}"/>
                     </a:ext>
                   </a:extLst>
                 </p:cNvPr>
@@ -7969,7 +8107,7 @@
                 <p:cNvPr id="62" name="Connettore a gomito 61">
                   <a:extLst>
                     <a:ext uri="{FF2B5EF4-FFF2-40B4-BE49-F238E27FC236}">
-                      <a16:creationId xmlns:a16="http://schemas.microsoft.com/office/drawing/2014/main" id="{7D1EB34B-8080-4213-A19B-7565AE6490F5}"/>
+                      <a16:creationId xmlns:a16="http://schemas.microsoft.com/office/drawing/2014/main" xmlns="" id="{7D1EB34B-8080-4213-A19B-7565AE6490F5}"/>
                     </a:ext>
                   </a:extLst>
                 </p:cNvPr>
@@ -8009,7 +8147,7 @@
               <p:cNvPr id="54" name="Connettore a gomito 53">
                 <a:extLst>
                   <a:ext uri="{FF2B5EF4-FFF2-40B4-BE49-F238E27FC236}">
-                    <a16:creationId xmlns:a16="http://schemas.microsoft.com/office/drawing/2014/main" id="{60F5EBEC-9EA4-41FA-8BAA-6A4D5324C77A}"/>
+                    <a16:creationId xmlns:a16="http://schemas.microsoft.com/office/drawing/2014/main" xmlns="" id="{60F5EBEC-9EA4-41FA-8BAA-6A4D5324C77A}"/>
                   </a:ext>
                 </a:extLst>
               </p:cNvPr>
@@ -8048,7 +8186,7 @@
               <p:cNvPr id="55" name="Connettore a gomito 54">
                 <a:extLst>
                   <a:ext uri="{FF2B5EF4-FFF2-40B4-BE49-F238E27FC236}">
-                    <a16:creationId xmlns:a16="http://schemas.microsoft.com/office/drawing/2014/main" id="{96918257-E01D-4004-950E-C75D4EB5C079}"/>
+                    <a16:creationId xmlns:a16="http://schemas.microsoft.com/office/drawing/2014/main" xmlns="" id="{96918257-E01D-4004-950E-C75D4EB5C079}"/>
                   </a:ext>
                 </a:extLst>
               </p:cNvPr>
@@ -8087,7 +8225,7 @@
               <p:cNvPr id="56" name="Connettore a gomito 55">
                 <a:extLst>
                   <a:ext uri="{FF2B5EF4-FFF2-40B4-BE49-F238E27FC236}">
-                    <a16:creationId xmlns:a16="http://schemas.microsoft.com/office/drawing/2014/main" id="{66246318-229C-4634-82BB-9E1AE168D0C8}"/>
+                    <a16:creationId xmlns:a16="http://schemas.microsoft.com/office/drawing/2014/main" xmlns="" id="{66246318-229C-4634-82BB-9E1AE168D0C8}"/>
                   </a:ext>
                 </a:extLst>
               </p:cNvPr>
@@ -8126,7 +8264,7 @@
               <p:cNvPr id="57" name="Connettore a gomito 56">
                 <a:extLst>
                   <a:ext uri="{FF2B5EF4-FFF2-40B4-BE49-F238E27FC236}">
-                    <a16:creationId xmlns:a16="http://schemas.microsoft.com/office/drawing/2014/main" id="{6ADEE5F7-6BDE-417D-BA4B-3BF1098D30F4}"/>
+                    <a16:creationId xmlns:a16="http://schemas.microsoft.com/office/drawing/2014/main" xmlns="" id="{6ADEE5F7-6BDE-417D-BA4B-3BF1098D30F4}"/>
                   </a:ext>
                 </a:extLst>
               </p:cNvPr>
@@ -8165,7 +8303,7 @@
               <p:cNvPr id="58" name="Connettore a gomito 57">
                 <a:extLst>
                   <a:ext uri="{FF2B5EF4-FFF2-40B4-BE49-F238E27FC236}">
-                    <a16:creationId xmlns:a16="http://schemas.microsoft.com/office/drawing/2014/main" id="{E71EA51C-DCEB-49F7-91EB-2DAE41C66C04}"/>
+                    <a16:creationId xmlns:a16="http://schemas.microsoft.com/office/drawing/2014/main" xmlns="" id="{E71EA51C-DCEB-49F7-91EB-2DAE41C66C04}"/>
                   </a:ext>
                 </a:extLst>
               </p:cNvPr>
@@ -8205,7 +8343,7 @@
             <p:cNvPr id="13" name="CasellaDiTesto 12">
               <a:extLst>
                 <a:ext uri="{FF2B5EF4-FFF2-40B4-BE49-F238E27FC236}">
-                  <a16:creationId xmlns:a16="http://schemas.microsoft.com/office/drawing/2014/main" id="{53256134-904B-4BC2-9D46-EAC90AAFA997}"/>
+                  <a16:creationId xmlns:a16="http://schemas.microsoft.com/office/drawing/2014/main" xmlns="" id="{53256134-904B-4BC2-9D46-EAC90AAFA997}"/>
                 </a:ext>
               </a:extLst>
             </p:cNvPr>
@@ -8271,7 +8409,7 @@
           <p:cNvPr id="4" name="Gruppo 3">
             <a:extLst>
               <a:ext uri="{FF2B5EF4-FFF2-40B4-BE49-F238E27FC236}">
-                <a16:creationId xmlns:a16="http://schemas.microsoft.com/office/drawing/2014/main" id="{09202E6A-94F4-4723-942E-4038738ACB1B}"/>
+                <a16:creationId xmlns:a16="http://schemas.microsoft.com/office/drawing/2014/main" xmlns="" id="{09202E6A-94F4-4723-942E-4038738ACB1B}"/>
               </a:ext>
             </a:extLst>
           </p:cNvPr>
@@ -8291,7 +8429,7 @@
             <p:cNvPr id="5" name="Connettore a gomito 4">
               <a:extLst>
                 <a:ext uri="{FF2B5EF4-FFF2-40B4-BE49-F238E27FC236}">
-                  <a16:creationId xmlns:a16="http://schemas.microsoft.com/office/drawing/2014/main" id="{20FECF45-9275-449A-B486-B1B63CDE7F38}"/>
+                  <a16:creationId xmlns:a16="http://schemas.microsoft.com/office/drawing/2014/main" xmlns="" id="{20FECF45-9275-449A-B486-B1B63CDE7F38}"/>
                 </a:ext>
               </a:extLst>
             </p:cNvPr>
@@ -8330,7 +8468,7 @@
             <p:cNvPr id="8" name="Connettore a gomito 7">
               <a:extLst>
                 <a:ext uri="{FF2B5EF4-FFF2-40B4-BE49-F238E27FC236}">
-                  <a16:creationId xmlns:a16="http://schemas.microsoft.com/office/drawing/2014/main" id="{4B278F0D-6231-4344-BA26-BDC44FD5D6E0}"/>
+                  <a16:creationId xmlns:a16="http://schemas.microsoft.com/office/drawing/2014/main" xmlns="" id="{4B278F0D-6231-4344-BA26-BDC44FD5D6E0}"/>
                 </a:ext>
               </a:extLst>
             </p:cNvPr>
@@ -8373,7 +8511,7 @@
             <p:cNvPr id="9" name="Connettore a gomito 8">
               <a:extLst>
                 <a:ext uri="{FF2B5EF4-FFF2-40B4-BE49-F238E27FC236}">
-                  <a16:creationId xmlns:a16="http://schemas.microsoft.com/office/drawing/2014/main" id="{0540759E-5E02-4E63-A918-494114C8F250}"/>
+                  <a16:creationId xmlns:a16="http://schemas.microsoft.com/office/drawing/2014/main" xmlns="" id="{0540759E-5E02-4E63-A918-494114C8F250}"/>
                 </a:ext>
               </a:extLst>
             </p:cNvPr>
@@ -8416,7 +8554,7 @@
             <p:cNvPr id="10" name="Connettore a gomito 9">
               <a:extLst>
                 <a:ext uri="{FF2B5EF4-FFF2-40B4-BE49-F238E27FC236}">
-                  <a16:creationId xmlns:a16="http://schemas.microsoft.com/office/drawing/2014/main" id="{D9C2FDAE-5C39-426E-85C2-B50B8E362272}"/>
+                  <a16:creationId xmlns:a16="http://schemas.microsoft.com/office/drawing/2014/main" xmlns="" id="{D9C2FDAE-5C39-426E-85C2-B50B8E362272}"/>
                 </a:ext>
               </a:extLst>
             </p:cNvPr>
@@ -8456,7 +8594,7 @@
           <p:cNvPr id="13" name="Gruppo 12">
             <a:extLst>
               <a:ext uri="{FF2B5EF4-FFF2-40B4-BE49-F238E27FC236}">
-                <a16:creationId xmlns:a16="http://schemas.microsoft.com/office/drawing/2014/main" id="{671C989B-0766-4611-B455-48210C67D477}"/>
+                <a16:creationId xmlns:a16="http://schemas.microsoft.com/office/drawing/2014/main" xmlns="" id="{671C989B-0766-4611-B455-48210C67D477}"/>
               </a:ext>
             </a:extLst>
           </p:cNvPr>
@@ -8476,7 +8614,7 @@
             <p:cNvPr id="27" name="Connettore a gomito 26">
               <a:extLst>
                 <a:ext uri="{FF2B5EF4-FFF2-40B4-BE49-F238E27FC236}">
-                  <a16:creationId xmlns:a16="http://schemas.microsoft.com/office/drawing/2014/main" id="{3EAA1545-E3E3-4AD9-9BFC-19F5123E0441}"/>
+                  <a16:creationId xmlns:a16="http://schemas.microsoft.com/office/drawing/2014/main" xmlns="" id="{3EAA1545-E3E3-4AD9-9BFC-19F5123E0441}"/>
                 </a:ext>
               </a:extLst>
             </p:cNvPr>
@@ -8515,7 +8653,7 @@
             <p:cNvPr id="28" name="Connettore a gomito 27">
               <a:extLst>
                 <a:ext uri="{FF2B5EF4-FFF2-40B4-BE49-F238E27FC236}">
-                  <a16:creationId xmlns:a16="http://schemas.microsoft.com/office/drawing/2014/main" id="{E4CD50A3-0C8B-4CF4-88BA-091714A97567}"/>
+                  <a16:creationId xmlns:a16="http://schemas.microsoft.com/office/drawing/2014/main" xmlns="" id="{E4CD50A3-0C8B-4CF4-88BA-091714A97567}"/>
                 </a:ext>
               </a:extLst>
             </p:cNvPr>
@@ -8558,7 +8696,7 @@
             <p:cNvPr id="29" name="Connettore a gomito 28">
               <a:extLst>
                 <a:ext uri="{FF2B5EF4-FFF2-40B4-BE49-F238E27FC236}">
-                  <a16:creationId xmlns:a16="http://schemas.microsoft.com/office/drawing/2014/main" id="{9E00AF1C-DA3A-43CE-A1D9-AEE189AD7A54}"/>
+                  <a16:creationId xmlns:a16="http://schemas.microsoft.com/office/drawing/2014/main" xmlns="" id="{9E00AF1C-DA3A-43CE-A1D9-AEE189AD7A54}"/>
                 </a:ext>
               </a:extLst>
             </p:cNvPr>
@@ -8601,7 +8739,7 @@
             <p:cNvPr id="30" name="Connettore a gomito 29">
               <a:extLst>
                 <a:ext uri="{FF2B5EF4-FFF2-40B4-BE49-F238E27FC236}">
-                  <a16:creationId xmlns:a16="http://schemas.microsoft.com/office/drawing/2014/main" id="{42D32862-7BAF-495F-A6BB-3BC4CF9471CE}"/>
+                  <a16:creationId xmlns:a16="http://schemas.microsoft.com/office/drawing/2014/main" xmlns="" id="{42D32862-7BAF-495F-A6BB-3BC4CF9471CE}"/>
                 </a:ext>
               </a:extLst>
             </p:cNvPr>
@@ -8641,7 +8779,7 @@
           <p:cNvPr id="15" name="Gruppo 14">
             <a:extLst>
               <a:ext uri="{FF2B5EF4-FFF2-40B4-BE49-F238E27FC236}">
-                <a16:creationId xmlns:a16="http://schemas.microsoft.com/office/drawing/2014/main" id="{FEC60DFC-C3F3-4D1B-B1F8-BE23091E2B13}"/>
+                <a16:creationId xmlns:a16="http://schemas.microsoft.com/office/drawing/2014/main" xmlns="" id="{FEC60DFC-C3F3-4D1B-B1F8-BE23091E2B13}"/>
               </a:ext>
             </a:extLst>
           </p:cNvPr>
@@ -8661,7 +8799,7 @@
             <p:cNvPr id="31" name="Connettore a gomito 30">
               <a:extLst>
                 <a:ext uri="{FF2B5EF4-FFF2-40B4-BE49-F238E27FC236}">
-                  <a16:creationId xmlns:a16="http://schemas.microsoft.com/office/drawing/2014/main" id="{533ED62E-8274-4B7F-9941-8D47A38EC178}"/>
+                  <a16:creationId xmlns:a16="http://schemas.microsoft.com/office/drawing/2014/main" xmlns="" id="{533ED62E-8274-4B7F-9941-8D47A38EC178}"/>
                 </a:ext>
               </a:extLst>
             </p:cNvPr>
@@ -8700,7 +8838,7 @@
             <p:cNvPr id="32" name="Connettore a gomito 31">
               <a:extLst>
                 <a:ext uri="{FF2B5EF4-FFF2-40B4-BE49-F238E27FC236}">
-                  <a16:creationId xmlns:a16="http://schemas.microsoft.com/office/drawing/2014/main" id="{CD5442C0-E3F7-4C7D-9777-222680F36D80}"/>
+                  <a16:creationId xmlns:a16="http://schemas.microsoft.com/office/drawing/2014/main" xmlns="" id="{CD5442C0-E3F7-4C7D-9777-222680F36D80}"/>
                 </a:ext>
               </a:extLst>
             </p:cNvPr>
@@ -8739,7 +8877,7 @@
             <p:cNvPr id="33" name="Connettore a gomito 32">
               <a:extLst>
                 <a:ext uri="{FF2B5EF4-FFF2-40B4-BE49-F238E27FC236}">
-                  <a16:creationId xmlns:a16="http://schemas.microsoft.com/office/drawing/2014/main" id="{8CA699CF-3100-4A5D-A898-344029F98C86}"/>
+                  <a16:creationId xmlns:a16="http://schemas.microsoft.com/office/drawing/2014/main" xmlns="" id="{8CA699CF-3100-4A5D-A898-344029F98C86}"/>
                 </a:ext>
               </a:extLst>
             </p:cNvPr>
@@ -8778,7 +8916,7 @@
             <p:cNvPr id="34" name="Connettore a gomito 33">
               <a:extLst>
                 <a:ext uri="{FF2B5EF4-FFF2-40B4-BE49-F238E27FC236}">
-                  <a16:creationId xmlns:a16="http://schemas.microsoft.com/office/drawing/2014/main" id="{B78FEB12-CFE7-4311-A094-350D3F5700BC}"/>
+                  <a16:creationId xmlns:a16="http://schemas.microsoft.com/office/drawing/2014/main" xmlns="" id="{B78FEB12-CFE7-4311-A094-350D3F5700BC}"/>
                 </a:ext>
               </a:extLst>
             </p:cNvPr>
@@ -8817,6 +8955,36 @@
     <p:extLst>
       <p:ext uri="{BB962C8B-B14F-4D97-AF65-F5344CB8AC3E}">
         <p14:creationId xmlns:p14="http://schemas.microsoft.com/office/powerpoint/2010/main" val="2977924206"/>
+      </p:ext>
+    </p:extLst>
+  </p:cSld>
+  <p:clrMapOvr>
+    <a:masterClrMapping/>
+  </p:clrMapOvr>
+</p:sld>
+</file>
+
+<file path=ppt/slides/slide7.xml><?xml version="1.0" encoding="utf-8"?>
+<p:sld xmlns:a="http://schemas.openxmlformats.org/drawingml/2006/main" xmlns:r="http://schemas.openxmlformats.org/officeDocument/2006/relationships" xmlns:p="http://schemas.openxmlformats.org/presentationml/2006/main">
+  <p:cSld>
+    <p:spTree>
+      <p:nvGrpSpPr>
+        <p:cNvPr id="1" name=""/>
+        <p:cNvGrpSpPr/>
+        <p:nvPr/>
+      </p:nvGrpSpPr>
+      <p:grpSpPr>
+        <a:xfrm>
+          <a:off x="0" y="0"/>
+          <a:ext cx="0" cy="0"/>
+          <a:chOff x="0" y="0"/>
+          <a:chExt cx="0" cy="0"/>
+        </a:xfrm>
+      </p:grpSpPr>
+    </p:spTree>
+    <p:extLst>
+      <p:ext uri="{BB962C8B-B14F-4D97-AF65-F5344CB8AC3E}">
+        <p14:creationId xmlns:p14="http://schemas.microsoft.com/office/powerpoint/2010/main" val="2444806131"/>
       </p:ext>
     </p:extLst>
   </p:cSld>
@@ -9115,7 +9283,7 @@
   <a:extraClrSchemeLst/>
   <a:extLst>
     <a:ext uri="{05A4C25C-085E-4340-85A3-A5531E510DB2}">
-      <thm15:themeFamily xmlns:thm15="http://schemas.microsoft.com/office/thememl/2012/main" name="Office Theme" id="{62F939B6-93AF-4DB8-9C6B-D6C7DFDC589F}" vid="{4A3C46E8-61CC-4603-A589-7422A47A8E4A}"/>
+      <thm15:themeFamily xmlns:thm15="http://schemas.microsoft.com/office/thememl/2012/main" xmlns="" name="Office Theme" id="{62F939B6-93AF-4DB8-9C6B-D6C7DFDC589F}" vid="{4A3C46E8-61CC-4603-A589-7422A47A8E4A}"/>
     </a:ext>
   </a:extLst>
 </a:theme>

--- a/src/assets/Assets.pptx
+++ b/src/assets/Assets.pptx
@@ -112,7 +112,18 @@
   </p:defaultTextStyle>
   <p:extLst>
     <p:ext uri="{EFAFB233-063F-42B5-8137-9DF3F51BA10A}">
-      <p15:sldGuideLst xmlns:p15="http://schemas.microsoft.com/office/powerpoint/2012/main" xmlns=""/>
+      <p15:sldGuideLst xmlns:p15="http://schemas.microsoft.com/office/powerpoint/2012/main">
+        <p15:guide id="1" orient="horz" pos="2160">
+          <p15:clr>
+            <a:srgbClr val="A4A3A4"/>
+          </p15:clr>
+        </p15:guide>
+        <p15:guide id="2" pos="3840">
+          <p15:clr>
+            <a:srgbClr val="A4A3A4"/>
+          </p15:clr>
+        </p15:guide>
+      </p15:sldGuideLst>
     </p:ext>
   </p:extLst>
 </p:presentation>
@@ -140,7 +151,7 @@
           <p:cNvPr id="2" name="Titolo 1">
             <a:extLst>
               <a:ext uri="{FF2B5EF4-FFF2-40B4-BE49-F238E27FC236}">
-                <a16:creationId xmlns:a16="http://schemas.microsoft.com/office/drawing/2014/main" xmlns="" id="{FB5F6A53-8FD6-4DF9-8DAB-54024F3BADD9}"/>
+                <a16:creationId xmlns:a16="http://schemas.microsoft.com/office/drawing/2014/main" id="{FB5F6A53-8FD6-4DF9-8DAB-54024F3BADD9}"/>
               </a:ext>
             </a:extLst>
           </p:cNvPr>
@@ -177,7 +188,7 @@
           <p:cNvPr id="3" name="Sottotitolo 2">
             <a:extLst>
               <a:ext uri="{FF2B5EF4-FFF2-40B4-BE49-F238E27FC236}">
-                <a16:creationId xmlns:a16="http://schemas.microsoft.com/office/drawing/2014/main" xmlns="" id="{F751E584-DA29-401D-B347-860543F39D59}"/>
+                <a16:creationId xmlns:a16="http://schemas.microsoft.com/office/drawing/2014/main" id="{F751E584-DA29-401D-B347-860543F39D59}"/>
               </a:ext>
             </a:extLst>
           </p:cNvPr>
@@ -247,7 +258,7 @@
           <p:cNvPr id="4" name="Segnaposto data 3">
             <a:extLst>
               <a:ext uri="{FF2B5EF4-FFF2-40B4-BE49-F238E27FC236}">
-                <a16:creationId xmlns:a16="http://schemas.microsoft.com/office/drawing/2014/main" xmlns="" id="{A3C05A86-71F1-45D1-BD2E-5A96DA72BC10}"/>
+                <a16:creationId xmlns:a16="http://schemas.microsoft.com/office/drawing/2014/main" id="{A3C05A86-71F1-45D1-BD2E-5A96DA72BC10}"/>
               </a:ext>
             </a:extLst>
           </p:cNvPr>
@@ -276,7 +287,7 @@
           <p:cNvPr id="5" name="Segnaposto piè di pagina 4">
             <a:extLst>
               <a:ext uri="{FF2B5EF4-FFF2-40B4-BE49-F238E27FC236}">
-                <a16:creationId xmlns:a16="http://schemas.microsoft.com/office/drawing/2014/main" xmlns="" id="{DCBBE7EC-2CDA-472F-B313-CCDEC72A97D0}"/>
+                <a16:creationId xmlns:a16="http://schemas.microsoft.com/office/drawing/2014/main" id="{DCBBE7EC-2CDA-472F-B313-CCDEC72A97D0}"/>
               </a:ext>
             </a:extLst>
           </p:cNvPr>
@@ -301,7 +312,7 @@
           <p:cNvPr id="6" name="Segnaposto numero diapositiva 5">
             <a:extLst>
               <a:ext uri="{FF2B5EF4-FFF2-40B4-BE49-F238E27FC236}">
-                <a16:creationId xmlns:a16="http://schemas.microsoft.com/office/drawing/2014/main" xmlns="" id="{6BF3074D-CE09-4ED4-A118-1924FA76F007}"/>
+                <a16:creationId xmlns:a16="http://schemas.microsoft.com/office/drawing/2014/main" id="{6BF3074D-CE09-4ED4-A118-1924FA76F007}"/>
               </a:ext>
             </a:extLst>
           </p:cNvPr>
@@ -360,7 +371,7 @@
           <p:cNvPr id="2" name="Titolo 1">
             <a:extLst>
               <a:ext uri="{FF2B5EF4-FFF2-40B4-BE49-F238E27FC236}">
-                <a16:creationId xmlns:a16="http://schemas.microsoft.com/office/drawing/2014/main" xmlns="" id="{00B0084A-A5BA-4DA0-AFB7-42A387274FA7}"/>
+                <a16:creationId xmlns:a16="http://schemas.microsoft.com/office/drawing/2014/main" id="{00B0084A-A5BA-4DA0-AFB7-42A387274FA7}"/>
               </a:ext>
             </a:extLst>
           </p:cNvPr>
@@ -388,7 +399,7 @@
           <p:cNvPr id="3" name="Segnaposto testo verticale 2">
             <a:extLst>
               <a:ext uri="{FF2B5EF4-FFF2-40B4-BE49-F238E27FC236}">
-                <a16:creationId xmlns:a16="http://schemas.microsoft.com/office/drawing/2014/main" xmlns="" id="{11FB8270-93C2-48B4-AB6E-54F88A00AD92}"/>
+                <a16:creationId xmlns:a16="http://schemas.microsoft.com/office/drawing/2014/main" id="{11FB8270-93C2-48B4-AB6E-54F88A00AD92}"/>
               </a:ext>
             </a:extLst>
           </p:cNvPr>
@@ -445,7 +456,7 @@
           <p:cNvPr id="4" name="Segnaposto data 3">
             <a:extLst>
               <a:ext uri="{FF2B5EF4-FFF2-40B4-BE49-F238E27FC236}">
-                <a16:creationId xmlns:a16="http://schemas.microsoft.com/office/drawing/2014/main" xmlns="" id="{F5B82700-FA24-476C-9C88-FCB39FB4E426}"/>
+                <a16:creationId xmlns:a16="http://schemas.microsoft.com/office/drawing/2014/main" id="{F5B82700-FA24-476C-9C88-FCB39FB4E426}"/>
               </a:ext>
             </a:extLst>
           </p:cNvPr>
@@ -474,7 +485,7 @@
           <p:cNvPr id="5" name="Segnaposto piè di pagina 4">
             <a:extLst>
               <a:ext uri="{FF2B5EF4-FFF2-40B4-BE49-F238E27FC236}">
-                <a16:creationId xmlns:a16="http://schemas.microsoft.com/office/drawing/2014/main" xmlns="" id="{463FAF6D-C547-4B4C-A2E4-90F83C4F0219}"/>
+                <a16:creationId xmlns:a16="http://schemas.microsoft.com/office/drawing/2014/main" id="{463FAF6D-C547-4B4C-A2E4-90F83C4F0219}"/>
               </a:ext>
             </a:extLst>
           </p:cNvPr>
@@ -499,7 +510,7 @@
           <p:cNvPr id="6" name="Segnaposto numero diapositiva 5">
             <a:extLst>
               <a:ext uri="{FF2B5EF4-FFF2-40B4-BE49-F238E27FC236}">
-                <a16:creationId xmlns:a16="http://schemas.microsoft.com/office/drawing/2014/main" xmlns="" id="{7A015216-DD28-4DFE-A372-9C3EA1E860CA}"/>
+                <a16:creationId xmlns:a16="http://schemas.microsoft.com/office/drawing/2014/main" id="{7A015216-DD28-4DFE-A372-9C3EA1E860CA}"/>
               </a:ext>
             </a:extLst>
           </p:cNvPr>
@@ -558,7 +569,7 @@
           <p:cNvPr id="2" name="Titolo verticale 1">
             <a:extLst>
               <a:ext uri="{FF2B5EF4-FFF2-40B4-BE49-F238E27FC236}">
-                <a16:creationId xmlns:a16="http://schemas.microsoft.com/office/drawing/2014/main" xmlns="" id="{18443BF9-D1E9-49CA-A03A-308E1681C86C}"/>
+                <a16:creationId xmlns:a16="http://schemas.microsoft.com/office/drawing/2014/main" id="{18443BF9-D1E9-49CA-A03A-308E1681C86C}"/>
               </a:ext>
             </a:extLst>
           </p:cNvPr>
@@ -591,7 +602,7 @@
           <p:cNvPr id="3" name="Segnaposto testo verticale 2">
             <a:extLst>
               <a:ext uri="{FF2B5EF4-FFF2-40B4-BE49-F238E27FC236}">
-                <a16:creationId xmlns:a16="http://schemas.microsoft.com/office/drawing/2014/main" xmlns="" id="{5C81E14B-AB2F-48FF-A63E-4622488258FD}"/>
+                <a16:creationId xmlns:a16="http://schemas.microsoft.com/office/drawing/2014/main" id="{5C81E14B-AB2F-48FF-A63E-4622488258FD}"/>
               </a:ext>
             </a:extLst>
           </p:cNvPr>
@@ -653,7 +664,7 @@
           <p:cNvPr id="4" name="Segnaposto data 3">
             <a:extLst>
               <a:ext uri="{FF2B5EF4-FFF2-40B4-BE49-F238E27FC236}">
-                <a16:creationId xmlns:a16="http://schemas.microsoft.com/office/drawing/2014/main" xmlns="" id="{36852A0A-3090-4C68-A265-E55B9D620BB5}"/>
+                <a16:creationId xmlns:a16="http://schemas.microsoft.com/office/drawing/2014/main" id="{36852A0A-3090-4C68-A265-E55B9D620BB5}"/>
               </a:ext>
             </a:extLst>
           </p:cNvPr>
@@ -682,7 +693,7 @@
           <p:cNvPr id="5" name="Segnaposto piè di pagina 4">
             <a:extLst>
               <a:ext uri="{FF2B5EF4-FFF2-40B4-BE49-F238E27FC236}">
-                <a16:creationId xmlns:a16="http://schemas.microsoft.com/office/drawing/2014/main" xmlns="" id="{BCBA7277-CF5F-469F-8B9E-AB7067370EC9}"/>
+                <a16:creationId xmlns:a16="http://schemas.microsoft.com/office/drawing/2014/main" id="{BCBA7277-CF5F-469F-8B9E-AB7067370EC9}"/>
               </a:ext>
             </a:extLst>
           </p:cNvPr>
@@ -707,7 +718,7 @@
           <p:cNvPr id="6" name="Segnaposto numero diapositiva 5">
             <a:extLst>
               <a:ext uri="{FF2B5EF4-FFF2-40B4-BE49-F238E27FC236}">
-                <a16:creationId xmlns:a16="http://schemas.microsoft.com/office/drawing/2014/main" xmlns="" id="{4531E5A3-9F58-4820-A78B-42A8F065932F}"/>
+                <a16:creationId xmlns:a16="http://schemas.microsoft.com/office/drawing/2014/main" id="{4531E5A3-9F58-4820-A78B-42A8F065932F}"/>
               </a:ext>
             </a:extLst>
           </p:cNvPr>
@@ -766,7 +777,7 @@
           <p:cNvPr id="2" name="Titolo 1">
             <a:extLst>
               <a:ext uri="{FF2B5EF4-FFF2-40B4-BE49-F238E27FC236}">
-                <a16:creationId xmlns:a16="http://schemas.microsoft.com/office/drawing/2014/main" xmlns="" id="{37483881-A07C-4D00-98F2-E014F1D1F5AE}"/>
+                <a16:creationId xmlns:a16="http://schemas.microsoft.com/office/drawing/2014/main" id="{37483881-A07C-4D00-98F2-E014F1D1F5AE}"/>
               </a:ext>
             </a:extLst>
           </p:cNvPr>
@@ -794,7 +805,7 @@
           <p:cNvPr id="3" name="Segnaposto contenuto 2">
             <a:extLst>
               <a:ext uri="{FF2B5EF4-FFF2-40B4-BE49-F238E27FC236}">
-                <a16:creationId xmlns:a16="http://schemas.microsoft.com/office/drawing/2014/main" xmlns="" id="{9F06F14F-1425-417B-AD89-9A0BEDD3936D}"/>
+                <a16:creationId xmlns:a16="http://schemas.microsoft.com/office/drawing/2014/main" id="{9F06F14F-1425-417B-AD89-9A0BEDD3936D}"/>
               </a:ext>
             </a:extLst>
           </p:cNvPr>
@@ -851,7 +862,7 @@
           <p:cNvPr id="4" name="Segnaposto data 3">
             <a:extLst>
               <a:ext uri="{FF2B5EF4-FFF2-40B4-BE49-F238E27FC236}">
-                <a16:creationId xmlns:a16="http://schemas.microsoft.com/office/drawing/2014/main" xmlns="" id="{001D294E-6F3E-45DD-92A8-F5C931A5620F}"/>
+                <a16:creationId xmlns:a16="http://schemas.microsoft.com/office/drawing/2014/main" id="{001D294E-6F3E-45DD-92A8-F5C931A5620F}"/>
               </a:ext>
             </a:extLst>
           </p:cNvPr>
@@ -880,7 +891,7 @@
           <p:cNvPr id="5" name="Segnaposto piè di pagina 4">
             <a:extLst>
               <a:ext uri="{FF2B5EF4-FFF2-40B4-BE49-F238E27FC236}">
-                <a16:creationId xmlns:a16="http://schemas.microsoft.com/office/drawing/2014/main" xmlns="" id="{D7ECE0AC-AACF-44CE-95DF-495660574930}"/>
+                <a16:creationId xmlns:a16="http://schemas.microsoft.com/office/drawing/2014/main" id="{D7ECE0AC-AACF-44CE-95DF-495660574930}"/>
               </a:ext>
             </a:extLst>
           </p:cNvPr>
@@ -905,7 +916,7 @@
           <p:cNvPr id="6" name="Segnaposto numero diapositiva 5">
             <a:extLst>
               <a:ext uri="{FF2B5EF4-FFF2-40B4-BE49-F238E27FC236}">
-                <a16:creationId xmlns:a16="http://schemas.microsoft.com/office/drawing/2014/main" xmlns="" id="{20C71458-4526-40FC-98B0-874ACE51CAC5}"/>
+                <a16:creationId xmlns:a16="http://schemas.microsoft.com/office/drawing/2014/main" id="{20C71458-4526-40FC-98B0-874ACE51CAC5}"/>
               </a:ext>
             </a:extLst>
           </p:cNvPr>
@@ -964,7 +975,7 @@
           <p:cNvPr id="2" name="Titolo 1">
             <a:extLst>
               <a:ext uri="{FF2B5EF4-FFF2-40B4-BE49-F238E27FC236}">
-                <a16:creationId xmlns:a16="http://schemas.microsoft.com/office/drawing/2014/main" xmlns="" id="{FABD8012-558A-474A-BB6F-901CF3682346}"/>
+                <a16:creationId xmlns:a16="http://schemas.microsoft.com/office/drawing/2014/main" id="{FABD8012-558A-474A-BB6F-901CF3682346}"/>
               </a:ext>
             </a:extLst>
           </p:cNvPr>
@@ -1001,7 +1012,7 @@
           <p:cNvPr id="3" name="Segnaposto testo 2">
             <a:extLst>
               <a:ext uri="{FF2B5EF4-FFF2-40B4-BE49-F238E27FC236}">
-                <a16:creationId xmlns:a16="http://schemas.microsoft.com/office/drawing/2014/main" xmlns="" id="{6A39F018-8AAB-421D-8B89-3E9A8C3B66F8}"/>
+                <a16:creationId xmlns:a16="http://schemas.microsoft.com/office/drawing/2014/main" id="{6A39F018-8AAB-421D-8B89-3E9A8C3B66F8}"/>
               </a:ext>
             </a:extLst>
           </p:cNvPr>
@@ -1126,7 +1137,7 @@
           <p:cNvPr id="4" name="Segnaposto data 3">
             <a:extLst>
               <a:ext uri="{FF2B5EF4-FFF2-40B4-BE49-F238E27FC236}">
-                <a16:creationId xmlns:a16="http://schemas.microsoft.com/office/drawing/2014/main" xmlns="" id="{053FC4D3-9224-452E-AE74-1ED360BE60C3}"/>
+                <a16:creationId xmlns:a16="http://schemas.microsoft.com/office/drawing/2014/main" id="{053FC4D3-9224-452E-AE74-1ED360BE60C3}"/>
               </a:ext>
             </a:extLst>
           </p:cNvPr>
@@ -1155,7 +1166,7 @@
           <p:cNvPr id="5" name="Segnaposto piè di pagina 4">
             <a:extLst>
               <a:ext uri="{FF2B5EF4-FFF2-40B4-BE49-F238E27FC236}">
-                <a16:creationId xmlns:a16="http://schemas.microsoft.com/office/drawing/2014/main" xmlns="" id="{761B69FC-7E5F-4C92-8C60-DD0699BA6D82}"/>
+                <a16:creationId xmlns:a16="http://schemas.microsoft.com/office/drawing/2014/main" id="{761B69FC-7E5F-4C92-8C60-DD0699BA6D82}"/>
               </a:ext>
             </a:extLst>
           </p:cNvPr>
@@ -1180,7 +1191,7 @@
           <p:cNvPr id="6" name="Segnaposto numero diapositiva 5">
             <a:extLst>
               <a:ext uri="{FF2B5EF4-FFF2-40B4-BE49-F238E27FC236}">
-                <a16:creationId xmlns:a16="http://schemas.microsoft.com/office/drawing/2014/main" xmlns="" id="{6C2D04D5-6963-4E76-8FF2-C6C4C68D62FA}"/>
+                <a16:creationId xmlns:a16="http://schemas.microsoft.com/office/drawing/2014/main" id="{6C2D04D5-6963-4E76-8FF2-C6C4C68D62FA}"/>
               </a:ext>
             </a:extLst>
           </p:cNvPr>
@@ -1239,7 +1250,7 @@
           <p:cNvPr id="2" name="Titolo 1">
             <a:extLst>
               <a:ext uri="{FF2B5EF4-FFF2-40B4-BE49-F238E27FC236}">
-                <a16:creationId xmlns:a16="http://schemas.microsoft.com/office/drawing/2014/main" xmlns="" id="{741F3A13-FECC-446F-9C5E-66DF4CD693D3}"/>
+                <a16:creationId xmlns:a16="http://schemas.microsoft.com/office/drawing/2014/main" id="{741F3A13-FECC-446F-9C5E-66DF4CD693D3}"/>
               </a:ext>
             </a:extLst>
           </p:cNvPr>
@@ -1267,7 +1278,7 @@
           <p:cNvPr id="3" name="Segnaposto contenuto 2">
             <a:extLst>
               <a:ext uri="{FF2B5EF4-FFF2-40B4-BE49-F238E27FC236}">
-                <a16:creationId xmlns:a16="http://schemas.microsoft.com/office/drawing/2014/main" xmlns="" id="{8D4D0611-1A04-451F-AA5A-F6FBA3761D7C}"/>
+                <a16:creationId xmlns:a16="http://schemas.microsoft.com/office/drawing/2014/main" id="{8D4D0611-1A04-451F-AA5A-F6FBA3761D7C}"/>
               </a:ext>
             </a:extLst>
           </p:cNvPr>
@@ -1329,7 +1340,7 @@
           <p:cNvPr id="4" name="Segnaposto contenuto 3">
             <a:extLst>
               <a:ext uri="{FF2B5EF4-FFF2-40B4-BE49-F238E27FC236}">
-                <a16:creationId xmlns:a16="http://schemas.microsoft.com/office/drawing/2014/main" xmlns="" id="{05C0BD36-D206-4B70-9B0A-BD5431D52DEA}"/>
+                <a16:creationId xmlns:a16="http://schemas.microsoft.com/office/drawing/2014/main" id="{05C0BD36-D206-4B70-9B0A-BD5431D52DEA}"/>
               </a:ext>
             </a:extLst>
           </p:cNvPr>
@@ -1391,7 +1402,7 @@
           <p:cNvPr id="5" name="Segnaposto data 4">
             <a:extLst>
               <a:ext uri="{FF2B5EF4-FFF2-40B4-BE49-F238E27FC236}">
-                <a16:creationId xmlns:a16="http://schemas.microsoft.com/office/drawing/2014/main" xmlns="" id="{2A47094D-E521-445D-A288-A118BB1B08CE}"/>
+                <a16:creationId xmlns:a16="http://schemas.microsoft.com/office/drawing/2014/main" id="{2A47094D-E521-445D-A288-A118BB1B08CE}"/>
               </a:ext>
             </a:extLst>
           </p:cNvPr>
@@ -1420,7 +1431,7 @@
           <p:cNvPr id="6" name="Segnaposto piè di pagina 5">
             <a:extLst>
               <a:ext uri="{FF2B5EF4-FFF2-40B4-BE49-F238E27FC236}">
-                <a16:creationId xmlns:a16="http://schemas.microsoft.com/office/drawing/2014/main" xmlns="" id="{9DC4D153-45E8-4087-B876-AF9BF332047B}"/>
+                <a16:creationId xmlns:a16="http://schemas.microsoft.com/office/drawing/2014/main" id="{9DC4D153-45E8-4087-B876-AF9BF332047B}"/>
               </a:ext>
             </a:extLst>
           </p:cNvPr>
@@ -1445,7 +1456,7 @@
           <p:cNvPr id="7" name="Segnaposto numero diapositiva 6">
             <a:extLst>
               <a:ext uri="{FF2B5EF4-FFF2-40B4-BE49-F238E27FC236}">
-                <a16:creationId xmlns:a16="http://schemas.microsoft.com/office/drawing/2014/main" xmlns="" id="{F2575311-1B01-4799-9873-A971169BC5D5}"/>
+                <a16:creationId xmlns:a16="http://schemas.microsoft.com/office/drawing/2014/main" id="{F2575311-1B01-4799-9873-A971169BC5D5}"/>
               </a:ext>
             </a:extLst>
           </p:cNvPr>
@@ -1504,7 +1515,7 @@
           <p:cNvPr id="2" name="Titolo 1">
             <a:extLst>
               <a:ext uri="{FF2B5EF4-FFF2-40B4-BE49-F238E27FC236}">
-                <a16:creationId xmlns:a16="http://schemas.microsoft.com/office/drawing/2014/main" xmlns="" id="{250DEBD9-577E-4389-8D9A-EEDD9F107E29}"/>
+                <a16:creationId xmlns:a16="http://schemas.microsoft.com/office/drawing/2014/main" id="{250DEBD9-577E-4389-8D9A-EEDD9F107E29}"/>
               </a:ext>
             </a:extLst>
           </p:cNvPr>
@@ -1537,7 +1548,7 @@
           <p:cNvPr id="3" name="Segnaposto testo 2">
             <a:extLst>
               <a:ext uri="{FF2B5EF4-FFF2-40B4-BE49-F238E27FC236}">
-                <a16:creationId xmlns:a16="http://schemas.microsoft.com/office/drawing/2014/main" xmlns="" id="{9A7593E0-A190-4F18-AA2D-6B90BF4A2027}"/>
+                <a16:creationId xmlns:a16="http://schemas.microsoft.com/office/drawing/2014/main" id="{9A7593E0-A190-4F18-AA2D-6B90BF4A2027}"/>
               </a:ext>
             </a:extLst>
           </p:cNvPr>
@@ -1608,7 +1619,7 @@
           <p:cNvPr id="4" name="Segnaposto contenuto 3">
             <a:extLst>
               <a:ext uri="{FF2B5EF4-FFF2-40B4-BE49-F238E27FC236}">
-                <a16:creationId xmlns:a16="http://schemas.microsoft.com/office/drawing/2014/main" xmlns="" id="{AF4F2641-2625-46A8-B57F-FC0DF2E53DD5}"/>
+                <a16:creationId xmlns:a16="http://schemas.microsoft.com/office/drawing/2014/main" id="{AF4F2641-2625-46A8-B57F-FC0DF2E53DD5}"/>
               </a:ext>
             </a:extLst>
           </p:cNvPr>
@@ -1670,7 +1681,7 @@
           <p:cNvPr id="5" name="Segnaposto testo 4">
             <a:extLst>
               <a:ext uri="{FF2B5EF4-FFF2-40B4-BE49-F238E27FC236}">
-                <a16:creationId xmlns:a16="http://schemas.microsoft.com/office/drawing/2014/main" xmlns="" id="{E91DA8CF-585C-4C54-890D-542DE22C9CB1}"/>
+                <a16:creationId xmlns:a16="http://schemas.microsoft.com/office/drawing/2014/main" id="{E91DA8CF-585C-4C54-890D-542DE22C9CB1}"/>
               </a:ext>
             </a:extLst>
           </p:cNvPr>
@@ -1741,7 +1752,7 @@
           <p:cNvPr id="6" name="Segnaposto contenuto 5">
             <a:extLst>
               <a:ext uri="{FF2B5EF4-FFF2-40B4-BE49-F238E27FC236}">
-                <a16:creationId xmlns:a16="http://schemas.microsoft.com/office/drawing/2014/main" xmlns="" id="{C206CD57-2CBB-4555-994B-DF4CF3AC6321}"/>
+                <a16:creationId xmlns:a16="http://schemas.microsoft.com/office/drawing/2014/main" id="{C206CD57-2CBB-4555-994B-DF4CF3AC6321}"/>
               </a:ext>
             </a:extLst>
           </p:cNvPr>
@@ -1803,7 +1814,7 @@
           <p:cNvPr id="7" name="Segnaposto data 6">
             <a:extLst>
               <a:ext uri="{FF2B5EF4-FFF2-40B4-BE49-F238E27FC236}">
-                <a16:creationId xmlns:a16="http://schemas.microsoft.com/office/drawing/2014/main" xmlns="" id="{44B54446-696C-46DE-9556-7A89AF4ACB08}"/>
+                <a16:creationId xmlns:a16="http://schemas.microsoft.com/office/drawing/2014/main" id="{44B54446-696C-46DE-9556-7A89AF4ACB08}"/>
               </a:ext>
             </a:extLst>
           </p:cNvPr>
@@ -1832,7 +1843,7 @@
           <p:cNvPr id="8" name="Segnaposto piè di pagina 7">
             <a:extLst>
               <a:ext uri="{FF2B5EF4-FFF2-40B4-BE49-F238E27FC236}">
-                <a16:creationId xmlns:a16="http://schemas.microsoft.com/office/drawing/2014/main" xmlns="" id="{F7766CC0-F156-4CAF-BDBA-4D2975A66D56}"/>
+                <a16:creationId xmlns:a16="http://schemas.microsoft.com/office/drawing/2014/main" id="{F7766CC0-F156-4CAF-BDBA-4D2975A66D56}"/>
               </a:ext>
             </a:extLst>
           </p:cNvPr>
@@ -1857,7 +1868,7 @@
           <p:cNvPr id="9" name="Segnaposto numero diapositiva 8">
             <a:extLst>
               <a:ext uri="{FF2B5EF4-FFF2-40B4-BE49-F238E27FC236}">
-                <a16:creationId xmlns:a16="http://schemas.microsoft.com/office/drawing/2014/main" xmlns="" id="{E824FB7E-AC69-4214-B8A1-0345545DC38B}"/>
+                <a16:creationId xmlns:a16="http://schemas.microsoft.com/office/drawing/2014/main" id="{E824FB7E-AC69-4214-B8A1-0345545DC38B}"/>
               </a:ext>
             </a:extLst>
           </p:cNvPr>
@@ -1916,7 +1927,7 @@
           <p:cNvPr id="2" name="Titolo 1">
             <a:extLst>
               <a:ext uri="{FF2B5EF4-FFF2-40B4-BE49-F238E27FC236}">
-                <a16:creationId xmlns:a16="http://schemas.microsoft.com/office/drawing/2014/main" xmlns="" id="{9A462FBF-BA04-4A8C-826D-F55DA9684F7E}"/>
+                <a16:creationId xmlns:a16="http://schemas.microsoft.com/office/drawing/2014/main" id="{9A462FBF-BA04-4A8C-826D-F55DA9684F7E}"/>
               </a:ext>
             </a:extLst>
           </p:cNvPr>
@@ -1944,7 +1955,7 @@
           <p:cNvPr id="3" name="Segnaposto data 2">
             <a:extLst>
               <a:ext uri="{FF2B5EF4-FFF2-40B4-BE49-F238E27FC236}">
-                <a16:creationId xmlns:a16="http://schemas.microsoft.com/office/drawing/2014/main" xmlns="" id="{B67E4CD1-D9AF-424A-BAD5-4777DC5E64EC}"/>
+                <a16:creationId xmlns:a16="http://schemas.microsoft.com/office/drawing/2014/main" id="{B67E4CD1-D9AF-424A-BAD5-4777DC5E64EC}"/>
               </a:ext>
             </a:extLst>
           </p:cNvPr>
@@ -1973,7 +1984,7 @@
           <p:cNvPr id="4" name="Segnaposto piè di pagina 3">
             <a:extLst>
               <a:ext uri="{FF2B5EF4-FFF2-40B4-BE49-F238E27FC236}">
-                <a16:creationId xmlns:a16="http://schemas.microsoft.com/office/drawing/2014/main" xmlns="" id="{59DC11D4-EBC8-4006-9541-E14FBE6D8284}"/>
+                <a16:creationId xmlns:a16="http://schemas.microsoft.com/office/drawing/2014/main" id="{59DC11D4-EBC8-4006-9541-E14FBE6D8284}"/>
               </a:ext>
             </a:extLst>
           </p:cNvPr>
@@ -1998,7 +2009,7 @@
           <p:cNvPr id="5" name="Segnaposto numero diapositiva 4">
             <a:extLst>
               <a:ext uri="{FF2B5EF4-FFF2-40B4-BE49-F238E27FC236}">
-                <a16:creationId xmlns:a16="http://schemas.microsoft.com/office/drawing/2014/main" xmlns="" id="{3BB0B4D2-FF01-48A2-82C8-82430674A742}"/>
+                <a16:creationId xmlns:a16="http://schemas.microsoft.com/office/drawing/2014/main" id="{3BB0B4D2-FF01-48A2-82C8-82430674A742}"/>
               </a:ext>
             </a:extLst>
           </p:cNvPr>
@@ -2057,7 +2068,7 @@
           <p:cNvPr id="2" name="Segnaposto data 1">
             <a:extLst>
               <a:ext uri="{FF2B5EF4-FFF2-40B4-BE49-F238E27FC236}">
-                <a16:creationId xmlns:a16="http://schemas.microsoft.com/office/drawing/2014/main" xmlns="" id="{FE3C15AF-E349-42E6-A5BB-5D261BCA200C}"/>
+                <a16:creationId xmlns:a16="http://schemas.microsoft.com/office/drawing/2014/main" id="{FE3C15AF-E349-42E6-A5BB-5D261BCA200C}"/>
               </a:ext>
             </a:extLst>
           </p:cNvPr>
@@ -2086,7 +2097,7 @@
           <p:cNvPr id="3" name="Segnaposto piè di pagina 2">
             <a:extLst>
               <a:ext uri="{FF2B5EF4-FFF2-40B4-BE49-F238E27FC236}">
-                <a16:creationId xmlns:a16="http://schemas.microsoft.com/office/drawing/2014/main" xmlns="" id="{4C87FA6D-96E8-4A91-BA39-57152DF92C6D}"/>
+                <a16:creationId xmlns:a16="http://schemas.microsoft.com/office/drawing/2014/main" id="{4C87FA6D-96E8-4A91-BA39-57152DF92C6D}"/>
               </a:ext>
             </a:extLst>
           </p:cNvPr>
@@ -2111,7 +2122,7 @@
           <p:cNvPr id="4" name="Segnaposto numero diapositiva 3">
             <a:extLst>
               <a:ext uri="{FF2B5EF4-FFF2-40B4-BE49-F238E27FC236}">
-                <a16:creationId xmlns:a16="http://schemas.microsoft.com/office/drawing/2014/main" xmlns="" id="{E537D7F0-ED03-4935-AB51-6D25FD3B69DD}"/>
+                <a16:creationId xmlns:a16="http://schemas.microsoft.com/office/drawing/2014/main" id="{E537D7F0-ED03-4935-AB51-6D25FD3B69DD}"/>
               </a:ext>
             </a:extLst>
           </p:cNvPr>
@@ -2170,7 +2181,7 @@
           <p:cNvPr id="2" name="Titolo 1">
             <a:extLst>
               <a:ext uri="{FF2B5EF4-FFF2-40B4-BE49-F238E27FC236}">
-                <a16:creationId xmlns:a16="http://schemas.microsoft.com/office/drawing/2014/main" xmlns="" id="{285A17A7-4095-4E07-BA83-D4FBA95A71B6}"/>
+                <a16:creationId xmlns:a16="http://schemas.microsoft.com/office/drawing/2014/main" id="{285A17A7-4095-4E07-BA83-D4FBA95A71B6}"/>
               </a:ext>
             </a:extLst>
           </p:cNvPr>
@@ -2207,7 +2218,7 @@
           <p:cNvPr id="3" name="Segnaposto contenuto 2">
             <a:extLst>
               <a:ext uri="{FF2B5EF4-FFF2-40B4-BE49-F238E27FC236}">
-                <a16:creationId xmlns:a16="http://schemas.microsoft.com/office/drawing/2014/main" xmlns="" id="{2ABE800C-9458-4C53-8D38-2B6C3EDE0E93}"/>
+                <a16:creationId xmlns:a16="http://schemas.microsoft.com/office/drawing/2014/main" id="{2ABE800C-9458-4C53-8D38-2B6C3EDE0E93}"/>
               </a:ext>
             </a:extLst>
           </p:cNvPr>
@@ -2297,7 +2308,7 @@
           <p:cNvPr id="4" name="Segnaposto testo 3">
             <a:extLst>
               <a:ext uri="{FF2B5EF4-FFF2-40B4-BE49-F238E27FC236}">
-                <a16:creationId xmlns:a16="http://schemas.microsoft.com/office/drawing/2014/main" xmlns="" id="{85A61BCF-DF19-4EC0-A678-947015AB4BF6}"/>
+                <a16:creationId xmlns:a16="http://schemas.microsoft.com/office/drawing/2014/main" id="{85A61BCF-DF19-4EC0-A678-947015AB4BF6}"/>
               </a:ext>
             </a:extLst>
           </p:cNvPr>
@@ -2368,7 +2379,7 @@
           <p:cNvPr id="5" name="Segnaposto data 4">
             <a:extLst>
               <a:ext uri="{FF2B5EF4-FFF2-40B4-BE49-F238E27FC236}">
-                <a16:creationId xmlns:a16="http://schemas.microsoft.com/office/drawing/2014/main" xmlns="" id="{98FAB380-C50E-427B-B611-636550EDB1F5}"/>
+                <a16:creationId xmlns:a16="http://schemas.microsoft.com/office/drawing/2014/main" id="{98FAB380-C50E-427B-B611-636550EDB1F5}"/>
               </a:ext>
             </a:extLst>
           </p:cNvPr>
@@ -2397,7 +2408,7 @@
           <p:cNvPr id="6" name="Segnaposto piè di pagina 5">
             <a:extLst>
               <a:ext uri="{FF2B5EF4-FFF2-40B4-BE49-F238E27FC236}">
-                <a16:creationId xmlns:a16="http://schemas.microsoft.com/office/drawing/2014/main" xmlns="" id="{1742C12A-C712-45D8-8F50-0C9B576D92C2}"/>
+                <a16:creationId xmlns:a16="http://schemas.microsoft.com/office/drawing/2014/main" id="{1742C12A-C712-45D8-8F50-0C9B576D92C2}"/>
               </a:ext>
             </a:extLst>
           </p:cNvPr>
@@ -2422,7 +2433,7 @@
           <p:cNvPr id="7" name="Segnaposto numero diapositiva 6">
             <a:extLst>
               <a:ext uri="{FF2B5EF4-FFF2-40B4-BE49-F238E27FC236}">
-                <a16:creationId xmlns:a16="http://schemas.microsoft.com/office/drawing/2014/main" xmlns="" id="{87F6A0D8-0D70-407B-85CB-B754ABB7AE66}"/>
+                <a16:creationId xmlns:a16="http://schemas.microsoft.com/office/drawing/2014/main" id="{87F6A0D8-0D70-407B-85CB-B754ABB7AE66}"/>
               </a:ext>
             </a:extLst>
           </p:cNvPr>
@@ -2481,7 +2492,7 @@
           <p:cNvPr id="2" name="Titolo 1">
             <a:extLst>
               <a:ext uri="{FF2B5EF4-FFF2-40B4-BE49-F238E27FC236}">
-                <a16:creationId xmlns:a16="http://schemas.microsoft.com/office/drawing/2014/main" xmlns="" id="{24C68998-E686-4DB2-A5FA-F71627134837}"/>
+                <a16:creationId xmlns:a16="http://schemas.microsoft.com/office/drawing/2014/main" id="{24C68998-E686-4DB2-A5FA-F71627134837}"/>
               </a:ext>
             </a:extLst>
           </p:cNvPr>
@@ -2518,7 +2529,7 @@
           <p:cNvPr id="3" name="Segnaposto immagine 2">
             <a:extLst>
               <a:ext uri="{FF2B5EF4-FFF2-40B4-BE49-F238E27FC236}">
-                <a16:creationId xmlns:a16="http://schemas.microsoft.com/office/drawing/2014/main" xmlns="" id="{BEFB183C-8A51-46FA-A7BD-1B7AD9938D58}"/>
+                <a16:creationId xmlns:a16="http://schemas.microsoft.com/office/drawing/2014/main" id="{BEFB183C-8A51-46FA-A7BD-1B7AD9938D58}"/>
               </a:ext>
             </a:extLst>
           </p:cNvPr>
@@ -2585,7 +2596,7 @@
           <p:cNvPr id="4" name="Segnaposto testo 3">
             <a:extLst>
               <a:ext uri="{FF2B5EF4-FFF2-40B4-BE49-F238E27FC236}">
-                <a16:creationId xmlns:a16="http://schemas.microsoft.com/office/drawing/2014/main" xmlns="" id="{E5F006A9-35B4-42C3-8F74-2D3CD768C6E9}"/>
+                <a16:creationId xmlns:a16="http://schemas.microsoft.com/office/drawing/2014/main" id="{E5F006A9-35B4-42C3-8F74-2D3CD768C6E9}"/>
               </a:ext>
             </a:extLst>
           </p:cNvPr>
@@ -2656,7 +2667,7 @@
           <p:cNvPr id="5" name="Segnaposto data 4">
             <a:extLst>
               <a:ext uri="{FF2B5EF4-FFF2-40B4-BE49-F238E27FC236}">
-                <a16:creationId xmlns:a16="http://schemas.microsoft.com/office/drawing/2014/main" xmlns="" id="{C86745B4-92D1-4709-AD1B-0D9F41CE9B8F}"/>
+                <a16:creationId xmlns:a16="http://schemas.microsoft.com/office/drawing/2014/main" id="{C86745B4-92D1-4709-AD1B-0D9F41CE9B8F}"/>
               </a:ext>
             </a:extLst>
           </p:cNvPr>
@@ -2685,7 +2696,7 @@
           <p:cNvPr id="6" name="Segnaposto piè di pagina 5">
             <a:extLst>
               <a:ext uri="{FF2B5EF4-FFF2-40B4-BE49-F238E27FC236}">
-                <a16:creationId xmlns:a16="http://schemas.microsoft.com/office/drawing/2014/main" xmlns="" id="{10F8C05B-94E2-404F-996A-43658F622830}"/>
+                <a16:creationId xmlns:a16="http://schemas.microsoft.com/office/drawing/2014/main" id="{10F8C05B-94E2-404F-996A-43658F622830}"/>
               </a:ext>
             </a:extLst>
           </p:cNvPr>
@@ -2710,7 +2721,7 @@
           <p:cNvPr id="7" name="Segnaposto numero diapositiva 6">
             <a:extLst>
               <a:ext uri="{FF2B5EF4-FFF2-40B4-BE49-F238E27FC236}">
-                <a16:creationId xmlns:a16="http://schemas.microsoft.com/office/drawing/2014/main" xmlns="" id="{C3858615-497A-4708-B3D3-034789886009}"/>
+                <a16:creationId xmlns:a16="http://schemas.microsoft.com/office/drawing/2014/main" id="{C3858615-497A-4708-B3D3-034789886009}"/>
               </a:ext>
             </a:extLst>
           </p:cNvPr>
@@ -2774,7 +2785,7 @@
           <p:cNvPr id="2" name="Segnaposto titolo 1">
             <a:extLst>
               <a:ext uri="{FF2B5EF4-FFF2-40B4-BE49-F238E27FC236}">
-                <a16:creationId xmlns:a16="http://schemas.microsoft.com/office/drawing/2014/main" xmlns="" id="{262A22BB-952D-4829-9A5F-BD0120767A57}"/>
+                <a16:creationId xmlns:a16="http://schemas.microsoft.com/office/drawing/2014/main" id="{262A22BB-952D-4829-9A5F-BD0120767A57}"/>
               </a:ext>
             </a:extLst>
           </p:cNvPr>
@@ -2812,7 +2823,7 @@
           <p:cNvPr id="3" name="Segnaposto testo 2">
             <a:extLst>
               <a:ext uri="{FF2B5EF4-FFF2-40B4-BE49-F238E27FC236}">
-                <a16:creationId xmlns:a16="http://schemas.microsoft.com/office/drawing/2014/main" xmlns="" id="{938480E9-5D33-4737-B423-7703C6D6A4F5}"/>
+                <a16:creationId xmlns:a16="http://schemas.microsoft.com/office/drawing/2014/main" id="{938480E9-5D33-4737-B423-7703C6D6A4F5}"/>
               </a:ext>
             </a:extLst>
           </p:cNvPr>
@@ -2879,7 +2890,7 @@
           <p:cNvPr id="4" name="Segnaposto data 3">
             <a:extLst>
               <a:ext uri="{FF2B5EF4-FFF2-40B4-BE49-F238E27FC236}">
-                <a16:creationId xmlns:a16="http://schemas.microsoft.com/office/drawing/2014/main" xmlns="" id="{2F5F738B-8CD9-4124-850B-F5789D3D728B}"/>
+                <a16:creationId xmlns:a16="http://schemas.microsoft.com/office/drawing/2014/main" id="{2F5F738B-8CD9-4124-850B-F5789D3D728B}"/>
               </a:ext>
             </a:extLst>
           </p:cNvPr>
@@ -2926,7 +2937,7 @@
           <p:cNvPr id="5" name="Segnaposto piè di pagina 4">
             <a:extLst>
               <a:ext uri="{FF2B5EF4-FFF2-40B4-BE49-F238E27FC236}">
-                <a16:creationId xmlns:a16="http://schemas.microsoft.com/office/drawing/2014/main" xmlns="" id="{4217C472-E61B-47FB-8072-C2A52DDFB408}"/>
+                <a16:creationId xmlns:a16="http://schemas.microsoft.com/office/drawing/2014/main" id="{4217C472-E61B-47FB-8072-C2A52DDFB408}"/>
               </a:ext>
             </a:extLst>
           </p:cNvPr>
@@ -2969,7 +2980,7 @@
           <p:cNvPr id="6" name="Segnaposto numero diapositiva 5">
             <a:extLst>
               <a:ext uri="{FF2B5EF4-FFF2-40B4-BE49-F238E27FC236}">
-                <a16:creationId xmlns:a16="http://schemas.microsoft.com/office/drawing/2014/main" xmlns="" id="{7C2CD27B-34A1-4DCB-B7F2-8C265356D86A}"/>
+                <a16:creationId xmlns:a16="http://schemas.microsoft.com/office/drawing/2014/main" id="{7C2CD27B-34A1-4DCB-B7F2-8C265356D86A}"/>
               </a:ext>
             </a:extLst>
           </p:cNvPr>
@@ -3380,7 +3391,7 @@
           <p:cNvPr id="2" name="Gruppo 1">
             <a:extLst>
               <a:ext uri="{FF2B5EF4-FFF2-40B4-BE49-F238E27FC236}">
-                <a16:creationId xmlns:a16="http://schemas.microsoft.com/office/drawing/2014/main" xmlns="" id="{8BD1A926-0BFB-4E86-AA7F-D203344FD1E2}"/>
+                <a16:creationId xmlns:a16="http://schemas.microsoft.com/office/drawing/2014/main" id="{8BD1A926-0BFB-4E86-AA7F-D203344FD1E2}"/>
               </a:ext>
             </a:extLst>
           </p:cNvPr>
@@ -3414,7 +3425,7 @@
             <p:cNvPr id="5" name="Connettore a gomito 4">
               <a:extLst>
                 <a:ext uri="{FF2B5EF4-FFF2-40B4-BE49-F238E27FC236}">
-                  <a16:creationId xmlns:a16="http://schemas.microsoft.com/office/drawing/2014/main" xmlns="" id="{20FECF45-9275-449A-B486-B1B63CDE7F38}"/>
+                  <a16:creationId xmlns:a16="http://schemas.microsoft.com/office/drawing/2014/main" id="{20FECF45-9275-449A-B486-B1B63CDE7F38}"/>
                 </a:ext>
               </a:extLst>
             </p:cNvPr>
@@ -3459,7 +3470,7 @@
             <p:cNvPr id="8" name="Connettore a gomito 7">
               <a:extLst>
                 <a:ext uri="{FF2B5EF4-FFF2-40B4-BE49-F238E27FC236}">
-                  <a16:creationId xmlns:a16="http://schemas.microsoft.com/office/drawing/2014/main" xmlns="" id="{4B278F0D-6231-4344-BA26-BDC44FD5D6E0}"/>
+                  <a16:creationId xmlns:a16="http://schemas.microsoft.com/office/drawing/2014/main" id="{4B278F0D-6231-4344-BA26-BDC44FD5D6E0}"/>
                 </a:ext>
               </a:extLst>
             </p:cNvPr>
@@ -3504,7 +3515,7 @@
             <p:cNvPr id="9" name="Connettore a gomito 8">
               <a:extLst>
                 <a:ext uri="{FF2B5EF4-FFF2-40B4-BE49-F238E27FC236}">
-                  <a16:creationId xmlns:a16="http://schemas.microsoft.com/office/drawing/2014/main" xmlns="" id="{0540759E-5E02-4E63-A918-494114C8F250}"/>
+                  <a16:creationId xmlns:a16="http://schemas.microsoft.com/office/drawing/2014/main" id="{0540759E-5E02-4E63-A918-494114C8F250}"/>
                 </a:ext>
               </a:extLst>
             </p:cNvPr>
@@ -3549,7 +3560,7 @@
             <p:cNvPr id="10" name="Connettore a gomito 9">
               <a:extLst>
                 <a:ext uri="{FF2B5EF4-FFF2-40B4-BE49-F238E27FC236}">
-                  <a16:creationId xmlns:a16="http://schemas.microsoft.com/office/drawing/2014/main" xmlns="" id="{D9C2FDAE-5C39-426E-85C2-B50B8E362272}"/>
+                  <a16:creationId xmlns:a16="http://schemas.microsoft.com/office/drawing/2014/main" id="{D9C2FDAE-5C39-426E-85C2-B50B8E362272}"/>
                 </a:ext>
               </a:extLst>
             </p:cNvPr>
@@ -3625,7 +3636,7 @@
           <p:cNvPr id="4" name="Gruppo 3">
             <a:extLst>
               <a:ext uri="{FF2B5EF4-FFF2-40B4-BE49-F238E27FC236}">
-                <a16:creationId xmlns:a16="http://schemas.microsoft.com/office/drawing/2014/main" xmlns="" id="{79604170-93AC-47BF-ADDD-E10E3F28043F}"/>
+                <a16:creationId xmlns:a16="http://schemas.microsoft.com/office/drawing/2014/main" id="{79604170-93AC-47BF-ADDD-E10E3F28043F}"/>
               </a:ext>
             </a:extLst>
           </p:cNvPr>
@@ -3645,7 +3656,7 @@
             <p:cNvPr id="5" name="Connettore a gomito 4">
               <a:extLst>
                 <a:ext uri="{FF2B5EF4-FFF2-40B4-BE49-F238E27FC236}">
-                  <a16:creationId xmlns:a16="http://schemas.microsoft.com/office/drawing/2014/main" xmlns="" id="{20FECF45-9275-449A-B486-B1B63CDE7F38}"/>
+                  <a16:creationId xmlns:a16="http://schemas.microsoft.com/office/drawing/2014/main" id="{20FECF45-9275-449A-B486-B1B63CDE7F38}"/>
                 </a:ext>
               </a:extLst>
             </p:cNvPr>
@@ -3683,7 +3694,7 @@
             <p:cNvPr id="8" name="Connettore a gomito 7">
               <a:extLst>
                 <a:ext uri="{FF2B5EF4-FFF2-40B4-BE49-F238E27FC236}">
-                  <a16:creationId xmlns:a16="http://schemas.microsoft.com/office/drawing/2014/main" xmlns="" id="{4B278F0D-6231-4344-BA26-BDC44FD5D6E0}"/>
+                  <a16:creationId xmlns:a16="http://schemas.microsoft.com/office/drawing/2014/main" id="{4B278F0D-6231-4344-BA26-BDC44FD5D6E0}"/>
                 </a:ext>
               </a:extLst>
             </p:cNvPr>
@@ -3721,7 +3732,7 @@
             <p:cNvPr id="9" name="Connettore a gomito 8">
               <a:extLst>
                 <a:ext uri="{FF2B5EF4-FFF2-40B4-BE49-F238E27FC236}">
-                  <a16:creationId xmlns:a16="http://schemas.microsoft.com/office/drawing/2014/main" xmlns="" id="{0540759E-5E02-4E63-A918-494114C8F250}"/>
+                  <a16:creationId xmlns:a16="http://schemas.microsoft.com/office/drawing/2014/main" id="{0540759E-5E02-4E63-A918-494114C8F250}"/>
                 </a:ext>
               </a:extLst>
             </p:cNvPr>
@@ -3759,7 +3770,7 @@
             <p:cNvPr id="10" name="Connettore a gomito 9">
               <a:extLst>
                 <a:ext uri="{FF2B5EF4-FFF2-40B4-BE49-F238E27FC236}">
-                  <a16:creationId xmlns:a16="http://schemas.microsoft.com/office/drawing/2014/main" xmlns="" id="{D9C2FDAE-5C39-426E-85C2-B50B8E362272}"/>
+                  <a16:creationId xmlns:a16="http://schemas.microsoft.com/office/drawing/2014/main" id="{D9C2FDAE-5C39-426E-85C2-B50B8E362272}"/>
                 </a:ext>
               </a:extLst>
             </p:cNvPr>
@@ -3797,7 +3808,7 @@
             <p:cNvPr id="2" name="Gruppo 1">
               <a:extLst>
                 <a:ext uri="{FF2B5EF4-FFF2-40B4-BE49-F238E27FC236}">
-                  <a16:creationId xmlns:a16="http://schemas.microsoft.com/office/drawing/2014/main" xmlns="" id="{0F68B524-00ED-474B-942C-336352A5545A}"/>
+                  <a16:creationId xmlns:a16="http://schemas.microsoft.com/office/drawing/2014/main" id="{0F68B524-00ED-474B-942C-336352A5545A}"/>
                 </a:ext>
               </a:extLst>
             </p:cNvPr>
@@ -3817,7 +3828,7 @@
               <p:cNvPr id="6" name="Connettore a gomito 5">
                 <a:extLst>
                   <a:ext uri="{FF2B5EF4-FFF2-40B4-BE49-F238E27FC236}">
-                    <a16:creationId xmlns:a16="http://schemas.microsoft.com/office/drawing/2014/main" xmlns="" id="{9304BC83-0554-4484-BE6B-C63681ABEBE0}"/>
+                    <a16:creationId xmlns:a16="http://schemas.microsoft.com/office/drawing/2014/main" id="{9304BC83-0554-4484-BE6B-C63681ABEBE0}"/>
                   </a:ext>
                 </a:extLst>
               </p:cNvPr>
@@ -3855,7 +3866,7 @@
               <p:cNvPr id="7" name="Connettore a gomito 6">
                 <a:extLst>
                   <a:ext uri="{FF2B5EF4-FFF2-40B4-BE49-F238E27FC236}">
-                    <a16:creationId xmlns:a16="http://schemas.microsoft.com/office/drawing/2014/main" xmlns="" id="{69A6A12D-98A3-4876-9850-4DE88B9E30E0}"/>
+                    <a16:creationId xmlns:a16="http://schemas.microsoft.com/office/drawing/2014/main" id="{69A6A12D-98A3-4876-9850-4DE88B9E30E0}"/>
                   </a:ext>
                 </a:extLst>
               </p:cNvPr>
@@ -3893,7 +3904,7 @@
               <p:cNvPr id="11" name="Connettore a gomito 10">
                 <a:extLst>
                   <a:ext uri="{FF2B5EF4-FFF2-40B4-BE49-F238E27FC236}">
-                    <a16:creationId xmlns:a16="http://schemas.microsoft.com/office/drawing/2014/main" xmlns="" id="{9854EFD6-7237-4631-96C6-A404B3134DDD}"/>
+                    <a16:creationId xmlns:a16="http://schemas.microsoft.com/office/drawing/2014/main" id="{9854EFD6-7237-4631-96C6-A404B3134DDD}"/>
                   </a:ext>
                 </a:extLst>
               </p:cNvPr>
@@ -3931,7 +3942,7 @@
               <p:cNvPr id="12" name="Connettore a gomito 11">
                 <a:extLst>
                   <a:ext uri="{FF2B5EF4-FFF2-40B4-BE49-F238E27FC236}">
-                    <a16:creationId xmlns:a16="http://schemas.microsoft.com/office/drawing/2014/main" xmlns="" id="{0FC0D5E8-CF47-4E2C-A6D3-6FA57FBA70D2}"/>
+                    <a16:creationId xmlns:a16="http://schemas.microsoft.com/office/drawing/2014/main" id="{0FC0D5E8-CF47-4E2C-A6D3-6FA57FBA70D2}"/>
                   </a:ext>
                 </a:extLst>
               </p:cNvPr>
@@ -3970,7 +3981,7 @@
             <p:cNvPr id="3" name="CasellaDiTesto 2">
               <a:extLst>
                 <a:ext uri="{FF2B5EF4-FFF2-40B4-BE49-F238E27FC236}">
-                  <a16:creationId xmlns:a16="http://schemas.microsoft.com/office/drawing/2014/main" xmlns="" id="{0B825DE2-D1D4-42E4-93F9-9CFA5781C95C}"/>
+                  <a16:creationId xmlns:a16="http://schemas.microsoft.com/office/drawing/2014/main" id="{0B825DE2-D1D4-42E4-93F9-9CFA5781C95C}"/>
                 </a:ext>
               </a:extLst>
             </p:cNvPr>
@@ -4036,7 +4047,7 @@
           <p:cNvPr id="14" name="Gruppo 13">
             <a:extLst>
               <a:ext uri="{FF2B5EF4-FFF2-40B4-BE49-F238E27FC236}">
-                <a16:creationId xmlns:a16="http://schemas.microsoft.com/office/drawing/2014/main" xmlns="" id="{8C8E628D-C84C-4C34-ABEC-E9AA72636F96}"/>
+                <a16:creationId xmlns:a16="http://schemas.microsoft.com/office/drawing/2014/main" id="{8C8E628D-C84C-4C34-ABEC-E9AA72636F96}"/>
               </a:ext>
             </a:extLst>
           </p:cNvPr>
@@ -4056,7 +4067,7 @@
             <p:cNvPr id="5" name="Connettore a gomito 4">
               <a:extLst>
                 <a:ext uri="{FF2B5EF4-FFF2-40B4-BE49-F238E27FC236}">
-                  <a16:creationId xmlns:a16="http://schemas.microsoft.com/office/drawing/2014/main" xmlns="" id="{20FECF45-9275-449A-B486-B1B63CDE7F38}"/>
+                  <a16:creationId xmlns:a16="http://schemas.microsoft.com/office/drawing/2014/main" id="{20FECF45-9275-449A-B486-B1B63CDE7F38}"/>
                 </a:ext>
               </a:extLst>
             </p:cNvPr>
@@ -4099,7 +4110,7 @@
             <p:cNvPr id="8" name="Connettore a gomito 7">
               <a:extLst>
                 <a:ext uri="{FF2B5EF4-FFF2-40B4-BE49-F238E27FC236}">
-                  <a16:creationId xmlns:a16="http://schemas.microsoft.com/office/drawing/2014/main" xmlns="" id="{4B278F0D-6231-4344-BA26-BDC44FD5D6E0}"/>
+                  <a16:creationId xmlns:a16="http://schemas.microsoft.com/office/drawing/2014/main" id="{4B278F0D-6231-4344-BA26-BDC44FD5D6E0}"/>
                 </a:ext>
               </a:extLst>
             </p:cNvPr>
@@ -4142,7 +4153,7 @@
             <p:cNvPr id="9" name="Connettore a gomito 8">
               <a:extLst>
                 <a:ext uri="{FF2B5EF4-FFF2-40B4-BE49-F238E27FC236}">
-                  <a16:creationId xmlns:a16="http://schemas.microsoft.com/office/drawing/2014/main" xmlns="" id="{0540759E-5E02-4E63-A918-494114C8F250}"/>
+                  <a16:creationId xmlns:a16="http://schemas.microsoft.com/office/drawing/2014/main" id="{0540759E-5E02-4E63-A918-494114C8F250}"/>
                 </a:ext>
               </a:extLst>
             </p:cNvPr>
@@ -4185,7 +4196,7 @@
             <p:cNvPr id="10" name="Connettore a gomito 9">
               <a:extLst>
                 <a:ext uri="{FF2B5EF4-FFF2-40B4-BE49-F238E27FC236}">
-                  <a16:creationId xmlns:a16="http://schemas.microsoft.com/office/drawing/2014/main" xmlns="" id="{D9C2FDAE-5C39-426E-85C2-B50B8E362272}"/>
+                  <a16:creationId xmlns:a16="http://schemas.microsoft.com/office/drawing/2014/main" id="{D9C2FDAE-5C39-426E-85C2-B50B8E362272}"/>
                 </a:ext>
               </a:extLst>
             </p:cNvPr>
@@ -4228,7 +4239,7 @@
             <p:cNvPr id="2" name="Gruppo 1">
               <a:extLst>
                 <a:ext uri="{FF2B5EF4-FFF2-40B4-BE49-F238E27FC236}">
-                  <a16:creationId xmlns:a16="http://schemas.microsoft.com/office/drawing/2014/main" xmlns="" id="{0F68B524-00ED-474B-942C-336352A5545A}"/>
+                  <a16:creationId xmlns:a16="http://schemas.microsoft.com/office/drawing/2014/main" id="{0F68B524-00ED-474B-942C-336352A5545A}"/>
                 </a:ext>
               </a:extLst>
             </p:cNvPr>
@@ -4248,7 +4259,7 @@
               <p:cNvPr id="6" name="Connettore a gomito 5">
                 <a:extLst>
                   <a:ext uri="{FF2B5EF4-FFF2-40B4-BE49-F238E27FC236}">
-                    <a16:creationId xmlns:a16="http://schemas.microsoft.com/office/drawing/2014/main" xmlns="" id="{9304BC83-0554-4484-BE6B-C63681ABEBE0}"/>
+                    <a16:creationId xmlns:a16="http://schemas.microsoft.com/office/drawing/2014/main" id="{9304BC83-0554-4484-BE6B-C63681ABEBE0}"/>
                   </a:ext>
                 </a:extLst>
               </p:cNvPr>
@@ -4286,7 +4297,7 @@
               <p:cNvPr id="7" name="Connettore a gomito 6">
                 <a:extLst>
                   <a:ext uri="{FF2B5EF4-FFF2-40B4-BE49-F238E27FC236}">
-                    <a16:creationId xmlns:a16="http://schemas.microsoft.com/office/drawing/2014/main" xmlns="" id="{69A6A12D-98A3-4876-9850-4DE88B9E30E0}"/>
+                    <a16:creationId xmlns:a16="http://schemas.microsoft.com/office/drawing/2014/main" id="{69A6A12D-98A3-4876-9850-4DE88B9E30E0}"/>
                   </a:ext>
                 </a:extLst>
               </p:cNvPr>
@@ -4329,7 +4340,7 @@
               <p:cNvPr id="11" name="Connettore a gomito 10">
                 <a:extLst>
                   <a:ext uri="{FF2B5EF4-FFF2-40B4-BE49-F238E27FC236}">
-                    <a16:creationId xmlns:a16="http://schemas.microsoft.com/office/drawing/2014/main" xmlns="" id="{9854EFD6-7237-4631-96C6-A404B3134DDD}"/>
+                    <a16:creationId xmlns:a16="http://schemas.microsoft.com/office/drawing/2014/main" id="{9854EFD6-7237-4631-96C6-A404B3134DDD}"/>
                   </a:ext>
                 </a:extLst>
               </p:cNvPr>
@@ -4372,7 +4383,7 @@
               <p:cNvPr id="12" name="Connettore a gomito 11">
                 <a:extLst>
                   <a:ext uri="{FF2B5EF4-FFF2-40B4-BE49-F238E27FC236}">
-                    <a16:creationId xmlns:a16="http://schemas.microsoft.com/office/drawing/2014/main" xmlns="" id="{0FC0D5E8-CF47-4E2C-A6D3-6FA57FBA70D2}"/>
+                    <a16:creationId xmlns:a16="http://schemas.microsoft.com/office/drawing/2014/main" id="{0FC0D5E8-CF47-4E2C-A6D3-6FA57FBA70D2}"/>
                   </a:ext>
                 </a:extLst>
               </p:cNvPr>
@@ -4416,7 +4427,7 @@
             <p:cNvPr id="3" name="CasellaDiTesto 2">
               <a:extLst>
                 <a:ext uri="{FF2B5EF4-FFF2-40B4-BE49-F238E27FC236}">
-                  <a16:creationId xmlns:a16="http://schemas.microsoft.com/office/drawing/2014/main" xmlns="" id="{0B825DE2-D1D4-42E4-93F9-9CFA5781C95C}"/>
+                  <a16:creationId xmlns:a16="http://schemas.microsoft.com/office/drawing/2014/main" id="{0B825DE2-D1D4-42E4-93F9-9CFA5781C95C}"/>
                 </a:ext>
               </a:extLst>
             </p:cNvPr>
@@ -4452,7 +4463,7 @@
           <p:cNvPr id="26" name="Gruppo 25">
             <a:extLst>
               <a:ext uri="{FF2B5EF4-FFF2-40B4-BE49-F238E27FC236}">
-                <a16:creationId xmlns:a16="http://schemas.microsoft.com/office/drawing/2014/main" xmlns="" id="{87474210-3F30-483D-8B7B-9111EED4B0FA}"/>
+                <a16:creationId xmlns:a16="http://schemas.microsoft.com/office/drawing/2014/main" id="{87474210-3F30-483D-8B7B-9111EED4B0FA}"/>
               </a:ext>
             </a:extLst>
           </p:cNvPr>
@@ -4472,7 +4483,7 @@
             <p:cNvPr id="16" name="Connettore a gomito 15">
               <a:extLst>
                 <a:ext uri="{FF2B5EF4-FFF2-40B4-BE49-F238E27FC236}">
-                  <a16:creationId xmlns:a16="http://schemas.microsoft.com/office/drawing/2014/main" xmlns="" id="{02420CA1-EE36-46A2-9C64-4FCCBC05BF21}"/>
+                  <a16:creationId xmlns:a16="http://schemas.microsoft.com/office/drawing/2014/main" id="{02420CA1-EE36-46A2-9C64-4FCCBC05BF21}"/>
                 </a:ext>
               </a:extLst>
             </p:cNvPr>
@@ -4515,7 +4526,7 @@
             <p:cNvPr id="17" name="Connettore a gomito 16">
               <a:extLst>
                 <a:ext uri="{FF2B5EF4-FFF2-40B4-BE49-F238E27FC236}">
-                  <a16:creationId xmlns:a16="http://schemas.microsoft.com/office/drawing/2014/main" xmlns="" id="{D08A67CB-7B98-4D2A-9EF8-CB7A0A3C7F2B}"/>
+                  <a16:creationId xmlns:a16="http://schemas.microsoft.com/office/drawing/2014/main" id="{D08A67CB-7B98-4D2A-9EF8-CB7A0A3C7F2B}"/>
                 </a:ext>
               </a:extLst>
             </p:cNvPr>
@@ -4558,7 +4569,7 @@
             <p:cNvPr id="18" name="Connettore a gomito 17">
               <a:extLst>
                 <a:ext uri="{FF2B5EF4-FFF2-40B4-BE49-F238E27FC236}">
-                  <a16:creationId xmlns:a16="http://schemas.microsoft.com/office/drawing/2014/main" xmlns="" id="{3019A14D-3770-41CB-8DD1-BE3978314BF0}"/>
+                  <a16:creationId xmlns:a16="http://schemas.microsoft.com/office/drawing/2014/main" id="{3019A14D-3770-41CB-8DD1-BE3978314BF0}"/>
                 </a:ext>
               </a:extLst>
             </p:cNvPr>
@@ -4601,7 +4612,7 @@
             <p:cNvPr id="19" name="Connettore a gomito 18">
               <a:extLst>
                 <a:ext uri="{FF2B5EF4-FFF2-40B4-BE49-F238E27FC236}">
-                  <a16:creationId xmlns:a16="http://schemas.microsoft.com/office/drawing/2014/main" xmlns="" id="{B627859E-0743-436B-9BC5-86FA33C7DC4A}"/>
+                  <a16:creationId xmlns:a16="http://schemas.microsoft.com/office/drawing/2014/main" id="{B627859E-0743-436B-9BC5-86FA33C7DC4A}"/>
                 </a:ext>
               </a:extLst>
             </p:cNvPr>
@@ -4644,7 +4655,7 @@
             <p:cNvPr id="20" name="Gruppo 19">
               <a:extLst>
                 <a:ext uri="{FF2B5EF4-FFF2-40B4-BE49-F238E27FC236}">
-                  <a16:creationId xmlns:a16="http://schemas.microsoft.com/office/drawing/2014/main" xmlns="" id="{C46443AD-CE0C-46DD-85DE-A8F174499F8D}"/>
+                  <a16:creationId xmlns:a16="http://schemas.microsoft.com/office/drawing/2014/main" id="{C46443AD-CE0C-46DD-85DE-A8F174499F8D}"/>
                 </a:ext>
               </a:extLst>
             </p:cNvPr>
@@ -4664,7 +4675,7 @@
               <p:cNvPr id="22" name="Connettore a gomito 21">
                 <a:extLst>
                   <a:ext uri="{FF2B5EF4-FFF2-40B4-BE49-F238E27FC236}">
-                    <a16:creationId xmlns:a16="http://schemas.microsoft.com/office/drawing/2014/main" xmlns="" id="{AD9E7CEC-7A32-41E4-BF29-AEB0B6B56364}"/>
+                    <a16:creationId xmlns:a16="http://schemas.microsoft.com/office/drawing/2014/main" id="{AD9E7CEC-7A32-41E4-BF29-AEB0B6B56364}"/>
                   </a:ext>
                 </a:extLst>
               </p:cNvPr>
@@ -4702,7 +4713,7 @@
               <p:cNvPr id="23" name="Connettore a gomito 22">
                 <a:extLst>
                   <a:ext uri="{FF2B5EF4-FFF2-40B4-BE49-F238E27FC236}">
-                    <a16:creationId xmlns:a16="http://schemas.microsoft.com/office/drawing/2014/main" xmlns="" id="{8CE1A063-1976-40A0-B79B-0D7B1C71D81A}"/>
+                    <a16:creationId xmlns:a16="http://schemas.microsoft.com/office/drawing/2014/main" id="{8CE1A063-1976-40A0-B79B-0D7B1C71D81A}"/>
                   </a:ext>
                 </a:extLst>
               </p:cNvPr>
@@ -4745,7 +4756,7 @@
               <p:cNvPr id="24" name="Connettore a gomito 23">
                 <a:extLst>
                   <a:ext uri="{FF2B5EF4-FFF2-40B4-BE49-F238E27FC236}">
-                    <a16:creationId xmlns:a16="http://schemas.microsoft.com/office/drawing/2014/main" xmlns="" id="{AB1B7D72-0010-4EDC-A667-1036A1E41C74}"/>
+                    <a16:creationId xmlns:a16="http://schemas.microsoft.com/office/drawing/2014/main" id="{AB1B7D72-0010-4EDC-A667-1036A1E41C74}"/>
                   </a:ext>
                 </a:extLst>
               </p:cNvPr>
@@ -4788,7 +4799,7 @@
               <p:cNvPr id="25" name="Connettore a gomito 24">
                 <a:extLst>
                   <a:ext uri="{FF2B5EF4-FFF2-40B4-BE49-F238E27FC236}">
-                    <a16:creationId xmlns:a16="http://schemas.microsoft.com/office/drawing/2014/main" xmlns="" id="{4B1FCC50-D0B0-4E50-9D9F-9B1C5556D776}"/>
+                    <a16:creationId xmlns:a16="http://schemas.microsoft.com/office/drawing/2014/main" id="{4B1FCC50-D0B0-4E50-9D9F-9B1C5556D776}"/>
                   </a:ext>
                 </a:extLst>
               </p:cNvPr>
@@ -4832,7 +4843,7 @@
             <p:cNvPr id="21" name="CasellaDiTesto 20">
               <a:extLst>
                 <a:ext uri="{FF2B5EF4-FFF2-40B4-BE49-F238E27FC236}">
-                  <a16:creationId xmlns:a16="http://schemas.microsoft.com/office/drawing/2014/main" xmlns="" id="{9ABEE8A1-067D-4905-B2D4-F209D2623F87}"/>
+                  <a16:creationId xmlns:a16="http://schemas.microsoft.com/office/drawing/2014/main" id="{9ABEE8A1-067D-4905-B2D4-F209D2623F87}"/>
                 </a:ext>
               </a:extLst>
             </p:cNvPr>
@@ -4898,7 +4909,7 @@
           <p:cNvPr id="4" name="Gruppo 3">
             <a:extLst>
               <a:ext uri="{FF2B5EF4-FFF2-40B4-BE49-F238E27FC236}">
-                <a16:creationId xmlns:a16="http://schemas.microsoft.com/office/drawing/2014/main" xmlns="" id="{8B3338D5-7D89-494C-8291-973DB295F977}"/>
+                <a16:creationId xmlns:a16="http://schemas.microsoft.com/office/drawing/2014/main" id="{8B3338D5-7D89-494C-8291-973DB295F977}"/>
               </a:ext>
             </a:extLst>
           </p:cNvPr>
@@ -4918,7 +4929,7 @@
             <p:cNvPr id="5" name="Connettore a gomito 4">
               <a:extLst>
                 <a:ext uri="{FF2B5EF4-FFF2-40B4-BE49-F238E27FC236}">
-                  <a16:creationId xmlns:a16="http://schemas.microsoft.com/office/drawing/2014/main" xmlns="" id="{20FECF45-9275-449A-B486-B1B63CDE7F38}"/>
+                  <a16:creationId xmlns:a16="http://schemas.microsoft.com/office/drawing/2014/main" id="{20FECF45-9275-449A-B486-B1B63CDE7F38}"/>
                 </a:ext>
               </a:extLst>
             </p:cNvPr>
@@ -4957,7 +4968,7 @@
             <p:cNvPr id="8" name="Connettore a gomito 7">
               <a:extLst>
                 <a:ext uri="{FF2B5EF4-FFF2-40B4-BE49-F238E27FC236}">
-                  <a16:creationId xmlns:a16="http://schemas.microsoft.com/office/drawing/2014/main" xmlns="" id="{4B278F0D-6231-4344-BA26-BDC44FD5D6E0}"/>
+                  <a16:creationId xmlns:a16="http://schemas.microsoft.com/office/drawing/2014/main" id="{4B278F0D-6231-4344-BA26-BDC44FD5D6E0}"/>
                 </a:ext>
               </a:extLst>
             </p:cNvPr>
@@ -4996,7 +5007,7 @@
             <p:cNvPr id="9" name="Connettore a gomito 8">
               <a:extLst>
                 <a:ext uri="{FF2B5EF4-FFF2-40B4-BE49-F238E27FC236}">
-                  <a16:creationId xmlns:a16="http://schemas.microsoft.com/office/drawing/2014/main" xmlns="" id="{0540759E-5E02-4E63-A918-494114C8F250}"/>
+                  <a16:creationId xmlns:a16="http://schemas.microsoft.com/office/drawing/2014/main" id="{0540759E-5E02-4E63-A918-494114C8F250}"/>
                 </a:ext>
               </a:extLst>
             </p:cNvPr>
@@ -5035,7 +5046,7 @@
             <p:cNvPr id="10" name="Connettore a gomito 9">
               <a:extLst>
                 <a:ext uri="{FF2B5EF4-FFF2-40B4-BE49-F238E27FC236}">
-                  <a16:creationId xmlns:a16="http://schemas.microsoft.com/office/drawing/2014/main" xmlns="" id="{D9C2FDAE-5C39-426E-85C2-B50B8E362272}"/>
+                  <a16:creationId xmlns:a16="http://schemas.microsoft.com/office/drawing/2014/main" id="{D9C2FDAE-5C39-426E-85C2-B50B8E362272}"/>
                 </a:ext>
               </a:extLst>
             </p:cNvPr>
@@ -5074,7 +5085,7 @@
             <p:cNvPr id="2" name="Gruppo 1">
               <a:extLst>
                 <a:ext uri="{FF2B5EF4-FFF2-40B4-BE49-F238E27FC236}">
-                  <a16:creationId xmlns:a16="http://schemas.microsoft.com/office/drawing/2014/main" xmlns="" id="{0F68B524-00ED-474B-942C-336352A5545A}"/>
+                  <a16:creationId xmlns:a16="http://schemas.microsoft.com/office/drawing/2014/main" id="{0F68B524-00ED-474B-942C-336352A5545A}"/>
                 </a:ext>
               </a:extLst>
             </p:cNvPr>
@@ -5094,7 +5105,7 @@
               <p:cNvPr id="6" name="Connettore a gomito 5">
                 <a:extLst>
                   <a:ext uri="{FF2B5EF4-FFF2-40B4-BE49-F238E27FC236}">
-                    <a16:creationId xmlns:a16="http://schemas.microsoft.com/office/drawing/2014/main" xmlns="" id="{9304BC83-0554-4484-BE6B-C63681ABEBE0}"/>
+                    <a16:creationId xmlns:a16="http://schemas.microsoft.com/office/drawing/2014/main" id="{9304BC83-0554-4484-BE6B-C63681ABEBE0}"/>
                   </a:ext>
                 </a:extLst>
               </p:cNvPr>
@@ -5133,7 +5144,7 @@
               <p:cNvPr id="7" name="Connettore a gomito 6">
                 <a:extLst>
                   <a:ext uri="{FF2B5EF4-FFF2-40B4-BE49-F238E27FC236}">
-                    <a16:creationId xmlns:a16="http://schemas.microsoft.com/office/drawing/2014/main" xmlns="" id="{69A6A12D-98A3-4876-9850-4DE88B9E30E0}"/>
+                    <a16:creationId xmlns:a16="http://schemas.microsoft.com/office/drawing/2014/main" id="{69A6A12D-98A3-4876-9850-4DE88B9E30E0}"/>
                   </a:ext>
                 </a:extLst>
               </p:cNvPr>
@@ -5172,7 +5183,7 @@
               <p:cNvPr id="11" name="Connettore a gomito 10">
                 <a:extLst>
                   <a:ext uri="{FF2B5EF4-FFF2-40B4-BE49-F238E27FC236}">
-                    <a16:creationId xmlns:a16="http://schemas.microsoft.com/office/drawing/2014/main" xmlns="" id="{9854EFD6-7237-4631-96C6-A404B3134DDD}"/>
+                    <a16:creationId xmlns:a16="http://schemas.microsoft.com/office/drawing/2014/main" id="{9854EFD6-7237-4631-96C6-A404B3134DDD}"/>
                   </a:ext>
                 </a:extLst>
               </p:cNvPr>
@@ -5211,7 +5222,7 @@
               <p:cNvPr id="12" name="Connettore a gomito 11">
                 <a:extLst>
                   <a:ext uri="{FF2B5EF4-FFF2-40B4-BE49-F238E27FC236}">
-                    <a16:creationId xmlns:a16="http://schemas.microsoft.com/office/drawing/2014/main" xmlns="" id="{0FC0D5E8-CF47-4E2C-A6D3-6FA57FBA70D2}"/>
+                    <a16:creationId xmlns:a16="http://schemas.microsoft.com/office/drawing/2014/main" id="{0FC0D5E8-CF47-4E2C-A6D3-6FA57FBA70D2}"/>
                   </a:ext>
                 </a:extLst>
               </p:cNvPr>
@@ -5251,7 +5262,7 @@
             <p:cNvPr id="27" name="Connettore a gomito 26">
               <a:extLst>
                 <a:ext uri="{FF2B5EF4-FFF2-40B4-BE49-F238E27FC236}">
-                  <a16:creationId xmlns:a16="http://schemas.microsoft.com/office/drawing/2014/main" xmlns="" id="{921A70E2-821B-4405-8A9E-B1E8C3C89551}"/>
+                  <a16:creationId xmlns:a16="http://schemas.microsoft.com/office/drawing/2014/main" id="{921A70E2-821B-4405-8A9E-B1E8C3C89551}"/>
                 </a:ext>
               </a:extLst>
             </p:cNvPr>
@@ -5290,7 +5301,7 @@
             <p:cNvPr id="28" name="Connettore a gomito 27">
               <a:extLst>
                 <a:ext uri="{FF2B5EF4-FFF2-40B4-BE49-F238E27FC236}">
-                  <a16:creationId xmlns:a16="http://schemas.microsoft.com/office/drawing/2014/main" xmlns="" id="{D4794B60-766C-4E2C-8F65-5A1E5A41C366}"/>
+                  <a16:creationId xmlns:a16="http://schemas.microsoft.com/office/drawing/2014/main" id="{D4794B60-766C-4E2C-8F65-5A1E5A41C366}"/>
                 </a:ext>
               </a:extLst>
             </p:cNvPr>
@@ -5329,7 +5340,7 @@
             <p:cNvPr id="29" name="Connettore a gomito 28">
               <a:extLst>
                 <a:ext uri="{FF2B5EF4-FFF2-40B4-BE49-F238E27FC236}">
-                  <a16:creationId xmlns:a16="http://schemas.microsoft.com/office/drawing/2014/main" xmlns="" id="{1BA6A687-3669-4878-B898-163D0CBBB438}"/>
+                  <a16:creationId xmlns:a16="http://schemas.microsoft.com/office/drawing/2014/main" id="{1BA6A687-3669-4878-B898-163D0CBBB438}"/>
                 </a:ext>
               </a:extLst>
             </p:cNvPr>
@@ -5368,7 +5379,7 @@
             <p:cNvPr id="30" name="Connettore a gomito 29">
               <a:extLst>
                 <a:ext uri="{FF2B5EF4-FFF2-40B4-BE49-F238E27FC236}">
-                  <a16:creationId xmlns:a16="http://schemas.microsoft.com/office/drawing/2014/main" xmlns="" id="{5C08838B-8CC0-44B1-93DB-0A29CAF080E6}"/>
+                  <a16:creationId xmlns:a16="http://schemas.microsoft.com/office/drawing/2014/main" id="{5C08838B-8CC0-44B1-93DB-0A29CAF080E6}"/>
                 </a:ext>
               </a:extLst>
             </p:cNvPr>
@@ -5407,7 +5418,7 @@
             <p:cNvPr id="31" name="Connettore a gomito 30">
               <a:extLst>
                 <a:ext uri="{FF2B5EF4-FFF2-40B4-BE49-F238E27FC236}">
-                  <a16:creationId xmlns:a16="http://schemas.microsoft.com/office/drawing/2014/main" xmlns="" id="{153F16B3-0B62-471B-A076-734FB3354CFC}"/>
+                  <a16:creationId xmlns:a16="http://schemas.microsoft.com/office/drawing/2014/main" id="{153F16B3-0B62-471B-A076-734FB3354CFC}"/>
                 </a:ext>
               </a:extLst>
             </p:cNvPr>
@@ -5447,7 +5458,7 @@
           <p:cNvPr id="33" name="Gruppo 32">
             <a:extLst>
               <a:ext uri="{FF2B5EF4-FFF2-40B4-BE49-F238E27FC236}">
-                <a16:creationId xmlns:a16="http://schemas.microsoft.com/office/drawing/2014/main" xmlns="" id="{E56CC520-F3FE-4098-9DD6-9DB3D14A6B8C}"/>
+                <a16:creationId xmlns:a16="http://schemas.microsoft.com/office/drawing/2014/main" id="{E56CC520-F3FE-4098-9DD6-9DB3D14A6B8C}"/>
               </a:ext>
             </a:extLst>
           </p:cNvPr>
@@ -5467,7 +5478,7 @@
             <p:cNvPr id="34" name="Connettore a gomito 33">
               <a:extLst>
                 <a:ext uri="{FF2B5EF4-FFF2-40B4-BE49-F238E27FC236}">
-                  <a16:creationId xmlns:a16="http://schemas.microsoft.com/office/drawing/2014/main" xmlns="" id="{B7ECE95D-44BC-42CE-8244-5EA50F510B8B}"/>
+                  <a16:creationId xmlns:a16="http://schemas.microsoft.com/office/drawing/2014/main" id="{B7ECE95D-44BC-42CE-8244-5EA50F510B8B}"/>
                 </a:ext>
               </a:extLst>
             </p:cNvPr>
@@ -5506,7 +5517,7 @@
             <p:cNvPr id="35" name="Connettore a gomito 34">
               <a:extLst>
                 <a:ext uri="{FF2B5EF4-FFF2-40B4-BE49-F238E27FC236}">
-                  <a16:creationId xmlns:a16="http://schemas.microsoft.com/office/drawing/2014/main" xmlns="" id="{A85A6D13-4089-4B48-9C29-0E8664D1F27C}"/>
+                  <a16:creationId xmlns:a16="http://schemas.microsoft.com/office/drawing/2014/main" id="{A85A6D13-4089-4B48-9C29-0E8664D1F27C}"/>
                 </a:ext>
               </a:extLst>
             </p:cNvPr>
@@ -5545,7 +5556,7 @@
             <p:cNvPr id="36" name="Connettore a gomito 35">
               <a:extLst>
                 <a:ext uri="{FF2B5EF4-FFF2-40B4-BE49-F238E27FC236}">
-                  <a16:creationId xmlns:a16="http://schemas.microsoft.com/office/drawing/2014/main" xmlns="" id="{853777AF-2FFD-4343-8A80-ED6F9BC5F6EE}"/>
+                  <a16:creationId xmlns:a16="http://schemas.microsoft.com/office/drawing/2014/main" id="{853777AF-2FFD-4343-8A80-ED6F9BC5F6EE}"/>
                 </a:ext>
               </a:extLst>
             </p:cNvPr>
@@ -5584,7 +5595,7 @@
             <p:cNvPr id="37" name="Connettore a gomito 36">
               <a:extLst>
                 <a:ext uri="{FF2B5EF4-FFF2-40B4-BE49-F238E27FC236}">
-                  <a16:creationId xmlns:a16="http://schemas.microsoft.com/office/drawing/2014/main" xmlns="" id="{7BC25D10-CF3B-4506-9DCB-FDD2891E81B7}"/>
+                  <a16:creationId xmlns:a16="http://schemas.microsoft.com/office/drawing/2014/main" id="{7BC25D10-CF3B-4506-9DCB-FDD2891E81B7}"/>
                 </a:ext>
               </a:extLst>
             </p:cNvPr>
@@ -5623,7 +5634,7 @@
             <p:cNvPr id="38" name="Gruppo 37">
               <a:extLst>
                 <a:ext uri="{FF2B5EF4-FFF2-40B4-BE49-F238E27FC236}">
-                  <a16:creationId xmlns:a16="http://schemas.microsoft.com/office/drawing/2014/main" xmlns="" id="{9B1DAB63-47B4-4032-B1E3-6B90F1DE1F06}"/>
+                  <a16:creationId xmlns:a16="http://schemas.microsoft.com/office/drawing/2014/main" id="{9B1DAB63-47B4-4032-B1E3-6B90F1DE1F06}"/>
                 </a:ext>
               </a:extLst>
             </p:cNvPr>
@@ -5643,7 +5654,7 @@
               <p:cNvPr id="44" name="Connettore a gomito 43">
                 <a:extLst>
                   <a:ext uri="{FF2B5EF4-FFF2-40B4-BE49-F238E27FC236}">
-                    <a16:creationId xmlns:a16="http://schemas.microsoft.com/office/drawing/2014/main" xmlns="" id="{AE9BF937-AAC2-4222-9904-7B95E08A04EA}"/>
+                    <a16:creationId xmlns:a16="http://schemas.microsoft.com/office/drawing/2014/main" id="{AE9BF937-AAC2-4222-9904-7B95E08A04EA}"/>
                   </a:ext>
                 </a:extLst>
               </p:cNvPr>
@@ -5682,7 +5693,7 @@
               <p:cNvPr id="45" name="Connettore a gomito 44">
                 <a:extLst>
                   <a:ext uri="{FF2B5EF4-FFF2-40B4-BE49-F238E27FC236}">
-                    <a16:creationId xmlns:a16="http://schemas.microsoft.com/office/drawing/2014/main" xmlns="" id="{E89684F8-74DC-484D-9CC2-255A2940BB13}"/>
+                    <a16:creationId xmlns:a16="http://schemas.microsoft.com/office/drawing/2014/main" id="{E89684F8-74DC-484D-9CC2-255A2940BB13}"/>
                   </a:ext>
                 </a:extLst>
               </p:cNvPr>
@@ -5721,7 +5732,7 @@
               <p:cNvPr id="46" name="Connettore a gomito 45">
                 <a:extLst>
                   <a:ext uri="{FF2B5EF4-FFF2-40B4-BE49-F238E27FC236}">
-                    <a16:creationId xmlns:a16="http://schemas.microsoft.com/office/drawing/2014/main" xmlns="" id="{BA82B27C-BED4-400B-81C6-8DC4E3C88F1B}"/>
+                    <a16:creationId xmlns:a16="http://schemas.microsoft.com/office/drawing/2014/main" id="{BA82B27C-BED4-400B-81C6-8DC4E3C88F1B}"/>
                   </a:ext>
                 </a:extLst>
               </p:cNvPr>
@@ -5760,7 +5771,7 @@
               <p:cNvPr id="47" name="Connettore a gomito 46">
                 <a:extLst>
                   <a:ext uri="{FF2B5EF4-FFF2-40B4-BE49-F238E27FC236}">
-                    <a16:creationId xmlns:a16="http://schemas.microsoft.com/office/drawing/2014/main" xmlns="" id="{27D45DC8-92C3-49FF-B433-CC8EF7BC60C5}"/>
+                    <a16:creationId xmlns:a16="http://schemas.microsoft.com/office/drawing/2014/main" id="{27D45DC8-92C3-49FF-B433-CC8EF7BC60C5}"/>
                   </a:ext>
                 </a:extLst>
               </p:cNvPr>
@@ -5800,7 +5811,7 @@
             <p:cNvPr id="39" name="Connettore a gomito 38">
               <a:extLst>
                 <a:ext uri="{FF2B5EF4-FFF2-40B4-BE49-F238E27FC236}">
-                  <a16:creationId xmlns:a16="http://schemas.microsoft.com/office/drawing/2014/main" xmlns="" id="{1EE7206F-53B7-415C-9197-F77B6E3B532B}"/>
+                  <a16:creationId xmlns:a16="http://schemas.microsoft.com/office/drawing/2014/main" id="{1EE7206F-53B7-415C-9197-F77B6E3B532B}"/>
                 </a:ext>
               </a:extLst>
             </p:cNvPr>
@@ -5839,7 +5850,7 @@
             <p:cNvPr id="40" name="Connettore a gomito 39">
               <a:extLst>
                 <a:ext uri="{FF2B5EF4-FFF2-40B4-BE49-F238E27FC236}">
-                  <a16:creationId xmlns:a16="http://schemas.microsoft.com/office/drawing/2014/main" xmlns="" id="{0D8B764B-F79A-46E2-BA89-27A6102CBADD}"/>
+                  <a16:creationId xmlns:a16="http://schemas.microsoft.com/office/drawing/2014/main" id="{0D8B764B-F79A-46E2-BA89-27A6102CBADD}"/>
                 </a:ext>
               </a:extLst>
             </p:cNvPr>
@@ -5878,7 +5889,7 @@
             <p:cNvPr id="41" name="Connettore a gomito 40">
               <a:extLst>
                 <a:ext uri="{FF2B5EF4-FFF2-40B4-BE49-F238E27FC236}">
-                  <a16:creationId xmlns:a16="http://schemas.microsoft.com/office/drawing/2014/main" xmlns="" id="{7BF935AE-18BF-41EF-A65B-45BEAD56EB5C}"/>
+                  <a16:creationId xmlns:a16="http://schemas.microsoft.com/office/drawing/2014/main" id="{7BF935AE-18BF-41EF-A65B-45BEAD56EB5C}"/>
                 </a:ext>
               </a:extLst>
             </p:cNvPr>
@@ -5917,7 +5928,7 @@
             <p:cNvPr id="42" name="Connettore a gomito 41">
               <a:extLst>
                 <a:ext uri="{FF2B5EF4-FFF2-40B4-BE49-F238E27FC236}">
-                  <a16:creationId xmlns:a16="http://schemas.microsoft.com/office/drawing/2014/main" xmlns="" id="{E3782B7D-3494-4154-95A3-F88E89063349}"/>
+                  <a16:creationId xmlns:a16="http://schemas.microsoft.com/office/drawing/2014/main" id="{E3782B7D-3494-4154-95A3-F88E89063349}"/>
                 </a:ext>
               </a:extLst>
             </p:cNvPr>
@@ -5956,7 +5967,7 @@
             <p:cNvPr id="43" name="Connettore a gomito 42">
               <a:extLst>
                 <a:ext uri="{FF2B5EF4-FFF2-40B4-BE49-F238E27FC236}">
-                  <a16:creationId xmlns:a16="http://schemas.microsoft.com/office/drawing/2014/main" xmlns="" id="{CBB26C3B-5243-43F0-BDBA-3F5D0012E344}"/>
+                  <a16:creationId xmlns:a16="http://schemas.microsoft.com/office/drawing/2014/main" id="{CBB26C3B-5243-43F0-BDBA-3F5D0012E344}"/>
                 </a:ext>
               </a:extLst>
             </p:cNvPr>
@@ -5996,7 +6007,7 @@
           <p:cNvPr id="48" name="Gruppo 47">
             <a:extLst>
               <a:ext uri="{FF2B5EF4-FFF2-40B4-BE49-F238E27FC236}">
-                <a16:creationId xmlns:a16="http://schemas.microsoft.com/office/drawing/2014/main" xmlns="" id="{4ACE0472-5A42-476D-B1D3-A7269FAA6EF5}"/>
+                <a16:creationId xmlns:a16="http://schemas.microsoft.com/office/drawing/2014/main" id="{4ACE0472-5A42-476D-B1D3-A7269FAA6EF5}"/>
               </a:ext>
             </a:extLst>
           </p:cNvPr>
@@ -6016,7 +6027,7 @@
             <p:cNvPr id="49" name="Connettore a gomito 48">
               <a:extLst>
                 <a:ext uri="{FF2B5EF4-FFF2-40B4-BE49-F238E27FC236}">
-                  <a16:creationId xmlns:a16="http://schemas.microsoft.com/office/drawing/2014/main" xmlns="" id="{AAA5EB97-2586-41DC-A142-B69499FA3BE8}"/>
+                  <a16:creationId xmlns:a16="http://schemas.microsoft.com/office/drawing/2014/main" id="{AAA5EB97-2586-41DC-A142-B69499FA3BE8}"/>
                 </a:ext>
               </a:extLst>
             </p:cNvPr>
@@ -6055,7 +6066,7 @@
             <p:cNvPr id="50" name="Connettore a gomito 49">
               <a:extLst>
                 <a:ext uri="{FF2B5EF4-FFF2-40B4-BE49-F238E27FC236}">
-                  <a16:creationId xmlns:a16="http://schemas.microsoft.com/office/drawing/2014/main" xmlns="" id="{F0377437-76C0-4FBC-BA9A-94B30CF5BFE0}"/>
+                  <a16:creationId xmlns:a16="http://schemas.microsoft.com/office/drawing/2014/main" id="{F0377437-76C0-4FBC-BA9A-94B30CF5BFE0}"/>
                 </a:ext>
               </a:extLst>
             </p:cNvPr>
@@ -6094,7 +6105,7 @@
             <p:cNvPr id="51" name="Connettore a gomito 50">
               <a:extLst>
                 <a:ext uri="{FF2B5EF4-FFF2-40B4-BE49-F238E27FC236}">
-                  <a16:creationId xmlns:a16="http://schemas.microsoft.com/office/drawing/2014/main" xmlns="" id="{A561BE9B-B05B-427B-AE8C-DB671FB57B6A}"/>
+                  <a16:creationId xmlns:a16="http://schemas.microsoft.com/office/drawing/2014/main" id="{A561BE9B-B05B-427B-AE8C-DB671FB57B6A}"/>
                 </a:ext>
               </a:extLst>
             </p:cNvPr>
@@ -6133,7 +6144,7 @@
             <p:cNvPr id="52" name="Connettore a gomito 51">
               <a:extLst>
                 <a:ext uri="{FF2B5EF4-FFF2-40B4-BE49-F238E27FC236}">
-                  <a16:creationId xmlns:a16="http://schemas.microsoft.com/office/drawing/2014/main" xmlns="" id="{CCED8DAA-7523-4AE6-95F3-036776E72F5B}"/>
+                  <a16:creationId xmlns:a16="http://schemas.microsoft.com/office/drawing/2014/main" id="{CCED8DAA-7523-4AE6-95F3-036776E72F5B}"/>
                 </a:ext>
               </a:extLst>
             </p:cNvPr>
@@ -6172,7 +6183,7 @@
             <p:cNvPr id="53" name="Gruppo 52">
               <a:extLst>
                 <a:ext uri="{FF2B5EF4-FFF2-40B4-BE49-F238E27FC236}">
-                  <a16:creationId xmlns:a16="http://schemas.microsoft.com/office/drawing/2014/main" xmlns="" id="{0EFA298B-942A-4644-9C22-6E88F614030E}"/>
+                  <a16:creationId xmlns:a16="http://schemas.microsoft.com/office/drawing/2014/main" id="{0EFA298B-942A-4644-9C22-6E88F614030E}"/>
                 </a:ext>
               </a:extLst>
             </p:cNvPr>
@@ -6192,7 +6203,7 @@
               <p:cNvPr id="59" name="Connettore a gomito 58">
                 <a:extLst>
                   <a:ext uri="{FF2B5EF4-FFF2-40B4-BE49-F238E27FC236}">
-                    <a16:creationId xmlns:a16="http://schemas.microsoft.com/office/drawing/2014/main" xmlns="" id="{909FED97-FA01-4489-96D4-86A88175B027}"/>
+                    <a16:creationId xmlns:a16="http://schemas.microsoft.com/office/drawing/2014/main" id="{909FED97-FA01-4489-96D4-86A88175B027}"/>
                   </a:ext>
                 </a:extLst>
               </p:cNvPr>
@@ -6231,7 +6242,7 @@
               <p:cNvPr id="60" name="Connettore a gomito 59">
                 <a:extLst>
                   <a:ext uri="{FF2B5EF4-FFF2-40B4-BE49-F238E27FC236}">
-                    <a16:creationId xmlns:a16="http://schemas.microsoft.com/office/drawing/2014/main" xmlns="" id="{34E7A6CD-01C8-4D5F-A131-89745DC1E703}"/>
+                    <a16:creationId xmlns:a16="http://schemas.microsoft.com/office/drawing/2014/main" id="{34E7A6CD-01C8-4D5F-A131-89745DC1E703}"/>
                   </a:ext>
                 </a:extLst>
               </p:cNvPr>
@@ -6270,7 +6281,7 @@
               <p:cNvPr id="61" name="Connettore a gomito 60">
                 <a:extLst>
                   <a:ext uri="{FF2B5EF4-FFF2-40B4-BE49-F238E27FC236}">
-                    <a16:creationId xmlns:a16="http://schemas.microsoft.com/office/drawing/2014/main" xmlns="" id="{B6045CE7-C98E-4F08-97A6-538C74E9980A}"/>
+                    <a16:creationId xmlns:a16="http://schemas.microsoft.com/office/drawing/2014/main" id="{B6045CE7-C98E-4F08-97A6-538C74E9980A}"/>
                   </a:ext>
                 </a:extLst>
               </p:cNvPr>
@@ -6309,7 +6320,7 @@
               <p:cNvPr id="62" name="Connettore a gomito 61">
                 <a:extLst>
                   <a:ext uri="{FF2B5EF4-FFF2-40B4-BE49-F238E27FC236}">
-                    <a16:creationId xmlns:a16="http://schemas.microsoft.com/office/drawing/2014/main" xmlns="" id="{7D1EB34B-8080-4213-A19B-7565AE6490F5}"/>
+                    <a16:creationId xmlns:a16="http://schemas.microsoft.com/office/drawing/2014/main" id="{7D1EB34B-8080-4213-A19B-7565AE6490F5}"/>
                   </a:ext>
                 </a:extLst>
               </p:cNvPr>
@@ -6349,7 +6360,7 @@
             <p:cNvPr id="54" name="Connettore a gomito 53">
               <a:extLst>
                 <a:ext uri="{FF2B5EF4-FFF2-40B4-BE49-F238E27FC236}">
-                  <a16:creationId xmlns:a16="http://schemas.microsoft.com/office/drawing/2014/main" xmlns="" id="{60F5EBEC-9EA4-41FA-8BAA-6A4D5324C77A}"/>
+                  <a16:creationId xmlns:a16="http://schemas.microsoft.com/office/drawing/2014/main" id="{60F5EBEC-9EA4-41FA-8BAA-6A4D5324C77A}"/>
                 </a:ext>
               </a:extLst>
             </p:cNvPr>
@@ -6388,7 +6399,7 @@
             <p:cNvPr id="55" name="Connettore a gomito 54">
               <a:extLst>
                 <a:ext uri="{FF2B5EF4-FFF2-40B4-BE49-F238E27FC236}">
-                  <a16:creationId xmlns:a16="http://schemas.microsoft.com/office/drawing/2014/main" xmlns="" id="{96918257-E01D-4004-950E-C75D4EB5C079}"/>
+                  <a16:creationId xmlns:a16="http://schemas.microsoft.com/office/drawing/2014/main" id="{96918257-E01D-4004-950E-C75D4EB5C079}"/>
                 </a:ext>
               </a:extLst>
             </p:cNvPr>
@@ -6427,7 +6438,7 @@
             <p:cNvPr id="56" name="Connettore a gomito 55">
               <a:extLst>
                 <a:ext uri="{FF2B5EF4-FFF2-40B4-BE49-F238E27FC236}">
-                  <a16:creationId xmlns:a16="http://schemas.microsoft.com/office/drawing/2014/main" xmlns="" id="{66246318-229C-4634-82BB-9E1AE168D0C8}"/>
+                  <a16:creationId xmlns:a16="http://schemas.microsoft.com/office/drawing/2014/main" id="{66246318-229C-4634-82BB-9E1AE168D0C8}"/>
                 </a:ext>
               </a:extLst>
             </p:cNvPr>
@@ -6466,7 +6477,7 @@
             <p:cNvPr id="57" name="Connettore a gomito 56">
               <a:extLst>
                 <a:ext uri="{FF2B5EF4-FFF2-40B4-BE49-F238E27FC236}">
-                  <a16:creationId xmlns:a16="http://schemas.microsoft.com/office/drawing/2014/main" xmlns="" id="{6ADEE5F7-6BDE-417D-BA4B-3BF1098D30F4}"/>
+                  <a16:creationId xmlns:a16="http://schemas.microsoft.com/office/drawing/2014/main" id="{6ADEE5F7-6BDE-417D-BA4B-3BF1098D30F4}"/>
                 </a:ext>
               </a:extLst>
             </p:cNvPr>
@@ -6505,7 +6516,7 @@
             <p:cNvPr id="58" name="Connettore a gomito 57">
               <a:extLst>
                 <a:ext uri="{FF2B5EF4-FFF2-40B4-BE49-F238E27FC236}">
-                  <a16:creationId xmlns:a16="http://schemas.microsoft.com/office/drawing/2014/main" xmlns="" id="{E71EA51C-DCEB-49F7-91EB-2DAE41C66C04}"/>
+                  <a16:creationId xmlns:a16="http://schemas.microsoft.com/office/drawing/2014/main" id="{E71EA51C-DCEB-49F7-91EB-2DAE41C66C04}"/>
                 </a:ext>
               </a:extLst>
             </p:cNvPr>
@@ -6618,7 +6629,7 @@
           <p:cNvPr id="14" name="Gruppo 13">
             <a:extLst>
               <a:ext uri="{FF2B5EF4-FFF2-40B4-BE49-F238E27FC236}">
-                <a16:creationId xmlns:a16="http://schemas.microsoft.com/office/drawing/2014/main" xmlns="" id="{3628F878-669B-4355-BBAB-9A619970C509}"/>
+                <a16:creationId xmlns:a16="http://schemas.microsoft.com/office/drawing/2014/main" id="{3628F878-669B-4355-BBAB-9A619970C509}"/>
               </a:ext>
             </a:extLst>
           </p:cNvPr>
@@ -6647,7 +6658,7 @@
             <p:cNvPr id="3" name="Rettangolo ad angolo ripiegato 2">
               <a:extLst>
                 <a:ext uri="{FF2B5EF4-FFF2-40B4-BE49-F238E27FC236}">
-                  <a16:creationId xmlns:a16="http://schemas.microsoft.com/office/drawing/2014/main" xmlns="" id="{88579C6A-963D-4B58-B24E-7D5DBA4F91FB}"/>
+                  <a16:creationId xmlns:a16="http://schemas.microsoft.com/office/drawing/2014/main" id="{88579C6A-963D-4B58-B24E-7D5DBA4F91FB}"/>
                 </a:ext>
               </a:extLst>
             </p:cNvPr>
@@ -6696,7 +6707,7 @@
             <p:cNvPr id="4" name="Gruppo 3">
               <a:extLst>
                 <a:ext uri="{FF2B5EF4-FFF2-40B4-BE49-F238E27FC236}">
-                  <a16:creationId xmlns:a16="http://schemas.microsoft.com/office/drawing/2014/main" xmlns="" id="{8B3338D5-7D89-494C-8291-973DB295F977}"/>
+                  <a16:creationId xmlns:a16="http://schemas.microsoft.com/office/drawing/2014/main" id="{8B3338D5-7D89-494C-8291-973DB295F977}"/>
                 </a:ext>
               </a:extLst>
             </p:cNvPr>
@@ -6716,7 +6727,7 @@
               <p:cNvPr id="5" name="Connettore a gomito 4">
                 <a:extLst>
                   <a:ext uri="{FF2B5EF4-FFF2-40B4-BE49-F238E27FC236}">
-                    <a16:creationId xmlns:a16="http://schemas.microsoft.com/office/drawing/2014/main" xmlns="" id="{20FECF45-9275-449A-B486-B1B63CDE7F38}"/>
+                    <a16:creationId xmlns:a16="http://schemas.microsoft.com/office/drawing/2014/main" id="{20FECF45-9275-449A-B486-B1B63CDE7F38}"/>
                   </a:ext>
                 </a:extLst>
               </p:cNvPr>
@@ -6755,7 +6766,7 @@
               <p:cNvPr id="8" name="Connettore a gomito 7">
                 <a:extLst>
                   <a:ext uri="{FF2B5EF4-FFF2-40B4-BE49-F238E27FC236}">
-                    <a16:creationId xmlns:a16="http://schemas.microsoft.com/office/drawing/2014/main" xmlns="" id="{4B278F0D-6231-4344-BA26-BDC44FD5D6E0}"/>
+                    <a16:creationId xmlns:a16="http://schemas.microsoft.com/office/drawing/2014/main" id="{4B278F0D-6231-4344-BA26-BDC44FD5D6E0}"/>
                   </a:ext>
                 </a:extLst>
               </p:cNvPr>
@@ -6794,7 +6805,7 @@
               <p:cNvPr id="9" name="Connettore a gomito 8">
                 <a:extLst>
                   <a:ext uri="{FF2B5EF4-FFF2-40B4-BE49-F238E27FC236}">
-                    <a16:creationId xmlns:a16="http://schemas.microsoft.com/office/drawing/2014/main" xmlns="" id="{0540759E-5E02-4E63-A918-494114C8F250}"/>
+                    <a16:creationId xmlns:a16="http://schemas.microsoft.com/office/drawing/2014/main" id="{0540759E-5E02-4E63-A918-494114C8F250}"/>
                   </a:ext>
                 </a:extLst>
               </p:cNvPr>
@@ -6833,7 +6844,7 @@
               <p:cNvPr id="10" name="Connettore a gomito 9">
                 <a:extLst>
                   <a:ext uri="{FF2B5EF4-FFF2-40B4-BE49-F238E27FC236}">
-                    <a16:creationId xmlns:a16="http://schemas.microsoft.com/office/drawing/2014/main" xmlns="" id="{D9C2FDAE-5C39-426E-85C2-B50B8E362272}"/>
+                    <a16:creationId xmlns:a16="http://schemas.microsoft.com/office/drawing/2014/main" id="{D9C2FDAE-5C39-426E-85C2-B50B8E362272}"/>
                   </a:ext>
                 </a:extLst>
               </p:cNvPr>
@@ -6872,7 +6883,7 @@
               <p:cNvPr id="2" name="Gruppo 1">
                 <a:extLst>
                   <a:ext uri="{FF2B5EF4-FFF2-40B4-BE49-F238E27FC236}">
-                    <a16:creationId xmlns:a16="http://schemas.microsoft.com/office/drawing/2014/main" xmlns="" id="{0F68B524-00ED-474B-942C-336352A5545A}"/>
+                    <a16:creationId xmlns:a16="http://schemas.microsoft.com/office/drawing/2014/main" id="{0F68B524-00ED-474B-942C-336352A5545A}"/>
                   </a:ext>
                 </a:extLst>
               </p:cNvPr>
@@ -6892,7 +6903,7 @@
                 <p:cNvPr id="6" name="Connettore a gomito 5">
                   <a:extLst>
                     <a:ext uri="{FF2B5EF4-FFF2-40B4-BE49-F238E27FC236}">
-                      <a16:creationId xmlns:a16="http://schemas.microsoft.com/office/drawing/2014/main" xmlns="" id="{9304BC83-0554-4484-BE6B-C63681ABEBE0}"/>
+                      <a16:creationId xmlns:a16="http://schemas.microsoft.com/office/drawing/2014/main" id="{9304BC83-0554-4484-BE6B-C63681ABEBE0}"/>
                     </a:ext>
                   </a:extLst>
                 </p:cNvPr>
@@ -6931,7 +6942,7 @@
                 <p:cNvPr id="7" name="Connettore a gomito 6">
                   <a:extLst>
                     <a:ext uri="{FF2B5EF4-FFF2-40B4-BE49-F238E27FC236}">
-                      <a16:creationId xmlns:a16="http://schemas.microsoft.com/office/drawing/2014/main" xmlns="" id="{69A6A12D-98A3-4876-9850-4DE88B9E30E0}"/>
+                      <a16:creationId xmlns:a16="http://schemas.microsoft.com/office/drawing/2014/main" id="{69A6A12D-98A3-4876-9850-4DE88B9E30E0}"/>
                     </a:ext>
                   </a:extLst>
                 </p:cNvPr>
@@ -6970,7 +6981,7 @@
                 <p:cNvPr id="11" name="Connettore a gomito 10">
                   <a:extLst>
                     <a:ext uri="{FF2B5EF4-FFF2-40B4-BE49-F238E27FC236}">
-                      <a16:creationId xmlns:a16="http://schemas.microsoft.com/office/drawing/2014/main" xmlns="" id="{9854EFD6-7237-4631-96C6-A404B3134DDD}"/>
+                      <a16:creationId xmlns:a16="http://schemas.microsoft.com/office/drawing/2014/main" id="{9854EFD6-7237-4631-96C6-A404B3134DDD}"/>
                     </a:ext>
                   </a:extLst>
                 </p:cNvPr>
@@ -7009,7 +7020,7 @@
                 <p:cNvPr id="12" name="Connettore a gomito 11">
                   <a:extLst>
                     <a:ext uri="{FF2B5EF4-FFF2-40B4-BE49-F238E27FC236}">
-                      <a16:creationId xmlns:a16="http://schemas.microsoft.com/office/drawing/2014/main" xmlns="" id="{0FC0D5E8-CF47-4E2C-A6D3-6FA57FBA70D2}"/>
+                      <a16:creationId xmlns:a16="http://schemas.microsoft.com/office/drawing/2014/main" id="{0FC0D5E8-CF47-4E2C-A6D3-6FA57FBA70D2}"/>
                     </a:ext>
                   </a:extLst>
                 </p:cNvPr>
@@ -7049,7 +7060,7 @@
               <p:cNvPr id="27" name="Connettore a gomito 26">
                 <a:extLst>
                   <a:ext uri="{FF2B5EF4-FFF2-40B4-BE49-F238E27FC236}">
-                    <a16:creationId xmlns:a16="http://schemas.microsoft.com/office/drawing/2014/main" xmlns="" id="{921A70E2-821B-4405-8A9E-B1E8C3C89551}"/>
+                    <a16:creationId xmlns:a16="http://schemas.microsoft.com/office/drawing/2014/main" id="{921A70E2-821B-4405-8A9E-B1E8C3C89551}"/>
                   </a:ext>
                 </a:extLst>
               </p:cNvPr>
@@ -7088,7 +7099,7 @@
               <p:cNvPr id="28" name="Connettore a gomito 27">
                 <a:extLst>
                   <a:ext uri="{FF2B5EF4-FFF2-40B4-BE49-F238E27FC236}">
-                    <a16:creationId xmlns:a16="http://schemas.microsoft.com/office/drawing/2014/main" xmlns="" id="{D4794B60-766C-4E2C-8F65-5A1E5A41C366}"/>
+                    <a16:creationId xmlns:a16="http://schemas.microsoft.com/office/drawing/2014/main" id="{D4794B60-766C-4E2C-8F65-5A1E5A41C366}"/>
                   </a:ext>
                 </a:extLst>
               </p:cNvPr>
@@ -7127,7 +7138,7 @@
               <p:cNvPr id="29" name="Connettore a gomito 28">
                 <a:extLst>
                   <a:ext uri="{FF2B5EF4-FFF2-40B4-BE49-F238E27FC236}">
-                    <a16:creationId xmlns:a16="http://schemas.microsoft.com/office/drawing/2014/main" xmlns="" id="{1BA6A687-3669-4878-B898-163D0CBBB438}"/>
+                    <a16:creationId xmlns:a16="http://schemas.microsoft.com/office/drawing/2014/main" id="{1BA6A687-3669-4878-B898-163D0CBBB438}"/>
                   </a:ext>
                 </a:extLst>
               </p:cNvPr>
@@ -7166,7 +7177,7 @@
               <p:cNvPr id="30" name="Connettore a gomito 29">
                 <a:extLst>
                   <a:ext uri="{FF2B5EF4-FFF2-40B4-BE49-F238E27FC236}">
-                    <a16:creationId xmlns:a16="http://schemas.microsoft.com/office/drawing/2014/main" xmlns="" id="{5C08838B-8CC0-44B1-93DB-0A29CAF080E6}"/>
+                    <a16:creationId xmlns:a16="http://schemas.microsoft.com/office/drawing/2014/main" id="{5C08838B-8CC0-44B1-93DB-0A29CAF080E6}"/>
                   </a:ext>
                 </a:extLst>
               </p:cNvPr>
@@ -7205,7 +7216,7 @@
               <p:cNvPr id="31" name="Connettore a gomito 30">
                 <a:extLst>
                   <a:ext uri="{FF2B5EF4-FFF2-40B4-BE49-F238E27FC236}">
-                    <a16:creationId xmlns:a16="http://schemas.microsoft.com/office/drawing/2014/main" xmlns="" id="{153F16B3-0B62-471B-A076-734FB3354CFC}"/>
+                    <a16:creationId xmlns:a16="http://schemas.microsoft.com/office/drawing/2014/main" id="{153F16B3-0B62-471B-A076-734FB3354CFC}"/>
                   </a:ext>
                 </a:extLst>
               </p:cNvPr>
@@ -7245,7 +7256,7 @@
             <p:cNvPr id="33" name="Gruppo 32">
               <a:extLst>
                 <a:ext uri="{FF2B5EF4-FFF2-40B4-BE49-F238E27FC236}">
-                  <a16:creationId xmlns:a16="http://schemas.microsoft.com/office/drawing/2014/main" xmlns="" id="{E56CC520-F3FE-4098-9DD6-9DB3D14A6B8C}"/>
+                  <a16:creationId xmlns:a16="http://schemas.microsoft.com/office/drawing/2014/main" id="{E56CC520-F3FE-4098-9DD6-9DB3D14A6B8C}"/>
                 </a:ext>
               </a:extLst>
             </p:cNvPr>
@@ -7265,7 +7276,7 @@
               <p:cNvPr id="34" name="Connettore a gomito 33">
                 <a:extLst>
                   <a:ext uri="{FF2B5EF4-FFF2-40B4-BE49-F238E27FC236}">
-                    <a16:creationId xmlns:a16="http://schemas.microsoft.com/office/drawing/2014/main" xmlns="" id="{B7ECE95D-44BC-42CE-8244-5EA50F510B8B}"/>
+                    <a16:creationId xmlns:a16="http://schemas.microsoft.com/office/drawing/2014/main" id="{B7ECE95D-44BC-42CE-8244-5EA50F510B8B}"/>
                   </a:ext>
                 </a:extLst>
               </p:cNvPr>
@@ -7304,7 +7315,7 @@
               <p:cNvPr id="35" name="Connettore a gomito 34">
                 <a:extLst>
                   <a:ext uri="{FF2B5EF4-FFF2-40B4-BE49-F238E27FC236}">
-                    <a16:creationId xmlns:a16="http://schemas.microsoft.com/office/drawing/2014/main" xmlns="" id="{A85A6D13-4089-4B48-9C29-0E8664D1F27C}"/>
+                    <a16:creationId xmlns:a16="http://schemas.microsoft.com/office/drawing/2014/main" id="{A85A6D13-4089-4B48-9C29-0E8664D1F27C}"/>
                   </a:ext>
                 </a:extLst>
               </p:cNvPr>
@@ -7343,7 +7354,7 @@
               <p:cNvPr id="36" name="Connettore a gomito 35">
                 <a:extLst>
                   <a:ext uri="{FF2B5EF4-FFF2-40B4-BE49-F238E27FC236}">
-                    <a16:creationId xmlns:a16="http://schemas.microsoft.com/office/drawing/2014/main" xmlns="" id="{853777AF-2FFD-4343-8A80-ED6F9BC5F6EE}"/>
+                    <a16:creationId xmlns:a16="http://schemas.microsoft.com/office/drawing/2014/main" id="{853777AF-2FFD-4343-8A80-ED6F9BC5F6EE}"/>
                   </a:ext>
                 </a:extLst>
               </p:cNvPr>
@@ -7382,7 +7393,7 @@
               <p:cNvPr id="37" name="Connettore a gomito 36">
                 <a:extLst>
                   <a:ext uri="{FF2B5EF4-FFF2-40B4-BE49-F238E27FC236}">
-                    <a16:creationId xmlns:a16="http://schemas.microsoft.com/office/drawing/2014/main" xmlns="" id="{7BC25D10-CF3B-4506-9DCB-FDD2891E81B7}"/>
+                    <a16:creationId xmlns:a16="http://schemas.microsoft.com/office/drawing/2014/main" id="{7BC25D10-CF3B-4506-9DCB-FDD2891E81B7}"/>
                   </a:ext>
                 </a:extLst>
               </p:cNvPr>
@@ -7421,7 +7432,7 @@
               <p:cNvPr id="38" name="Gruppo 37">
                 <a:extLst>
                   <a:ext uri="{FF2B5EF4-FFF2-40B4-BE49-F238E27FC236}">
-                    <a16:creationId xmlns:a16="http://schemas.microsoft.com/office/drawing/2014/main" xmlns="" id="{9B1DAB63-47B4-4032-B1E3-6B90F1DE1F06}"/>
+                    <a16:creationId xmlns:a16="http://schemas.microsoft.com/office/drawing/2014/main" id="{9B1DAB63-47B4-4032-B1E3-6B90F1DE1F06}"/>
                   </a:ext>
                 </a:extLst>
               </p:cNvPr>
@@ -7441,7 +7452,7 @@
                 <p:cNvPr id="44" name="Connettore a gomito 43">
                   <a:extLst>
                     <a:ext uri="{FF2B5EF4-FFF2-40B4-BE49-F238E27FC236}">
-                      <a16:creationId xmlns:a16="http://schemas.microsoft.com/office/drawing/2014/main" xmlns="" id="{AE9BF937-AAC2-4222-9904-7B95E08A04EA}"/>
+                      <a16:creationId xmlns:a16="http://schemas.microsoft.com/office/drawing/2014/main" id="{AE9BF937-AAC2-4222-9904-7B95E08A04EA}"/>
                     </a:ext>
                   </a:extLst>
                 </p:cNvPr>
@@ -7480,7 +7491,7 @@
                 <p:cNvPr id="45" name="Connettore a gomito 44">
                   <a:extLst>
                     <a:ext uri="{FF2B5EF4-FFF2-40B4-BE49-F238E27FC236}">
-                      <a16:creationId xmlns:a16="http://schemas.microsoft.com/office/drawing/2014/main" xmlns="" id="{E89684F8-74DC-484D-9CC2-255A2940BB13}"/>
+                      <a16:creationId xmlns:a16="http://schemas.microsoft.com/office/drawing/2014/main" id="{E89684F8-74DC-484D-9CC2-255A2940BB13}"/>
                     </a:ext>
                   </a:extLst>
                 </p:cNvPr>
@@ -7519,7 +7530,7 @@
                 <p:cNvPr id="46" name="Connettore a gomito 45">
                   <a:extLst>
                     <a:ext uri="{FF2B5EF4-FFF2-40B4-BE49-F238E27FC236}">
-                      <a16:creationId xmlns:a16="http://schemas.microsoft.com/office/drawing/2014/main" xmlns="" id="{BA82B27C-BED4-400B-81C6-8DC4E3C88F1B}"/>
+                      <a16:creationId xmlns:a16="http://schemas.microsoft.com/office/drawing/2014/main" id="{BA82B27C-BED4-400B-81C6-8DC4E3C88F1B}"/>
                     </a:ext>
                   </a:extLst>
                 </p:cNvPr>
@@ -7558,7 +7569,7 @@
                 <p:cNvPr id="47" name="Connettore a gomito 46">
                   <a:extLst>
                     <a:ext uri="{FF2B5EF4-FFF2-40B4-BE49-F238E27FC236}">
-                      <a16:creationId xmlns:a16="http://schemas.microsoft.com/office/drawing/2014/main" xmlns="" id="{27D45DC8-92C3-49FF-B433-CC8EF7BC60C5}"/>
+                      <a16:creationId xmlns:a16="http://schemas.microsoft.com/office/drawing/2014/main" id="{27D45DC8-92C3-49FF-B433-CC8EF7BC60C5}"/>
                     </a:ext>
                   </a:extLst>
                 </p:cNvPr>
@@ -7598,7 +7609,7 @@
               <p:cNvPr id="39" name="Connettore a gomito 38">
                 <a:extLst>
                   <a:ext uri="{FF2B5EF4-FFF2-40B4-BE49-F238E27FC236}">
-                    <a16:creationId xmlns:a16="http://schemas.microsoft.com/office/drawing/2014/main" xmlns="" id="{1EE7206F-53B7-415C-9197-F77B6E3B532B}"/>
+                    <a16:creationId xmlns:a16="http://schemas.microsoft.com/office/drawing/2014/main" id="{1EE7206F-53B7-415C-9197-F77B6E3B532B}"/>
                   </a:ext>
                 </a:extLst>
               </p:cNvPr>
@@ -7637,7 +7648,7 @@
               <p:cNvPr id="40" name="Connettore a gomito 39">
                 <a:extLst>
                   <a:ext uri="{FF2B5EF4-FFF2-40B4-BE49-F238E27FC236}">
-                    <a16:creationId xmlns:a16="http://schemas.microsoft.com/office/drawing/2014/main" xmlns="" id="{0D8B764B-F79A-46E2-BA89-27A6102CBADD}"/>
+                    <a16:creationId xmlns:a16="http://schemas.microsoft.com/office/drawing/2014/main" id="{0D8B764B-F79A-46E2-BA89-27A6102CBADD}"/>
                   </a:ext>
                 </a:extLst>
               </p:cNvPr>
@@ -7676,7 +7687,7 @@
               <p:cNvPr id="41" name="Connettore a gomito 40">
                 <a:extLst>
                   <a:ext uri="{FF2B5EF4-FFF2-40B4-BE49-F238E27FC236}">
-                    <a16:creationId xmlns:a16="http://schemas.microsoft.com/office/drawing/2014/main" xmlns="" id="{7BF935AE-18BF-41EF-A65B-45BEAD56EB5C}"/>
+                    <a16:creationId xmlns:a16="http://schemas.microsoft.com/office/drawing/2014/main" id="{7BF935AE-18BF-41EF-A65B-45BEAD56EB5C}"/>
                   </a:ext>
                 </a:extLst>
               </p:cNvPr>
@@ -7715,7 +7726,7 @@
               <p:cNvPr id="42" name="Connettore a gomito 41">
                 <a:extLst>
                   <a:ext uri="{FF2B5EF4-FFF2-40B4-BE49-F238E27FC236}">
-                    <a16:creationId xmlns:a16="http://schemas.microsoft.com/office/drawing/2014/main" xmlns="" id="{E3782B7D-3494-4154-95A3-F88E89063349}"/>
+                    <a16:creationId xmlns:a16="http://schemas.microsoft.com/office/drawing/2014/main" id="{E3782B7D-3494-4154-95A3-F88E89063349}"/>
                   </a:ext>
                 </a:extLst>
               </p:cNvPr>
@@ -7754,7 +7765,7 @@
               <p:cNvPr id="43" name="Connettore a gomito 42">
                 <a:extLst>
                   <a:ext uri="{FF2B5EF4-FFF2-40B4-BE49-F238E27FC236}">
-                    <a16:creationId xmlns:a16="http://schemas.microsoft.com/office/drawing/2014/main" xmlns="" id="{CBB26C3B-5243-43F0-BDBA-3F5D0012E344}"/>
+                    <a16:creationId xmlns:a16="http://schemas.microsoft.com/office/drawing/2014/main" id="{CBB26C3B-5243-43F0-BDBA-3F5D0012E344}"/>
                   </a:ext>
                 </a:extLst>
               </p:cNvPr>
@@ -7794,7 +7805,7 @@
             <p:cNvPr id="48" name="Gruppo 47">
               <a:extLst>
                 <a:ext uri="{FF2B5EF4-FFF2-40B4-BE49-F238E27FC236}">
-                  <a16:creationId xmlns:a16="http://schemas.microsoft.com/office/drawing/2014/main" xmlns="" id="{4ACE0472-5A42-476D-B1D3-A7269FAA6EF5}"/>
+                  <a16:creationId xmlns:a16="http://schemas.microsoft.com/office/drawing/2014/main" id="{4ACE0472-5A42-476D-B1D3-A7269FAA6EF5}"/>
                 </a:ext>
               </a:extLst>
             </p:cNvPr>
@@ -7814,7 +7825,7 @@
               <p:cNvPr id="49" name="Connettore a gomito 48">
                 <a:extLst>
                   <a:ext uri="{FF2B5EF4-FFF2-40B4-BE49-F238E27FC236}">
-                    <a16:creationId xmlns:a16="http://schemas.microsoft.com/office/drawing/2014/main" xmlns="" id="{AAA5EB97-2586-41DC-A142-B69499FA3BE8}"/>
+                    <a16:creationId xmlns:a16="http://schemas.microsoft.com/office/drawing/2014/main" id="{AAA5EB97-2586-41DC-A142-B69499FA3BE8}"/>
                   </a:ext>
                 </a:extLst>
               </p:cNvPr>
@@ -7853,7 +7864,7 @@
               <p:cNvPr id="50" name="Connettore a gomito 49">
                 <a:extLst>
                   <a:ext uri="{FF2B5EF4-FFF2-40B4-BE49-F238E27FC236}">
-                    <a16:creationId xmlns:a16="http://schemas.microsoft.com/office/drawing/2014/main" xmlns="" id="{F0377437-76C0-4FBC-BA9A-94B30CF5BFE0}"/>
+                    <a16:creationId xmlns:a16="http://schemas.microsoft.com/office/drawing/2014/main" id="{F0377437-76C0-4FBC-BA9A-94B30CF5BFE0}"/>
                   </a:ext>
                 </a:extLst>
               </p:cNvPr>
@@ -7892,7 +7903,7 @@
               <p:cNvPr id="51" name="Connettore a gomito 50">
                 <a:extLst>
                   <a:ext uri="{FF2B5EF4-FFF2-40B4-BE49-F238E27FC236}">
-                    <a16:creationId xmlns:a16="http://schemas.microsoft.com/office/drawing/2014/main" xmlns="" id="{A561BE9B-B05B-427B-AE8C-DB671FB57B6A}"/>
+                    <a16:creationId xmlns:a16="http://schemas.microsoft.com/office/drawing/2014/main" id="{A561BE9B-B05B-427B-AE8C-DB671FB57B6A}"/>
                   </a:ext>
                 </a:extLst>
               </p:cNvPr>
@@ -7931,7 +7942,7 @@
               <p:cNvPr id="52" name="Connettore a gomito 51">
                 <a:extLst>
                   <a:ext uri="{FF2B5EF4-FFF2-40B4-BE49-F238E27FC236}">
-                    <a16:creationId xmlns:a16="http://schemas.microsoft.com/office/drawing/2014/main" xmlns="" id="{CCED8DAA-7523-4AE6-95F3-036776E72F5B}"/>
+                    <a16:creationId xmlns:a16="http://schemas.microsoft.com/office/drawing/2014/main" id="{CCED8DAA-7523-4AE6-95F3-036776E72F5B}"/>
                   </a:ext>
                 </a:extLst>
               </p:cNvPr>
@@ -7970,7 +7981,7 @@
               <p:cNvPr id="53" name="Gruppo 52">
                 <a:extLst>
                   <a:ext uri="{FF2B5EF4-FFF2-40B4-BE49-F238E27FC236}">
-                    <a16:creationId xmlns:a16="http://schemas.microsoft.com/office/drawing/2014/main" xmlns="" id="{0EFA298B-942A-4644-9C22-6E88F614030E}"/>
+                    <a16:creationId xmlns:a16="http://schemas.microsoft.com/office/drawing/2014/main" id="{0EFA298B-942A-4644-9C22-6E88F614030E}"/>
                   </a:ext>
                 </a:extLst>
               </p:cNvPr>
@@ -7990,7 +8001,7 @@
                 <p:cNvPr id="59" name="Connettore a gomito 58">
                   <a:extLst>
                     <a:ext uri="{FF2B5EF4-FFF2-40B4-BE49-F238E27FC236}">
-                      <a16:creationId xmlns:a16="http://schemas.microsoft.com/office/drawing/2014/main" xmlns="" id="{909FED97-FA01-4489-96D4-86A88175B027}"/>
+                      <a16:creationId xmlns:a16="http://schemas.microsoft.com/office/drawing/2014/main" id="{909FED97-FA01-4489-96D4-86A88175B027}"/>
                     </a:ext>
                   </a:extLst>
                 </p:cNvPr>
@@ -8029,7 +8040,7 @@
                 <p:cNvPr id="60" name="Connettore a gomito 59">
                   <a:extLst>
                     <a:ext uri="{FF2B5EF4-FFF2-40B4-BE49-F238E27FC236}">
-                      <a16:creationId xmlns:a16="http://schemas.microsoft.com/office/drawing/2014/main" xmlns="" id="{34E7A6CD-01C8-4D5F-A131-89745DC1E703}"/>
+                      <a16:creationId xmlns:a16="http://schemas.microsoft.com/office/drawing/2014/main" id="{34E7A6CD-01C8-4D5F-A131-89745DC1E703}"/>
                     </a:ext>
                   </a:extLst>
                 </p:cNvPr>
@@ -8068,7 +8079,7 @@
                 <p:cNvPr id="61" name="Connettore a gomito 60">
                   <a:extLst>
                     <a:ext uri="{FF2B5EF4-FFF2-40B4-BE49-F238E27FC236}">
-                      <a16:creationId xmlns:a16="http://schemas.microsoft.com/office/drawing/2014/main" xmlns="" id="{B6045CE7-C98E-4F08-97A6-538C74E9980A}"/>
+                      <a16:creationId xmlns:a16="http://schemas.microsoft.com/office/drawing/2014/main" id="{B6045CE7-C98E-4F08-97A6-538C74E9980A}"/>
                     </a:ext>
                   </a:extLst>
                 </p:cNvPr>
@@ -8107,7 +8118,7 @@
                 <p:cNvPr id="62" name="Connettore a gomito 61">
                   <a:extLst>
                     <a:ext uri="{FF2B5EF4-FFF2-40B4-BE49-F238E27FC236}">
-                      <a16:creationId xmlns:a16="http://schemas.microsoft.com/office/drawing/2014/main" xmlns="" id="{7D1EB34B-8080-4213-A19B-7565AE6490F5}"/>
+                      <a16:creationId xmlns:a16="http://schemas.microsoft.com/office/drawing/2014/main" id="{7D1EB34B-8080-4213-A19B-7565AE6490F5}"/>
                     </a:ext>
                   </a:extLst>
                 </p:cNvPr>
@@ -8147,7 +8158,7 @@
               <p:cNvPr id="54" name="Connettore a gomito 53">
                 <a:extLst>
                   <a:ext uri="{FF2B5EF4-FFF2-40B4-BE49-F238E27FC236}">
-                    <a16:creationId xmlns:a16="http://schemas.microsoft.com/office/drawing/2014/main" xmlns="" id="{60F5EBEC-9EA4-41FA-8BAA-6A4D5324C77A}"/>
+                    <a16:creationId xmlns:a16="http://schemas.microsoft.com/office/drawing/2014/main" id="{60F5EBEC-9EA4-41FA-8BAA-6A4D5324C77A}"/>
                   </a:ext>
                 </a:extLst>
               </p:cNvPr>
@@ -8186,7 +8197,7 @@
               <p:cNvPr id="55" name="Connettore a gomito 54">
                 <a:extLst>
                   <a:ext uri="{FF2B5EF4-FFF2-40B4-BE49-F238E27FC236}">
-                    <a16:creationId xmlns:a16="http://schemas.microsoft.com/office/drawing/2014/main" xmlns="" id="{96918257-E01D-4004-950E-C75D4EB5C079}"/>
+                    <a16:creationId xmlns:a16="http://schemas.microsoft.com/office/drawing/2014/main" id="{96918257-E01D-4004-950E-C75D4EB5C079}"/>
                   </a:ext>
                 </a:extLst>
               </p:cNvPr>
@@ -8225,7 +8236,7 @@
               <p:cNvPr id="56" name="Connettore a gomito 55">
                 <a:extLst>
                   <a:ext uri="{FF2B5EF4-FFF2-40B4-BE49-F238E27FC236}">
-                    <a16:creationId xmlns:a16="http://schemas.microsoft.com/office/drawing/2014/main" xmlns="" id="{66246318-229C-4634-82BB-9E1AE168D0C8}"/>
+                    <a16:creationId xmlns:a16="http://schemas.microsoft.com/office/drawing/2014/main" id="{66246318-229C-4634-82BB-9E1AE168D0C8}"/>
                   </a:ext>
                 </a:extLst>
               </p:cNvPr>
@@ -8264,7 +8275,7 @@
               <p:cNvPr id="57" name="Connettore a gomito 56">
                 <a:extLst>
                   <a:ext uri="{FF2B5EF4-FFF2-40B4-BE49-F238E27FC236}">
-                    <a16:creationId xmlns:a16="http://schemas.microsoft.com/office/drawing/2014/main" xmlns="" id="{6ADEE5F7-6BDE-417D-BA4B-3BF1098D30F4}"/>
+                    <a16:creationId xmlns:a16="http://schemas.microsoft.com/office/drawing/2014/main" id="{6ADEE5F7-6BDE-417D-BA4B-3BF1098D30F4}"/>
                   </a:ext>
                 </a:extLst>
               </p:cNvPr>
@@ -8303,7 +8314,7 @@
               <p:cNvPr id="58" name="Connettore a gomito 57">
                 <a:extLst>
                   <a:ext uri="{FF2B5EF4-FFF2-40B4-BE49-F238E27FC236}">
-                    <a16:creationId xmlns:a16="http://schemas.microsoft.com/office/drawing/2014/main" xmlns="" id="{E71EA51C-DCEB-49F7-91EB-2DAE41C66C04}"/>
+                    <a16:creationId xmlns:a16="http://schemas.microsoft.com/office/drawing/2014/main" id="{E71EA51C-DCEB-49F7-91EB-2DAE41C66C04}"/>
                   </a:ext>
                 </a:extLst>
               </p:cNvPr>
@@ -8343,7 +8354,7 @@
             <p:cNvPr id="13" name="CasellaDiTesto 12">
               <a:extLst>
                 <a:ext uri="{FF2B5EF4-FFF2-40B4-BE49-F238E27FC236}">
-                  <a16:creationId xmlns:a16="http://schemas.microsoft.com/office/drawing/2014/main" xmlns="" id="{53256134-904B-4BC2-9D46-EAC90AAFA997}"/>
+                  <a16:creationId xmlns:a16="http://schemas.microsoft.com/office/drawing/2014/main" id="{53256134-904B-4BC2-9D46-EAC90AAFA997}"/>
                 </a:ext>
               </a:extLst>
             </p:cNvPr>
@@ -8404,12 +8415,176 @@
           <a:chExt cx="0" cy="0"/>
         </a:xfrm>
       </p:grpSpPr>
+      <p:cxnSp>
+        <p:nvCxnSpPr>
+          <p:cNvPr id="27" name="Connettore a gomito 26">
+            <a:extLst>
+              <a:ext uri="{FF2B5EF4-FFF2-40B4-BE49-F238E27FC236}">
+                <a16:creationId xmlns:a16="http://schemas.microsoft.com/office/drawing/2014/main" id="{3EAA1545-E3E3-4AD9-9BFC-19F5123E0441}"/>
+              </a:ext>
+            </a:extLst>
+          </p:cNvPr>
+          <p:cNvCxnSpPr>
+            <a:cxnSpLocks/>
+          </p:cNvCxnSpPr>
+          <p:nvPr/>
+        </p:nvCxnSpPr>
+        <p:spPr>
+          <a:xfrm flipH="1">
+            <a:off x="9874253" y="4591518"/>
+            <a:ext cx="412492" cy="297711"/>
+          </a:xfrm>
+          <a:prstGeom prst="bentConnector3">
+            <a:avLst/>
+          </a:prstGeom>
+          <a:ln/>
+        </p:spPr>
+        <p:style>
+          <a:lnRef idx="2">
+            <a:schemeClr val="accent1"/>
+          </a:lnRef>
+          <a:fillRef idx="0">
+            <a:schemeClr val="accent1"/>
+          </a:fillRef>
+          <a:effectRef idx="1">
+            <a:schemeClr val="accent1"/>
+          </a:effectRef>
+          <a:fontRef idx="minor">
+            <a:schemeClr val="tx1"/>
+          </a:fontRef>
+        </p:style>
+      </p:cxnSp>
+      <p:cxnSp>
+        <p:nvCxnSpPr>
+          <p:cNvPr id="28" name="Connettore a gomito 27">
+            <a:extLst>
+              <a:ext uri="{FF2B5EF4-FFF2-40B4-BE49-F238E27FC236}">
+                <a16:creationId xmlns:a16="http://schemas.microsoft.com/office/drawing/2014/main" id="{E4CD50A3-0C8B-4CF4-88BA-091714A97567}"/>
+              </a:ext>
+            </a:extLst>
+          </p:cNvPr>
+          <p:cNvCxnSpPr>
+            <a:cxnSpLocks/>
+          </p:cNvCxnSpPr>
+          <p:nvPr/>
+        </p:nvCxnSpPr>
+        <p:spPr>
+          <a:xfrm flipH="1">
+            <a:off x="9668007" y="4889229"/>
+            <a:ext cx="412492" cy="297711"/>
+          </a:xfrm>
+          <a:prstGeom prst="bentConnector3">
+            <a:avLst/>
+          </a:prstGeom>
+          <a:ln>
+            <a:solidFill>
+              <a:srgbClr val="FF0000"/>
+            </a:solidFill>
+          </a:ln>
+        </p:spPr>
+        <p:style>
+          <a:lnRef idx="1">
+            <a:schemeClr val="accent1"/>
+          </a:lnRef>
+          <a:fillRef idx="0">
+            <a:schemeClr val="accent1"/>
+          </a:fillRef>
+          <a:effectRef idx="0">
+            <a:schemeClr val="accent1"/>
+          </a:effectRef>
+          <a:fontRef idx="minor">
+            <a:schemeClr val="tx1"/>
+          </a:fontRef>
+        </p:style>
+      </p:cxnSp>
+      <p:cxnSp>
+        <p:nvCxnSpPr>
+          <p:cNvPr id="29" name="Connettore a gomito 28">
+            <a:extLst>
+              <a:ext uri="{FF2B5EF4-FFF2-40B4-BE49-F238E27FC236}">
+                <a16:creationId xmlns:a16="http://schemas.microsoft.com/office/drawing/2014/main" id="{9E00AF1C-DA3A-43CE-A1D9-AEE189AD7A54}"/>
+              </a:ext>
+            </a:extLst>
+          </p:cNvPr>
+          <p:cNvCxnSpPr>
+            <a:cxnSpLocks/>
+          </p:cNvCxnSpPr>
+          <p:nvPr/>
+        </p:nvCxnSpPr>
+        <p:spPr>
+          <a:xfrm>
+            <a:off x="9668007" y="5186941"/>
+            <a:ext cx="412492" cy="297711"/>
+          </a:xfrm>
+          <a:prstGeom prst="bentConnector3">
+            <a:avLst/>
+          </a:prstGeom>
+          <a:ln>
+            <a:solidFill>
+              <a:srgbClr val="FF0000"/>
+            </a:solidFill>
+          </a:ln>
+        </p:spPr>
+        <p:style>
+          <a:lnRef idx="1">
+            <a:schemeClr val="accent1"/>
+          </a:lnRef>
+          <a:fillRef idx="0">
+            <a:schemeClr val="accent1"/>
+          </a:fillRef>
+          <a:effectRef idx="0">
+            <a:schemeClr val="accent1"/>
+          </a:effectRef>
+          <a:fontRef idx="minor">
+            <a:schemeClr val="tx1"/>
+          </a:fontRef>
+        </p:style>
+      </p:cxnSp>
+      <p:cxnSp>
+        <p:nvCxnSpPr>
+          <p:cNvPr id="30" name="Connettore a gomito 29">
+            <a:extLst>
+              <a:ext uri="{FF2B5EF4-FFF2-40B4-BE49-F238E27FC236}">
+                <a16:creationId xmlns:a16="http://schemas.microsoft.com/office/drawing/2014/main" id="{42D32862-7BAF-495F-A6BB-3BC4CF9471CE}"/>
+              </a:ext>
+            </a:extLst>
+          </p:cNvPr>
+          <p:cNvCxnSpPr>
+            <a:cxnSpLocks/>
+          </p:cNvCxnSpPr>
+          <p:nvPr/>
+        </p:nvCxnSpPr>
+        <p:spPr>
+          <a:xfrm>
+            <a:off x="9874253" y="4889229"/>
+            <a:ext cx="412492" cy="297711"/>
+          </a:xfrm>
+          <a:prstGeom prst="bentConnector3">
+            <a:avLst/>
+          </a:prstGeom>
+          <a:ln/>
+        </p:spPr>
+        <p:style>
+          <a:lnRef idx="2">
+            <a:schemeClr val="accent1"/>
+          </a:lnRef>
+          <a:fillRef idx="0">
+            <a:schemeClr val="accent1"/>
+          </a:fillRef>
+          <a:effectRef idx="1">
+            <a:schemeClr val="accent1"/>
+          </a:effectRef>
+          <a:fontRef idx="minor">
+            <a:schemeClr val="tx1"/>
+          </a:fontRef>
+        </p:style>
+      </p:cxnSp>
       <p:grpSp>
         <p:nvGrpSpPr>
-          <p:cNvPr id="4" name="Gruppo 3">
+          <p:cNvPr id="24" name="Gruppo 14">
             <a:extLst>
               <a:ext uri="{FF2B5EF4-FFF2-40B4-BE49-F238E27FC236}">
-                <a16:creationId xmlns:a16="http://schemas.microsoft.com/office/drawing/2014/main" xmlns="" id="{09202E6A-94F4-4723-942E-4038738ACB1B}"/>
+                <a16:creationId xmlns:a16="http://schemas.microsoft.com/office/drawing/2014/main" id="{19FC4461-D5C0-402D-8763-F1D1361919C7}"/>
               </a:ext>
             </a:extLst>
           </p:cNvPr>
@@ -8418,388 +8593,18 @@
         </p:nvGrpSpPr>
         <p:grpSpPr>
           <a:xfrm>
-            <a:off x="2321443" y="2211573"/>
-            <a:ext cx="618738" cy="893134"/>
-            <a:chOff x="2321443" y="2211573"/>
-            <a:chExt cx="618738" cy="893134"/>
-          </a:xfrm>
-        </p:grpSpPr>
-        <p:cxnSp>
-          <p:nvCxnSpPr>
-            <p:cNvPr id="5" name="Connettore a gomito 4">
-              <a:extLst>
-                <a:ext uri="{FF2B5EF4-FFF2-40B4-BE49-F238E27FC236}">
-                  <a16:creationId xmlns:a16="http://schemas.microsoft.com/office/drawing/2014/main" xmlns="" id="{20FECF45-9275-449A-B486-B1B63CDE7F38}"/>
-                </a:ext>
-              </a:extLst>
-            </p:cNvPr>
-            <p:cNvCxnSpPr>
-              <a:cxnSpLocks/>
-            </p:cNvCxnSpPr>
-            <p:nvPr/>
-          </p:nvCxnSpPr>
-          <p:spPr>
-            <a:xfrm flipH="1">
-              <a:off x="2527689" y="2211573"/>
-              <a:ext cx="412492" cy="297711"/>
-            </a:xfrm>
-            <a:prstGeom prst="bentConnector3">
-              <a:avLst/>
-            </a:prstGeom>
-            <a:ln/>
-          </p:spPr>
-          <p:style>
-            <a:lnRef idx="1">
-              <a:schemeClr val="accent6"/>
-            </a:lnRef>
-            <a:fillRef idx="0">
-              <a:schemeClr val="accent6"/>
-            </a:fillRef>
-            <a:effectRef idx="0">
-              <a:schemeClr val="accent6"/>
-            </a:effectRef>
-            <a:fontRef idx="minor">
-              <a:schemeClr val="tx1"/>
-            </a:fontRef>
-          </p:style>
-        </p:cxnSp>
-        <p:cxnSp>
-          <p:nvCxnSpPr>
-            <p:cNvPr id="8" name="Connettore a gomito 7">
-              <a:extLst>
-                <a:ext uri="{FF2B5EF4-FFF2-40B4-BE49-F238E27FC236}">
-                  <a16:creationId xmlns:a16="http://schemas.microsoft.com/office/drawing/2014/main" xmlns="" id="{4B278F0D-6231-4344-BA26-BDC44FD5D6E0}"/>
-                </a:ext>
-              </a:extLst>
-            </p:cNvPr>
-            <p:cNvCxnSpPr>
-              <a:cxnSpLocks/>
-            </p:cNvCxnSpPr>
-            <p:nvPr/>
-          </p:nvCxnSpPr>
-          <p:spPr>
-            <a:xfrm flipH="1">
-              <a:off x="2321443" y="2509284"/>
-              <a:ext cx="412492" cy="297711"/>
-            </a:xfrm>
-            <a:prstGeom prst="bentConnector3">
-              <a:avLst/>
-            </a:prstGeom>
-            <a:ln>
-              <a:solidFill>
-                <a:srgbClr val="FF0000"/>
-              </a:solidFill>
-            </a:ln>
-          </p:spPr>
-          <p:style>
-            <a:lnRef idx="1">
-              <a:schemeClr val="accent1"/>
-            </a:lnRef>
-            <a:fillRef idx="0">
-              <a:schemeClr val="accent1"/>
-            </a:fillRef>
-            <a:effectRef idx="0">
-              <a:schemeClr val="accent1"/>
-            </a:effectRef>
-            <a:fontRef idx="minor">
-              <a:schemeClr val="tx1"/>
-            </a:fontRef>
-          </p:style>
-        </p:cxnSp>
-        <p:cxnSp>
-          <p:nvCxnSpPr>
-            <p:cNvPr id="9" name="Connettore a gomito 8">
-              <a:extLst>
-                <a:ext uri="{FF2B5EF4-FFF2-40B4-BE49-F238E27FC236}">
-                  <a16:creationId xmlns:a16="http://schemas.microsoft.com/office/drawing/2014/main" xmlns="" id="{0540759E-5E02-4E63-A918-494114C8F250}"/>
-                </a:ext>
-              </a:extLst>
-            </p:cNvPr>
-            <p:cNvCxnSpPr>
-              <a:cxnSpLocks/>
-            </p:cNvCxnSpPr>
-            <p:nvPr/>
-          </p:nvCxnSpPr>
-          <p:spPr>
-            <a:xfrm>
-              <a:off x="2321443" y="2806996"/>
-              <a:ext cx="412492" cy="297711"/>
-            </a:xfrm>
-            <a:prstGeom prst="bentConnector3">
-              <a:avLst/>
-            </a:prstGeom>
-            <a:ln>
-              <a:solidFill>
-                <a:srgbClr val="FF0000"/>
-              </a:solidFill>
-            </a:ln>
-          </p:spPr>
-          <p:style>
-            <a:lnRef idx="1">
-              <a:schemeClr val="accent1"/>
-            </a:lnRef>
-            <a:fillRef idx="0">
-              <a:schemeClr val="accent1"/>
-            </a:fillRef>
-            <a:effectRef idx="0">
-              <a:schemeClr val="accent1"/>
-            </a:effectRef>
-            <a:fontRef idx="minor">
-              <a:schemeClr val="tx1"/>
-            </a:fontRef>
-          </p:style>
-        </p:cxnSp>
-        <p:cxnSp>
-          <p:nvCxnSpPr>
-            <p:cNvPr id="10" name="Connettore a gomito 9">
-              <a:extLst>
-                <a:ext uri="{FF2B5EF4-FFF2-40B4-BE49-F238E27FC236}">
-                  <a16:creationId xmlns:a16="http://schemas.microsoft.com/office/drawing/2014/main" xmlns="" id="{D9C2FDAE-5C39-426E-85C2-B50B8E362272}"/>
-                </a:ext>
-              </a:extLst>
-            </p:cNvPr>
-            <p:cNvCxnSpPr>
-              <a:cxnSpLocks/>
-            </p:cNvCxnSpPr>
-            <p:nvPr/>
-          </p:nvCxnSpPr>
-          <p:spPr>
-            <a:xfrm>
-              <a:off x="2527689" y="2509284"/>
-              <a:ext cx="412492" cy="297711"/>
-            </a:xfrm>
-            <a:prstGeom prst="bentConnector3">
-              <a:avLst/>
-            </a:prstGeom>
-            <a:ln/>
-          </p:spPr>
-          <p:style>
-            <a:lnRef idx="1">
-              <a:schemeClr val="accent6"/>
-            </a:lnRef>
-            <a:fillRef idx="0">
-              <a:schemeClr val="accent6"/>
-            </a:fillRef>
-            <a:effectRef idx="0">
-              <a:schemeClr val="accent6"/>
-            </a:effectRef>
-            <a:fontRef idx="minor">
-              <a:schemeClr val="tx1"/>
-            </a:fontRef>
-          </p:style>
-        </p:cxnSp>
-      </p:grpSp>
-      <p:grpSp>
-        <p:nvGrpSpPr>
-          <p:cNvPr id="13" name="Gruppo 12">
-            <a:extLst>
-              <a:ext uri="{FF2B5EF4-FFF2-40B4-BE49-F238E27FC236}">
-                <a16:creationId xmlns:a16="http://schemas.microsoft.com/office/drawing/2014/main" xmlns="" id="{671C989B-0766-4611-B455-48210C67D477}"/>
-              </a:ext>
-            </a:extLst>
-          </p:cNvPr>
-          <p:cNvGrpSpPr/>
-          <p:nvPr/>
-        </p:nvGrpSpPr>
-        <p:grpSpPr>
-          <a:xfrm>
-            <a:off x="4419602" y="2211573"/>
-            <a:ext cx="618738" cy="893134"/>
-            <a:chOff x="4419602" y="2211573"/>
-            <a:chExt cx="618738" cy="893134"/>
-          </a:xfrm>
-        </p:grpSpPr>
-        <p:cxnSp>
-          <p:nvCxnSpPr>
-            <p:cNvPr id="27" name="Connettore a gomito 26">
-              <a:extLst>
-                <a:ext uri="{FF2B5EF4-FFF2-40B4-BE49-F238E27FC236}">
-                  <a16:creationId xmlns:a16="http://schemas.microsoft.com/office/drawing/2014/main" xmlns="" id="{3EAA1545-E3E3-4AD9-9BFC-19F5123E0441}"/>
-                </a:ext>
-              </a:extLst>
-            </p:cNvPr>
-            <p:cNvCxnSpPr>
-              <a:cxnSpLocks/>
-            </p:cNvCxnSpPr>
-            <p:nvPr/>
-          </p:nvCxnSpPr>
-          <p:spPr>
-            <a:xfrm flipH="1">
-              <a:off x="4625848" y="2211573"/>
-              <a:ext cx="412492" cy="297711"/>
-            </a:xfrm>
-            <a:prstGeom prst="bentConnector3">
-              <a:avLst/>
-            </a:prstGeom>
-            <a:ln/>
-          </p:spPr>
-          <p:style>
-            <a:lnRef idx="2">
-              <a:schemeClr val="accent1"/>
-            </a:lnRef>
-            <a:fillRef idx="0">
-              <a:schemeClr val="accent1"/>
-            </a:fillRef>
-            <a:effectRef idx="1">
-              <a:schemeClr val="accent1"/>
-            </a:effectRef>
-            <a:fontRef idx="minor">
-              <a:schemeClr val="tx1"/>
-            </a:fontRef>
-          </p:style>
-        </p:cxnSp>
-        <p:cxnSp>
-          <p:nvCxnSpPr>
-            <p:cNvPr id="28" name="Connettore a gomito 27">
-              <a:extLst>
-                <a:ext uri="{FF2B5EF4-FFF2-40B4-BE49-F238E27FC236}">
-                  <a16:creationId xmlns:a16="http://schemas.microsoft.com/office/drawing/2014/main" xmlns="" id="{E4CD50A3-0C8B-4CF4-88BA-091714A97567}"/>
-                </a:ext>
-              </a:extLst>
-            </p:cNvPr>
-            <p:cNvCxnSpPr>
-              <a:cxnSpLocks/>
-            </p:cNvCxnSpPr>
-            <p:nvPr/>
-          </p:nvCxnSpPr>
-          <p:spPr>
-            <a:xfrm flipH="1">
-              <a:off x="4419602" y="2509284"/>
-              <a:ext cx="412492" cy="297711"/>
-            </a:xfrm>
-            <a:prstGeom prst="bentConnector3">
-              <a:avLst/>
-            </a:prstGeom>
-            <a:ln>
-              <a:solidFill>
-                <a:srgbClr val="FF0000"/>
-              </a:solidFill>
-            </a:ln>
-          </p:spPr>
-          <p:style>
-            <a:lnRef idx="1">
-              <a:schemeClr val="accent1"/>
-            </a:lnRef>
-            <a:fillRef idx="0">
-              <a:schemeClr val="accent1"/>
-            </a:fillRef>
-            <a:effectRef idx="0">
-              <a:schemeClr val="accent1"/>
-            </a:effectRef>
-            <a:fontRef idx="minor">
-              <a:schemeClr val="tx1"/>
-            </a:fontRef>
-          </p:style>
-        </p:cxnSp>
-        <p:cxnSp>
-          <p:nvCxnSpPr>
-            <p:cNvPr id="29" name="Connettore a gomito 28">
-              <a:extLst>
-                <a:ext uri="{FF2B5EF4-FFF2-40B4-BE49-F238E27FC236}">
-                  <a16:creationId xmlns:a16="http://schemas.microsoft.com/office/drawing/2014/main" xmlns="" id="{9E00AF1C-DA3A-43CE-A1D9-AEE189AD7A54}"/>
-                </a:ext>
-              </a:extLst>
-            </p:cNvPr>
-            <p:cNvCxnSpPr>
-              <a:cxnSpLocks/>
-            </p:cNvCxnSpPr>
-            <p:nvPr/>
-          </p:nvCxnSpPr>
-          <p:spPr>
-            <a:xfrm>
-              <a:off x="4419602" y="2806996"/>
-              <a:ext cx="412492" cy="297711"/>
-            </a:xfrm>
-            <a:prstGeom prst="bentConnector3">
-              <a:avLst/>
-            </a:prstGeom>
-            <a:ln>
-              <a:solidFill>
-                <a:srgbClr val="FF0000"/>
-              </a:solidFill>
-            </a:ln>
-          </p:spPr>
-          <p:style>
-            <a:lnRef idx="1">
-              <a:schemeClr val="accent1"/>
-            </a:lnRef>
-            <a:fillRef idx="0">
-              <a:schemeClr val="accent1"/>
-            </a:fillRef>
-            <a:effectRef idx="0">
-              <a:schemeClr val="accent1"/>
-            </a:effectRef>
-            <a:fontRef idx="minor">
-              <a:schemeClr val="tx1"/>
-            </a:fontRef>
-          </p:style>
-        </p:cxnSp>
-        <p:cxnSp>
-          <p:nvCxnSpPr>
-            <p:cNvPr id="30" name="Connettore a gomito 29">
-              <a:extLst>
-                <a:ext uri="{FF2B5EF4-FFF2-40B4-BE49-F238E27FC236}">
-                  <a16:creationId xmlns:a16="http://schemas.microsoft.com/office/drawing/2014/main" xmlns="" id="{42D32862-7BAF-495F-A6BB-3BC4CF9471CE}"/>
-                </a:ext>
-              </a:extLst>
-            </p:cNvPr>
-            <p:cNvCxnSpPr>
-              <a:cxnSpLocks/>
-            </p:cNvCxnSpPr>
-            <p:nvPr/>
-          </p:nvCxnSpPr>
-          <p:spPr>
-            <a:xfrm>
-              <a:off x="4625848" y="2509284"/>
-              <a:ext cx="412492" cy="297711"/>
-            </a:xfrm>
-            <a:prstGeom prst="bentConnector3">
-              <a:avLst/>
-            </a:prstGeom>
-            <a:ln/>
-          </p:spPr>
-          <p:style>
-            <a:lnRef idx="2">
-              <a:schemeClr val="accent1"/>
-            </a:lnRef>
-            <a:fillRef idx="0">
-              <a:schemeClr val="accent1"/>
-            </a:fillRef>
-            <a:effectRef idx="1">
-              <a:schemeClr val="accent1"/>
-            </a:effectRef>
-            <a:fontRef idx="minor">
-              <a:schemeClr val="tx1"/>
-            </a:fontRef>
-          </p:style>
-        </p:cxnSp>
-      </p:grpSp>
-      <p:grpSp>
-        <p:nvGrpSpPr>
-          <p:cNvPr id="15" name="Gruppo 14">
-            <a:extLst>
-              <a:ext uri="{FF2B5EF4-FFF2-40B4-BE49-F238E27FC236}">
-                <a16:creationId xmlns:a16="http://schemas.microsoft.com/office/drawing/2014/main" xmlns="" id="{FEC60DFC-C3F3-4D1B-B1F8-BE23091E2B13}"/>
-              </a:ext>
-            </a:extLst>
-          </p:cNvPr>
-          <p:cNvGrpSpPr/>
-          <p:nvPr/>
-        </p:nvGrpSpPr>
-        <p:grpSpPr>
-          <a:xfrm>
-            <a:off x="6689934" y="2264735"/>
-            <a:ext cx="659987" cy="893134"/>
+            <a:off x="7408086" y="5665780"/>
+            <a:ext cx="504787" cy="683107"/>
             <a:chOff x="6689934" y="2264735"/>
             <a:chExt cx="659987" cy="893134"/>
           </a:xfrm>
         </p:grpSpPr>
         <p:cxnSp>
           <p:nvCxnSpPr>
-            <p:cNvPr id="31" name="Connettore a gomito 30">
+            <p:cNvPr id="36" name="Connettore a gomito 30">
               <a:extLst>
                 <a:ext uri="{FF2B5EF4-FFF2-40B4-BE49-F238E27FC236}">
-                  <a16:creationId xmlns:a16="http://schemas.microsoft.com/office/drawing/2014/main" xmlns="" id="{533ED62E-8274-4B7F-9941-8D47A38EC178}"/>
+                  <a16:creationId xmlns:a16="http://schemas.microsoft.com/office/drawing/2014/main" id="{972C03E4-56EE-44C7-8CD1-AF4BBC452DFF}"/>
                 </a:ext>
               </a:extLst>
             </p:cNvPr>
@@ -8835,10 +8640,10 @@
         </p:cxnSp>
         <p:cxnSp>
           <p:nvCxnSpPr>
-            <p:cNvPr id="32" name="Connettore a gomito 31">
+            <p:cNvPr id="37" name="Connettore a gomito 31">
               <a:extLst>
                 <a:ext uri="{FF2B5EF4-FFF2-40B4-BE49-F238E27FC236}">
-                  <a16:creationId xmlns:a16="http://schemas.microsoft.com/office/drawing/2014/main" xmlns="" id="{CD5442C0-E3F7-4C7D-9777-222680F36D80}"/>
+                  <a16:creationId xmlns:a16="http://schemas.microsoft.com/office/drawing/2014/main" id="{754D7F65-0710-4FC1-A8DD-64C4EB3470EA}"/>
                 </a:ext>
               </a:extLst>
             </p:cNvPr>
@@ -8874,10 +8679,10 @@
         </p:cxnSp>
         <p:cxnSp>
           <p:nvCxnSpPr>
-            <p:cNvPr id="33" name="Connettore a gomito 32">
+            <p:cNvPr id="38" name="Connettore a gomito 32">
               <a:extLst>
                 <a:ext uri="{FF2B5EF4-FFF2-40B4-BE49-F238E27FC236}">
-                  <a16:creationId xmlns:a16="http://schemas.microsoft.com/office/drawing/2014/main" xmlns="" id="{8CA699CF-3100-4A5D-A898-344029F98C86}"/>
+                  <a16:creationId xmlns:a16="http://schemas.microsoft.com/office/drawing/2014/main" id="{1657DF29-FF3B-422B-A2A0-2CE87C6D0E1A}"/>
                 </a:ext>
               </a:extLst>
             </p:cNvPr>
@@ -8913,10 +8718,10 @@
         </p:cxnSp>
         <p:cxnSp>
           <p:nvCxnSpPr>
-            <p:cNvPr id="34" name="Connettore a gomito 33">
+            <p:cNvPr id="39" name="Connettore a gomito 33">
               <a:extLst>
                 <a:ext uri="{FF2B5EF4-FFF2-40B4-BE49-F238E27FC236}">
-                  <a16:creationId xmlns:a16="http://schemas.microsoft.com/office/drawing/2014/main" xmlns="" id="{B78FEB12-CFE7-4311-A094-350D3F5700BC}"/>
+                  <a16:creationId xmlns:a16="http://schemas.microsoft.com/office/drawing/2014/main" id="{0E4CAA18-4CA1-447A-A78F-0E2CE09F5780}"/>
                 </a:ext>
               </a:extLst>
             </p:cNvPr>
@@ -8951,6 +8756,1153 @@
           </p:style>
         </p:cxnSp>
       </p:grpSp>
+      <p:sp>
+        <p:nvSpPr>
+          <p:cNvPr id="25" name="Ellipse 24">
+            <a:extLst>
+              <a:ext uri="{FF2B5EF4-FFF2-40B4-BE49-F238E27FC236}">
+                <a16:creationId xmlns:a16="http://schemas.microsoft.com/office/drawing/2014/main" id="{DF7670FC-0DA6-44EC-8FD5-E80BAD055229}"/>
+              </a:ext>
+            </a:extLst>
+          </p:cNvPr>
+          <p:cNvSpPr/>
+          <p:nvPr/>
+        </p:nvSpPr>
+        <p:spPr>
+          <a:xfrm>
+            <a:off x="7206105" y="5893482"/>
+            <a:ext cx="201981" cy="187042"/>
+          </a:xfrm>
+          <a:prstGeom prst="ellipse">
+            <a:avLst/>
+          </a:prstGeom>
+          <a:solidFill>
+            <a:schemeClr val="accent6"/>
+          </a:solidFill>
+          <a:ln>
+            <a:noFill/>
+          </a:ln>
+        </p:spPr>
+        <p:style>
+          <a:lnRef idx="2">
+            <a:schemeClr val="accent1">
+              <a:shade val="50000"/>
+            </a:schemeClr>
+          </a:lnRef>
+          <a:fillRef idx="1">
+            <a:schemeClr val="accent1"/>
+          </a:fillRef>
+          <a:effectRef idx="0">
+            <a:schemeClr val="accent1"/>
+          </a:effectRef>
+          <a:fontRef idx="minor">
+            <a:schemeClr val="lt1"/>
+          </a:fontRef>
+        </p:style>
+        <p:txBody>
+          <a:bodyPr rtlCol="0" anchor="ctr"/>
+          <a:lstStyle/>
+          <a:p>
+            <a:pPr algn="ctr"/>
+            <a:endParaRPr lang="fr-FR"/>
+          </a:p>
+        </p:txBody>
+      </p:sp>
+      <p:sp>
+        <p:nvSpPr>
+          <p:cNvPr id="26" name="Ellipse 25">
+            <a:extLst>
+              <a:ext uri="{FF2B5EF4-FFF2-40B4-BE49-F238E27FC236}">
+                <a16:creationId xmlns:a16="http://schemas.microsoft.com/office/drawing/2014/main" id="{0AB0EE6E-CBDF-4707-8EDA-E6E989132242}"/>
+              </a:ext>
+            </a:extLst>
+          </p:cNvPr>
+          <p:cNvSpPr/>
+          <p:nvPr/>
+        </p:nvSpPr>
+        <p:spPr>
+          <a:xfrm>
+            <a:off x="7654137" y="5344500"/>
+            <a:ext cx="201981" cy="187042"/>
+          </a:xfrm>
+          <a:prstGeom prst="ellipse">
+            <a:avLst/>
+          </a:prstGeom>
+          <a:solidFill>
+            <a:schemeClr val="accent1"/>
+          </a:solidFill>
+          <a:ln>
+            <a:noFill/>
+          </a:ln>
+        </p:spPr>
+        <p:style>
+          <a:lnRef idx="2">
+            <a:schemeClr val="accent1">
+              <a:shade val="50000"/>
+            </a:schemeClr>
+          </a:lnRef>
+          <a:fillRef idx="1">
+            <a:schemeClr val="accent1"/>
+          </a:fillRef>
+          <a:effectRef idx="0">
+            <a:schemeClr val="accent1"/>
+          </a:effectRef>
+          <a:fontRef idx="minor">
+            <a:schemeClr val="lt1"/>
+          </a:fontRef>
+        </p:style>
+        <p:txBody>
+          <a:bodyPr rtlCol="0" anchor="ctr"/>
+          <a:lstStyle/>
+          <a:p>
+            <a:pPr algn="ctr"/>
+            <a:endParaRPr lang="fr-FR"/>
+          </a:p>
+        </p:txBody>
+      </p:sp>
+      <p:sp>
+        <p:nvSpPr>
+          <p:cNvPr id="35" name="Flèche : courbe vers le bas 34">
+            <a:extLst>
+              <a:ext uri="{FF2B5EF4-FFF2-40B4-BE49-F238E27FC236}">
+                <a16:creationId xmlns:a16="http://schemas.microsoft.com/office/drawing/2014/main" id="{97F02F3E-1E8C-4FA4-ABDC-4E7D1164095B}"/>
+              </a:ext>
+            </a:extLst>
+          </p:cNvPr>
+          <p:cNvSpPr/>
+          <p:nvPr/>
+        </p:nvSpPr>
+        <p:spPr>
+          <a:xfrm rot="18795740">
+            <a:off x="6889951" y="5331365"/>
+            <a:ext cx="834290" cy="306574"/>
+          </a:xfrm>
+          <a:prstGeom prst="curvedDownArrow">
+            <a:avLst/>
+          </a:prstGeom>
+          <a:noFill/>
+          <a:ln>
+            <a:solidFill>
+              <a:schemeClr val="tx1"/>
+            </a:solidFill>
+          </a:ln>
+        </p:spPr>
+        <p:style>
+          <a:lnRef idx="2">
+            <a:schemeClr val="accent1">
+              <a:shade val="50000"/>
+            </a:schemeClr>
+          </a:lnRef>
+          <a:fillRef idx="1">
+            <a:schemeClr val="accent1"/>
+          </a:fillRef>
+          <a:effectRef idx="0">
+            <a:schemeClr val="accent1"/>
+          </a:effectRef>
+          <a:fontRef idx="minor">
+            <a:schemeClr val="lt1"/>
+          </a:fontRef>
+        </p:style>
+        <p:txBody>
+          <a:bodyPr rtlCol="0" anchor="ctr"/>
+          <a:lstStyle/>
+          <a:p>
+            <a:pPr algn="ctr"/>
+            <a:endParaRPr lang="fr-FR">
+              <a:solidFill>
+                <a:schemeClr val="tx1"/>
+              </a:solidFill>
+            </a:endParaRPr>
+          </a:p>
+        </p:txBody>
+      </p:sp>
+      <p:grpSp>
+        <p:nvGrpSpPr>
+          <p:cNvPr id="16" name="Groupe 15">
+            <a:extLst>
+              <a:ext uri="{FF2B5EF4-FFF2-40B4-BE49-F238E27FC236}">
+                <a16:creationId xmlns:a16="http://schemas.microsoft.com/office/drawing/2014/main" id="{22139545-38A3-4E58-8993-BF85B1387E9B}"/>
+              </a:ext>
+            </a:extLst>
+          </p:cNvPr>
+          <p:cNvGrpSpPr/>
+          <p:nvPr/>
+        </p:nvGrpSpPr>
+        <p:grpSpPr>
+          <a:xfrm>
+            <a:off x="4512781" y="1608696"/>
+            <a:ext cx="1143262" cy="1263609"/>
+            <a:chOff x="3845911" y="1582761"/>
+            <a:chExt cx="1879469" cy="2077315"/>
+          </a:xfrm>
+        </p:grpSpPr>
+        <p:grpSp>
+          <p:nvGrpSpPr>
+            <p:cNvPr id="4" name="Gruppo 3">
+              <a:extLst>
+                <a:ext uri="{FF2B5EF4-FFF2-40B4-BE49-F238E27FC236}">
+                  <a16:creationId xmlns:a16="http://schemas.microsoft.com/office/drawing/2014/main" id="{09202E6A-94F4-4723-942E-4038738ACB1B}"/>
+                </a:ext>
+              </a:extLst>
+            </p:cNvPr>
+            <p:cNvGrpSpPr/>
+            <p:nvPr/>
+          </p:nvGrpSpPr>
+          <p:grpSpPr>
+            <a:xfrm>
+              <a:off x="4513236" y="2157687"/>
+              <a:ext cx="618738" cy="893134"/>
+              <a:chOff x="2321443" y="2211573"/>
+              <a:chExt cx="618738" cy="893134"/>
+            </a:xfrm>
+          </p:grpSpPr>
+          <p:cxnSp>
+            <p:nvCxnSpPr>
+              <p:cNvPr id="5" name="Connettore a gomito 4">
+                <a:extLst>
+                  <a:ext uri="{FF2B5EF4-FFF2-40B4-BE49-F238E27FC236}">
+                    <a16:creationId xmlns:a16="http://schemas.microsoft.com/office/drawing/2014/main" id="{20FECF45-9275-449A-B486-B1B63CDE7F38}"/>
+                  </a:ext>
+                </a:extLst>
+              </p:cNvPr>
+              <p:cNvCxnSpPr>
+                <a:cxnSpLocks/>
+              </p:cNvCxnSpPr>
+              <p:nvPr/>
+            </p:nvCxnSpPr>
+            <p:spPr>
+              <a:xfrm flipH="1">
+                <a:off x="2527689" y="2211573"/>
+                <a:ext cx="412492" cy="297711"/>
+              </a:xfrm>
+              <a:prstGeom prst="bentConnector3">
+                <a:avLst/>
+              </a:prstGeom>
+              <a:ln/>
+            </p:spPr>
+            <p:style>
+              <a:lnRef idx="1">
+                <a:schemeClr val="accent6"/>
+              </a:lnRef>
+              <a:fillRef idx="0">
+                <a:schemeClr val="accent6"/>
+              </a:fillRef>
+              <a:effectRef idx="0">
+                <a:schemeClr val="accent6"/>
+              </a:effectRef>
+              <a:fontRef idx="minor">
+                <a:schemeClr val="tx1"/>
+              </a:fontRef>
+            </p:style>
+          </p:cxnSp>
+          <p:cxnSp>
+            <p:nvCxnSpPr>
+              <p:cNvPr id="8" name="Connettore a gomito 7">
+                <a:extLst>
+                  <a:ext uri="{FF2B5EF4-FFF2-40B4-BE49-F238E27FC236}">
+                    <a16:creationId xmlns:a16="http://schemas.microsoft.com/office/drawing/2014/main" id="{4B278F0D-6231-4344-BA26-BDC44FD5D6E0}"/>
+                  </a:ext>
+                </a:extLst>
+              </p:cNvPr>
+              <p:cNvCxnSpPr>
+                <a:cxnSpLocks/>
+              </p:cNvCxnSpPr>
+              <p:nvPr/>
+            </p:nvCxnSpPr>
+            <p:spPr>
+              <a:xfrm flipH="1">
+                <a:off x="2321443" y="2509284"/>
+                <a:ext cx="412492" cy="297711"/>
+              </a:xfrm>
+              <a:prstGeom prst="bentConnector3">
+                <a:avLst/>
+              </a:prstGeom>
+              <a:ln>
+                <a:solidFill>
+                  <a:srgbClr val="FF0000"/>
+                </a:solidFill>
+              </a:ln>
+            </p:spPr>
+            <p:style>
+              <a:lnRef idx="1">
+                <a:schemeClr val="accent1"/>
+              </a:lnRef>
+              <a:fillRef idx="0">
+                <a:schemeClr val="accent1"/>
+              </a:fillRef>
+              <a:effectRef idx="0">
+                <a:schemeClr val="accent1"/>
+              </a:effectRef>
+              <a:fontRef idx="minor">
+                <a:schemeClr val="tx1"/>
+              </a:fontRef>
+            </p:style>
+          </p:cxnSp>
+          <p:cxnSp>
+            <p:nvCxnSpPr>
+              <p:cNvPr id="9" name="Connettore a gomito 8">
+                <a:extLst>
+                  <a:ext uri="{FF2B5EF4-FFF2-40B4-BE49-F238E27FC236}">
+                    <a16:creationId xmlns:a16="http://schemas.microsoft.com/office/drawing/2014/main" id="{0540759E-5E02-4E63-A918-494114C8F250}"/>
+                  </a:ext>
+                </a:extLst>
+              </p:cNvPr>
+              <p:cNvCxnSpPr>
+                <a:cxnSpLocks/>
+              </p:cNvCxnSpPr>
+              <p:nvPr/>
+            </p:nvCxnSpPr>
+            <p:spPr>
+              <a:xfrm>
+                <a:off x="2321443" y="2806996"/>
+                <a:ext cx="412492" cy="297711"/>
+              </a:xfrm>
+              <a:prstGeom prst="bentConnector3">
+                <a:avLst/>
+              </a:prstGeom>
+              <a:ln>
+                <a:solidFill>
+                  <a:srgbClr val="FF0000"/>
+                </a:solidFill>
+              </a:ln>
+            </p:spPr>
+            <p:style>
+              <a:lnRef idx="1">
+                <a:schemeClr val="accent1"/>
+              </a:lnRef>
+              <a:fillRef idx="0">
+                <a:schemeClr val="accent1"/>
+              </a:fillRef>
+              <a:effectRef idx="0">
+                <a:schemeClr val="accent1"/>
+              </a:effectRef>
+              <a:fontRef idx="minor">
+                <a:schemeClr val="tx1"/>
+              </a:fontRef>
+            </p:style>
+          </p:cxnSp>
+          <p:cxnSp>
+            <p:nvCxnSpPr>
+              <p:cNvPr id="10" name="Connettore a gomito 9">
+                <a:extLst>
+                  <a:ext uri="{FF2B5EF4-FFF2-40B4-BE49-F238E27FC236}">
+                    <a16:creationId xmlns:a16="http://schemas.microsoft.com/office/drawing/2014/main" id="{D9C2FDAE-5C39-426E-85C2-B50B8E362272}"/>
+                  </a:ext>
+                </a:extLst>
+              </p:cNvPr>
+              <p:cNvCxnSpPr>
+                <a:cxnSpLocks/>
+              </p:cNvCxnSpPr>
+              <p:nvPr/>
+            </p:nvCxnSpPr>
+            <p:spPr>
+              <a:xfrm>
+                <a:off x="2527689" y="2509284"/>
+                <a:ext cx="412492" cy="297711"/>
+              </a:xfrm>
+              <a:prstGeom prst="bentConnector3">
+                <a:avLst/>
+              </a:prstGeom>
+              <a:ln/>
+            </p:spPr>
+            <p:style>
+              <a:lnRef idx="1">
+                <a:schemeClr val="accent6"/>
+              </a:lnRef>
+              <a:fillRef idx="0">
+                <a:schemeClr val="accent6"/>
+              </a:fillRef>
+              <a:effectRef idx="0">
+                <a:schemeClr val="accent6"/>
+              </a:effectRef>
+              <a:fontRef idx="minor">
+                <a:schemeClr val="tx1"/>
+              </a:fontRef>
+            </p:style>
+          </p:cxnSp>
+        </p:grpSp>
+        <p:cxnSp>
+          <p:nvCxnSpPr>
+            <p:cNvPr id="40" name="Connettore a gomito 26">
+              <a:extLst>
+                <a:ext uri="{FF2B5EF4-FFF2-40B4-BE49-F238E27FC236}">
+                  <a16:creationId xmlns:a16="http://schemas.microsoft.com/office/drawing/2014/main" id="{80414508-2F17-4687-99E6-96C9542F2BCE}"/>
+                </a:ext>
+              </a:extLst>
+            </p:cNvPr>
+            <p:cNvCxnSpPr>
+              <a:cxnSpLocks/>
+            </p:cNvCxnSpPr>
+            <p:nvPr/>
+          </p:nvCxnSpPr>
+          <p:spPr>
+            <a:xfrm flipH="1">
+              <a:off x="4926332" y="1859975"/>
+              <a:ext cx="412492" cy="297711"/>
+            </a:xfrm>
+            <a:prstGeom prst="bentConnector3">
+              <a:avLst/>
+            </a:prstGeom>
+            <a:ln/>
+          </p:spPr>
+          <p:style>
+            <a:lnRef idx="2">
+              <a:schemeClr val="accent1"/>
+            </a:lnRef>
+            <a:fillRef idx="0">
+              <a:schemeClr val="accent1"/>
+            </a:fillRef>
+            <a:effectRef idx="1">
+              <a:schemeClr val="accent1"/>
+            </a:effectRef>
+            <a:fontRef idx="minor">
+              <a:schemeClr val="tx1"/>
+            </a:fontRef>
+          </p:style>
+        </p:cxnSp>
+        <p:cxnSp>
+          <p:nvCxnSpPr>
+            <p:cNvPr id="41" name="Connettore a gomito 29">
+              <a:extLst>
+                <a:ext uri="{FF2B5EF4-FFF2-40B4-BE49-F238E27FC236}">
+                  <a16:creationId xmlns:a16="http://schemas.microsoft.com/office/drawing/2014/main" id="{4A62DD8C-B02C-484D-A191-2600EFAC47AC}"/>
+                </a:ext>
+              </a:extLst>
+            </p:cNvPr>
+            <p:cNvCxnSpPr>
+              <a:cxnSpLocks/>
+            </p:cNvCxnSpPr>
+            <p:nvPr/>
+          </p:nvCxnSpPr>
+          <p:spPr>
+            <a:xfrm>
+              <a:off x="4926332" y="2157686"/>
+              <a:ext cx="412492" cy="297711"/>
+            </a:xfrm>
+            <a:prstGeom prst="bentConnector3">
+              <a:avLst/>
+            </a:prstGeom>
+            <a:ln/>
+          </p:spPr>
+          <p:style>
+            <a:lnRef idx="2">
+              <a:schemeClr val="accent1"/>
+            </a:lnRef>
+            <a:fillRef idx="0">
+              <a:schemeClr val="accent1"/>
+            </a:fillRef>
+            <a:effectRef idx="1">
+              <a:schemeClr val="accent1"/>
+            </a:effectRef>
+            <a:fontRef idx="minor">
+              <a:schemeClr val="tx1"/>
+            </a:fontRef>
+          </p:style>
+        </p:cxnSp>
+        <p:sp>
+          <p:nvSpPr>
+            <p:cNvPr id="42" name="Ellipse 41">
+              <a:extLst>
+                <a:ext uri="{FF2B5EF4-FFF2-40B4-BE49-F238E27FC236}">
+                  <a16:creationId xmlns:a16="http://schemas.microsoft.com/office/drawing/2014/main" id="{DB736BD1-57C2-4B24-B94D-08834870122F}"/>
+                </a:ext>
+              </a:extLst>
+            </p:cNvPr>
+            <p:cNvSpPr/>
+            <p:nvPr/>
+          </p:nvSpPr>
+          <p:spPr>
+            <a:xfrm>
+              <a:off x="4406019" y="2415037"/>
+              <a:ext cx="201981" cy="187042"/>
+            </a:xfrm>
+            <a:prstGeom prst="ellipse">
+              <a:avLst/>
+            </a:prstGeom>
+            <a:solidFill>
+              <a:schemeClr val="accent6"/>
+            </a:solidFill>
+            <a:ln>
+              <a:noFill/>
+            </a:ln>
+          </p:spPr>
+          <p:style>
+            <a:lnRef idx="2">
+              <a:schemeClr val="accent1">
+                <a:shade val="50000"/>
+              </a:schemeClr>
+            </a:lnRef>
+            <a:fillRef idx="1">
+              <a:schemeClr val="accent1"/>
+            </a:fillRef>
+            <a:effectRef idx="0">
+              <a:schemeClr val="accent1"/>
+            </a:effectRef>
+            <a:fontRef idx="minor">
+              <a:schemeClr val="lt1"/>
+            </a:fontRef>
+          </p:style>
+          <p:txBody>
+            <a:bodyPr rtlCol="0" anchor="ctr"/>
+            <a:lstStyle/>
+            <a:p>
+              <a:pPr algn="ctr"/>
+              <a:endParaRPr lang="fr-FR" dirty="0"/>
+            </a:p>
+          </p:txBody>
+        </p:sp>
+        <p:sp>
+          <p:nvSpPr>
+            <p:cNvPr id="43" name="Ellipse 42">
+              <a:extLst>
+                <a:ext uri="{FF2B5EF4-FFF2-40B4-BE49-F238E27FC236}">
+                  <a16:creationId xmlns:a16="http://schemas.microsoft.com/office/drawing/2014/main" id="{D446C91F-55CB-4C11-B3E9-0B82158DF80F}"/>
+                </a:ext>
+              </a:extLst>
+            </p:cNvPr>
+            <p:cNvSpPr/>
+            <p:nvPr/>
+          </p:nvSpPr>
+          <p:spPr>
+            <a:xfrm>
+              <a:off x="4854051" y="1866055"/>
+              <a:ext cx="201981" cy="187042"/>
+            </a:xfrm>
+            <a:prstGeom prst="ellipse">
+              <a:avLst/>
+            </a:prstGeom>
+            <a:solidFill>
+              <a:schemeClr val="accent1"/>
+            </a:solidFill>
+            <a:ln>
+              <a:noFill/>
+            </a:ln>
+          </p:spPr>
+          <p:style>
+            <a:lnRef idx="2">
+              <a:schemeClr val="accent1">
+                <a:shade val="50000"/>
+              </a:schemeClr>
+            </a:lnRef>
+            <a:fillRef idx="1">
+              <a:schemeClr val="accent1"/>
+            </a:fillRef>
+            <a:effectRef idx="0">
+              <a:schemeClr val="accent1"/>
+            </a:effectRef>
+            <a:fontRef idx="minor">
+              <a:schemeClr val="lt1"/>
+            </a:fontRef>
+          </p:style>
+          <p:txBody>
+            <a:bodyPr rtlCol="0" anchor="ctr"/>
+            <a:lstStyle/>
+            <a:p>
+              <a:pPr algn="ctr"/>
+              <a:endParaRPr lang="fr-FR"/>
+            </a:p>
+          </p:txBody>
+        </p:sp>
+        <p:sp>
+          <p:nvSpPr>
+            <p:cNvPr id="44" name="Flèche : courbe vers le bas 43">
+              <a:extLst>
+                <a:ext uri="{FF2B5EF4-FFF2-40B4-BE49-F238E27FC236}">
+                  <a16:creationId xmlns:a16="http://schemas.microsoft.com/office/drawing/2014/main" id="{E3BEBC6F-9AB7-44C6-9710-1D5837FAF869}"/>
+                </a:ext>
+              </a:extLst>
+            </p:cNvPr>
+            <p:cNvSpPr/>
+            <p:nvPr/>
+          </p:nvSpPr>
+          <p:spPr>
+            <a:xfrm rot="19755032">
+              <a:off x="3918481" y="1582761"/>
+              <a:ext cx="910972" cy="472375"/>
+            </a:xfrm>
+            <a:prstGeom prst="curvedDownArrow">
+              <a:avLst/>
+            </a:prstGeom>
+            <a:noFill/>
+            <a:ln>
+              <a:solidFill>
+                <a:schemeClr val="tx1"/>
+              </a:solidFill>
+            </a:ln>
+          </p:spPr>
+          <p:style>
+            <a:lnRef idx="2">
+              <a:schemeClr val="accent1">
+                <a:shade val="50000"/>
+              </a:schemeClr>
+            </a:lnRef>
+            <a:fillRef idx="1">
+              <a:schemeClr val="accent1"/>
+            </a:fillRef>
+            <a:effectRef idx="0">
+              <a:schemeClr val="accent1"/>
+            </a:effectRef>
+            <a:fontRef idx="minor">
+              <a:schemeClr val="lt1"/>
+            </a:fontRef>
+          </p:style>
+          <p:txBody>
+            <a:bodyPr rtlCol="0" anchor="ctr"/>
+            <a:lstStyle/>
+            <a:p>
+              <a:pPr algn="ctr"/>
+              <a:endParaRPr lang="fr-FR">
+                <a:solidFill>
+                  <a:schemeClr val="tx1"/>
+                </a:solidFill>
+              </a:endParaRPr>
+            </a:p>
+          </p:txBody>
+        </p:sp>
+        <p:sp>
+          <p:nvSpPr>
+            <p:cNvPr id="45" name="Ellipse 44">
+              <a:extLst>
+                <a:ext uri="{FF2B5EF4-FFF2-40B4-BE49-F238E27FC236}">
+                  <a16:creationId xmlns:a16="http://schemas.microsoft.com/office/drawing/2014/main" id="{AF47D83B-CC48-46E6-8F5D-4D5BF28FBCAC}"/>
+                </a:ext>
+              </a:extLst>
+            </p:cNvPr>
+            <p:cNvSpPr/>
+            <p:nvPr/>
+          </p:nvSpPr>
+          <p:spPr>
+            <a:xfrm>
+              <a:off x="3932451" y="2435217"/>
+              <a:ext cx="201981" cy="187042"/>
+            </a:xfrm>
+            <a:prstGeom prst="ellipse">
+              <a:avLst/>
+            </a:prstGeom>
+            <a:solidFill>
+              <a:srgbClr val="FF0000"/>
+            </a:solidFill>
+            <a:ln>
+              <a:noFill/>
+            </a:ln>
+          </p:spPr>
+          <p:style>
+            <a:lnRef idx="2">
+              <a:schemeClr val="accent1">
+                <a:shade val="50000"/>
+              </a:schemeClr>
+            </a:lnRef>
+            <a:fillRef idx="1">
+              <a:schemeClr val="accent1"/>
+            </a:fillRef>
+            <a:effectRef idx="0">
+              <a:schemeClr val="accent1"/>
+            </a:effectRef>
+            <a:fontRef idx="minor">
+              <a:schemeClr val="lt1"/>
+            </a:fontRef>
+          </p:style>
+          <p:txBody>
+            <a:bodyPr rtlCol="0" anchor="ctr"/>
+            <a:lstStyle/>
+            <a:p>
+              <a:pPr algn="ctr"/>
+              <a:endParaRPr lang="fr-FR"/>
+            </a:p>
+          </p:txBody>
+        </p:sp>
+        <p:sp>
+          <p:nvSpPr>
+            <p:cNvPr id="11" name="ZoneTexte 10">
+              <a:extLst>
+                <a:ext uri="{FF2B5EF4-FFF2-40B4-BE49-F238E27FC236}">
+                  <a16:creationId xmlns:a16="http://schemas.microsoft.com/office/drawing/2014/main" id="{E8F8ED2A-8BE7-412D-9360-FDE69A56F4F8}"/>
+                </a:ext>
+              </a:extLst>
+            </p:cNvPr>
+            <p:cNvSpPr txBox="1"/>
+            <p:nvPr/>
+          </p:nvSpPr>
+          <p:spPr>
+            <a:xfrm>
+              <a:off x="3845911" y="3230001"/>
+              <a:ext cx="1879469" cy="430075"/>
+            </a:xfrm>
+            <a:prstGeom prst="rect">
+              <a:avLst/>
+            </a:prstGeom>
+            <a:noFill/>
+          </p:spPr>
+          <p:txBody>
+            <a:bodyPr wrap="none" rtlCol="0">
+              <a:spAutoFit/>
+            </a:bodyPr>
+            <a:lstStyle/>
+            <a:p>
+              <a:r>
+                <a:rPr lang="fr-FR" sz="1100" dirty="0" err="1"/>
+                <a:t>Wx</a:t>
+              </a:r>
+              <a:r>
+                <a:rPr lang="fr-FR" sz="1100" dirty="0"/>
+                <a:t> or </a:t>
+              </a:r>
+              <a:r>
+                <a:rPr lang="fr-FR" sz="1100" dirty="0" err="1"/>
+                <a:t>Wy</a:t>
+              </a:r>
+              <a:r>
+                <a:rPr lang="fr-FR" sz="1100" dirty="0"/>
+                <a:t> </a:t>
+              </a:r>
+              <a:r>
+                <a:rPr lang="fr-FR" sz="1100" dirty="0">
+                  <a:sym typeface="Wingdings" panose="05000000000000000000" pitchFamily="2" charset="2"/>
+                </a:rPr>
+                <a:t> </a:t>
+              </a:r>
+              <a:r>
+                <a:rPr lang="fr-FR" sz="1100" dirty="0" err="1">
+                  <a:sym typeface="Wingdings" panose="05000000000000000000" pitchFamily="2" charset="2"/>
+                </a:rPr>
+                <a:t>Wz</a:t>
+              </a:r>
+              <a:endParaRPr lang="fr-FR" sz="1100" dirty="0"/>
+            </a:p>
+          </p:txBody>
+        </p:sp>
+      </p:grpSp>
+      <p:grpSp>
+        <p:nvGrpSpPr>
+          <p:cNvPr id="14" name="Groupe 13">
+            <a:extLst>
+              <a:ext uri="{FF2B5EF4-FFF2-40B4-BE49-F238E27FC236}">
+                <a16:creationId xmlns:a16="http://schemas.microsoft.com/office/drawing/2014/main" id="{1C902755-3253-4FAD-AC11-8C265B4D90A8}"/>
+              </a:ext>
+            </a:extLst>
+          </p:cNvPr>
+          <p:cNvGrpSpPr/>
+          <p:nvPr/>
+        </p:nvGrpSpPr>
+        <p:grpSpPr>
+          <a:xfrm>
+            <a:off x="6182211" y="1423333"/>
+            <a:ext cx="774571" cy="1432355"/>
+            <a:chOff x="6323523" y="1482518"/>
+            <a:chExt cx="1191795" cy="2203896"/>
+          </a:xfrm>
+        </p:grpSpPr>
+        <p:grpSp>
+          <p:nvGrpSpPr>
+            <p:cNvPr id="7" name="Groupe 6">
+              <a:extLst>
+                <a:ext uri="{FF2B5EF4-FFF2-40B4-BE49-F238E27FC236}">
+                  <a16:creationId xmlns:a16="http://schemas.microsoft.com/office/drawing/2014/main" id="{17E21DA2-4064-46AE-96AA-715CFAF8ECC8}"/>
+                </a:ext>
+              </a:extLst>
+            </p:cNvPr>
+            <p:cNvGrpSpPr/>
+            <p:nvPr/>
+          </p:nvGrpSpPr>
+          <p:grpSpPr>
+            <a:xfrm>
+              <a:off x="6357477" y="1482518"/>
+              <a:ext cx="992444" cy="1675351"/>
+              <a:chOff x="6357477" y="1482518"/>
+              <a:chExt cx="992444" cy="1675351"/>
+            </a:xfrm>
+          </p:grpSpPr>
+          <p:grpSp>
+            <p:nvGrpSpPr>
+              <p:cNvPr id="15" name="Gruppo 14">
+                <a:extLst>
+                  <a:ext uri="{FF2B5EF4-FFF2-40B4-BE49-F238E27FC236}">
+                    <a16:creationId xmlns:a16="http://schemas.microsoft.com/office/drawing/2014/main" id="{FEC60DFC-C3F3-4D1B-B1F8-BE23091E2B13}"/>
+                  </a:ext>
+                </a:extLst>
+              </p:cNvPr>
+              <p:cNvGrpSpPr/>
+              <p:nvPr/>
+            </p:nvGrpSpPr>
+            <p:grpSpPr>
+              <a:xfrm>
+                <a:off x="6689934" y="2264735"/>
+                <a:ext cx="659987" cy="893134"/>
+                <a:chOff x="6689934" y="2264735"/>
+                <a:chExt cx="659987" cy="893134"/>
+              </a:xfrm>
+            </p:grpSpPr>
+            <p:cxnSp>
+              <p:nvCxnSpPr>
+                <p:cNvPr id="31" name="Connettore a gomito 30">
+                  <a:extLst>
+                    <a:ext uri="{FF2B5EF4-FFF2-40B4-BE49-F238E27FC236}">
+                      <a16:creationId xmlns:a16="http://schemas.microsoft.com/office/drawing/2014/main" id="{533ED62E-8274-4B7F-9941-8D47A38EC178}"/>
+                    </a:ext>
+                  </a:extLst>
+                </p:cNvPr>
+                <p:cNvCxnSpPr>
+                  <a:cxnSpLocks/>
+                </p:cNvCxnSpPr>
+                <p:nvPr/>
+              </p:nvCxnSpPr>
+              <p:spPr>
+                <a:xfrm flipH="1">
+                  <a:off x="6896180" y="2264735"/>
+                  <a:ext cx="453741" cy="297711"/>
+                </a:xfrm>
+                <a:prstGeom prst="bentConnector3">
+                  <a:avLst/>
+                </a:prstGeom>
+                <a:ln/>
+              </p:spPr>
+              <p:style>
+                <a:lnRef idx="2">
+                  <a:schemeClr val="accent1"/>
+                </a:lnRef>
+                <a:fillRef idx="0">
+                  <a:schemeClr val="accent1"/>
+                </a:fillRef>
+                <a:effectRef idx="1">
+                  <a:schemeClr val="accent1"/>
+                </a:effectRef>
+                <a:fontRef idx="minor">
+                  <a:schemeClr val="tx1"/>
+                </a:fontRef>
+              </p:style>
+            </p:cxnSp>
+            <p:cxnSp>
+              <p:nvCxnSpPr>
+                <p:cNvPr id="32" name="Connettore a gomito 31">
+                  <a:extLst>
+                    <a:ext uri="{FF2B5EF4-FFF2-40B4-BE49-F238E27FC236}">
+                      <a16:creationId xmlns:a16="http://schemas.microsoft.com/office/drawing/2014/main" id="{CD5442C0-E3F7-4C7D-9777-222680F36D80}"/>
+                    </a:ext>
+                  </a:extLst>
+                </p:cNvPr>
+                <p:cNvCxnSpPr>
+                  <a:cxnSpLocks/>
+                </p:cNvCxnSpPr>
+                <p:nvPr/>
+              </p:nvCxnSpPr>
+              <p:spPr>
+                <a:xfrm flipH="1">
+                  <a:off x="6689934" y="2562446"/>
+                  <a:ext cx="453741" cy="297711"/>
+                </a:xfrm>
+                <a:prstGeom prst="bentConnector3">
+                  <a:avLst/>
+                </a:prstGeom>
+                <a:ln/>
+              </p:spPr>
+              <p:style>
+                <a:lnRef idx="1">
+                  <a:schemeClr val="accent6"/>
+                </a:lnRef>
+                <a:fillRef idx="0">
+                  <a:schemeClr val="accent6"/>
+                </a:fillRef>
+                <a:effectRef idx="0">
+                  <a:schemeClr val="accent6"/>
+                </a:effectRef>
+                <a:fontRef idx="minor">
+                  <a:schemeClr val="tx1"/>
+                </a:fontRef>
+              </p:style>
+            </p:cxnSp>
+            <p:cxnSp>
+              <p:nvCxnSpPr>
+                <p:cNvPr id="33" name="Connettore a gomito 32">
+                  <a:extLst>
+                    <a:ext uri="{FF2B5EF4-FFF2-40B4-BE49-F238E27FC236}">
+                      <a16:creationId xmlns:a16="http://schemas.microsoft.com/office/drawing/2014/main" id="{8CA699CF-3100-4A5D-A898-344029F98C86}"/>
+                    </a:ext>
+                  </a:extLst>
+                </p:cNvPr>
+                <p:cNvCxnSpPr>
+                  <a:cxnSpLocks/>
+                </p:cNvCxnSpPr>
+                <p:nvPr/>
+              </p:nvCxnSpPr>
+              <p:spPr>
+                <a:xfrm>
+                  <a:off x="6689934" y="2860158"/>
+                  <a:ext cx="453741" cy="297711"/>
+                </a:xfrm>
+                <a:prstGeom prst="bentConnector3">
+                  <a:avLst/>
+                </a:prstGeom>
+                <a:ln/>
+              </p:spPr>
+              <p:style>
+                <a:lnRef idx="1">
+                  <a:schemeClr val="accent6"/>
+                </a:lnRef>
+                <a:fillRef idx="0">
+                  <a:schemeClr val="accent6"/>
+                </a:fillRef>
+                <a:effectRef idx="0">
+                  <a:schemeClr val="accent6"/>
+                </a:effectRef>
+                <a:fontRef idx="minor">
+                  <a:schemeClr val="tx1"/>
+                </a:fontRef>
+              </p:style>
+            </p:cxnSp>
+            <p:cxnSp>
+              <p:nvCxnSpPr>
+                <p:cNvPr id="34" name="Connettore a gomito 33">
+                  <a:extLst>
+                    <a:ext uri="{FF2B5EF4-FFF2-40B4-BE49-F238E27FC236}">
+                      <a16:creationId xmlns:a16="http://schemas.microsoft.com/office/drawing/2014/main" id="{B78FEB12-CFE7-4311-A094-350D3F5700BC}"/>
+                    </a:ext>
+                  </a:extLst>
+                </p:cNvPr>
+                <p:cNvCxnSpPr>
+                  <a:cxnSpLocks/>
+                </p:cNvCxnSpPr>
+                <p:nvPr/>
+              </p:nvCxnSpPr>
+              <p:spPr>
+                <a:xfrm>
+                  <a:off x="6896180" y="2562446"/>
+                  <a:ext cx="453741" cy="297711"/>
+                </a:xfrm>
+                <a:prstGeom prst="bentConnector3">
+                  <a:avLst/>
+                </a:prstGeom>
+                <a:ln/>
+              </p:spPr>
+              <p:style>
+                <a:lnRef idx="2">
+                  <a:schemeClr val="accent1"/>
+                </a:lnRef>
+                <a:fillRef idx="0">
+                  <a:schemeClr val="accent1"/>
+                </a:fillRef>
+                <a:effectRef idx="1">
+                  <a:schemeClr val="accent1"/>
+                </a:effectRef>
+                <a:fontRef idx="minor">
+                  <a:schemeClr val="tx1"/>
+                </a:fontRef>
+              </p:style>
+            </p:cxnSp>
+          </p:grpSp>
+          <p:sp>
+            <p:nvSpPr>
+              <p:cNvPr id="2" name="Ellipse 1">
+                <a:extLst>
+                  <a:ext uri="{FF2B5EF4-FFF2-40B4-BE49-F238E27FC236}">
+                    <a16:creationId xmlns:a16="http://schemas.microsoft.com/office/drawing/2014/main" id="{50E5026D-6AB8-4C0C-8040-97A13668E2B1}"/>
+                  </a:ext>
+                </a:extLst>
+              </p:cNvPr>
+              <p:cNvSpPr/>
+              <p:nvPr/>
+            </p:nvSpPr>
+            <p:spPr>
+              <a:xfrm>
+                <a:off x="6425852" y="2562446"/>
+                <a:ext cx="264082" cy="244549"/>
+              </a:xfrm>
+              <a:prstGeom prst="ellipse">
+                <a:avLst/>
+              </a:prstGeom>
+              <a:solidFill>
+                <a:schemeClr val="accent6"/>
+              </a:solidFill>
+              <a:ln>
+                <a:noFill/>
+              </a:ln>
+            </p:spPr>
+            <p:style>
+              <a:lnRef idx="2">
+                <a:schemeClr val="accent1">
+                  <a:shade val="50000"/>
+                </a:schemeClr>
+              </a:lnRef>
+              <a:fillRef idx="1">
+                <a:schemeClr val="accent1"/>
+              </a:fillRef>
+              <a:effectRef idx="0">
+                <a:schemeClr val="accent1"/>
+              </a:effectRef>
+              <a:fontRef idx="minor">
+                <a:schemeClr val="lt1"/>
+              </a:fontRef>
+            </p:style>
+            <p:txBody>
+              <a:bodyPr rtlCol="0" anchor="ctr"/>
+              <a:lstStyle/>
+              <a:p>
+                <a:pPr algn="ctr"/>
+                <a:endParaRPr lang="fr-FR"/>
+              </a:p>
+            </p:txBody>
+          </p:sp>
+          <p:sp>
+            <p:nvSpPr>
+              <p:cNvPr id="18" name="Ellipse 17">
+                <a:extLst>
+                  <a:ext uri="{FF2B5EF4-FFF2-40B4-BE49-F238E27FC236}">
+                    <a16:creationId xmlns:a16="http://schemas.microsoft.com/office/drawing/2014/main" id="{169A3A59-0F61-4AB7-B696-9D20E6392453}"/>
+                  </a:ext>
+                </a:extLst>
+              </p:cNvPr>
+              <p:cNvSpPr/>
+              <p:nvPr/>
+            </p:nvSpPr>
+            <p:spPr>
+              <a:xfrm>
+                <a:off x="7011634" y="1844675"/>
+                <a:ext cx="264082" cy="244549"/>
+              </a:xfrm>
+              <a:prstGeom prst="ellipse">
+                <a:avLst/>
+              </a:prstGeom>
+              <a:solidFill>
+                <a:schemeClr val="accent1"/>
+              </a:solidFill>
+              <a:ln>
+                <a:noFill/>
+              </a:ln>
+            </p:spPr>
+            <p:style>
+              <a:lnRef idx="2">
+                <a:schemeClr val="accent1">
+                  <a:shade val="50000"/>
+                </a:schemeClr>
+              </a:lnRef>
+              <a:fillRef idx="1">
+                <a:schemeClr val="accent1"/>
+              </a:fillRef>
+              <a:effectRef idx="0">
+                <a:schemeClr val="accent1"/>
+              </a:effectRef>
+              <a:fontRef idx="minor">
+                <a:schemeClr val="lt1"/>
+              </a:fontRef>
+            </p:style>
+            <p:txBody>
+              <a:bodyPr rtlCol="0" anchor="ctr"/>
+              <a:lstStyle/>
+              <a:p>
+                <a:pPr algn="ctr"/>
+                <a:endParaRPr lang="fr-FR"/>
+              </a:p>
+            </p:txBody>
+          </p:sp>
+          <p:sp>
+            <p:nvSpPr>
+              <p:cNvPr id="6" name="Flèche : courbe vers le bas 5">
+                <a:extLst>
+                  <a:ext uri="{FF2B5EF4-FFF2-40B4-BE49-F238E27FC236}">
+                    <a16:creationId xmlns:a16="http://schemas.microsoft.com/office/drawing/2014/main" id="{17FB5254-4C1C-4E14-A810-22B0C5334E18}"/>
+                  </a:ext>
+                </a:extLst>
+              </p:cNvPr>
+              <p:cNvSpPr/>
+              <p:nvPr/>
+            </p:nvSpPr>
+            <p:spPr>
+              <a:xfrm rot="18795740">
+                <a:off x="6012494" y="1827501"/>
+                <a:ext cx="1090800" cy="400833"/>
+              </a:xfrm>
+              <a:prstGeom prst="curvedDownArrow">
+                <a:avLst/>
+              </a:prstGeom>
+              <a:noFill/>
+              <a:ln>
+                <a:solidFill>
+                  <a:schemeClr val="tx1"/>
+                </a:solidFill>
+              </a:ln>
+            </p:spPr>
+            <p:style>
+              <a:lnRef idx="2">
+                <a:schemeClr val="accent1">
+                  <a:shade val="50000"/>
+                </a:schemeClr>
+              </a:lnRef>
+              <a:fillRef idx="1">
+                <a:schemeClr val="accent1"/>
+              </a:fillRef>
+              <a:effectRef idx="0">
+                <a:schemeClr val="accent1"/>
+              </a:effectRef>
+              <a:fontRef idx="minor">
+                <a:schemeClr val="lt1"/>
+              </a:fontRef>
+            </p:style>
+            <p:txBody>
+              <a:bodyPr rtlCol="0" anchor="ctr"/>
+              <a:lstStyle/>
+              <a:p>
+                <a:pPr algn="ctr"/>
+                <a:endParaRPr lang="fr-FR">
+                  <a:solidFill>
+                    <a:schemeClr val="tx1"/>
+                  </a:solidFill>
+                </a:endParaRPr>
+              </a:p>
+            </p:txBody>
+          </p:sp>
+        </p:grpSp>
+        <p:sp>
+          <p:nvSpPr>
+            <p:cNvPr id="46" name="ZoneTexte 45">
+              <a:extLst>
+                <a:ext uri="{FF2B5EF4-FFF2-40B4-BE49-F238E27FC236}">
+                  <a16:creationId xmlns:a16="http://schemas.microsoft.com/office/drawing/2014/main" id="{AAEE9586-1DA4-455A-A71E-AAEBC02CA20D}"/>
+                </a:ext>
+              </a:extLst>
+            </p:cNvPr>
+            <p:cNvSpPr txBox="1"/>
+            <p:nvPr/>
+          </p:nvSpPr>
+          <p:spPr>
+            <a:xfrm>
+              <a:off x="6323523" y="3283887"/>
+              <a:ext cx="1191795" cy="402527"/>
+            </a:xfrm>
+            <a:prstGeom prst="rect">
+              <a:avLst/>
+            </a:prstGeom>
+            <a:noFill/>
+          </p:spPr>
+          <p:txBody>
+            <a:bodyPr wrap="none" rtlCol="0">
+              <a:spAutoFit/>
+            </a:bodyPr>
+            <a:lstStyle/>
+            <a:p>
+              <a:r>
+                <a:rPr lang="fr-FR" sz="1100" dirty="0" err="1"/>
+                <a:t>Wx</a:t>
+              </a:r>
+              <a:r>
+                <a:rPr lang="fr-FR" sz="1100" dirty="0"/>
+                <a:t> </a:t>
+              </a:r>
+              <a:r>
+                <a:rPr lang="fr-FR" sz="1100" dirty="0">
+                  <a:sym typeface="Wingdings" panose="05000000000000000000" pitchFamily="2" charset="2"/>
+                </a:rPr>
+                <a:t> </a:t>
+              </a:r>
+              <a:r>
+                <a:rPr lang="fr-FR" sz="1100" dirty="0" err="1">
+                  <a:sym typeface="Wingdings" panose="05000000000000000000" pitchFamily="2" charset="2"/>
+                </a:rPr>
+                <a:t>Wy</a:t>
+              </a:r>
+              <a:endParaRPr lang="fr-FR" sz="1100" dirty="0"/>
+            </a:p>
+          </p:txBody>
+        </p:sp>
+      </p:grpSp>
     </p:spTree>
     <p:extLst>
       <p:ext uri="{BB962C8B-B14F-4D97-AF65-F5344CB8AC3E}">
@@ -8981,6 +9933,612 @@
           <a:chExt cx="0" cy="0"/>
         </a:xfrm>
       </p:grpSpPr>
+      <p:cxnSp>
+        <p:nvCxnSpPr>
+          <p:cNvPr id="3" name="Connettore a gomito 48">
+            <a:extLst>
+              <a:ext uri="{FF2B5EF4-FFF2-40B4-BE49-F238E27FC236}">
+                <a16:creationId xmlns:a16="http://schemas.microsoft.com/office/drawing/2014/main" id="{F4FB521E-A102-40A7-9DEA-7724FF7DADF9}"/>
+              </a:ext>
+            </a:extLst>
+          </p:cNvPr>
+          <p:cNvCxnSpPr>
+            <a:cxnSpLocks/>
+          </p:cNvCxnSpPr>
+          <p:nvPr/>
+        </p:nvCxnSpPr>
+        <p:spPr>
+          <a:xfrm rot="5400000">
+            <a:off x="4680467" y="3106233"/>
+            <a:ext cx="361518" cy="260921"/>
+          </a:xfrm>
+          <a:prstGeom prst="bentConnector3">
+            <a:avLst/>
+          </a:prstGeom>
+          <a:ln>
+            <a:solidFill>
+              <a:schemeClr val="tx1"/>
+            </a:solidFill>
+          </a:ln>
+        </p:spPr>
+        <p:style>
+          <a:lnRef idx="1">
+            <a:schemeClr val="dk1"/>
+          </a:lnRef>
+          <a:fillRef idx="0">
+            <a:schemeClr val="dk1"/>
+          </a:fillRef>
+          <a:effectRef idx="0">
+            <a:schemeClr val="dk1"/>
+          </a:effectRef>
+          <a:fontRef idx="minor">
+            <a:schemeClr val="tx1"/>
+          </a:fontRef>
+        </p:style>
+      </p:cxnSp>
+      <p:cxnSp>
+        <p:nvCxnSpPr>
+          <p:cNvPr id="4" name="Connettore a gomito 49">
+            <a:extLst>
+              <a:ext uri="{FF2B5EF4-FFF2-40B4-BE49-F238E27FC236}">
+                <a16:creationId xmlns:a16="http://schemas.microsoft.com/office/drawing/2014/main" id="{DC6339F0-563E-4F84-B92C-B99D7CBAF0C2}"/>
+              </a:ext>
+            </a:extLst>
+          </p:cNvPr>
+          <p:cNvCxnSpPr>
+            <a:cxnSpLocks/>
+          </p:cNvCxnSpPr>
+          <p:nvPr/>
+        </p:nvCxnSpPr>
+        <p:spPr>
+          <a:xfrm rot="5400000">
+            <a:off x="4419545" y="3286993"/>
+            <a:ext cx="361518" cy="260921"/>
+          </a:xfrm>
+          <a:prstGeom prst="bentConnector3">
+            <a:avLst/>
+          </a:prstGeom>
+          <a:ln>
+            <a:solidFill>
+              <a:srgbClr val="00B050"/>
+            </a:solidFill>
+          </a:ln>
+        </p:spPr>
+        <p:style>
+          <a:lnRef idx="1">
+            <a:schemeClr val="dk1"/>
+          </a:lnRef>
+          <a:fillRef idx="0">
+            <a:schemeClr val="dk1"/>
+          </a:fillRef>
+          <a:effectRef idx="0">
+            <a:schemeClr val="dk1"/>
+          </a:effectRef>
+          <a:fontRef idx="minor">
+            <a:schemeClr val="tx1"/>
+          </a:fontRef>
+        </p:style>
+      </p:cxnSp>
+      <p:cxnSp>
+        <p:nvCxnSpPr>
+          <p:cNvPr id="5" name="Connettore a gomito 50">
+            <a:extLst>
+              <a:ext uri="{FF2B5EF4-FFF2-40B4-BE49-F238E27FC236}">
+                <a16:creationId xmlns:a16="http://schemas.microsoft.com/office/drawing/2014/main" id="{147EE801-BDFF-4514-9C16-C5C687BF62F3}"/>
+              </a:ext>
+            </a:extLst>
+          </p:cNvPr>
+          <p:cNvCxnSpPr>
+            <a:cxnSpLocks/>
+          </p:cNvCxnSpPr>
+          <p:nvPr/>
+        </p:nvCxnSpPr>
+        <p:spPr>
+          <a:xfrm rot="5400000" flipH="1">
+            <a:off x="4158623" y="3286993"/>
+            <a:ext cx="361518" cy="260921"/>
+          </a:xfrm>
+          <a:prstGeom prst="bentConnector3">
+            <a:avLst/>
+          </a:prstGeom>
+          <a:ln>
+            <a:solidFill>
+              <a:srgbClr val="00B050"/>
+            </a:solidFill>
+          </a:ln>
+        </p:spPr>
+        <p:style>
+          <a:lnRef idx="1">
+            <a:schemeClr val="dk1"/>
+          </a:lnRef>
+          <a:fillRef idx="0">
+            <a:schemeClr val="dk1"/>
+          </a:fillRef>
+          <a:effectRef idx="0">
+            <a:schemeClr val="dk1"/>
+          </a:effectRef>
+          <a:fontRef idx="minor">
+            <a:schemeClr val="tx1"/>
+          </a:fontRef>
+        </p:style>
+      </p:cxnSp>
+      <p:cxnSp>
+        <p:nvCxnSpPr>
+          <p:cNvPr id="6" name="Connettore a gomito 51">
+            <a:extLst>
+              <a:ext uri="{FF2B5EF4-FFF2-40B4-BE49-F238E27FC236}">
+                <a16:creationId xmlns:a16="http://schemas.microsoft.com/office/drawing/2014/main" id="{3F6CAD78-969C-432A-A06B-E9D248C54F5D}"/>
+              </a:ext>
+            </a:extLst>
+          </p:cNvPr>
+          <p:cNvCxnSpPr>
+            <a:cxnSpLocks/>
+          </p:cNvCxnSpPr>
+          <p:nvPr/>
+        </p:nvCxnSpPr>
+        <p:spPr>
+          <a:xfrm rot="5400000" flipH="1">
+            <a:off x="4419545" y="3106233"/>
+            <a:ext cx="361518" cy="260921"/>
+          </a:xfrm>
+          <a:prstGeom prst="bentConnector3">
+            <a:avLst/>
+          </a:prstGeom>
+          <a:ln>
+            <a:solidFill>
+              <a:schemeClr val="tx1"/>
+            </a:solidFill>
+          </a:ln>
+        </p:spPr>
+        <p:style>
+          <a:lnRef idx="1">
+            <a:schemeClr val="dk1"/>
+          </a:lnRef>
+          <a:fillRef idx="0">
+            <a:schemeClr val="dk1"/>
+          </a:fillRef>
+          <a:effectRef idx="0">
+            <a:schemeClr val="dk1"/>
+          </a:effectRef>
+          <a:fontRef idx="minor">
+            <a:schemeClr val="tx1"/>
+          </a:fontRef>
+        </p:style>
+      </p:cxnSp>
+      <p:cxnSp>
+        <p:nvCxnSpPr>
+          <p:cNvPr id="14" name="Connettore a gomito 59">
+            <a:extLst>
+              <a:ext uri="{FF2B5EF4-FFF2-40B4-BE49-F238E27FC236}">
+                <a16:creationId xmlns:a16="http://schemas.microsoft.com/office/drawing/2014/main" id="{B296C867-3C51-444A-A903-0A28D630D27B}"/>
+              </a:ext>
+            </a:extLst>
+          </p:cNvPr>
+          <p:cNvCxnSpPr>
+            <a:cxnSpLocks/>
+          </p:cNvCxnSpPr>
+          <p:nvPr/>
+        </p:nvCxnSpPr>
+        <p:spPr>
+          <a:xfrm rot="5400000">
+            <a:off x="4941390" y="2919030"/>
+            <a:ext cx="361519" cy="260922"/>
+          </a:xfrm>
+          <a:prstGeom prst="bentConnector3">
+            <a:avLst/>
+          </a:prstGeom>
+          <a:ln>
+            <a:solidFill>
+              <a:srgbClr val="00B050"/>
+            </a:solidFill>
+          </a:ln>
+        </p:spPr>
+        <p:style>
+          <a:lnRef idx="1">
+            <a:schemeClr val="dk1"/>
+          </a:lnRef>
+          <a:fillRef idx="0">
+            <a:schemeClr val="dk1"/>
+          </a:fillRef>
+          <a:effectRef idx="0">
+            <a:schemeClr val="dk1"/>
+          </a:effectRef>
+          <a:fontRef idx="minor">
+            <a:schemeClr val="tx1"/>
+          </a:fontRef>
+        </p:style>
+      </p:cxnSp>
+      <p:cxnSp>
+        <p:nvCxnSpPr>
+          <p:cNvPr id="15" name="Connettore a gomito 60">
+            <a:extLst>
+              <a:ext uri="{FF2B5EF4-FFF2-40B4-BE49-F238E27FC236}">
+                <a16:creationId xmlns:a16="http://schemas.microsoft.com/office/drawing/2014/main" id="{FD2479DF-9FCC-4FB7-B1B7-202934EC0D24}"/>
+              </a:ext>
+            </a:extLst>
+          </p:cNvPr>
+          <p:cNvCxnSpPr>
+            <a:cxnSpLocks/>
+          </p:cNvCxnSpPr>
+          <p:nvPr/>
+        </p:nvCxnSpPr>
+        <p:spPr>
+          <a:xfrm rot="5400000" flipH="1">
+            <a:off x="4680468" y="2919030"/>
+            <a:ext cx="361519" cy="260922"/>
+          </a:xfrm>
+          <a:prstGeom prst="bentConnector3">
+            <a:avLst/>
+          </a:prstGeom>
+          <a:ln>
+            <a:solidFill>
+              <a:srgbClr val="00B050"/>
+            </a:solidFill>
+          </a:ln>
+        </p:spPr>
+        <p:style>
+          <a:lnRef idx="1">
+            <a:schemeClr val="dk1"/>
+          </a:lnRef>
+          <a:fillRef idx="0">
+            <a:schemeClr val="dk1"/>
+          </a:fillRef>
+          <a:effectRef idx="0">
+            <a:schemeClr val="dk1"/>
+          </a:effectRef>
+          <a:fontRef idx="minor">
+            <a:schemeClr val="tx1"/>
+          </a:fontRef>
+        </p:style>
+      </p:cxnSp>
+      <p:cxnSp>
+        <p:nvCxnSpPr>
+          <p:cNvPr id="8" name="Connettore a gomito 53">
+            <a:extLst>
+              <a:ext uri="{FF2B5EF4-FFF2-40B4-BE49-F238E27FC236}">
+                <a16:creationId xmlns:a16="http://schemas.microsoft.com/office/drawing/2014/main" id="{5FCAC8F8-E3E5-42D8-847E-870E255E2727}"/>
+              </a:ext>
+            </a:extLst>
+          </p:cNvPr>
+          <p:cNvCxnSpPr>
+            <a:cxnSpLocks/>
+          </p:cNvCxnSpPr>
+          <p:nvPr/>
+        </p:nvCxnSpPr>
+        <p:spPr>
+          <a:xfrm rot="5400000" flipH="1">
+            <a:off x="3897701" y="3083697"/>
+            <a:ext cx="361518" cy="260921"/>
+          </a:xfrm>
+          <a:prstGeom prst="bentConnector3">
+            <a:avLst/>
+          </a:prstGeom>
+          <a:ln>
+            <a:solidFill>
+              <a:srgbClr val="00B050"/>
+            </a:solidFill>
+          </a:ln>
+        </p:spPr>
+        <p:style>
+          <a:lnRef idx="1">
+            <a:schemeClr val="dk1"/>
+          </a:lnRef>
+          <a:fillRef idx="0">
+            <a:schemeClr val="dk1"/>
+          </a:fillRef>
+          <a:effectRef idx="0">
+            <a:schemeClr val="dk1"/>
+          </a:effectRef>
+          <a:fontRef idx="minor">
+            <a:schemeClr val="tx1"/>
+          </a:fontRef>
+        </p:style>
+      </p:cxnSp>
+      <p:cxnSp>
+        <p:nvCxnSpPr>
+          <p:cNvPr id="9" name="Connettore a gomito 54">
+            <a:extLst>
+              <a:ext uri="{FF2B5EF4-FFF2-40B4-BE49-F238E27FC236}">
+                <a16:creationId xmlns:a16="http://schemas.microsoft.com/office/drawing/2014/main" id="{3821460A-AE07-4F85-BB93-E5D28C3E123A}"/>
+              </a:ext>
+            </a:extLst>
+          </p:cNvPr>
+          <p:cNvCxnSpPr>
+            <a:cxnSpLocks/>
+          </p:cNvCxnSpPr>
+          <p:nvPr/>
+        </p:nvCxnSpPr>
+        <p:spPr>
+          <a:xfrm rot="5400000">
+            <a:off x="3897701" y="2919030"/>
+            <a:ext cx="361518" cy="260921"/>
+          </a:xfrm>
+          <a:prstGeom prst="bentConnector3">
+            <a:avLst/>
+          </a:prstGeom>
+          <a:ln>
+            <a:solidFill>
+              <a:srgbClr val="00B050"/>
+            </a:solidFill>
+          </a:ln>
+        </p:spPr>
+        <p:style>
+          <a:lnRef idx="1">
+            <a:schemeClr val="dk1"/>
+          </a:lnRef>
+          <a:fillRef idx="0">
+            <a:schemeClr val="dk1"/>
+          </a:fillRef>
+          <a:effectRef idx="0">
+            <a:schemeClr val="dk1"/>
+          </a:effectRef>
+          <a:fontRef idx="minor">
+            <a:schemeClr val="tx1"/>
+          </a:fontRef>
+        </p:style>
+      </p:cxnSp>
+      <p:cxnSp>
+        <p:nvCxnSpPr>
+          <p:cNvPr id="10" name="Connettore a gomito 55">
+            <a:extLst>
+              <a:ext uri="{FF2B5EF4-FFF2-40B4-BE49-F238E27FC236}">
+                <a16:creationId xmlns:a16="http://schemas.microsoft.com/office/drawing/2014/main" id="{9066F5CD-A029-4B4F-8C26-2FF21A3F158D}"/>
+              </a:ext>
+            </a:extLst>
+          </p:cNvPr>
+          <p:cNvCxnSpPr>
+            <a:cxnSpLocks/>
+          </p:cNvCxnSpPr>
+          <p:nvPr/>
+        </p:nvCxnSpPr>
+        <p:spPr>
+          <a:xfrm rot="5400000" flipH="1">
+            <a:off x="3636779" y="2919030"/>
+            <a:ext cx="361518" cy="260921"/>
+          </a:xfrm>
+          <a:prstGeom prst="bentConnector3">
+            <a:avLst/>
+          </a:prstGeom>
+          <a:ln>
+            <a:solidFill>
+              <a:srgbClr val="00B050"/>
+            </a:solidFill>
+          </a:ln>
+        </p:spPr>
+        <p:style>
+          <a:lnRef idx="1">
+            <a:schemeClr val="dk1"/>
+          </a:lnRef>
+          <a:fillRef idx="0">
+            <a:schemeClr val="dk1"/>
+          </a:fillRef>
+          <a:effectRef idx="0">
+            <a:schemeClr val="dk1"/>
+          </a:effectRef>
+          <a:fontRef idx="minor">
+            <a:schemeClr val="tx1"/>
+          </a:fontRef>
+        </p:style>
+      </p:cxnSp>
+      <p:cxnSp>
+        <p:nvCxnSpPr>
+          <p:cNvPr id="11" name="Connettore a gomito 56">
+            <a:extLst>
+              <a:ext uri="{FF2B5EF4-FFF2-40B4-BE49-F238E27FC236}">
+                <a16:creationId xmlns:a16="http://schemas.microsoft.com/office/drawing/2014/main" id="{90F0AD5D-2118-46D6-8F67-6010BDCB911B}"/>
+              </a:ext>
+            </a:extLst>
+          </p:cNvPr>
+          <p:cNvCxnSpPr>
+            <a:cxnSpLocks/>
+          </p:cNvCxnSpPr>
+          <p:nvPr/>
+        </p:nvCxnSpPr>
+        <p:spPr>
+          <a:xfrm rot="5400000">
+            <a:off x="4158623" y="2715734"/>
+            <a:ext cx="361518" cy="260921"/>
+          </a:xfrm>
+          <a:prstGeom prst="bentConnector3">
+            <a:avLst/>
+          </a:prstGeom>
+          <a:ln>
+            <a:solidFill>
+              <a:srgbClr val="00B050"/>
+            </a:solidFill>
+          </a:ln>
+        </p:spPr>
+        <p:style>
+          <a:lnRef idx="1">
+            <a:schemeClr val="dk1"/>
+          </a:lnRef>
+          <a:fillRef idx="0">
+            <a:schemeClr val="dk1"/>
+          </a:fillRef>
+          <a:effectRef idx="0">
+            <a:schemeClr val="dk1"/>
+          </a:effectRef>
+          <a:fontRef idx="minor">
+            <a:schemeClr val="tx1"/>
+          </a:fontRef>
+        </p:style>
+      </p:cxnSp>
+      <p:cxnSp>
+        <p:nvCxnSpPr>
+          <p:cNvPr id="12" name="Connettore a gomito 57">
+            <a:extLst>
+              <a:ext uri="{FF2B5EF4-FFF2-40B4-BE49-F238E27FC236}">
+                <a16:creationId xmlns:a16="http://schemas.microsoft.com/office/drawing/2014/main" id="{899724A6-F3D2-4BD5-9842-7A3FE11281DB}"/>
+              </a:ext>
+            </a:extLst>
+          </p:cNvPr>
+          <p:cNvCxnSpPr>
+            <a:cxnSpLocks/>
+          </p:cNvCxnSpPr>
+          <p:nvPr/>
+        </p:nvCxnSpPr>
+        <p:spPr>
+          <a:xfrm rot="5400000" flipH="1">
+            <a:off x="3897701" y="2715734"/>
+            <a:ext cx="361518" cy="260921"/>
+          </a:xfrm>
+          <a:prstGeom prst="bentConnector3">
+            <a:avLst/>
+          </a:prstGeom>
+          <a:ln>
+            <a:solidFill>
+              <a:srgbClr val="00B050"/>
+            </a:solidFill>
+          </a:ln>
+        </p:spPr>
+        <p:style>
+          <a:lnRef idx="1">
+            <a:schemeClr val="dk1"/>
+          </a:lnRef>
+          <a:fillRef idx="0">
+            <a:schemeClr val="dk1"/>
+          </a:fillRef>
+          <a:effectRef idx="0">
+            <a:schemeClr val="dk1"/>
+          </a:effectRef>
+          <a:fontRef idx="minor">
+            <a:schemeClr val="tx1"/>
+          </a:fontRef>
+        </p:style>
+      </p:cxnSp>
+      <p:cxnSp>
+        <p:nvCxnSpPr>
+          <p:cNvPr id="17" name="Connettore a gomito 56">
+            <a:extLst>
+              <a:ext uri="{FF2B5EF4-FFF2-40B4-BE49-F238E27FC236}">
+                <a16:creationId xmlns:a16="http://schemas.microsoft.com/office/drawing/2014/main" id="{D088B1AD-D0E7-47B6-8ACB-AC6BD526B10F}"/>
+              </a:ext>
+            </a:extLst>
+          </p:cNvPr>
+          <p:cNvCxnSpPr>
+            <a:cxnSpLocks/>
+          </p:cNvCxnSpPr>
+          <p:nvPr/>
+        </p:nvCxnSpPr>
+        <p:spPr>
+          <a:xfrm rot="5400000">
+            <a:off x="5202314" y="2731828"/>
+            <a:ext cx="361518" cy="260921"/>
+          </a:xfrm>
+          <a:prstGeom prst="bentConnector3">
+            <a:avLst/>
+          </a:prstGeom>
+          <a:ln>
+            <a:solidFill>
+              <a:srgbClr val="00B050"/>
+            </a:solidFill>
+          </a:ln>
+        </p:spPr>
+        <p:style>
+          <a:lnRef idx="1">
+            <a:schemeClr val="dk1"/>
+          </a:lnRef>
+          <a:fillRef idx="0">
+            <a:schemeClr val="dk1"/>
+          </a:fillRef>
+          <a:effectRef idx="0">
+            <a:schemeClr val="dk1"/>
+          </a:effectRef>
+          <a:fontRef idx="minor">
+            <a:schemeClr val="tx1"/>
+          </a:fontRef>
+        </p:style>
+      </p:cxnSp>
+      <p:cxnSp>
+        <p:nvCxnSpPr>
+          <p:cNvPr id="18" name="Connettore a gomito 57">
+            <a:extLst>
+              <a:ext uri="{FF2B5EF4-FFF2-40B4-BE49-F238E27FC236}">
+                <a16:creationId xmlns:a16="http://schemas.microsoft.com/office/drawing/2014/main" id="{3A30F88C-226F-46BF-939D-161D0FCB3B50}"/>
+              </a:ext>
+            </a:extLst>
+          </p:cNvPr>
+          <p:cNvCxnSpPr>
+            <a:cxnSpLocks/>
+          </p:cNvCxnSpPr>
+          <p:nvPr/>
+        </p:nvCxnSpPr>
+        <p:spPr>
+          <a:xfrm rot="5400000" flipH="1">
+            <a:off x="4941392" y="2731828"/>
+            <a:ext cx="361518" cy="260921"/>
+          </a:xfrm>
+          <a:prstGeom prst="bentConnector3">
+            <a:avLst/>
+          </a:prstGeom>
+          <a:ln>
+            <a:solidFill>
+              <a:srgbClr val="00B050"/>
+            </a:solidFill>
+          </a:ln>
+        </p:spPr>
+        <p:style>
+          <a:lnRef idx="1">
+            <a:schemeClr val="dk1"/>
+          </a:lnRef>
+          <a:fillRef idx="0">
+            <a:schemeClr val="dk1"/>
+          </a:fillRef>
+          <a:effectRef idx="0">
+            <a:schemeClr val="dk1"/>
+          </a:effectRef>
+          <a:fontRef idx="minor">
+            <a:schemeClr val="tx1"/>
+          </a:fontRef>
+        </p:style>
+      </p:cxnSp>
+      <p:sp>
+        <p:nvSpPr>
+          <p:cNvPr id="20" name="Ellipse 19">
+            <a:extLst>
+              <a:ext uri="{FF2B5EF4-FFF2-40B4-BE49-F238E27FC236}">
+                <a16:creationId xmlns:a16="http://schemas.microsoft.com/office/drawing/2014/main" id="{9000F7DA-A8BB-4780-9FD2-108811BF9F76}"/>
+              </a:ext>
+            </a:extLst>
+          </p:cNvPr>
+          <p:cNvSpPr/>
+          <p:nvPr/>
+        </p:nvSpPr>
+        <p:spPr>
+          <a:xfrm>
+            <a:off x="4383025" y="2787306"/>
+            <a:ext cx="695480" cy="695480"/>
+          </a:xfrm>
+          <a:prstGeom prst="ellipse">
+            <a:avLst/>
+          </a:prstGeom>
+          <a:noFill/>
+        </p:spPr>
+        <p:style>
+          <a:lnRef idx="2">
+            <a:schemeClr val="accent1">
+              <a:shade val="50000"/>
+            </a:schemeClr>
+          </a:lnRef>
+          <a:fillRef idx="1">
+            <a:schemeClr val="accent1"/>
+          </a:fillRef>
+          <a:effectRef idx="0">
+            <a:schemeClr val="accent1"/>
+          </a:effectRef>
+          <a:fontRef idx="minor">
+            <a:schemeClr val="lt1"/>
+          </a:fontRef>
+        </p:style>
+        <p:txBody>
+          <a:bodyPr rtlCol="0" anchor="ctr"/>
+          <a:lstStyle/>
+          <a:p>
+            <a:pPr algn="ctr"/>
+            <a:endParaRPr lang="fr-FR"/>
+          </a:p>
+        </p:txBody>
+      </p:sp>
     </p:spTree>
     <p:extLst>
       <p:ext uri="{BB962C8B-B14F-4D97-AF65-F5344CB8AC3E}">
@@ -9283,7 +10841,7 @@
   <a:extraClrSchemeLst/>
   <a:extLst>
     <a:ext uri="{05A4C25C-085E-4340-85A3-A5531E510DB2}">
-      <thm15:themeFamily xmlns:thm15="http://schemas.microsoft.com/office/thememl/2012/main" xmlns="" name="Office Theme" id="{62F939B6-93AF-4DB8-9C6B-D6C7DFDC589F}" vid="{4A3C46E8-61CC-4603-A589-7422A47A8E4A}"/>
+      <thm15:themeFamily xmlns:thm15="http://schemas.microsoft.com/office/thememl/2012/main" name="Office Theme" id="{62F939B6-93AF-4DB8-9C6B-D6C7DFDC589F}" vid="{4A3C46E8-61CC-4603-A589-7422A47A8E4A}"/>
     </a:ext>
   </a:extLst>
 </a:theme>
